--- a/Deep_learning/deep learning_itvedant.pptx
+++ b/Deep_learning/deep learning_itvedant.pptx
@@ -4,23 +4,45 @@
   <p:sldMasterIdLst>
     <p:sldMasterId id="2147483648" r:id="rId1"/>
   </p:sldMasterIdLst>
+  <p:notesMasterIdLst>
+    <p:notesMasterId r:id="rId19"/>
+  </p:notesMasterIdLst>
   <p:sldIdLst>
-    <p:sldId id="256" r:id="rId3"/>
-    <p:sldId id="258" r:id="rId4"/>
-    <p:sldId id="262" r:id="rId5"/>
-    <p:sldId id="259" r:id="rId6"/>
-    <p:sldId id="260" r:id="rId7"/>
-    <p:sldId id="261" r:id="rId8"/>
-    <p:sldId id="263" r:id="rId9"/>
-    <p:sldId id="264" r:id="rId10"/>
-    <p:sldId id="265" r:id="rId11"/>
-    <p:sldId id="266" r:id="rId12"/>
-    <p:sldId id="267" r:id="rId13"/>
-    <p:sldId id="269" r:id="rId14"/>
-    <p:sldId id="268" r:id="rId15"/>
-    <p:sldId id="270" r:id="rId16"/>
-    <p:sldId id="271" r:id="rId17"/>
-    <p:sldId id="272" r:id="rId18"/>
+    <p:sldId id="276" r:id="rId3"/>
+    <p:sldId id="277" r:id="rId4"/>
+    <p:sldId id="278" r:id="rId5"/>
+    <p:sldId id="256" r:id="rId6"/>
+    <p:sldId id="258" r:id="rId7"/>
+    <p:sldId id="262" r:id="rId8"/>
+    <p:sldId id="279" r:id="rId9"/>
+    <p:sldId id="259" r:id="rId10"/>
+    <p:sldId id="260" r:id="rId11"/>
+    <p:sldId id="283" r:id="rId12"/>
+    <p:sldId id="281" r:id="rId13"/>
+    <p:sldId id="282" r:id="rId14"/>
+    <p:sldId id="301" r:id="rId15"/>
+    <p:sldId id="318" r:id="rId16"/>
+    <p:sldId id="320" r:id="rId17"/>
+    <p:sldId id="321" r:id="rId18"/>
+    <p:sldId id="323" r:id="rId20"/>
+    <p:sldId id="322" r:id="rId21"/>
+    <p:sldId id="317" r:id="rId22"/>
+    <p:sldId id="319" r:id="rId23"/>
+    <p:sldId id="302" r:id="rId24"/>
+    <p:sldId id="303" r:id="rId25"/>
+    <p:sldId id="300" r:id="rId26"/>
+    <p:sldId id="269" r:id="rId27"/>
+    <p:sldId id="280" r:id="rId28"/>
+    <p:sldId id="261" r:id="rId29"/>
+    <p:sldId id="263" r:id="rId30"/>
+    <p:sldId id="264" r:id="rId31"/>
+    <p:sldId id="265" r:id="rId32"/>
+    <p:sldId id="266" r:id="rId33"/>
+    <p:sldId id="267" r:id="rId34"/>
+    <p:sldId id="268" r:id="rId35"/>
+    <p:sldId id="270" r:id="rId36"/>
+    <p:sldId id="271" r:id="rId37"/>
+    <p:sldId id="272" r:id="rId38"/>
   </p:sldIdLst>
   <p:sldSz cx="12192000" cy="6858000"/>
   <p:notesSz cx="6858000" cy="9144000"/>
@@ -120,6 +142,865 @@
     </a:lvl9pPr>
   </p:defaultTextStyle>
 </p:presentation>
+</file>
+
+<file path=ppt/ink/ink1.xml><?xml version="1.0" encoding="utf-8"?>
+<inkml:ink xmlns:inkml="http://www.w3.org/2003/InkML">
+  <inkml:definitions>
+    <inkml:context xml:id="ctx0">
+      <inkml:inkSource xml:id="inkSrc0">
+        <inkml:traceFormat>
+          <inkml:channel name="X" type="integer" units="cm"/>
+          <inkml:channel name="Y" type="integer" units="cm"/>
+          <inkml:channel name="F" type="integer" max="1023" units="dev"/>
+        </inkml:traceFormat>
+        <inkml:channelProperties>
+          <inkml:channelProperty channel="X" name="resolution" value="28.3464566929134" units="1/cm"/>
+          <inkml:channelProperty channel="Y" name="resolution" value="28.3464566929134" units="1/cm"/>
+          <inkml:channelProperty channel="F" name="resolution" value="0" units="1/dev"/>
+        </inkml:channelProperties>
+      </inkml:inkSource>
+      <inkml:timestamp xml:id="ts0" timeString="2025-02-17T18:44:32"/>
+    </inkml:context>
+    <inkml:brush xml:id="br0">
+      <inkml:brushProperty name="width" value="0.0529194456206428" units="cm"/>
+      <inkml:brushProperty name="height" value="0.0529194456206428" units="cm"/>
+      <inkml:brushProperty name="color" value="#f80600"/>
+      <inkml:brushProperty name="ignorePressure" value="0"/>
+    </inkml:brush>
+  </inkml:definitions>
+  <inkml:trace contextRef="#ctx0" brushRef="#br0">7818.192 7025.639 767,'7.332'0.000'0,"0.847"0.000"0,-0.061 0.000-6,1.141 0.000 4,1.583 0.000 1,-4.652 0.000 0,0.134 0.000 0,0.437 0.000 0,-0.110 0.000 0,-0.179 0.000 1,5.146-1.400 0,-1.475-1.907 1,1.271-0.527-1,-4.623 1.871 0,-0.018 0.293 0,3.662-0.295-1,-3.145 0.628 0,-0.028-0.424 1,-0.179-0.561 1,3.500-1.533 0,-0.899 0.474-2,0.389-0.189 1,-1.569-0.239 1,-1.313-0.458-1,-1.030 0.403 0,-0.266 0.956 0,0.283 0.752 1,0.102-0.459 1,-0.335-0.935-2,-0.369-0.353-1,1.613 0.309 1,0.998-0.896 0,3.452-1.917-1,-2.744 1.612 0,0.693-0.729-2,0.042-0.659 1,0.330-0.555-1,0.520-0.455 1,1.660-0.879-2,0.020 0.495 2,-1.913 1.086 4,-0.884 0.103-2,-1.701 1.085-1,-0.385 0.406 0,0.320-0.473 1,-0.870 0.014 4,-0.560 0.263-2,-0.312 0.427 1,0.579 0.080-1,-0.011 0.722-1,2.749-1.932 1,0.682-0.587-1,-0.669-0.265 0,-4.330 2.214 0,0.113-0.572-1,1.059-1.051-1,0.027 0.432 1,-0.044 0.737-1,1.117-1.542 0,0.392-2.075 1,-0.401-0.298 2,-2.846 3.514-1,0.144-0.064-2,0.159-0.040 0,0.485-0.383 0,0.134 0.022 1,0.094 0.049 0,-1.102 0.747 0,-0.435-0.309 0,2.200-3.678-1,-1.991 2.820 2,0.186-0.455 0,0.135-0.392-1,0.092-0.326-1,-0.598 1.091 0,0.282-0.230 0,0.665-1.218-1,-0.162-0.229 0,0.046-0.168 1,0.193-0.118 1,0.288-0.099 1,0.343-0.082 0,0.388-0.042-1,0.403-0.011-1,2.510-2.558 1,-0.017 0.621-1,-0.294 0.802 0,-2.604 2.734 1,-0.629 0.193 0,-0.315-0.329-1,-0.077-0.685 1,-0.281-0.505 4,-0.413-0.354 0,-0.487-0.229-6,-0.517-0.129 1,-0.138-0.454-1,0.140-0.662 2,1.426-3.770 0,0.337 0.425 1,0.275 0.930-3,-1.432 3.621 0,-0.279 0.412 1,0.018-0.092 1,0.227-0.445 0,-0.012-0.276 3,-0.181-0.142 1,-0.293-0.040-5,-0.358 0.034 0,-0.012 0.062-1,0.236 0.079 2,1.507-3.080 0,0.367 0.116 1,0.260 0.193-1,-1.005 2.153 0,-0.382 0.272-1,-1.137 2.278 0,-0.315 0.096 0,0.647-2.448 0,0.313-0.660 5,-0.727 2.068-2,-0.087-0.167-1,0.531-1.715-2,0.359-0.654 0,1.745-3.946-2,0.397 0.549 4,0.229 1.073-3,-1.631 3.843 1,-0.331 0.449 0,-0.014 0.355 0,0.212 0.271 1,-0.036 0.198 2,-0.213 0.137 2,-0.328 0.213-1,-0.395 0.257-4,-0.423 0.276 1,0.590-3.404 1,-1.765 4.197-1,-0.276-0.163 0,0.217-1.550 1,0.350-0.855 0,0.169-0.948 0,0.031-0.969-2,-0.002 0.604-1,0.396-0.781 0,0.986-2.184 0,0.688-0.206 0,1.388-2.009 0,0.789-0.276-1,-0.177 1.540 2,0.457-0.252 0,-0.500 1.587 1,0.303-0.268-1,1.785-3.771 0,-0.478 0.448 0,-1.072 2.063 1,-0.095 0.097-1,0.032-0.042 0,0.121-0.140 2,-0.222 0.198 2,-0.455 0.429-3,-0.224 0.574 0,-0.048 0.649-1,-0.297 0.649 1,-0.461 0.619 0,1.068-2.011 4,-0.381 2.167-2,-0.250 2.260-1,-2.067 3.646 0,2.860-5.505 4,-3.456 4.818 0,1.568-3.519-1,-1.597 3.568-5,-0.063-0.370 0,0.615-1.212 0,0.524-0.339 1,-0.729 1.561-1,-0.044-0.179 1,0.628-1.428-1,0.034 0.147 0,0.048 0.293 0,0.056 0.379 1,-0.749 1.055 0,-0.184-0.509 0,0.875-4.136-1,-0.638-0.057 0,-0.639 0.403 1,-0.909 2.783 0,-0.301 0.143 1,0.340-2.547-2,0.310-0.185 1,0.491-0.200 3,-0.383 2.316-2,-0.049 0.378-2,-0.130 0.447 0,-0.180 0.472-1,0.131 0.584 2,0.480 0.022 0,0.242-0.458 1,0.062-0.778 1,-0.070-0.592-1,-0.161-0.432 0,0.160-0.321-2,0.381-0.228 0,-0.232 0.710-1,-0.008-0.575 1,1.028-3.645 1,0.482-1.051-1,1.311-3.242 0,0.354 0.016-1,0.190 0.503-1,-2.173 5.631 2,-0.252-0.132-1,0.969-3.501 1,0.237-0.447 0,-1.099 2.965 2,-0.181-0.371 1,0.523-2.255 0,0.225-0.482-4,0.344-0.054 1,0.413 0.253 0,0.689-1.670 1,-0.276 0.097-1,-1.186 3.580 0,0.131-0.130 1,1.114-3.955 1,-0.379-0.217-1,-1.127 3.944 0,0.148 0.342 0,0.525-1.635 0,-0.242-0.012-1,0.005-0.099 1,0.179-0.156 1,-0.082-0.212 1,-0.264-0.243-2,-0.004-0.630-1,0.182-0.876 0,0.921-2.809 1,0.428-0.335-1,-0.660 2.121 0,-0.260 0.011-1,-0.006-0.331 0,0.176-0.558 1,-0.105-0.293 1,-0.299-0.091 1,-0.047 0.034-1,0.136 0.122-1,-0.660 2.458-1,-0.208 0.115 2,0.576-3.952 1,-0.577 1.067-1,-0.899 4.414 1,0.128-0.164-1,0.817-3.987 1,-0.233 0.700 3,-0.301 2.812-3,0.288 0.923-2,0.041 0.566 0,-0.137 0.284 1,-0.620 1.109 2,-0.248-1.142 1,0.771-4.403 0,0.346 0.632-4,-0.800 4.344 0,-0.095 0.573-1,0.503-2.979 0,-0.384 0.266-1,-0.897 3.625 5,-0.266 0.348 3,0.533-2.495-2,0.376 0.722-4,-0.521 2.973 0,-0.031-0.101 2,0.511-2.117 2,0.124 0.169-2,0.155 0.300-1,0.170 0.374-1,-0.563 1.938 1,-0.110-0.253-1,0.518-1.917 0,0.395-0.665-1,0.128-0.667 2,-0.068-0.636 2,0.633-2.421-1,0.389-0.573-3,-0.962 3.661 0,-0.120 0.210 1,0.571-1.753 0,0.272-0.108 0,0.001-0.163 0,-0.193-0.193 1,0.056-0.229 4,0.229-0.245-5,-0.034-0.622-1,-0.220-0.860 2,0.058-0.588 0,0.254-0.368-1,0.506-1.949-1,-0.301 0.837 1,-0.865 2.985-1,-0.434 0.990 1,-0.080 0.639 1,0.176 0.358 0,-0.029 0.519 5,-0.172 0.608-1,-0.267 0.244-1,-0.321-0.028-4,0.655-4.015 1,0.083 0.484 3,0.230 0.699-4,-0.940 4.347 1,-0.176 0.539-1,-0.470 1.648 0,-0.200 0.299 1,0.123-1.973-1,-0.340 0.393 6,-0.407 1.365-1,-0.226 0.192-3,-0.198 0.150 0,-0.169 0.113-1,-0.141-0.296 0,-0.114-0.574 0,0.288-0.767 1,0.560-0.870-1,0.351-0.877-1,0.186-0.842-1,0.459-0.800 0,0.632-0.733 0,-0.082 1.241 0,0.094-0.484 1,0.717-4.525-1,-0.230-0.483 0,-0.907 3.862 1,-0.236-0.191 0,0.338-2.315 0,0.304-0.157 0,0.092-0.097 0,-0.064-0.049 1,-0.171 0.388 1,-0.240 0.681-2,-0.277 0.479 1,-0.291 0.314 0,-0.287-0.219 0,-0.271-0.588 2,0.131-0.447 1,0.411-0.324-3,0.213-0.600-1,0.063-0.767 0,-0.048-0.450-1,-0.123-0.202 1,0.605-0.417 0,1.096-0.551-1,0.994-0.997 1,0.873-1.267 0,0.370-1.023 1,-0.007-0.801-2,-0.273-0.205 0,-0.452 0.229-1,-0.556 0.881 0,-0.605 1.304 1,-0.295-1.188 2,-0.733 1.420 0,-0.115-0.424 3,-0.077 2.035 4,0.151 1.944-2,-0.619 4.054-4,-0.149-0.128 1,-0.200-0.216-1,-0.227-0.270 0,-0.235-0.271 0,-0.229-0.260 0,-0.136-3.143 0,-0.241-1.735-2,-0.243 1.795 0,-0.139 0.161 1,-0.103-1.970-2,-0.112 0.393-1,-0.078 3.986 0,-0.039-0.853 1,-0.058-7.868 8,-0.035 0.376-6,-0.017 1.177-2,0.019 5.673 0,0.003 1.248 1,0.006 1.247-1,0.008 1.188 2,0.009 0.689 0,0.009 0.302 7,0.009 0.412 2,0.008 0.471-6,0.008 0.491-3,0.006 0.482 0,0.006-0.725-1,0.004-1.551 3,0.404-1.264 0,0.670-1.000-3,0.427-0.789-2,0.234-0.602 0,0.085-0.793 0,-0.025-0.892 0,-0.102-0.567 2,-0.152-0.309 0,-0.180-0.488 0,-0.192-0.592-1,-0.191-0.615 1,-0.182-0.602 0,-0.167-0.211 1,-0.147 0.077-1,-0.127 0.680 0,-0.107 1.076-1,0.290 0.907 1,0.559 0.744 1,0.346 0.994 1,0.180 1.125 1,0.629-3.422 5,-0.132 1.803-6,-0.257 1.642 1,-0.640 4.857 2,-0.183 0.797-4,-0.098-0.892 0,-0.208-0.056 0,-0.226 0.555 6,-0.127-1.137-2,-0.108-1.042-5,-0.089-0.925 0,-0.072-1.175-2,-0.056-1.297 1,-0.042-0.923-1,-0.030-0.613 1,-0.012 1.898 1,-0.010-0.252-1,-0.015-2.523-1,-0.003-0.064 1,0.001 0.048 2,0.004 0.126 0,0.000-2.038 0,0.009 0.430 0,0.017 4.728 0,0.005 0.177 1,0.003-2.419-1,0.006-0.528 1,0.005-0.283 0,0.005-0.095 0,0.004 0.019-1,0.003 0.100-2,0.002-0.201 0,0.002-0.406 2,0.002 0.198 0,0.001 0.619 1,0.000 0.913-1,0.000 1.079-1,0.001 1.146 0,0.000 1.140 0,-0.001 1.083 4,0.000 0.990 1,0.000 0.854 0,0.000 0.717-1,-0.001 0.609 0,0.000 0.504-1,0.000 0.109 0,0.000 0.724-1,-0.001 0.723-1,0.000 0.684 1,0.000-3.700 0,0.000 2.715-1,0.000 0.263 1,0.000 0.313 1,0.000-3.518-1,0.000 4.287-2,0.000 0.260 1,0.000-4.972 1,0.000 2.088-1,0.000 0.046-1,0.000-0.534 2,0.000 0.218 0,0.000-2.340-2,0.000 4.717 0,0.000 0.067 1,0.000-2.394 0,1.726-2.333-1,0.914 1.882 2,-0.253 2.209 1,0.732-0.626-2,-0.506 1.528-1,0.046-0.272 0,1.164-2.359-1,0.553-0.203 0,-0.904 2.056 1,-0.074-0.048 0,1.365-3.783 2,-0.653 0.544-2,-0.747 0.779 0,-0.881 3.197 1,0.231 0.836 1,0.036 0.469-1,2.787-5.687 4,-3.029 5.556-3,1.248-4.259 2,-1.311 1.425-4,0.166 1.031 0,0.904 0.636 1,0.018-0.444 1,-0.444-1.768 0,-0.969-0.047 0,-0.695 1.726 0,1.981 1.001-2,1.451 0.456 1,0.476-0.655 2,-2.611-0.619-3,-0.905-1.587 1,1.385-0.449 1,0.928 0.128-3,-0.719 2.986 1,0.101-0.259 0,0.899-1.320 0,0.230 0.073 1,0.200 0.220-1,-0.007 0.561 1,-0.383 1.067-1,2.976-2.209 0,-1.852 3.781 2,0.462 2.293 0,-0.683-1.879 3,-0.868-0.840-2,1.476-2.504-1,-1.114 0.510-2,-0.247 1.410 1,1.863 0.721-2,-1.929-0.796 2,-2.372-1.222 3,-1.055-0.403-2,-0.691 0.403-3,-0.410-0.867 0,-0.319 0.174 2,0.173 0.340 1,3.627-0.074-1,2.162 1.747 1,2.112 0.558-1,0.516-0.782-1,-0.404-1.544 0,1.199-1.164-2,-4.769 3.431 2,0.697-1.340 1,-0.573 0.372 0,-0.589 0.653 0,2.235-2.445-1,-1.651 2.976 2,1.832 1.589-1</inkml:trace>
+</inkml:ink>
+</file>
+
+<file path=ppt/ink/ink10.xml><?xml version="1.0" encoding="utf-8"?>
+<inkml:ink xmlns:inkml="http://www.w3.org/2003/InkML">
+  <inkml:definitions>
+    <inkml:context xml:id="ctx0">
+      <inkml:inkSource xml:id="inkSrc0">
+        <inkml:traceFormat>
+          <inkml:channel name="X" type="integer" units="cm"/>
+          <inkml:channel name="Y" type="integer" units="cm"/>
+          <inkml:channel name="F" type="integer" max="1023" units="dev"/>
+        </inkml:traceFormat>
+        <inkml:channelProperties>
+          <inkml:channelProperty channel="X" name="resolution" value="28.3464566929134" units="1/cm"/>
+          <inkml:channelProperty channel="Y" name="resolution" value="28.3464566929134" units="1/cm"/>
+          <inkml:channelProperty channel="F" name="resolution" value="0" units="1/dev"/>
+        </inkml:channelProperties>
+      </inkml:inkSource>
+      <inkml:timestamp xml:id="ts0" timeString="2025-02-17T18:35:17"/>
+    </inkml:context>
+    <inkml:brush xml:id="br0">
+      <inkml:brushProperty name="width" value="0.0529194456206428" units="cm"/>
+      <inkml:brushProperty name="height" value="0.0529194456206428" units="cm"/>
+      <inkml:brushProperty name="color" value="#f80600"/>
+      <inkml:brushProperty name="ignorePressure" value="0"/>
+    </inkml:brush>
+  </inkml:definitions>
+  <inkml:trace contextRef="#ctx0" brushRef="#br0">1930.192 1609.639 767,'0.000'7.028'0,"0.000"-0.217"-4,0.000-12.871 5,0.000 0.034-1</inkml:trace>
+</inkml:ink>
+</file>
+
+<file path=ppt/ink/ink11.xml><?xml version="1.0" encoding="utf-8"?>
+<inkml:ink xmlns:inkml="http://www.w3.org/2003/InkML">
+  <inkml:definitions>
+    <inkml:context xml:id="ctx0">
+      <inkml:inkSource xml:id="inkSrc0">
+        <inkml:traceFormat>
+          <inkml:channel name="X" type="integer" units="cm"/>
+          <inkml:channel name="Y" type="integer" units="cm"/>
+          <inkml:channel name="F" type="integer" max="1023" units="dev"/>
+        </inkml:traceFormat>
+        <inkml:channelProperties>
+          <inkml:channelProperty channel="X" name="resolution" value="28.3464566929134" units="1/cm"/>
+          <inkml:channelProperty channel="Y" name="resolution" value="28.3464566929134" units="1/cm"/>
+          <inkml:channelProperty channel="F" name="resolution" value="0" units="1/dev"/>
+        </inkml:channelProperties>
+      </inkml:inkSource>
+      <inkml:timestamp xml:id="ts0" timeString="2025-02-17T18:35:17"/>
+    </inkml:context>
+    <inkml:brush xml:id="br0">
+      <inkml:brushProperty name="width" value="0.0529194456206428" units="cm"/>
+      <inkml:brushProperty name="height" value="0.0529194456206428" units="cm"/>
+      <inkml:brushProperty name="color" value="#f80600"/>
+      <inkml:brushProperty name="ignorePressure" value="0"/>
+    </inkml:brush>
+  </inkml:definitions>
+  <inkml:trace contextRef="#ctx0" brushRef="#br0">1963.192 1593.639 767,'7.636'0.000'0,"-1.036"0.000"0</inkml:trace>
+</inkml:ink>
+</file>
+
+<file path=ppt/ink/ink12.xml><?xml version="1.0" encoding="utf-8"?>
+<inkml:ink xmlns:inkml="http://www.w3.org/2003/InkML">
+  <inkml:definitions>
+    <inkml:context xml:id="ctx0">
+      <inkml:inkSource xml:id="inkSrc0">
+        <inkml:traceFormat>
+          <inkml:channel name="X" type="integer" units="cm"/>
+          <inkml:channel name="Y" type="integer" units="cm"/>
+          <inkml:channel name="F" type="integer" max="1023" units="dev"/>
+        </inkml:traceFormat>
+        <inkml:channelProperties>
+          <inkml:channelProperty channel="X" name="resolution" value="28.3464566929134" units="1/cm"/>
+          <inkml:channelProperty channel="Y" name="resolution" value="28.3464566929134" units="1/cm"/>
+          <inkml:channelProperty channel="F" name="resolution" value="0" units="1/dev"/>
+        </inkml:channelProperties>
+      </inkml:inkSource>
+      <inkml:timestamp xml:id="ts0" timeString="2025-02-17T18:35:21"/>
+    </inkml:context>
+    <inkml:brush xml:id="br0">
+      <inkml:brushProperty name="width" value="0.0529194456206428" units="cm"/>
+      <inkml:brushProperty name="height" value="0.0529194456206428" units="cm"/>
+      <inkml:brushProperty name="color" value="#f80600"/>
+      <inkml:brushProperty name="ignorePressure" value="0"/>
+    </inkml:brush>
+  </inkml:definitions>
+  <inkml:trace contextRef="#ctx0" brushRef="#br0">2239.192 2666.639 767,'0.000'-6.240'0,"0.000"0.197"0,-0.477-0.614-5,-2.013-0.095 5,-0.707-4.589-3,1.426 3.881 2,0.113-0.298-2,0.167-0.007 1,-0.583-1.431 0,-0.641 0.012 0,-0.708-1.808 0,1.193 3.464 2,0.149-0.146 1,-0.297-2.231 1,0.534 1.142-1,0.547 1.452-1,0.161-2.852 0,1.955 3.666 0,5.536 6.985 2,0.546 0.306 0,-0.285-0.789 0,4.896-0.015 1,-4.463 0.378-5,0.610 0.627 0,3.158 1.042 0,-0.059 0.267 0,-0.462-0.029 0,-1.742-0.397 1,-0.830-0.238 1,-0.850-0.267-1,-0.806-0.268 1,3.154 0.685 1,-2.664 1.796 1,-1.527 0.894 3,0.543 0.655-2,0.708-2.048-3,-12.582-3.245 3,-0.585 0.172 0,0.124-0.013-5,-1.507-0.001 0,0.436-0.000 0,0.633 0.000 1,0.720 0.000 1,0.385 0.000 1,-0.339 0.000 0,0.116 0.000-2,-0.215 0.000 1,-0.177 0.000 0,-0.166 0.000 0,0.110 0.000 1,0.539 0.000-2,-0.893 0.000 1,0.619 0.000 0,-0.029 0.000 0,1.931-4.065 1,4.593-2.071 0,0.004-0.572 0,0.000-4.205-2,0.000 4.033 0,0.000-1.237 0,1.071-3.512-2,0.383 4.114 1,0.272 0.010 0,0.097 0.193 0,-0.030 0.310 1,0.274-1.334 2,-0.286 0.501-1,-0.325 0.490 0,-0.262 0.773 0,0.504-3.057 2,-0.146 2.863 0,4.657 7.051 0,0.065-0.321-1,-3.216 6.703 2,0.849-0.731-2,0.229 1.525-1,-0.653 0.764-3,-1.012 0.090 3,-1.004-0.319-2,-0.781-0.578 2,-0.441 2.208 0,-0.271 0.003 1,-0.083 2.996 0,0.039-5.158-3,-0.012 1.695-1,0.007-0.101 2,0.011-0.347 0,-0.435-0.050 0,-0.673 0.137 1,-0.763 0.241 1,0.532-3.064-1,-0.049 0.124-1,-0.388 2.010 1,0.127 0.174-1,0.494-1.781 1,0.129 0.099 1,-0.593 1.616 1,-0.598-0.674-3,0.042-1.177 1,-0.045-0.164 0,0.076-0.009 0,0.158 0.102 1,-0.369 1.918 1,0.452-0.983-2,0.448-1.236 0,-0.364 2.247-1</inkml:trace>
+</inkml:ink>
+</file>
+
+<file path=ppt/ink/ink13.xml><?xml version="1.0" encoding="utf-8"?>
+<inkml:ink xmlns:inkml="http://www.w3.org/2003/InkML">
+  <inkml:definitions>
+    <inkml:context xml:id="ctx0">
+      <inkml:inkSource xml:id="inkSrc0">
+        <inkml:traceFormat>
+          <inkml:channel name="X" type="integer" units="cm"/>
+          <inkml:channel name="Y" type="integer" units="cm"/>
+          <inkml:channel name="F" type="integer" max="1023" units="dev"/>
+        </inkml:traceFormat>
+        <inkml:channelProperties>
+          <inkml:channelProperty channel="X" name="resolution" value="28.3464566929134" units="1/cm"/>
+          <inkml:channelProperty channel="Y" name="resolution" value="28.3464566929134" units="1/cm"/>
+          <inkml:channelProperty channel="F" name="resolution" value="0" units="1/dev"/>
+        </inkml:channelProperties>
+      </inkml:inkSource>
+      <inkml:timestamp xml:id="ts0" timeString="2025-02-17T18:35:24"/>
+    </inkml:context>
+    <inkml:brush xml:id="br0">
+      <inkml:brushProperty name="width" value="0.0529194456206428" units="cm"/>
+      <inkml:brushProperty name="height" value="0.0529194456206428" units="cm"/>
+      <inkml:brushProperty name="color" value="#f80600"/>
+      <inkml:brushProperty name="ignorePressure" value="0"/>
+    </inkml:brush>
+  </inkml:definitions>
+  <inkml:trace contextRef="#ctx0" brushRef="#br0">2028.192 3902.639 767,'-6.057'0.000'0,"-0.272"0.000"0,3.228-6.410-6,2.735-3.230 5,0.179-2.202-1,0.124 0.314 0,0.066 1.809 1,0.025 1.825 0,0.016 0.453 0,-0.012 1.128 3,-0.035 0.064-1,4.728 2.250 2,2.645 3.904-1,1.315 0.125-2,-1.949-0.012-2,0.554-0.001 1,4.365 0.005-2,-4.412-0.013 2,-0.216-0.002-1,-0.401-0.002 2,-0.495-0.002 1,4.889 0.000 8,-3.474-0.003-15,-13.730-0.006 11,-1.700 0.004-2,-0.178 0.289-5,-0.704 1.948 0,-2.489 1.312 0,5.476-1.756 0,-5.582 1.229 0,3.870-1.231 0,0.355 0.041 1,0.562 0.104 2,0.646 0.136 0,-4.029 2.502-1,1.134-0.175-1,0.369-1.275 2,1.249-1.309 2,-0.998-0.798-1,2.074-0.986-3,12.436-0.503 6,-0.647-2.832-4,-1.829-4.565-2,-0.925 1.882-1,0.764-1.926-1,0.052-0.831 1,-0.184 0.563 0,0.374-0.283-1,0.694-1.208 1,-0.214 0.445 1,-0.417 0.673 1,-0.526 0.784 0,-0.567 0.809 0,2.266-2.895 0,-1.360 5.123 0,3.206-1.145 7,-1.466 3.445-4,1.536 2.310-2,-0.653 1.571-2,-3.584-6.851 3,-0.880-0.573 0,2.730 1.513-2,2.096 4.172-1,-2.308 4.359 1,-4.707 1.972 1,0.236 0.463 0,0.011 0.301-2,-0.001-0.750 1,-0.000 3.391-2,-0.000-0.556 1,0.000 0.141 0,0.000 1.563 0,-0.400-0.602 0,-1.926-2.038 0,-1.553 1.167 1,-1.416 0.793 2,-0.019-1.671-2,0.303-1.626-2,0.702-1.109 1,1.054 1.563 0,1.088 2.061 5,0.343-0.762-2,-1.108 0.171-3,-0.967 0.530 0,0.445-0.525 0,0.787-0.271 1,0.982-1.271 0,0.708 0.065 1,1.052-0.401-1,0.250-0.552 0</inkml:trace>
+</inkml:ink>
+</file>
+
+<file path=ppt/ink/ink14.xml><?xml version="1.0" encoding="utf-8"?>
+<inkml:ink xmlns:inkml="http://www.w3.org/2003/InkML">
+  <inkml:definitions>
+    <inkml:context xml:id="ctx0">
+      <inkml:inkSource xml:id="inkSrc0">
+        <inkml:traceFormat>
+          <inkml:channel name="X" type="integer" units="cm"/>
+          <inkml:channel name="Y" type="integer" units="cm"/>
+          <inkml:channel name="F" type="integer" max="1023" units="dev"/>
+        </inkml:traceFormat>
+        <inkml:channelProperties>
+          <inkml:channelProperty channel="X" name="resolution" value="28.3464566929134" units="1/cm"/>
+          <inkml:channelProperty channel="Y" name="resolution" value="28.3464566929134" units="1/cm"/>
+          <inkml:channelProperty channel="F" name="resolution" value="0" units="1/dev"/>
+        </inkml:channelProperties>
+      </inkml:inkSource>
+      <inkml:timestamp xml:id="ts0" timeString="2025-02-17T18:35:27"/>
+    </inkml:context>
+    <inkml:brush xml:id="br0">
+      <inkml:brushProperty name="width" value="0.0529194456206428" units="cm"/>
+      <inkml:brushProperty name="height" value="0.0529194456206428" units="cm"/>
+      <inkml:brushProperty name="color" value="#f80600"/>
+      <inkml:brushProperty name="ignorePressure" value="0"/>
+    </inkml:brush>
+  </inkml:definitions>
+  <inkml:trace contextRef="#ctx0" brushRef="#br0">1556.192 4797.639 767,'6.583'0.000'0,"0.688"0.000"0,-0.405 0.000-6,-0.830 0.000 5,0.523-1.561 0,-0.637-2.779 1,-1.604 0.113 0,-1.449-5.258 0,-2.144 3.358-1,-0.121-1.617 0,-0.115-1.564 0,-0.072-2.495-1,-0.114-0.673-2,-0.125 2.659 2,-0.050-0.020 0,-0.036-1.361 0,-0.043 0.159 0,-0.036-1.533 2,-0.029-0.308 1,-0.025-1.955 0,-0.012-0.458 0,0.020 6.206-2,-0.000 0.098 0,0.284-1.358 0,0.496 0.189 1,0.556-1.164-1,0.259 0.361 0,0.718-2.754 4,-0.070 1.229-2,-0.228 1.328 0,-0.228 1.753-1,-0.208 1.868 1,1.044-2.393 0,0.513 4.282 1,3.238 6.903 1,0.002-0.202 1,0.229-0.976-2,2.790-0.066 0,1.718-0.032-4,0.001-0.008 1,-1.617 0.005-1,-1.646 0.008 2,2.119 0.005 1,-1.517 0.007 0,-0.164 0.002 1,0.115 0.001-4,-0.711 0.000 0,-1.054 0.195 3,-0.184 2.410 1,-3.527 3.111-1,-2.237 0.583 0,-1.021-0.210-1,-0.117-0.021-1,-4.083 0.545 1,-4.015-0.776 2,-2.420-1.360-5,0.152-0.040 2,4.224-1.454-1,-0.128-0.067 1,0.022-0.257 1,-4.207 1.876 0,0.806 0.613-1,4.509-1.839 1,-3.578 2.360 0,2.663-1.822 0,0.283-1.102 1,-0.247-2.252 0,-0.417-1.024 0,-0.277 0.396 1,-0.494 0.145-1,0.308-0.000 0,-0.232-0.004-1,0.650-0.002-1,-0.221-0.002 0,-0.320 0.000 2,0.671 0.000 1,13.378 0.000 0,0.947 0.000 0,1.585-0.231-5,-0.950-1.393 1,-1.532-1.735 1,-1.172-1.370-1,0.725-0.525 2,-1.556 1.394-1,-0.035-0.535 1,-0.363 0.032 0,0.281-0.496 0,1.289-1.847-1,-0.465 0.035 0,-0.709 0.323 0,-0.807 0.479 0,-0.805 0.540 1,0.960-3.496-1,-1.439 2.978 1,1.598 1.168 3,2.070 4.646 0,-0.116-0.999-1,-1.276-3.278-3,-0.169-0.176 1,-0.130-0.253 0,-3.394-1.726 1,-0.808 0.046 0,4.919 2.521 0,0.920 4.215-1,-1.702 3.761 1,-4.469 1.993-1,-3.320-0.364 0,-2.773-5.119 0,1.764 4.789 0,0.069 0.723-1,-1.244-2.206 0,-1.020-1.566 0,3.741 3.738 2,-2.083-0.892 0,-0.790 1.035-2,-0.386-0.621 1,0.299-1.170-1,1.251-0.383 0,0.581 1.743 1,1.705-0.170 0,-3.838-1.832 2,0.157-1.018-1,3.412 2.943-1,0.258 0.445 1,-1.077-0.864-2,-1.813 0.426 0,-0.633-1.535 0,-0.119-1.683 0,-0.991-1.029 1</inkml:trace>
+</inkml:ink>
+</file>
+
+<file path=ppt/ink/ink15.xml><?xml version="1.0" encoding="utf-8"?>
+<inkml:ink xmlns:inkml="http://www.w3.org/2003/InkML">
+  <inkml:definitions>
+    <inkml:context xml:id="ctx0">
+      <inkml:inkSource xml:id="inkSrc0">
+        <inkml:traceFormat>
+          <inkml:channel name="X" type="integer" units="cm"/>
+          <inkml:channel name="Y" type="integer" units="cm"/>
+          <inkml:channel name="F" type="integer" max="1023" units="dev"/>
+        </inkml:traceFormat>
+        <inkml:channelProperties>
+          <inkml:channelProperty channel="X" name="resolution" value="28.3464566929134" units="1/cm"/>
+          <inkml:channelProperty channel="Y" name="resolution" value="28.3464566929134" units="1/cm"/>
+          <inkml:channelProperty channel="F" name="resolution" value="0" units="1/dev"/>
+        </inkml:channelProperties>
+      </inkml:inkSource>
+      <inkml:timestamp xml:id="ts0" timeString="2025-02-17T18:35:33"/>
+    </inkml:context>
+    <inkml:brush xml:id="br0">
+      <inkml:brushProperty name="width" value="0.0529194456206428" units="cm"/>
+      <inkml:brushProperty name="height" value="0.0529194456206428" units="cm"/>
+      <inkml:brushProperty name="color" value="#f80600"/>
+      <inkml:brushProperty name="ignorePressure" value="0"/>
+    </inkml:brush>
+  </inkml:definitions>
+  <inkml:trace contextRef="#ctx0" brushRef="#br0">1816.192 7172.639 767,'0.000'-6.010'0,"0.000"-0.092"0,0.000 0.026-5,0.000 0.002 4,0.000-2.985 1,0.000 0.023-2,0.000 1.455 1,0.000-0.872-1,0.000-2.565 1,0.000 4.893 1,0.000-0.341 0,0.000-1.200 0,0.000 0.292 0,0.000-0.521-1,0.000-4.826-3,0.000 0.194 3,0.000 0.722-1,0.043 1.133 1,0.066 1.880 1,0.073 1.921 0,0.389-1.797 0,5.095 6.387 3,0.664 2.593 1,0.236-0.327-1,-0.323 0.018-1,2.155 0.376 1,-2.228 2.508-4,1.517 1.407 0,-1.294-0.249 0,-1.250 0.879 0,-0.428 0.825 1,-0.119-1.145 1,0.372-1.159 0,0.689 1.846-1,-2.954 0.885 0,2.671-0.641 1,0.187-0.647-1,-0.136 1.696 1,1.322-2.019-2,-1.393 0.280 1,-1.640 1.535-1,1.281-1.878 1,1.057-2.492 3,-12.409-2.089-1,-0.819 0.091-1,-0.583-0.006-4,0.361-0.002 2,-1.994 0.000-1,-0.525-0.001 1,-0.505 0.000-1,-1.649 0.000 2,3.537 0.000 0,0.342 0.000-1,0.660 0.000 0,0.800 0.000 0,-4.331 0.000 0,4.406 0.000 1,-4.485 0.000 1,-0.336 0.000 4,1.321 0.000-6,1.888 0.000 0,1.770 0.000 4,12.552 0.000 2,0.689 0.000-4,0.653 0.000-3,2.432-0.547-1,0.031-1.023 0,-0.679-0.921 1,-0.755-0.631 1,-1.468-0.238 0,2.908-4.090-1,-2.822 1.404 1,-1.141 1.071 1,0.393-0.025-1,2.386-2.115 1,0.356-0.994-1,-0.839 0.352-1,0.132-0.426 1,-1.270 0.797 2,-0.426-0.191-2,0.812-1.644-1,-0.606 0.264 1,-0.572 0.447 1,-0.518 0.550 0,0.111-0.111 1,-0.748 1.252 0,-0.703 1.291-1,2.629-1.984 1,-1.733 3.734 2,1.394-1.177 12,-4.120-1.810-16,-3.021 12.755 2,0.440 0.613 0,-1.726 4.105-4,-2.764 0.965 0,0.987-4.862 0,-0.843 0.488 2,-0.048-0.910 0,-0.572-0.228-1,-1.035 0.744 1,0.051-0.046 0,-0.820 0.915 0,-0.125 0.082-1,1.024-0.823 3,0.460 0.082 0,0.206-0.277 0,0.015-0.520-2,-0.441 0.264 1,0.577-0.668 0,0.700-0.616 1,-2.153 3.753 1,2.268-1.282 0,2.300-2.080-2</inkml:trace>
+</inkml:ink>
+</file>
+
+<file path=ppt/ink/ink16.xml><?xml version="1.0" encoding="utf-8"?>
+<inkml:ink xmlns:inkml="http://www.w3.org/2003/InkML">
+  <inkml:definitions>
+    <inkml:context xml:id="ctx0">
+      <inkml:inkSource xml:id="inkSrc0">
+        <inkml:traceFormat>
+          <inkml:channel name="X" type="integer" units="cm"/>
+          <inkml:channel name="Y" type="integer" units="cm"/>
+          <inkml:channel name="F" type="integer" max="1023" units="dev"/>
+        </inkml:traceFormat>
+        <inkml:channelProperties>
+          <inkml:channelProperty channel="X" name="resolution" value="28.3464566929134" units="1/cm"/>
+          <inkml:channelProperty channel="Y" name="resolution" value="28.3464566929134" units="1/cm"/>
+          <inkml:channelProperty channel="F" name="resolution" value="0" units="1/dev"/>
+        </inkml:channelProperties>
+      </inkml:inkSource>
+      <inkml:timestamp xml:id="ts0" timeString="2025-02-17T18:35:37"/>
+    </inkml:context>
+    <inkml:brush xml:id="br0">
+      <inkml:brushProperty name="width" value="0.0529194456206428" units="cm"/>
+      <inkml:brushProperty name="height" value="0.0529194456206428" units="cm"/>
+      <inkml:brushProperty name="color" value="#f80600"/>
+      <inkml:brushProperty name="ignorePressure" value="0"/>
+    </inkml:brush>
+  </inkml:definitions>
+  <inkml:trace contextRef="#ctx0" brushRef="#br0">2174.192 8278.639 767,'6.263'0.000'0,"-0.170"0.000"0,-1.334-3.947-5,-4.877-2.429 5,0.121-1.233 0,-0.002-0.354-2,0.000-2.165 0,0.000 3.188 1,0.000-0.130 0,0.000 0.037 0,0.000 0.463 0,0.000-4.430 1,0.000 2.952 0,0.000 0.027 0,0.432 1.930 1,5.791 4.726 2,0.250 1.543 0,0.644-0.188-2,0.017 0.008-2,-0.309 0.003 1,1.064 0.000-1,-0.387 0.000 0,-1.125 0.000 0,2.561 0.000-1,-2.098 0.000 3,2.479 0.000 0,0.128 0.000-1,-0.171 0.000-1,-1.416 0.000 0,0.012 0.000 0,-1.819 0.000 1,0.162 0.000 2,-12.243 0.000 1,0.021 0.000 0,2.144 5.747-2,-1.074-1.387-4,-2.548-1.151 2,-0.309-1.352 0,0.610-0.901 0,1.002-0.596 0,-1.441-0.374 1,1.112-0.193 0,0.350 0.038 0,-0.844 3.717 2,1.751 1.324-1,-0.765-0.854-2,0.295-1.318 0,-1.612-0.791 1,1.272-1.512 0,-0.020-0.633 0,-0.559-0.054 1,0.241-0.001-1,10.069-4.937 1,0.626 0.688-1,-0.030 0.006 1,-2.391-3.682-1,-1.583-2.614 0,-0.205 4.642-1,-0.030-0.209-1,-0.023-0.067 0,-0.017 0.025 2,0.158-4.648-1,0.310 3.767 1,1.823 1.518 1,4.084 7.110 0,0.355-1.279 1,-0.250-0.036-2,-0.227 0.009 1,1.770 0.000-1,-1.442 0.000 0,1.344 0.000-1,-0.493 0.000 1,-1.150 0.000 0,1.088 0.000-1,-0.829 3.701 0,-4.825 5.342 4,-1.252 0.441-3,-0.314 2.126-3,-0.157-5.006 2,-0.056 2.673-1,-0.032-0.620 1,-0.013-1.056 0,0.000-1.227 0,-0.061 2.829 0,0.021-1.968 1,0.088-0.828 0,0.053-0.302 3,-0.010 0.881 1,-0.002 0.380 0,-3.380-0.003-4,-2.251-1.784-1,-1.208 0.227 1,-0.995 0.089-3,1.188-1.885 1,-0.913-1.212 2,-0.123-2.271 1,-0.799-0.793 0,2.184 0.089 0,-1.792 0.014 0,1.642 0.104-2,0.339 0.048 0,-0.731 0.011 2,-1.660 0.004 1,-0.725 0.001-4,0.526-0.001 0,0.808-0.001 1,1.251-0.002 1</inkml:trace>
+</inkml:ink>
+</file>
+
+<file path=ppt/ink/ink2.xml><?xml version="1.0" encoding="utf-8"?>
+<inkml:ink xmlns:inkml="http://www.w3.org/2003/InkML">
+  <inkml:definitions>
+    <inkml:context xml:id="ctx0">
+      <inkml:inkSource xml:id="inkSrc0">
+        <inkml:traceFormat>
+          <inkml:channel name="X" type="integer" units="cm"/>
+          <inkml:channel name="Y" type="integer" units="cm"/>
+          <inkml:channel name="F" type="integer" max="1023" units="dev"/>
+        </inkml:traceFormat>
+        <inkml:channelProperties>
+          <inkml:channelProperty channel="X" name="resolution" value="28.3464566929134" units="1/cm"/>
+          <inkml:channelProperty channel="Y" name="resolution" value="28.3464566929134" units="1/cm"/>
+          <inkml:channelProperty channel="F" name="resolution" value="0" units="1/dev"/>
+        </inkml:channelProperties>
+      </inkml:inkSource>
+      <inkml:timestamp xml:id="ts0" timeString="2025-02-17T18:44:34"/>
+    </inkml:context>
+    <inkml:brush xml:id="br0">
+      <inkml:brushProperty name="width" value="0.0529194456206428" units="cm"/>
+      <inkml:brushProperty name="height" value="0.0529194456206428" units="cm"/>
+      <inkml:brushProperty name="color" value="#f80600"/>
+      <inkml:brushProperty name="ignorePressure" value="0"/>
+    </inkml:brush>
+  </inkml:definitions>
+  <inkml:trace contextRef="#ctx0" brushRef="#br0">9640.192 780.639 767,'7.520'0.000'0,"-0.589"0.000"0,0.214 0.000 0,-0.025 0.477 0,1.237 4.119-10,-1.198-1.046 11,0.961 0.699-2,0.622 0.264 0,-2.690-1.603 0,0.216 0.157 1,0.029 0.158 0,-0.102 0.151-1,0.932 0.493 0,-0.235-0.351 0,-0.265-0.484 0,-0.654-0.613 0,4.639 1.001 3,-1.663-1.572-1,-2.963 0.354 0,-0.730 2.951 3,-1.924 2.112-2,-3.147-0.374-3,-1.021-0.855 0,0.851-0.025 0,-0.003 0.125-1,-0.009-0.011 1,-0.289 1.068 1,-2.065 1.119 1,0.496-1.667-1,0.073-0.818 1,-0.478 0.590-1,-0.684 1.568-2,-0.118 0.464 0,-0.316 0.309 1,-0.442 0.184-1,-0.649 1.228 1,0.151-0.056 0,1.178-2.041 1,0.276 0.459-1,-0.813 2.497 1,-0.284-0.618 0,-0.671 0.916 1,0.427-1.126-2,0.616-1.102 1,0.822-1.443 1,0.587-0.731 1,0.536-0.585-2,-0.192 3.371 3,0.970-0.953 0,0.655 1.124-2,0.378-0.797-1,0.091-0.898 1,0.028 0.649-1,-0.040-0.074-1,-0.088-1.231 0,-0.072-1.131 2,-0.045 0.477-1,-0.055-0.411 0,-0.002 0.047 1</inkml:trace>
+</inkml:ink>
+</file>
+
+<file path=ppt/ink/ink3.xml><?xml version="1.0" encoding="utf-8"?>
+<inkml:ink xmlns:inkml="http://www.w3.org/2003/InkML">
+  <inkml:definitions>
+    <inkml:context xml:id="ctx0">
+      <inkml:inkSource xml:id="inkSrc0">
+        <inkml:traceFormat>
+          <inkml:channel name="X" type="integer" units="cm"/>
+          <inkml:channel name="Y" type="integer" units="cm"/>
+          <inkml:channel name="F" type="integer" max="1023" units="dev"/>
+        </inkml:traceFormat>
+        <inkml:channelProperties>
+          <inkml:channelProperty channel="X" name="resolution" value="28.3464566929134" units="1/cm"/>
+          <inkml:channelProperty channel="Y" name="resolution" value="28.3464566929134" units="1/cm"/>
+          <inkml:channelProperty channel="F" name="resolution" value="0" units="1/dev"/>
+        </inkml:channelProperties>
+      </inkml:inkSource>
+      <inkml:timestamp xml:id="ts0" timeString="2025-02-17T18:44:36"/>
+    </inkml:context>
+    <inkml:brush xml:id="br0">
+      <inkml:brushProperty name="width" value="0.0529194456206428" units="cm"/>
+      <inkml:brushProperty name="height" value="0.0529194456206428" units="cm"/>
+      <inkml:brushProperty name="color" value="#f80600"/>
+      <inkml:brushProperty name="ignorePressure" value="0"/>
+    </inkml:brush>
+  </inkml:definitions>
+  <inkml:trace contextRef="#ctx0" brushRef="#br0">17073.192 10506.639 767,'7.047'0.000'0,"0.676"0.000"0,1.752 0.000-6,1.555 0.000 4,-4.986 0.000 1,4.756 0.000 0,0.936 0.000-1,-5.480 0.000 2,-0.064 0.000 0,3.422 0.000 0,-2.781 0.000-1,0.053 0.000 1,-0.098 0.000 1,-0.182 0.000 0,-0.219 0.000-2,-0.223 0.000 1,3.127 0.000 0,-0.504 0.000 0,0.469 0.789 1,-3.072 1.498-1,-1.494 3.053 2,2.752-0.661 0,-1.279-2.742-2,2.547-0.718-1,-1.447-1.050 0,-0.643-0.312 1,-0.328 0.218 1,0.658 2.927-1,-1.520 1.026 0,-0.146-0.023-1,1.322 0.019 0,0.199-2.078 1,-0.262-0.093 0,0.537 3.390 1,-2.645-0.798-1,-0.600 1.115 1,-2.459 0.729-2,-0.336-0.120 0,6.592-3.458 4,-1.588-0.125-2,-0.270 0.603-2,-0.090 0.400-1,1.184-0.597 1,-0.346 0.071 1,-1.328 0.051 1,0.131 0.411-1,-0.129 0.181-1,-0.275 0.024 1,3.871 3.454-2,-3.477-1.197 0,-0.100 1.885 1,0.283 2.335 6,-2.234-2.254-5,-0.484 0.242-2,-0.531-0.091 1,-0.783-1.899 0,-0.305-0.294 1,0.373 5.004-1,-0.811-0.844 1,-0.471 0.917 2,-0.281 1.261-1,-0.082-3.535-1,-0.027-0.079 0,-0.006-0.326-1,0.041-2.181 0,0.008 0.038 1,-0.012 1.810-1,0.020-0.596 1,0.020-0.762 1,-0.016 4.260 0,0.051-2.423-1,0.025-0.473-1,0.010-1.170 3,0.004 1.927 1,-0.002-1.771-3,0.000 0.336 0,0.000 0.042-1,0.000 3.911-1,-0.002-4.238 1,0.000-0.438 0,0.002 4.656 2,-0.004-2.676-1,0.000-2.173 0,0.000 0.961-1,0.000 0.648 4,0.000-1.537 0</inkml:trace>
+</inkml:ink>
+</file>
+
+<file path=ppt/ink/ink4.xml><?xml version="1.0" encoding="utf-8"?>
+<inkml:ink xmlns:inkml="http://www.w3.org/2003/InkML">
+  <inkml:definitions>
+    <inkml:context xml:id="ctx0">
+      <inkml:inkSource xml:id="inkSrc0">
+        <inkml:traceFormat>
+          <inkml:channel name="X" type="integer" units="cm"/>
+          <inkml:channel name="Y" type="integer" units="cm"/>
+          <inkml:channel name="F" type="integer" max="1023" units="dev"/>
+        </inkml:traceFormat>
+        <inkml:channelProperties>
+          <inkml:channelProperty channel="X" name="resolution" value="28.3464566929134" units="1/cm"/>
+          <inkml:channelProperty channel="Y" name="resolution" value="28.3464566929134" units="1/cm"/>
+          <inkml:channelProperty channel="F" name="resolution" value="0" units="1/dev"/>
+        </inkml:channelProperties>
+      </inkml:inkSource>
+      <inkml:timestamp xml:id="ts0" timeString="2025-02-17T18:44:37"/>
+    </inkml:context>
+    <inkml:brush xml:id="br0">
+      <inkml:brushProperty name="width" value="0.0529194456206428" units="cm"/>
+      <inkml:brushProperty name="height" value="0.0529194456206428" units="cm"/>
+      <inkml:brushProperty name="color" value="#f80600"/>
+      <inkml:brushProperty name="ignorePressure" value="0"/>
+    </inkml:brush>
+  </inkml:definitions>
+  <inkml:trace contextRef="#ctx0" brushRef="#br0">17317.192 10896.639 767,'6.143'0.000'0,"-0.102"0.000"0,0.275 0.000-5,0.631 0.000 4,0.965 0.507 1,-2.244 1.915-1,1.602 1.462-1,-2.049-0.650 2,0.291 0.526 0,4.193 2.216-2,-4.115-2.899 1,0.080 0.024 0,-0.031 0.064-1,-0.109 0.089 3,0.854 0.537 0,-0.504-0.401-2,-0.568-0.519 0,3.660 1.239 0,-2.615-1.611 3,-1.797 1.704 1,-1.045 0.868-2,0.092 0.273 2,2.396-2.414-4,0.984-3.306 0,-0.115 0.169 2,0.416-0.646 0,-1.012-3.527-1,-1.867-1.816-1,-0.908-0.890 0,0.055-1.492-1,-0.588 1.028 1,0.350-0.962-1,0.658-2.908-1,-0.055-1.822 1,0.152-1.450-1,0.295-1.118 1,0.381-1.183 0,0.424-1.172-2,0.836-0.756 1,1.090-0.424 0,1.922-2.631 1,0.639 0.183 0,-1.186 3.169-1,-0.480 1.033 2,1.387-3.529 0,-1.572 2.761 1,-1.623 2.792 1,-1.631 4.006 4,-0.754 2.388 0,-0.535 2.185-2,2.344-1.590 7,0.924 4.882-4</inkml:trace>
+</inkml:ink>
+</file>
+
+<file path=ppt/ink/ink5.xml><?xml version="1.0" encoding="utf-8"?>
+<inkml:ink xmlns:inkml="http://www.w3.org/2003/InkML">
+  <inkml:definitions>
+    <inkml:context xml:id="ctx0">
+      <inkml:inkSource xml:id="inkSrc0">
+        <inkml:traceFormat>
+          <inkml:channel name="X" type="integer" units="cm"/>
+          <inkml:channel name="Y" type="integer" units="cm"/>
+          <inkml:channel name="F" type="integer" max="1023" units="dev"/>
+        </inkml:traceFormat>
+        <inkml:channelProperties>
+          <inkml:channelProperty channel="X" name="resolution" value="28.3464566929134" units="1/cm"/>
+          <inkml:channelProperty channel="Y" name="resolution" value="28.3464566929134" units="1/cm"/>
+          <inkml:channelProperty channel="F" name="resolution" value="0" units="1/dev"/>
+        </inkml:channelProperties>
+      </inkml:inkSource>
+      <inkml:timestamp xml:id="ts0" timeString="2025-02-17T18:35:13"/>
+    </inkml:context>
+    <inkml:brush xml:id="br0">
+      <inkml:brushProperty name="width" value="0.0529194456206428" units="cm"/>
+      <inkml:brushProperty name="height" value="0.0529194456206428" units="cm"/>
+      <inkml:brushProperty name="color" value="#f80600"/>
+      <inkml:brushProperty name="ignorePressure" value="0"/>
+    </inkml:brush>
+  </inkml:definitions>
+  <inkml:trace contextRef="#ctx0" brushRef="#br0">1914.192 1690.639 767</inkml:trace>
+</inkml:ink>
+</file>
+
+<file path=ppt/ink/ink6.xml><?xml version="1.0" encoding="utf-8"?>
+<inkml:ink xmlns:inkml="http://www.w3.org/2003/InkML">
+  <inkml:definitions>
+    <inkml:context xml:id="ctx0">
+      <inkml:inkSource xml:id="inkSrc0">
+        <inkml:traceFormat>
+          <inkml:channel name="X" type="integer" units="cm"/>
+          <inkml:channel name="Y" type="integer" units="cm"/>
+          <inkml:channel name="F" type="integer" max="1023" units="dev"/>
+        </inkml:traceFormat>
+        <inkml:channelProperties>
+          <inkml:channelProperty channel="X" name="resolution" value="28.3464566929134" units="1/cm"/>
+          <inkml:channelProperty channel="Y" name="resolution" value="28.3464566929134" units="1/cm"/>
+          <inkml:channelProperty channel="F" name="resolution" value="0" units="1/dev"/>
+        </inkml:channelProperties>
+      </inkml:inkSource>
+      <inkml:timestamp xml:id="ts0" timeString="2025-02-17T18:35:13"/>
+    </inkml:context>
+    <inkml:brush xml:id="br0">
+      <inkml:brushProperty name="width" value="0.0529194456206428" units="cm"/>
+      <inkml:brushProperty name="height" value="0.0529194456206428" units="cm"/>
+      <inkml:brushProperty name="color" value="#f80600"/>
+      <inkml:brushProperty name="ignorePressure" value="0"/>
+    </inkml:brush>
+  </inkml:definitions>
+  <inkml:trace contextRef="#ctx0" brushRef="#br0">1914.192 1690.639 767</inkml:trace>
+</inkml:ink>
+</file>
+
+<file path=ppt/ink/ink7.xml><?xml version="1.0" encoding="utf-8"?>
+<inkml:ink xmlns:inkml="http://www.w3.org/2003/InkML">
+  <inkml:definitions>
+    <inkml:context xml:id="ctx0">
+      <inkml:inkSource xml:id="inkSrc0">
+        <inkml:traceFormat>
+          <inkml:channel name="X" type="integer" units="cm"/>
+          <inkml:channel name="Y" type="integer" units="cm"/>
+          <inkml:channel name="F" type="integer" max="1023" units="dev"/>
+        </inkml:traceFormat>
+        <inkml:channelProperties>
+          <inkml:channelProperty channel="X" name="resolution" value="28.3464566929134" units="1/cm"/>
+          <inkml:channelProperty channel="Y" name="resolution" value="28.3464566929134" units="1/cm"/>
+          <inkml:channelProperty channel="F" name="resolution" value="0" units="1/dev"/>
+        </inkml:channelProperties>
+      </inkml:inkSource>
+      <inkml:timestamp xml:id="ts0" timeString="2025-02-17T18:35:13"/>
+    </inkml:context>
+    <inkml:brush xml:id="br0">
+      <inkml:brushProperty name="width" value="0.0529194456206428" units="cm"/>
+      <inkml:brushProperty name="height" value="0.0529194456206428" units="cm"/>
+      <inkml:brushProperty name="color" value="#f80600"/>
+      <inkml:brushProperty name="ignorePressure" value="0"/>
+    </inkml:brush>
+  </inkml:definitions>
+  <inkml:trace contextRef="#ctx0" brushRef="#br0">1914.192 1690.639 767</inkml:trace>
+</inkml:ink>
+</file>
+
+<file path=ppt/ink/ink8.xml><?xml version="1.0" encoding="utf-8"?>
+<inkml:ink xmlns:inkml="http://www.w3.org/2003/InkML">
+  <inkml:definitions>
+    <inkml:context xml:id="ctx0">
+      <inkml:inkSource xml:id="inkSrc0">
+        <inkml:traceFormat>
+          <inkml:channel name="X" type="integer" units="cm"/>
+          <inkml:channel name="Y" type="integer" units="cm"/>
+          <inkml:channel name="F" type="integer" max="1023" units="dev"/>
+        </inkml:traceFormat>
+        <inkml:channelProperties>
+          <inkml:channelProperty channel="X" name="resolution" value="28.3464566929134" units="1/cm"/>
+          <inkml:channelProperty channel="Y" name="resolution" value="28.3464566929134" units="1/cm"/>
+          <inkml:channelProperty channel="F" name="resolution" value="0" units="1/dev"/>
+        </inkml:channelProperties>
+      </inkml:inkSource>
+      <inkml:timestamp xml:id="ts0" timeString="2025-02-17T18:35:14"/>
+    </inkml:context>
+    <inkml:brush xml:id="br0">
+      <inkml:brushProperty name="width" value="0.0529194456206428" units="cm"/>
+      <inkml:brushProperty name="height" value="0.0529194456206428" units="cm"/>
+      <inkml:brushProperty name="color" value="#f80600"/>
+      <inkml:brushProperty name="ignorePressure" value="0"/>
+    </inkml:brush>
+  </inkml:definitions>
+  <inkml:trace contextRef="#ctx0" brushRef="#br0">1849.192 1625.639 767,'6.606'0.000'0,"-0.126"0.000"0,1.320 0.000-5,-2.183 3.082 5,1.490 2.591-1,-0.247-1.621-1,-0.936-1.408 1,0.593-0.886 0,0.506-1.567 1</inkml:trace>
+</inkml:ink>
+</file>
+
+<file path=ppt/ink/ink9.xml><?xml version="1.0" encoding="utf-8"?>
+<inkml:ink xmlns:inkml="http://www.w3.org/2003/InkML">
+  <inkml:definitions>
+    <inkml:context xml:id="ctx0">
+      <inkml:inkSource xml:id="inkSrc0">
+        <inkml:traceFormat>
+          <inkml:channel name="X" type="integer" units="cm"/>
+          <inkml:channel name="Y" type="integer" units="cm"/>
+          <inkml:channel name="F" type="integer" max="1023" units="dev"/>
+        </inkml:traceFormat>
+        <inkml:channelProperties>
+          <inkml:channelProperty channel="X" name="resolution" value="28.3464566929134" units="1/cm"/>
+          <inkml:channelProperty channel="Y" name="resolution" value="28.3464566929134" units="1/cm"/>
+          <inkml:channelProperty channel="F" name="resolution" value="0" units="1/dev"/>
+        </inkml:channelProperties>
+      </inkml:inkSource>
+      <inkml:timestamp xml:id="ts0" timeString="2025-02-17T18:35:15"/>
+    </inkml:context>
+    <inkml:brush xml:id="br0">
+      <inkml:brushProperty name="width" value="0.0529194456206428" units="cm"/>
+      <inkml:brushProperty name="height" value="0.0529194456206428" units="cm"/>
+      <inkml:brushProperty name="color" value="#f80600"/>
+      <inkml:brushProperty name="ignorePressure" value="0"/>
+    </inkml:brush>
+  </inkml:definitions>
+  <inkml:trace contextRef="#ctx0" brushRef="#br0">1898.192 1544.639 767,'0.000'6.043'0,"0.000"0.288"0,0.000 0.701-5,0.000-0.272 4,-0.377 2.236 0,-2.032 3.647-2,0.787-4.672 1,-0.303 2.041 0,0.047 0.586 1,0.504-2.209-1,0.115 0.095 0,-0.303 1.698 0,-0.166-0.399 0,-0.249-0.571 3,-0.294-0.660-1,0.060-0.935 1,0.052-0.290 0,-0.436 1.448-2,0.359-1.127 1,0.405-1.214 2,-0.665 3.049 2,1.248-3.529-4,0.785 0.404 1</inkml:trace>
+</inkml:ink>
+</file>
+
+<file path=ppt/notesMasters/notesMaster1.xml><?xml version="1.0" encoding="utf-8"?>
+<p:notesMaster xmlns:a="http://schemas.openxmlformats.org/drawingml/2006/main" xmlns:r="http://schemas.openxmlformats.org/officeDocument/2006/relationships" xmlns:p="http://schemas.openxmlformats.org/presentationml/2006/main">
+  <p:cSld>
+    <p:bg>
+      <p:bgRef idx="1001">
+        <a:schemeClr val="bg1"/>
+      </p:bgRef>
+    </p:bg>
+    <p:spTree>
+      <p:nvGrpSpPr>
+        <p:cNvPr id="1" name=""/>
+        <p:cNvGrpSpPr/>
+        <p:nvPr/>
+      </p:nvGrpSpPr>
+      <p:grpSpPr>
+        <a:xfrm>
+          <a:off x="0" y="0"/>
+          <a:ext cx="0" cy="0"/>
+          <a:chOff x="0" y="0"/>
+          <a:chExt cx="0" cy="0"/>
+        </a:xfrm>
+      </p:grpSpPr>
+      <p:sp>
+        <p:nvSpPr>
+          <p:cNvPr id="2" name="Header Placeholder 1"/>
+          <p:cNvSpPr>
+            <a:spLocks noGrp="1"/>
+          </p:cNvSpPr>
+          <p:nvPr>
+            <p:ph type="hdr" sz="quarter"/>
+          </p:nvPr>
+        </p:nvSpPr>
+        <p:spPr>
+          <a:xfrm>
+            <a:off x="0" y="0"/>
+            <a:ext cx="2971800" cy="458788"/>
+          </a:xfrm>
+          <a:prstGeom prst="rect">
+            <a:avLst/>
+          </a:prstGeom>
+        </p:spPr>
+        <p:txBody>
+          <a:bodyPr vert="horz" lIns="91440" tIns="45720" rIns="91440" bIns="45720" rtlCol="0"/>
+          <a:lstStyle>
+            <a:lvl1pPr algn="l">
+              <a:defRPr sz="1200"/>
+            </a:lvl1pPr>
+          </a:lstStyle>
+          <a:p>
+            <a:endParaRPr lang="en-US"/>
+          </a:p>
+        </p:txBody>
+      </p:sp>
+      <p:sp>
+        <p:nvSpPr>
+          <p:cNvPr id="3" name="Date Placeholder 2"/>
+          <p:cNvSpPr>
+            <a:spLocks noGrp="1"/>
+          </p:cNvSpPr>
+          <p:nvPr>
+            <p:ph type="dt" idx="1"/>
+          </p:nvPr>
+        </p:nvSpPr>
+        <p:spPr>
+          <a:xfrm>
+            <a:off x="3884613" y="0"/>
+            <a:ext cx="2971800" cy="458788"/>
+          </a:xfrm>
+          <a:prstGeom prst="rect">
+            <a:avLst/>
+          </a:prstGeom>
+        </p:spPr>
+        <p:txBody>
+          <a:bodyPr vert="horz" lIns="91440" tIns="45720" rIns="91440" bIns="45720" rtlCol="0"/>
+          <a:lstStyle>
+            <a:lvl1pPr algn="r">
+              <a:defRPr sz="1200"/>
+            </a:lvl1pPr>
+          </a:lstStyle>
+          <a:p>
+            <a:fld id="{3EFD42F7-718C-4B98-AAEC-167E6DDD60A7}" type="datetimeFigureOut">
+              <a:rPr lang="en-US" smtClean="0"/>
+            </a:fld>
+            <a:endParaRPr lang="en-US"/>
+          </a:p>
+        </p:txBody>
+      </p:sp>
+      <p:sp>
+        <p:nvSpPr>
+          <p:cNvPr id="4" name="Slide Image Placeholder 3"/>
+          <p:cNvSpPr>
+            <a:spLocks noGrp="1" noRot="1" noChangeAspect="1"/>
+          </p:cNvSpPr>
+          <p:nvPr>
+            <p:ph type="sldImg" idx="2"/>
+          </p:nvPr>
+        </p:nvSpPr>
+        <p:spPr>
+          <a:xfrm>
+            <a:off x="685800" y="1143000"/>
+            <a:ext cx="5486400" cy="3086100"/>
+          </a:xfrm>
+          <a:prstGeom prst="rect">
+            <a:avLst/>
+          </a:prstGeom>
+          <a:noFill/>
+          <a:ln w="12700">
+            <a:solidFill>
+              <a:prstClr val="black"/>
+            </a:solidFill>
+          </a:ln>
+        </p:spPr>
+        <p:txBody>
+          <a:bodyPr vert="horz" lIns="91440" tIns="45720" rIns="91440" bIns="45720" rtlCol="0" anchor="ctr"/>
+          <a:lstStyle/>
+          <a:p>
+            <a:endParaRPr lang="en-US"/>
+          </a:p>
+        </p:txBody>
+      </p:sp>
+      <p:sp>
+        <p:nvSpPr>
+          <p:cNvPr id="5" name="Notes Placeholder 4"/>
+          <p:cNvSpPr>
+            <a:spLocks noGrp="1"/>
+          </p:cNvSpPr>
+          <p:nvPr>
+            <p:ph type="body" sz="quarter" idx="3"/>
+          </p:nvPr>
+        </p:nvSpPr>
+        <p:spPr>
+          <a:xfrm>
+            <a:off x="685800" y="4400550"/>
+            <a:ext cx="5486400" cy="3600450"/>
+          </a:xfrm>
+          <a:prstGeom prst="rect">
+            <a:avLst/>
+          </a:prstGeom>
+        </p:spPr>
+        <p:txBody>
+          <a:bodyPr vert="horz" lIns="91440" tIns="45720" rIns="91440" bIns="45720" rtlCol="0"/>
+          <a:lstStyle/>
+          <a:p>
+            <a:pPr lvl="0"/>
+            <a:r>
+              <a:rPr lang="en-US" smtClean="0"/>
+              <a:t>Click to edit Master text styles</a:t>
+            </a:r>
+            <a:endParaRPr lang="en-US" smtClean="0"/>
+          </a:p>
+          <a:p>
+            <a:pPr lvl="1"/>
+            <a:r>
+              <a:rPr lang="en-US" smtClean="0"/>
+              <a:t>Second level</a:t>
+            </a:r>
+            <a:endParaRPr lang="en-US" smtClean="0"/>
+          </a:p>
+          <a:p>
+            <a:pPr lvl="2"/>
+            <a:r>
+              <a:rPr lang="en-US" smtClean="0"/>
+              <a:t>Third level</a:t>
+            </a:r>
+            <a:endParaRPr lang="en-US" smtClean="0"/>
+          </a:p>
+          <a:p>
+            <a:pPr lvl="3"/>
+            <a:r>
+              <a:rPr lang="en-US" smtClean="0"/>
+              <a:t>Fourth level</a:t>
+            </a:r>
+            <a:endParaRPr lang="en-US" smtClean="0"/>
+          </a:p>
+          <a:p>
+            <a:pPr lvl="4"/>
+            <a:r>
+              <a:rPr lang="en-US" smtClean="0"/>
+              <a:t>Fifth level</a:t>
+            </a:r>
+            <a:endParaRPr lang="en-US"/>
+          </a:p>
+        </p:txBody>
+      </p:sp>
+      <p:sp>
+        <p:nvSpPr>
+          <p:cNvPr id="6" name="Footer Placeholder 5"/>
+          <p:cNvSpPr>
+            <a:spLocks noGrp="1"/>
+          </p:cNvSpPr>
+          <p:nvPr>
+            <p:ph type="ftr" sz="quarter" idx="4"/>
+          </p:nvPr>
+        </p:nvSpPr>
+        <p:spPr>
+          <a:xfrm>
+            <a:off x="0" y="8685213"/>
+            <a:ext cx="2971800" cy="458787"/>
+          </a:xfrm>
+          <a:prstGeom prst="rect">
+            <a:avLst/>
+          </a:prstGeom>
+        </p:spPr>
+        <p:txBody>
+          <a:bodyPr vert="horz" lIns="91440" tIns="45720" rIns="91440" bIns="45720" rtlCol="0" anchor="b"/>
+          <a:lstStyle>
+            <a:lvl1pPr algn="l">
+              <a:defRPr sz="1200"/>
+            </a:lvl1pPr>
+          </a:lstStyle>
+          <a:p>
+            <a:endParaRPr lang="en-US"/>
+          </a:p>
+        </p:txBody>
+      </p:sp>
+      <p:sp>
+        <p:nvSpPr>
+          <p:cNvPr id="7" name="Slide Number Placeholder 6"/>
+          <p:cNvSpPr>
+            <a:spLocks noGrp="1"/>
+          </p:cNvSpPr>
+          <p:nvPr>
+            <p:ph type="sldNum" sz="quarter" idx="5"/>
+          </p:nvPr>
+        </p:nvSpPr>
+        <p:spPr>
+          <a:xfrm>
+            <a:off x="3884613" y="8685213"/>
+            <a:ext cx="2971800" cy="458787"/>
+          </a:xfrm>
+          <a:prstGeom prst="rect">
+            <a:avLst/>
+          </a:prstGeom>
+        </p:spPr>
+        <p:txBody>
+          <a:bodyPr vert="horz" lIns="91440" tIns="45720" rIns="91440" bIns="45720" rtlCol="0" anchor="b"/>
+          <a:lstStyle>
+            <a:lvl1pPr algn="r">
+              <a:defRPr sz="1200"/>
+            </a:lvl1pPr>
+          </a:lstStyle>
+          <a:p>
+            <a:fld id="{21B2AA4F-B828-4D7C-AFD3-893933DAFCB4}" type="slidenum">
+              <a:rPr lang="en-US" smtClean="0"/>
+            </a:fld>
+            <a:endParaRPr lang="en-US"/>
+          </a:p>
+        </p:txBody>
+      </p:sp>
+    </p:spTree>
+  </p:cSld>
+  <p:clrMap bg1="lt1" tx1="dk1" bg2="lt2" tx2="dk2" accent1="accent1" accent2="accent2" accent3="accent3" accent4="accent4" accent5="accent5" accent6="accent6" hlink="hlink" folHlink="folHlink"/>
+  <p:notesStyle>
+    <a:lvl1pPr marL="0" algn="l" defTabSz="914400" rtl="0" eaLnBrk="1" latinLnBrk="0" hangingPunct="1">
+      <a:defRPr sz="1200" kern="1200">
+        <a:solidFill>
+          <a:schemeClr val="tx1"/>
+        </a:solidFill>
+        <a:latin typeface="+mn-lt"/>
+        <a:ea typeface="+mn-ea"/>
+        <a:cs typeface="+mn-cs"/>
+      </a:defRPr>
+    </a:lvl1pPr>
+    <a:lvl2pPr marL="457200" algn="l" defTabSz="914400" rtl="0" eaLnBrk="1" latinLnBrk="0" hangingPunct="1">
+      <a:defRPr sz="1200" kern="1200">
+        <a:solidFill>
+          <a:schemeClr val="tx1"/>
+        </a:solidFill>
+        <a:latin typeface="+mn-lt"/>
+        <a:ea typeface="+mn-ea"/>
+        <a:cs typeface="+mn-cs"/>
+      </a:defRPr>
+    </a:lvl2pPr>
+    <a:lvl3pPr marL="914400" algn="l" defTabSz="914400" rtl="0" eaLnBrk="1" latinLnBrk="0" hangingPunct="1">
+      <a:defRPr sz="1200" kern="1200">
+        <a:solidFill>
+          <a:schemeClr val="tx1"/>
+        </a:solidFill>
+        <a:latin typeface="+mn-lt"/>
+        <a:ea typeface="+mn-ea"/>
+        <a:cs typeface="+mn-cs"/>
+      </a:defRPr>
+    </a:lvl3pPr>
+    <a:lvl4pPr marL="1371600" algn="l" defTabSz="914400" rtl="0" eaLnBrk="1" latinLnBrk="0" hangingPunct="1">
+      <a:defRPr sz="1200" kern="1200">
+        <a:solidFill>
+          <a:schemeClr val="tx1"/>
+        </a:solidFill>
+        <a:latin typeface="+mn-lt"/>
+        <a:ea typeface="+mn-ea"/>
+        <a:cs typeface="+mn-cs"/>
+      </a:defRPr>
+    </a:lvl4pPr>
+    <a:lvl5pPr marL="1828800" algn="l" defTabSz="914400" rtl="0" eaLnBrk="1" latinLnBrk="0" hangingPunct="1">
+      <a:defRPr sz="1200" kern="1200">
+        <a:solidFill>
+          <a:schemeClr val="tx1"/>
+        </a:solidFill>
+        <a:latin typeface="+mn-lt"/>
+        <a:ea typeface="+mn-ea"/>
+        <a:cs typeface="+mn-cs"/>
+      </a:defRPr>
+    </a:lvl5pPr>
+    <a:lvl6pPr marL="2286000" algn="l" defTabSz="914400" rtl="0" eaLnBrk="1" latinLnBrk="0" hangingPunct="1">
+      <a:defRPr sz="1200" kern="1200">
+        <a:solidFill>
+          <a:schemeClr val="tx1"/>
+        </a:solidFill>
+        <a:latin typeface="+mn-lt"/>
+        <a:ea typeface="+mn-ea"/>
+        <a:cs typeface="+mn-cs"/>
+      </a:defRPr>
+    </a:lvl6pPr>
+    <a:lvl7pPr marL="2743200" algn="l" defTabSz="914400" rtl="0" eaLnBrk="1" latinLnBrk="0" hangingPunct="1">
+      <a:defRPr sz="1200" kern="1200">
+        <a:solidFill>
+          <a:schemeClr val="tx1"/>
+        </a:solidFill>
+        <a:latin typeface="+mn-lt"/>
+        <a:ea typeface="+mn-ea"/>
+        <a:cs typeface="+mn-cs"/>
+      </a:defRPr>
+    </a:lvl7pPr>
+    <a:lvl8pPr marL="3200400" algn="l" defTabSz="914400" rtl="0" eaLnBrk="1" latinLnBrk="0" hangingPunct="1">
+      <a:defRPr sz="1200" kern="1200">
+        <a:solidFill>
+          <a:schemeClr val="tx1"/>
+        </a:solidFill>
+        <a:latin typeface="+mn-lt"/>
+        <a:ea typeface="+mn-ea"/>
+        <a:cs typeface="+mn-cs"/>
+      </a:defRPr>
+    </a:lvl8pPr>
+    <a:lvl9pPr marL="3657600" algn="l" defTabSz="914400" rtl="0" eaLnBrk="1" latinLnBrk="0" hangingPunct="1">
+      <a:defRPr sz="1200" kern="1200">
+        <a:solidFill>
+          <a:schemeClr val="tx1"/>
+        </a:solidFill>
+        <a:latin typeface="+mn-lt"/>
+        <a:ea typeface="+mn-ea"/>
+        <a:cs typeface="+mn-cs"/>
+      </a:defRPr>
+    </a:lvl9pPr>
+  </p:notesStyle>
+</p:notesMaster>
+</file>
+
+<file path=ppt/notesSlides/notesSlide1.xml><?xml version="1.0" encoding="utf-8"?>
+<p:notes xmlns:a="http://schemas.openxmlformats.org/drawingml/2006/main" xmlns:r="http://schemas.openxmlformats.org/officeDocument/2006/relationships" xmlns:p="http://schemas.openxmlformats.org/presentationml/2006/main">
+  <p:cSld>
+    <p:spTree>
+      <p:nvGrpSpPr>
+        <p:cNvPr id="1" name=""/>
+        <p:cNvGrpSpPr/>
+        <p:nvPr/>
+      </p:nvGrpSpPr>
+      <p:grpSpPr/>
+      <p:sp>
+        <p:nvSpPr>
+          <p:cNvPr id="2" name="Slide Image Placeholder 1"/>
+          <p:cNvSpPr>
+            <a:spLocks noGrp="1"/>
+          </p:cNvSpPr>
+          <p:nvPr>
+            <p:ph type="sldImg" idx="2"/>
+          </p:nvPr>
+        </p:nvSpPr>
+        <p:spPr/>
+      </p:sp>
+      <p:sp>
+        <p:nvSpPr>
+          <p:cNvPr id="3" name="Text Placeholder 2"/>
+          <p:cNvSpPr>
+            <a:spLocks noGrp="1"/>
+          </p:cNvSpPr>
+          <p:nvPr>
+            <p:ph type="body" idx="3"/>
+          </p:nvPr>
+        </p:nvSpPr>
+        <p:spPr/>
+        <p:txBody>
+          <a:bodyPr/>
+          <a:p>
+            <a:endParaRPr lang="en-US"/>
+          </a:p>
+        </p:txBody>
+      </p:sp>
+    </p:spTree>
+  </p:cSld>
+  <p:clrMapOvr>
+    <a:masterClrMapping/>
+  </p:clrMapOvr>
+</p:notes>
 </file>
 
 <file path=ppt/slideLayouts/slideLayout1.xml><?xml version="1.0" encoding="utf-8"?>
@@ -3099,75 +3980,62 @@
       <p:grpSpPr/>
       <p:sp>
         <p:nvSpPr>
-          <p:cNvPr id="4" name="Text Box 3"/>
-          <p:cNvSpPr txBox="1"/>
+          <p:cNvPr id="2" name="Title 1"/>
+          <p:cNvSpPr>
+            <a:spLocks noGrp="1"/>
+          </p:cNvSpPr>
+          <p:nvPr>
+            <p:ph type="title"/>
+          </p:nvPr>
+        </p:nvSpPr>
+        <p:spPr/>
+        <p:txBody>
+          <a:bodyPr/>
+          <a:p>
+            <a:endParaRPr lang="en-US"/>
+          </a:p>
+        </p:txBody>
+      </p:sp>
+      <p:sp>
+        <p:nvSpPr>
+          <p:cNvPr id="3" name="Content Placeholder 2"/>
+          <p:cNvSpPr>
+            <a:spLocks noGrp="1"/>
+          </p:cNvSpPr>
+          <p:nvPr>
+            <p:ph idx="1"/>
+          </p:nvPr>
+        </p:nvSpPr>
+        <p:spPr/>
+        <p:txBody>
+          <a:bodyPr/>
+          <a:p>
+            <a:endParaRPr lang="en-US"/>
+          </a:p>
+        </p:txBody>
+      </p:sp>
+      <p:pic>
+        <p:nvPicPr>
+          <p:cNvPr id="4" name="Picture 3"/>
+          <p:cNvPicPr/>
           <p:nvPr/>
-        </p:nvSpPr>
+        </p:nvPicPr>
+        <p:blipFill>
+          <a:blip r:embed="rId1"/>
+          <a:stretch>
+            <a:fillRect/>
+          </a:stretch>
+        </p:blipFill>
         <p:spPr>
           <a:xfrm>
-            <a:off x="1049655" y="492760"/>
-            <a:ext cx="8319770" cy="4608195"/>
+            <a:off x="-190500" y="-177800"/>
+            <a:ext cx="12192000" cy="6832600"/>
           </a:xfrm>
           <a:prstGeom prst="rect">
             <a:avLst/>
           </a:prstGeom>
         </p:spPr>
-        <p:txBody>
-          <a:bodyPr>
-            <a:noAutofit/>
-          </a:bodyPr>
-          <a:p>
-            <a:r>
-              <a:rPr sz="2400"/>
-              <a:t>Artificial Intelligence (AI) refers to the simulation of human intelligence in machines that are designed to think, learn, and make decisions. AI encompasses a wide range of technologies, including rule-based systems, expert systems, and machine learning algorithms.</a:t>
-            </a:r>
-            <a:endParaRPr sz="2400"/>
-          </a:p>
-          <a:p>
-            <a:endParaRPr sz="2400"/>
-          </a:p>
-          <a:p>
-            <a:r>
-              <a:rPr sz="2400"/>
-              <a:t>Key Features of AI:</a:t>
-            </a:r>
-            <a:endParaRPr sz="2400"/>
-          </a:p>
-          <a:p>
-            <a:pPr>
-              <a:buFont typeface="Arial" panose="020B0604020202020204"/>
-              <a:buChar char="•"/>
-            </a:pPr>
-            <a:r>
-              <a:rPr sz="2400"/>
-              <a:t>Automation of tasks that require human intelligence.</a:t>
-            </a:r>
-            <a:endParaRPr sz="2400"/>
-          </a:p>
-          <a:p>
-            <a:pPr>
-              <a:buFont typeface="Arial" panose="020B0604020202020204"/>
-              <a:buChar char="•"/>
-            </a:pPr>
-            <a:r>
-              <a:rPr sz="2400"/>
-              <a:t>Ability to learn from data and improve over time.</a:t>
-            </a:r>
-            <a:endParaRPr sz="2400"/>
-          </a:p>
-          <a:p>
-            <a:pPr>
-              <a:buFont typeface="Arial" panose="020B0604020202020204"/>
-              <a:buChar char="•"/>
-            </a:pPr>
-            <a:r>
-              <a:rPr sz="2400"/>
-              <a:t>Applications across various domains, including healthcare, finance, and robotics.</a:t>
-            </a:r>
-            <a:endParaRPr sz="2400"/>
-          </a:p>
-        </p:txBody>
-      </p:sp>
+      </p:pic>
     </p:spTree>
   </p:cSld>
   <p:clrMapOvr>
@@ -3186,90 +4054,9 @@
         <p:nvPr/>
       </p:nvGrpSpPr>
       <p:grpSpPr/>
-      <p:sp>
-        <p:nvSpPr>
-          <p:cNvPr id="2" name="Text Box 1"/>
-          <p:cNvSpPr txBox="1"/>
-          <p:nvPr/>
-        </p:nvSpPr>
-        <p:spPr>
-          <a:xfrm>
-            <a:off x="1164590" y="747395"/>
-            <a:ext cx="9331960" cy="1599565"/>
-          </a:xfrm>
-          <a:prstGeom prst="rect">
-            <a:avLst/>
-          </a:prstGeom>
-        </p:spPr>
-        <p:txBody>
-          <a:bodyPr wrap="square">
-            <a:spAutoFit/>
-          </a:bodyPr>
-          <a:p>
-            <a:pPr marL="0" indent="0"/>
-            <a:r>
-              <a:rPr lang="en-US" altLang="en-US" b="1" i="0">
-                <a:solidFill>
-                  <a:srgbClr val="383838"/>
-                </a:solidFill>
-                <a:latin typeface="Inter"/>
-                <a:ea typeface="Inter"/>
-              </a:rPr>
-              <a:t>Shape</a:t>
-            </a:r>
-            <a:endParaRPr lang="en-US" altLang="en-US" sz="1600" b="0" i="0">
-              <a:solidFill>
-                <a:srgbClr val="383838"/>
-              </a:solidFill>
-              <a:latin typeface="Inter"/>
-              <a:ea typeface="Inter"/>
-            </a:endParaRPr>
-          </a:p>
-          <a:p>
-            <a:pPr marL="0" indent="0"/>
-            <a:r>
-              <a:rPr sz="1600" b="0" i="0">
-                <a:solidFill>
-                  <a:srgbClr val="383838"/>
-                </a:solidFill>
-                <a:latin typeface="Inter"/>
-                <a:ea typeface="Inter"/>
-              </a:rPr>
-              <a:t>In the TensorFlow Python library, the shape corresponds to the dimensionality of the tensor. In simple terms, the number of elements in each dimension defines a tensor’s shape. </a:t>
-            </a:r>
-            <a:endParaRPr sz="1600" b="0" i="0">
-              <a:solidFill>
-                <a:srgbClr val="383838"/>
-              </a:solidFill>
-              <a:latin typeface="Inter"/>
-              <a:ea typeface="Inter"/>
-            </a:endParaRPr>
-          </a:p>
-          <a:p>
-            <a:pPr marL="0" indent="0"/>
-            <a:endParaRPr sz="1600" b="0" i="0">
-              <a:solidFill>
-                <a:srgbClr val="383838"/>
-              </a:solidFill>
-              <a:latin typeface="Inter"/>
-              <a:ea typeface="Inter"/>
-            </a:endParaRPr>
-          </a:p>
-          <a:p>
-            <a:pPr marL="0" indent="0"/>
-            <a:endParaRPr sz="1600" b="0" i="0">
-              <a:solidFill>
-                <a:srgbClr val="383838"/>
-              </a:solidFill>
-              <a:latin typeface="Inter"/>
-              <a:ea typeface="Inter"/>
-            </a:endParaRPr>
-          </a:p>
-        </p:txBody>
-      </p:sp>
       <p:pic>
         <p:nvPicPr>
-          <p:cNvPr id="3" name="Picture 2"/>
+          <p:cNvPr id="4" name="Picture 3"/>
           <p:cNvPicPr/>
           <p:nvPr/>
         </p:nvPicPr>
@@ -3281,14 +4068,365 @@
         </p:blipFill>
         <p:spPr>
           <a:xfrm>
-            <a:off x="1012190" y="2479358"/>
-            <a:ext cx="7620000" cy="2695575"/>
+            <a:off x="5799455" y="3391535"/>
+            <a:ext cx="6313805" cy="3466465"/>
           </a:xfrm>
           <a:prstGeom prst="rect">
             <a:avLst/>
           </a:prstGeom>
         </p:spPr>
       </p:pic>
+      <p:sp>
+        <p:nvSpPr>
+          <p:cNvPr id="2" name="Text Box 1"/>
+          <p:cNvSpPr txBox="1"/>
+          <p:nvPr/>
+        </p:nvSpPr>
+        <p:spPr>
+          <a:xfrm>
+            <a:off x="476250" y="509905"/>
+            <a:ext cx="6096000" cy="3907790"/>
+          </a:xfrm>
+          <a:prstGeom prst="rect">
+            <a:avLst/>
+          </a:prstGeom>
+          <a:noFill/>
+        </p:spPr>
+        <p:txBody>
+          <a:bodyPr wrap="square" rtlCol="0" anchor="t">
+            <a:spAutoFit/>
+          </a:bodyPr>
+          <a:p>
+            <a:pPr indent="0">
+              <a:buFont typeface="Arial" panose="020B0604020202020204"/>
+              <a:buNone/>
+            </a:pPr>
+            <a:r>
+              <a:rPr sz="2400" b="1">
+                <a:solidFill>
+                  <a:srgbClr val="FF0000"/>
+                </a:solidFill>
+                <a:effectLst>
+                  <a:outerShdw blurRad="38100" dist="38100" dir="2700000" algn="tl">
+                    <a:srgbClr val="000000">
+                      <a:alpha val="43137"/>
+                    </a:srgbClr>
+                  </a:outerShdw>
+                </a:effectLst>
+                <a:sym typeface="+mn-ea"/>
+              </a:rPr>
+              <a:t>Types of Perceptron Models:</a:t>
+            </a:r>
+            <a:endParaRPr sz="2400" b="1">
+              <a:solidFill>
+                <a:srgbClr val="FF0000"/>
+              </a:solidFill>
+              <a:effectLst>
+                <a:outerShdw blurRad="38100" dist="38100" dir="2700000" algn="tl">
+                  <a:srgbClr val="000000">
+                    <a:alpha val="43137"/>
+                  </a:srgbClr>
+                </a:outerShdw>
+              </a:effectLst>
+              <a:sym typeface="+mn-ea"/>
+            </a:endParaRPr>
+          </a:p>
+          <a:p>
+            <a:pPr indent="0">
+              <a:buFont typeface="Arial" panose="020B0604020202020204"/>
+              <a:buNone/>
+            </a:pPr>
+            <a:endParaRPr sz="2400" b="1">
+              <a:solidFill>
+                <a:srgbClr val="FF0000"/>
+              </a:solidFill>
+              <a:effectLst>
+                <a:outerShdw blurRad="38100" dist="38100" dir="2700000" algn="tl">
+                  <a:srgbClr val="000000">
+                    <a:alpha val="43137"/>
+                  </a:srgbClr>
+                </a:outerShdw>
+              </a:effectLst>
+            </a:endParaRPr>
+          </a:p>
+          <a:p>
+            <a:pPr lvl="1">
+              <a:buFont typeface="Arial" panose="020B0604020202020204"/>
+              <a:buChar char="◦"/>
+            </a:pPr>
+            <a:r>
+              <a:rPr sz="2000" b="1">
+                <a:sym typeface="+mn-ea"/>
+              </a:rPr>
+              <a:t>Single-layer perceptron</a:t>
+            </a:r>
+            <a:r>
+              <a:rPr sz="2000">
+                <a:sym typeface="+mn-ea"/>
+              </a:rPr>
+              <a:t>: Can only solve linearly separable problems.</a:t>
+            </a:r>
+            <a:br>
+              <a:rPr sz="2000">
+                <a:sym typeface="+mn-ea"/>
+              </a:rPr>
+            </a:br>
+            <a:endParaRPr sz="2000">
+              <a:sym typeface="+mn-ea"/>
+            </a:endParaRPr>
+          </a:p>
+          <a:p>
+            <a:pPr lvl="1">
+              <a:buFont typeface="Arial" panose="020B0604020202020204"/>
+              <a:buChar char="◦"/>
+            </a:pPr>
+            <a:endParaRPr sz="2000">
+              <a:sym typeface="+mn-ea"/>
+            </a:endParaRPr>
+          </a:p>
+          <a:p>
+            <a:pPr lvl="1">
+              <a:buFont typeface="Arial" panose="020B0604020202020204"/>
+              <a:buChar char="◦"/>
+            </a:pPr>
+            <a:endParaRPr sz="2000">
+              <a:sym typeface="+mn-ea"/>
+            </a:endParaRPr>
+          </a:p>
+          <a:p>
+            <a:pPr lvl="1">
+              <a:buFont typeface="Arial" panose="020B0604020202020204"/>
+              <a:buChar char="◦"/>
+            </a:pPr>
+            <a:endParaRPr sz="2000">
+              <a:sym typeface="+mn-ea"/>
+            </a:endParaRPr>
+          </a:p>
+          <a:p>
+            <a:pPr lvl="1">
+              <a:buFont typeface="Arial" panose="020B0604020202020204"/>
+              <a:buChar char="◦"/>
+            </a:pPr>
+            <a:endParaRPr sz="2000">
+              <a:sym typeface="+mn-ea"/>
+            </a:endParaRPr>
+          </a:p>
+          <a:p>
+            <a:pPr lvl="1">
+              <a:buFont typeface="Arial" panose="020B0604020202020204"/>
+              <a:buChar char="◦"/>
+            </a:pPr>
+            <a:endParaRPr sz="2000"/>
+          </a:p>
+          <a:p>
+            <a:pPr lvl="1">
+              <a:buFont typeface="Arial" panose="020B0604020202020204"/>
+              <a:buChar char="◦"/>
+            </a:pPr>
+            <a:r>
+              <a:rPr sz="2000" b="1">
+                <a:sym typeface="+mn-ea"/>
+              </a:rPr>
+              <a:t>Multi-layer perceptron (MLP):</a:t>
+            </a:r>
+            <a:r>
+              <a:rPr sz="2000">
+                <a:sym typeface="+mn-ea"/>
+              </a:rPr>
+              <a:t> Can solve non-linear problems using multiple layers.</a:t>
+            </a:r>
+            <a:endParaRPr lang="en-US" sz="2000">
+              <a:sym typeface="+mn-ea"/>
+            </a:endParaRPr>
+          </a:p>
+        </p:txBody>
+      </p:sp>
+      <p:pic>
+        <p:nvPicPr>
+          <p:cNvPr id="5" name="Picture 4"/>
+          <p:cNvPicPr/>
+          <p:nvPr/>
+        </p:nvPicPr>
+        <p:blipFill>
+          <a:blip r:embed="rId2"/>
+          <a:srcRect l="16227" t="19455" r="15667" b="20687"/>
+          <a:stretch>
+            <a:fillRect/>
+          </a:stretch>
+        </p:blipFill>
+        <p:spPr>
+          <a:xfrm>
+            <a:off x="6572250" y="-70485"/>
+            <a:ext cx="5031105" cy="3305175"/>
+          </a:xfrm>
+          <a:prstGeom prst="rect">
+            <a:avLst/>
+          </a:prstGeom>
+        </p:spPr>
+      </p:pic>
+      <p:sp>
+        <p:nvSpPr>
+          <p:cNvPr id="3" name="Text Box 2"/>
+          <p:cNvSpPr txBox="1"/>
+          <p:nvPr/>
+        </p:nvSpPr>
+        <p:spPr>
+          <a:xfrm>
+            <a:off x="347980" y="4417695"/>
+            <a:ext cx="5080000" cy="2287270"/>
+          </a:xfrm>
+          <a:prstGeom prst="rect">
+            <a:avLst/>
+          </a:prstGeom>
+        </p:spPr>
+        <p:txBody>
+          <a:bodyPr>
+            <a:spAutoFit/>
+          </a:bodyPr>
+          <a:p>
+            <a:pPr marL="0" indent="0">
+              <a:spcAft>
+                <a:spcPct val="60000"/>
+              </a:spcAft>
+            </a:pPr>
+            <a:r>
+              <a:rPr b="1" i="0">
+                <a:solidFill>
+                  <a:srgbClr val="C00000"/>
+                </a:solidFill>
+                <a:effectLst>
+                  <a:outerShdw blurRad="38100" dist="38100" dir="2700000" algn="tl">
+                    <a:srgbClr val="000000">
+                      <a:alpha val="43137"/>
+                    </a:srgbClr>
+                  </a:outerShdw>
+                </a:effectLst>
+                <a:latin typeface="Arial" panose="020B0604020202020204" pitchFamily="34" charset="0"/>
+                <a:ea typeface="Manrope"/>
+                <a:cs typeface="Arial" panose="020B0604020202020204" pitchFamily="34" charset="0"/>
+              </a:rPr>
+              <a:t>Neural Networks Architecture:</a:t>
+            </a:r>
+            <a:r>
+              <a:rPr sz="1600" b="0" i="0">
+                <a:latin typeface="Manrope"/>
+                <a:ea typeface="Manrope"/>
+              </a:rPr>
+              <a:t> </a:t>
+            </a:r>
+            <a:endParaRPr sz="1600" b="0" i="0">
+              <a:latin typeface="Manrope"/>
+              <a:ea typeface="Manrope"/>
+            </a:endParaRPr>
+          </a:p>
+          <a:p>
+            <a:pPr marL="0" indent="0"/>
+            <a:r>
+              <a:rPr b="0" i="0">
+                <a:solidFill>
+                  <a:srgbClr val="292929"/>
+                </a:solidFill>
+                <a:latin typeface="Inter"/>
+                <a:ea typeface="Inter"/>
+              </a:rPr>
+              <a:t>the basic elements of the network's architecture. </a:t>
+            </a:r>
+            <a:endParaRPr b="0" i="0">
+              <a:solidFill>
+                <a:srgbClr val="292929"/>
+              </a:solidFill>
+              <a:latin typeface="Inter"/>
+              <a:ea typeface="Inter"/>
+            </a:endParaRPr>
+          </a:p>
+          <a:p>
+            <a:pPr marL="0" indent="0"/>
+            <a:r>
+              <a:rPr b="0" i="0">
+                <a:solidFill>
+                  <a:srgbClr val="292929"/>
+                </a:solidFill>
+                <a:latin typeface="Inter"/>
+                <a:ea typeface="Inter"/>
+              </a:rPr>
+              <a:t> made of three core layers:</a:t>
+            </a:r>
+            <a:endParaRPr b="0" i="0">
+              <a:solidFill>
+                <a:srgbClr val="292929"/>
+              </a:solidFill>
+              <a:latin typeface="Inter"/>
+              <a:ea typeface="Inter"/>
+            </a:endParaRPr>
+          </a:p>
+          <a:p>
+            <a:pPr marL="0" indent="0">
+              <a:buAutoNum type="arabicPeriod"/>
+            </a:pPr>
+            <a:r>
+              <a:rPr b="0" i="0">
+                <a:solidFill>
+                  <a:srgbClr val="292929"/>
+                </a:solidFill>
+                <a:latin typeface="Inter"/>
+                <a:ea typeface="Inter"/>
+              </a:rPr>
+              <a:t>Input layer</a:t>
+            </a:r>
+            <a:endParaRPr b="0" i="0">
+              <a:solidFill>
+                <a:srgbClr val="292929"/>
+              </a:solidFill>
+              <a:latin typeface="Inter"/>
+              <a:ea typeface="Inter"/>
+            </a:endParaRPr>
+          </a:p>
+          <a:p>
+            <a:pPr marL="0" indent="0">
+              <a:buAutoNum type="arabicPeriod"/>
+            </a:pPr>
+            <a:r>
+              <a:rPr b="0" i="0">
+                <a:solidFill>
+                  <a:srgbClr val="292929"/>
+                </a:solidFill>
+                <a:latin typeface="Inter"/>
+                <a:ea typeface="Inter"/>
+              </a:rPr>
+              <a:t>Hidden layers </a:t>
+            </a:r>
+            <a:endParaRPr b="0" i="0">
+              <a:solidFill>
+                <a:srgbClr val="292929"/>
+              </a:solidFill>
+              <a:latin typeface="Inter"/>
+              <a:ea typeface="Inter"/>
+            </a:endParaRPr>
+          </a:p>
+          <a:p>
+            <a:pPr marL="0" indent="0">
+              <a:buAutoNum type="arabicPeriod"/>
+            </a:pPr>
+            <a:r>
+              <a:rPr b="0" i="0">
+                <a:solidFill>
+                  <a:srgbClr val="292929"/>
+                </a:solidFill>
+                <a:latin typeface="Inter"/>
+                <a:ea typeface="Inter"/>
+              </a:rPr>
+              <a:t>Output layer </a:t>
+            </a:r>
+            <a:endParaRPr b="0" i="0">
+              <a:solidFill>
+                <a:srgbClr val="292929"/>
+              </a:solidFill>
+              <a:latin typeface="Inter"/>
+              <a:ea typeface="Inter"/>
+            </a:endParaRPr>
+          </a:p>
+        </p:txBody>
+      </p:sp>
     </p:spTree>
   </p:cSld>
   <p:clrMapOvr>
@@ -3307,6 +4445,304 @@
         <p:nvPr/>
       </p:nvGrpSpPr>
       <p:grpSpPr/>
+      <p:sp>
+        <p:nvSpPr>
+          <p:cNvPr id="2" name="Text Box 1"/>
+          <p:cNvSpPr txBox="1"/>
+          <p:nvPr/>
+        </p:nvSpPr>
+        <p:spPr>
+          <a:xfrm>
+            <a:off x="360680" y="459105"/>
+            <a:ext cx="8078470" cy="5231130"/>
+          </a:xfrm>
+          <a:prstGeom prst="rect">
+            <a:avLst/>
+          </a:prstGeom>
+          <a:noFill/>
+        </p:spPr>
+        <p:txBody>
+          <a:bodyPr wrap="square" rtlCol="0">
+            <a:spAutoFit/>
+          </a:bodyPr>
+          <a:p>
+            <a:r>
+              <a:rPr lang="en-US" altLang="en-US" sz="2800" b="1">
+                <a:solidFill>
+                  <a:srgbClr val="FF0000"/>
+                </a:solidFill>
+                <a:effectLst>
+                  <a:outerShdw blurRad="38100" dist="38100" dir="2700000" algn="tl">
+                    <a:srgbClr val="000000">
+                      <a:alpha val="43137"/>
+                    </a:srgbClr>
+                  </a:outerShdw>
+                </a:effectLst>
+              </a:rPr>
+              <a:t>Working of Neural Networks</a:t>
+            </a:r>
+            <a:endParaRPr lang="en-US" altLang="en-US" sz="2800" b="1">
+              <a:solidFill>
+                <a:srgbClr val="FF0000"/>
+              </a:solidFill>
+              <a:effectLst>
+                <a:outerShdw blurRad="38100" dist="38100" dir="2700000" algn="tl">
+                  <a:srgbClr val="000000">
+                    <a:alpha val="43137"/>
+                  </a:srgbClr>
+                </a:outerShdw>
+              </a:effectLst>
+            </a:endParaRPr>
+          </a:p>
+          <a:p>
+            <a:pPr marL="342900" indent="-342900">
+              <a:buAutoNum type="arabicPeriod"/>
+            </a:pPr>
+            <a:endParaRPr lang="en-US"/>
+          </a:p>
+          <a:p>
+            <a:pPr marL="342900" indent="-342900">
+              <a:buAutoNum type="arabicPeriod"/>
+            </a:pPr>
+            <a:r>
+              <a:rPr lang="en-US" altLang="en-US"/>
+              <a:t>Forward Propagation</a:t>
+            </a:r>
+            <a:endParaRPr lang="en-US" altLang="en-US"/>
+          </a:p>
+          <a:p>
+            <a:pPr marL="800100" lvl="1" indent="-342900">
+              <a:buAutoNum type="arabicPeriod"/>
+            </a:pPr>
+            <a:r>
+              <a:rPr lang="en-US" altLang="en-US"/>
+              <a:t>input</a:t>
+            </a:r>
+            <a:endParaRPr lang="en-US" altLang="en-US"/>
+          </a:p>
+          <a:p>
+            <a:pPr marL="800100" lvl="1" indent="-342900">
+              <a:buAutoNum type="arabicPeriod"/>
+            </a:pPr>
+            <a:r>
+              <a:rPr lang="en-US" altLang="en-US"/>
+              <a:t>calculation</a:t>
+            </a:r>
+            <a:endParaRPr lang="en-US" altLang="en-US"/>
+          </a:p>
+          <a:p>
+            <a:pPr marL="800100" lvl="1" indent="-342900">
+              <a:buAutoNum type="arabicPeriod"/>
+            </a:pPr>
+            <a:r>
+              <a:rPr lang="en-US" altLang="en-US"/>
+              <a:t>output</a:t>
+            </a:r>
+            <a:endParaRPr lang="en-US" altLang="en-US"/>
+          </a:p>
+          <a:p>
+            <a:pPr marL="342900" indent="-342900">
+              <a:buAutoNum type="arabicPeriod"/>
+            </a:pPr>
+            <a:endParaRPr lang="en-US" altLang="en-US"/>
+          </a:p>
+          <a:p>
+            <a:pPr marL="342900" indent="-342900">
+              <a:buAutoNum type="arabicPeriod"/>
+            </a:pPr>
+            <a:endParaRPr lang="en-US" altLang="en-US"/>
+          </a:p>
+          <a:p>
+            <a:pPr marL="342900" indent="-342900">
+              <a:buAutoNum type="arabicPeriod"/>
+            </a:pPr>
+            <a:endParaRPr lang="en-US" altLang="en-US"/>
+          </a:p>
+          <a:p>
+            <a:pPr marL="342900" indent="-342900">
+              <a:buAutoNum type="arabicPeriod"/>
+            </a:pPr>
+            <a:endParaRPr lang="en-US" altLang="en-US"/>
+          </a:p>
+          <a:p>
+            <a:pPr marL="342900" indent="-342900">
+              <a:buAutoNum type="arabicPeriod"/>
+            </a:pPr>
+            <a:endParaRPr lang="en-US" altLang="en-US"/>
+          </a:p>
+          <a:p>
+            <a:pPr marL="342900" indent="-342900">
+              <a:buAutoNum type="arabicPeriod"/>
+            </a:pPr>
+            <a:endParaRPr lang="en-US" altLang="en-US"/>
+          </a:p>
+          <a:p>
+            <a:pPr marL="342900" indent="-342900">
+              <a:buAutoNum type="arabicPeriod"/>
+            </a:pPr>
+            <a:endParaRPr lang="en-US" altLang="en-US"/>
+          </a:p>
+          <a:p>
+            <a:pPr marL="342900" indent="-342900">
+              <a:buAutoNum type="arabicPeriod"/>
+            </a:pPr>
+            <a:endParaRPr lang="en-US" altLang="en-US"/>
+          </a:p>
+          <a:p>
+            <a:pPr marL="342900" indent="-342900">
+              <a:buAutoNum type="arabicPeriod"/>
+            </a:pPr>
+            <a:r>
+              <a:rPr lang="en-US" altLang="en-US"/>
+              <a:t>Backpropagation</a:t>
+            </a:r>
+            <a:endParaRPr lang="en-US" altLang="en-US"/>
+          </a:p>
+          <a:p>
+            <a:pPr marL="800100" lvl="1" indent="-342900">
+              <a:buAutoNum type="arabicPeriod"/>
+            </a:pPr>
+            <a:r>
+              <a:rPr lang="en-US" altLang="en-US"/>
+              <a:t>Loss Calculation</a:t>
+            </a:r>
+            <a:endParaRPr lang="en-US" altLang="en-US"/>
+          </a:p>
+          <a:p>
+            <a:pPr marL="800100" lvl="1" indent="-342900">
+              <a:buAutoNum type="arabicPeriod"/>
+            </a:pPr>
+            <a:r>
+              <a:rPr lang="en-US" altLang="en-US"/>
+              <a:t>Gradient Calculation</a:t>
+            </a:r>
+            <a:endParaRPr lang="en-US" altLang="en-US"/>
+          </a:p>
+          <a:p>
+            <a:pPr marL="800100" lvl="1" indent="-342900">
+              <a:buAutoNum type="arabicPeriod"/>
+            </a:pPr>
+            <a:r>
+              <a:rPr lang="en-US" altLang="en-US"/>
+              <a:t>Weight Update</a:t>
+            </a:r>
+            <a:endParaRPr lang="en-US" altLang="en-US"/>
+          </a:p>
+        </p:txBody>
+      </p:sp>
+      <p:pic>
+        <p:nvPicPr>
+          <p:cNvPr id="4" name="Picture 3"/>
+          <p:cNvPicPr/>
+          <p:nvPr/>
+        </p:nvPicPr>
+        <p:blipFill>
+          <a:blip r:embed="rId1"/>
+          <a:stretch>
+            <a:fillRect/>
+          </a:stretch>
+        </p:blipFill>
+        <p:spPr>
+          <a:xfrm>
+            <a:off x="5154930" y="112713"/>
+            <a:ext cx="5981700" cy="2790825"/>
+          </a:xfrm>
+          <a:prstGeom prst="rect">
+            <a:avLst/>
+          </a:prstGeom>
+        </p:spPr>
+      </p:pic>
+      <p:sp>
+        <p:nvSpPr>
+          <p:cNvPr id="12" name="Text Box 11"/>
+          <p:cNvSpPr txBox="1"/>
+          <p:nvPr/>
+        </p:nvSpPr>
+        <p:spPr>
+          <a:xfrm>
+            <a:off x="3048000" y="3244850"/>
+            <a:ext cx="6096000" cy="645160"/>
+          </a:xfrm>
+          <a:prstGeom prst="rect">
+            <a:avLst/>
+          </a:prstGeom>
+          <a:noFill/>
+        </p:spPr>
+        <p:txBody>
+          <a:bodyPr wrap="square" rtlCol="0">
+            <a:spAutoFit/>
+          </a:bodyPr>
+          <a:p>
+            <a:endParaRPr lang="en-US"/>
+          </a:p>
+          <a:p>
+            <a:endParaRPr lang="en-US"/>
+          </a:p>
+        </p:txBody>
+      </p:sp>
+      <p:pic>
+        <p:nvPicPr>
+          <p:cNvPr id="13" name="Picture 12" descr="1214s"/>
+          <p:cNvPicPr>
+            <a:picLocks noChangeAspect="1"/>
+          </p:cNvPicPr>
+          <p:nvPr/>
+        </p:nvPicPr>
+        <p:blipFill>
+          <a:blip r:embed="rId2"/>
+          <a:stretch>
+            <a:fillRect/>
+          </a:stretch>
+        </p:blipFill>
+        <p:spPr>
+          <a:xfrm>
+            <a:off x="4782185" y="3244850"/>
+            <a:ext cx="6354445" cy="3198495"/>
+          </a:xfrm>
+          <a:prstGeom prst="rect">
+            <a:avLst/>
+          </a:prstGeom>
+        </p:spPr>
+      </p:pic>
+      <p:sp>
+        <p:nvSpPr>
+          <p:cNvPr id="3" name="Text Box 2"/>
+          <p:cNvSpPr txBox="1"/>
+          <p:nvPr/>
+        </p:nvSpPr>
+        <p:spPr>
+          <a:xfrm>
+            <a:off x="586105" y="6359843"/>
+            <a:ext cx="5080000" cy="337185"/>
+          </a:xfrm>
+          <a:prstGeom prst="rect">
+            <a:avLst/>
+          </a:prstGeom>
+        </p:spPr>
+        <p:txBody>
+          <a:bodyPr>
+            <a:spAutoFit/>
+          </a:bodyPr>
+          <a:p>
+            <a:pPr marL="0" indent="0">
+              <a:spcAft>
+                <a:spcPct val="60000"/>
+              </a:spcAft>
+            </a:pPr>
+            <a:r>
+              <a:rPr sz="1600" b="0" i="0">
+                <a:latin typeface="Manrope"/>
+                <a:ea typeface="Manrope"/>
+              </a:rPr>
+              <a:t>Feedforward vs. Backpropagation</a:t>
+            </a:r>
+            <a:endParaRPr sz="1600" b="0" i="0">
+              <a:latin typeface="Manrope"/>
+              <a:ea typeface="Manrope"/>
+            </a:endParaRPr>
+          </a:p>
+        </p:txBody>
+      </p:sp>
     </p:spTree>
   </p:cSld>
   <p:clrMapOvr>
@@ -3325,211 +4761,41 @@
         <p:nvPr/>
       </p:nvGrpSpPr>
       <p:grpSpPr/>
-      <p:sp>
-        <p:nvSpPr>
-          <p:cNvPr id="2" name="Text Box 1"/>
-          <p:cNvSpPr txBox="1"/>
+      <p:pic>
+        <p:nvPicPr>
+          <p:cNvPr id="9" name="Picture 8" descr="Screenshot (282)"/>
+          <p:cNvPicPr>
+            <a:picLocks noChangeAspect="1"/>
+          </p:cNvPicPr>
           <p:nvPr/>
-        </p:nvSpPr>
+        </p:nvPicPr>
+        <p:blipFill>
+          <a:blip r:embed="rId1"/>
+          <a:srcRect t="11287" r="47089" b="5620"/>
+          <a:stretch>
+            <a:fillRect/>
+          </a:stretch>
+        </p:blipFill>
         <p:spPr>
           <a:xfrm>
-            <a:off x="681990" y="305435"/>
-            <a:ext cx="7954010" cy="4276725"/>
+            <a:off x="6545580" y="0"/>
+            <a:ext cx="5646420" cy="4987925"/>
           </a:xfrm>
           <a:prstGeom prst="rect">
             <a:avLst/>
           </a:prstGeom>
         </p:spPr>
-        <p:txBody>
-          <a:bodyPr wrap="square">
-            <a:spAutoFit/>
-          </a:bodyPr>
-          <a:p>
-            <a:r>
-              <a:rPr sz="1600" b="1"/>
-              <a:t>Introduction to Types of Neural Networks</a:t>
-            </a:r>
-            <a:endParaRPr sz="1600" b="1"/>
-          </a:p>
-          <a:p>
-            <a:r>
-              <a:rPr sz="1600"/>
-              <a:t>Deep learning includes various types of neural networks optimized for specific tasks:</a:t>
-            </a:r>
-            <a:endParaRPr sz="1600"/>
-          </a:p>
-          <a:p>
-            <a:pPr>
-              <a:buAutoNum type="arabicPeriod"/>
-            </a:pPr>
-            <a:r>
-              <a:rPr sz="1600" b="1"/>
-              <a:t>Feedforward Neural Networks (FNN):</a:t>
-            </a:r>
-            <a:endParaRPr sz="1600" b="1"/>
-          </a:p>
-          <a:p>
-            <a:pPr lvl="1">
-              <a:buFont typeface="Arial" panose="020B0604020202020204"/>
-              <a:buChar char="◦"/>
-            </a:pPr>
-            <a:r>
-              <a:rPr sz="1600"/>
-              <a:t>Basic architecture where information moves in one direction.</a:t>
-            </a:r>
-            <a:endParaRPr sz="1600"/>
-          </a:p>
-          <a:p>
-            <a:pPr lvl="1">
-              <a:buFont typeface="Arial" panose="020B0604020202020204"/>
-              <a:buChar char="◦"/>
-            </a:pPr>
-            <a:r>
-              <a:rPr sz="1600"/>
-              <a:t>Used in classification and regression tasks.</a:t>
-            </a:r>
-            <a:endParaRPr sz="1600"/>
-          </a:p>
-          <a:p>
-            <a:pPr>
-              <a:buAutoNum type="arabicPeriod"/>
-            </a:pPr>
-            <a:r>
-              <a:rPr sz="1600" b="1"/>
-              <a:t>Convolutional Neural Networks (CNN):</a:t>
-            </a:r>
-            <a:endParaRPr sz="1600" b="1"/>
-          </a:p>
-          <a:p>
-            <a:pPr lvl="1">
-              <a:buFont typeface="Arial" panose="020B0604020202020204"/>
-              <a:buChar char="◦"/>
-            </a:pPr>
-            <a:r>
-              <a:rPr sz="1600"/>
-              <a:t>Specialized for image processing tasks.</a:t>
-            </a:r>
-            <a:endParaRPr sz="1600"/>
-          </a:p>
-          <a:p>
-            <a:pPr lvl="1">
-              <a:buFont typeface="Arial" panose="020B0604020202020204"/>
-              <a:buChar char="◦"/>
-            </a:pPr>
-            <a:r>
-              <a:rPr sz="1600"/>
-              <a:t>Uses convolutional layers to detect spatial features.</a:t>
-            </a:r>
-            <a:endParaRPr sz="1600"/>
-          </a:p>
-          <a:p>
-            <a:pPr>
-              <a:buAutoNum type="arabicPeriod"/>
-            </a:pPr>
-            <a:r>
-              <a:rPr sz="1600" b="1"/>
-              <a:t>Recurrent Neural Networks (RNN):</a:t>
-            </a:r>
-            <a:endParaRPr sz="1600" b="1"/>
-          </a:p>
-          <a:p>
-            <a:pPr lvl="1">
-              <a:buFont typeface="Arial" panose="020B0604020202020204"/>
-              <a:buChar char="◦"/>
-            </a:pPr>
-            <a:r>
-              <a:rPr sz="1600"/>
-              <a:t>Designed for sequential data like time series and speech.</a:t>
-            </a:r>
-            <a:endParaRPr sz="1600"/>
-          </a:p>
-          <a:p>
-            <a:pPr lvl="1">
-              <a:buFont typeface="Arial" panose="020B0604020202020204"/>
-              <a:buChar char="◦"/>
-            </a:pPr>
-            <a:r>
-              <a:rPr sz="1600"/>
-              <a:t>Uses loops and memory to retain information from previous inputs.</a:t>
-            </a:r>
-            <a:endParaRPr sz="1600"/>
-          </a:p>
-          <a:p>
-            <a:pPr>
-              <a:buAutoNum type="arabicPeriod"/>
-            </a:pPr>
-            <a:r>
-              <a:rPr sz="1600"/>
-              <a:t>Long Short-Term Memory (LSTM):</a:t>
-            </a:r>
-            <a:endParaRPr sz="1600"/>
-          </a:p>
-          <a:p>
-            <a:pPr lvl="1">
-              <a:buFont typeface="Arial" panose="020B0604020202020204"/>
-              <a:buChar char="◦"/>
-            </a:pPr>
-            <a:r>
-              <a:rPr sz="1600"/>
-              <a:t>A type of RNN that solves the vanishing gradient problem.</a:t>
-            </a:r>
-            <a:endParaRPr sz="1600"/>
-          </a:p>
-          <a:p>
-            <a:pPr lvl="1">
-              <a:buFont typeface="Arial" panose="020B0604020202020204"/>
-              <a:buChar char="◦"/>
-            </a:pPr>
-            <a:r>
-              <a:rPr sz="1600"/>
-              <a:t>Used in text generation, language modeling, and speech recognition.</a:t>
-            </a:r>
-            <a:endParaRPr sz="1600"/>
-          </a:p>
-          <a:p>
-            <a:pPr>
-              <a:buAutoNum type="arabicPeriod"/>
-            </a:pPr>
-            <a:r>
-              <a:rPr sz="1600"/>
-              <a:t>Generative Adversarial Networks (GANs):</a:t>
-            </a:r>
-            <a:endParaRPr sz="1600"/>
-          </a:p>
-          <a:p>
-            <a:pPr lvl="1">
-              <a:buFont typeface="Arial" panose="020B0604020202020204"/>
-              <a:buChar char="◦"/>
-            </a:pPr>
-            <a:r>
-              <a:rPr sz="1600"/>
-              <a:t>Consist of a generator and a discriminator that compete to generate realistic data.</a:t>
-            </a:r>
-            <a:endParaRPr sz="1600"/>
-          </a:p>
-          <a:p>
-            <a:pPr lvl="1">
-              <a:buFont typeface="Arial" panose="020B0604020202020204"/>
-              <a:buChar char="◦"/>
-            </a:pPr>
-            <a:r>
-              <a:rPr sz="1600"/>
-              <a:t>Used in AI-generated art, deepfake videos, and data augmentation.</a:t>
-            </a:r>
-            <a:endParaRPr sz="1600"/>
-          </a:p>
-        </p:txBody>
-      </p:sp>
-      <p:sp>
-        <p:nvSpPr>
-          <p:cNvPr id="3" name="Text Box 2"/>
+      </p:pic>
+      <p:sp>
+        <p:nvSpPr>
+          <p:cNvPr id="7" name="Text Box 6"/>
           <p:cNvSpPr txBox="1"/>
           <p:nvPr/>
         </p:nvSpPr>
         <p:spPr>
           <a:xfrm>
-            <a:off x="327025" y="5403215"/>
-            <a:ext cx="11655425" cy="922020"/>
+            <a:off x="1177925" y="175895"/>
+            <a:ext cx="4064000" cy="1568450"/>
           </a:xfrm>
           <a:prstGeom prst="rect">
             <a:avLst/>
@@ -3537,25 +4803,221 @@
           <a:noFill/>
         </p:spPr>
         <p:txBody>
-          <a:bodyPr wrap="square" rtlCol="0" anchor="t">
+          <a:bodyPr wrap="square" rtlCol="0">
             <a:spAutoFit/>
           </a:bodyPr>
           <a:p>
+            <a:pPr indent="0"/>
+            <a:r>
+              <a:rPr lang="en-US" sz="2400" b="1">
+                <a:solidFill>
+                  <a:srgbClr val="FF0000"/>
+                </a:solidFill>
+                <a:effectLst>
+                  <a:outerShdw blurRad="38100" dist="38100" dir="2700000" algn="tl">
+                    <a:srgbClr val="000000">
+                      <a:alpha val="43137"/>
+                    </a:srgbClr>
+                  </a:outerShdw>
+                </a:effectLst>
+              </a:rPr>
+              <a:t>Terms </a:t>
+            </a:r>
             <a:r>
               <a:rPr lang="en-US" altLang="en-US"/>
-              <a:t>https://colab.research.google.com/drive/1z_nL3RcvR1x4uIR88VWEj8Zdr7mYEcQK#scrollTo=keCSdzvOrRmx</a:t>
+              <a:t>Neural Networks Architecture:</a:t>
             </a:r>
             <a:endParaRPr lang="en-US" altLang="en-US"/>
           </a:p>
           <a:p>
-            <a:endParaRPr lang="en-US"/>
-          </a:p>
-          <a:p>
-            <a:r>
-              <a:rPr lang="en-IN" altLang="en-US" b="1"/>
-              <a:t>Implement the FNN</a:t>
-            </a:r>
-            <a:endParaRPr lang="en-IN" altLang="en-US" b="1"/>
+            <a:pPr marL="285750" indent="-285750">
+              <a:buFont typeface="Arial" panose="020B0604020202020204" pitchFamily="34" charset="0"/>
+              <a:buChar char="•"/>
+            </a:pPr>
+            <a:r>
+              <a:rPr lang="en-US" sz="2400"/>
+              <a:t>features</a:t>
+            </a:r>
+            <a:endParaRPr lang="en-US" sz="2400"/>
+          </a:p>
+          <a:p>
+            <a:pPr marL="285750" indent="-285750">
+              <a:buFont typeface="Arial" panose="020B0604020202020204" pitchFamily="34" charset="0"/>
+              <a:buChar char="•"/>
+            </a:pPr>
+            <a:r>
+              <a:rPr lang="en-US" sz="2400"/>
+              <a:t>weights</a:t>
+            </a:r>
+            <a:endParaRPr lang="en-US" sz="2400"/>
+          </a:p>
+          <a:p>
+            <a:pPr marL="285750" indent="-285750">
+              <a:buFont typeface="Arial" panose="020B0604020202020204" pitchFamily="34" charset="0"/>
+              <a:buChar char="•"/>
+            </a:pPr>
+            <a:r>
+              <a:rPr lang="en-US" sz="2400"/>
+              <a:t>bias</a:t>
+            </a:r>
+            <a:endParaRPr lang="en-US" sz="2400"/>
+          </a:p>
+        </p:txBody>
+      </p:sp>
+      <p:sp>
+        <p:nvSpPr>
+          <p:cNvPr id="8" name="Text Box 7"/>
+          <p:cNvSpPr txBox="1"/>
+          <p:nvPr/>
+        </p:nvSpPr>
+        <p:spPr>
+          <a:xfrm>
+            <a:off x="495935" y="2134235"/>
+            <a:ext cx="4915535" cy="4215765"/>
+          </a:xfrm>
+          <a:prstGeom prst="rect">
+            <a:avLst/>
+          </a:prstGeom>
+          <a:noFill/>
+        </p:spPr>
+        <p:txBody>
+          <a:bodyPr wrap="square" rtlCol="0">
+            <a:spAutoFit/>
+          </a:bodyPr>
+          <a:p>
+            <a:r>
+              <a:rPr lang="en-US" sz="2800" b="1">
+                <a:solidFill>
+                  <a:srgbClr val="FF0000"/>
+                </a:solidFill>
+                <a:effectLst>
+                  <a:outerShdw blurRad="38100" dist="38100" dir="2700000" algn="tl">
+                    <a:srgbClr val="000000">
+                      <a:alpha val="43137"/>
+                    </a:srgbClr>
+                  </a:outerShdw>
+                </a:effectLst>
+                <a:highlight>
+                  <a:srgbClr val="FFFF00"/>
+                </a:highlight>
+              </a:rPr>
+              <a:t>USE IN ANN </a:t>
+            </a:r>
+            <a:endParaRPr lang="en-US" sz="2800" b="1">
+              <a:solidFill>
+                <a:srgbClr val="FF0000"/>
+              </a:solidFill>
+              <a:effectLst>
+                <a:outerShdw blurRad="38100" dist="38100" dir="2700000" algn="tl">
+                  <a:srgbClr val="000000">
+                    <a:alpha val="43137"/>
+                  </a:srgbClr>
+                </a:outerShdw>
+              </a:effectLst>
+              <a:highlight>
+                <a:srgbClr val="FFFF00"/>
+              </a:highlight>
+            </a:endParaRPr>
+          </a:p>
+          <a:p>
+            <a:pPr marL="342900" indent="-342900">
+              <a:buAutoNum type="arabicPeriod"/>
+            </a:pPr>
+            <a:r>
+              <a:rPr lang="en-US" sz="2400"/>
+              <a:t>for non linearity in neural network</a:t>
+            </a:r>
+            <a:endParaRPr lang="en-US" sz="2400"/>
+          </a:p>
+          <a:p>
+            <a:pPr marL="800100" lvl="1" indent="-342900">
+              <a:buFont typeface="Arial" panose="020B0604020202020204" pitchFamily="34" charset="0"/>
+              <a:buChar char="•"/>
+            </a:pPr>
+            <a:r>
+              <a:rPr lang="en-US" sz="2400"/>
+              <a:t>activation functions</a:t>
+            </a:r>
+            <a:endParaRPr lang="en-US" sz="2400"/>
+          </a:p>
+          <a:p>
+            <a:pPr marL="342900" indent="-342900">
+              <a:buAutoNum type="arabicPeriod"/>
+            </a:pPr>
+            <a:r>
+              <a:rPr lang="en-US" sz="2400"/>
+              <a:t>for error calculations</a:t>
+            </a:r>
+            <a:endParaRPr lang="en-US" sz="2400"/>
+          </a:p>
+          <a:p>
+            <a:pPr marL="800100" lvl="1" indent="-342900">
+              <a:buFont typeface="Arial" panose="020B0604020202020204" pitchFamily="34" charset="0"/>
+              <a:buChar char="•"/>
+            </a:pPr>
+            <a:r>
+              <a:rPr lang="en-US" sz="2400"/>
+              <a:t>mse,mae, logloss</a:t>
+            </a:r>
+            <a:endParaRPr lang="en-US" sz="2400"/>
+          </a:p>
+          <a:p>
+            <a:pPr marL="342900" indent="-342900">
+              <a:buAutoNum type="arabicPeriod"/>
+            </a:pPr>
+            <a:r>
+              <a:rPr lang="en-US" sz="2400"/>
+              <a:t>for optimizations </a:t>
+            </a:r>
+            <a:endParaRPr lang="en-US" sz="2400"/>
+          </a:p>
+          <a:p>
+            <a:pPr marL="800100" lvl="1" indent="-342900">
+              <a:buFont typeface="Arial" panose="020B0604020202020204" pitchFamily="34" charset="0"/>
+              <a:buChar char="•"/>
+            </a:pPr>
+            <a:r>
+              <a:rPr lang="en-US" sz="2400"/>
+              <a:t>gradient descent/ optimzer</a:t>
+            </a:r>
+            <a:endParaRPr lang="en-US" sz="2400"/>
+          </a:p>
+          <a:p>
+            <a:pPr lvl="0" indent="0">
+              <a:buFont typeface="Arial" panose="020B0604020202020204" pitchFamily="34" charset="0"/>
+              <a:buNone/>
+            </a:pPr>
+            <a:r>
+              <a:rPr lang="en-US" sz="2400"/>
+              <a:t>4.  Evaluation Matrix</a:t>
+            </a:r>
+            <a:endParaRPr lang="en-US" sz="2400"/>
+          </a:p>
+          <a:p>
+            <a:pPr marL="800100" lvl="1" indent="-342900">
+              <a:buFont typeface="Arial" panose="020B0604020202020204" pitchFamily="34" charset="0"/>
+              <a:buChar char="•"/>
+            </a:pPr>
+            <a:r>
+              <a:rPr lang="en-US" sz="2400"/>
+              <a:t>classification</a:t>
+            </a:r>
+            <a:endParaRPr lang="en-US" sz="2400"/>
+          </a:p>
+          <a:p>
+            <a:pPr marL="800100" lvl="1" indent="-342900">
+              <a:buFont typeface="Arial" panose="020B0604020202020204" pitchFamily="34" charset="0"/>
+              <a:buChar char="•"/>
+            </a:pPr>
+            <a:r>
+              <a:rPr lang="en-US" sz="2400"/>
+              <a:t>regression</a:t>
+            </a:r>
+            <a:endParaRPr lang="en-US" sz="2400"/>
+          </a:p>
+          <a:p>
+            <a:pPr indent="457200"/>
+            <a:endParaRPr lang="en-US" sz="2400"/>
           </a:p>
         </p:txBody>
       </p:sp>
@@ -3577,6 +5039,103 @@
         <p:nvPr/>
       </p:nvGrpSpPr>
       <p:grpSpPr/>
+      <p:sp>
+        <p:nvSpPr>
+          <p:cNvPr id="2" name="Text Box 1"/>
+          <p:cNvSpPr txBox="1"/>
+          <p:nvPr/>
+        </p:nvSpPr>
+        <p:spPr>
+          <a:xfrm>
+            <a:off x="2065020" y="1290320"/>
+            <a:ext cx="8625840" cy="2059305"/>
+          </a:xfrm>
+          <a:prstGeom prst="rect">
+            <a:avLst/>
+          </a:prstGeom>
+          <a:noFill/>
+        </p:spPr>
+        <p:txBody>
+          <a:bodyPr wrap="square" rtlCol="0" anchor="t">
+            <a:noAutofit/>
+          </a:bodyPr>
+          <a:p>
+            <a:pPr lvl="1" indent="0">
+              <a:buNone/>
+            </a:pPr>
+            <a:r>
+              <a:rPr lang="en-US" sz="4800" b="1">
+                <a:solidFill>
+                  <a:srgbClr val="FF0000"/>
+                </a:solidFill>
+                <a:effectLst>
+                  <a:outerShdw blurRad="38100" dist="38100" dir="2700000" algn="tl">
+                    <a:srgbClr val="000000">
+                      <a:alpha val="43137"/>
+                    </a:srgbClr>
+                  </a:outerShdw>
+                </a:effectLst>
+                <a:latin typeface="Arial Black" panose="020B0A04020102020204" charset="0"/>
+                <a:cs typeface="Arial Black" panose="020B0A04020102020204" charset="0"/>
+                <a:sym typeface="+mn-ea"/>
+              </a:rPr>
+              <a:t>Activation functions</a:t>
+            </a:r>
+            <a:endParaRPr lang="en-US" sz="4800" b="1">
+              <a:solidFill>
+                <a:srgbClr val="FF0000"/>
+              </a:solidFill>
+              <a:effectLst>
+                <a:outerShdw blurRad="38100" dist="38100" dir="2700000" algn="tl">
+                  <a:srgbClr val="000000">
+                    <a:alpha val="43137"/>
+                  </a:srgbClr>
+                </a:outerShdw>
+              </a:effectLst>
+              <a:latin typeface="Arial Black" panose="020B0A04020102020204" charset="0"/>
+              <a:cs typeface="Arial Black" panose="020B0A04020102020204" charset="0"/>
+              <a:sym typeface="+mn-ea"/>
+            </a:endParaRPr>
+          </a:p>
+        </p:txBody>
+      </p:sp>
+      <p:sp>
+        <p:nvSpPr>
+          <p:cNvPr id="3" name="Text Box 2"/>
+          <p:cNvSpPr txBox="1"/>
+          <p:nvPr/>
+        </p:nvSpPr>
+        <p:spPr>
+          <a:xfrm>
+            <a:off x="1960245" y="3853815"/>
+            <a:ext cx="6096000" cy="337185"/>
+          </a:xfrm>
+          <a:prstGeom prst="rect">
+            <a:avLst/>
+          </a:prstGeom>
+          <a:noFill/>
+        </p:spPr>
+        <p:txBody>
+          <a:bodyPr wrap="square" rtlCol="0" anchor="t">
+            <a:spAutoFit/>
+          </a:bodyPr>
+          <a:p>
+            <a:pPr marL="0" indent="0">
+              <a:spcBef>
+                <a:spcPct val="0"/>
+              </a:spcBef>
+              <a:spcAft>
+                <a:spcPct val="6000"/>
+              </a:spcAft>
+            </a:pPr>
+            <a:endParaRPr lang="en-US" sz="1600">
+              <a:latin typeface="var(--framer-blockquote-font-family"/>
+              <a:ea typeface="var(--framer-blockquote-font-family"/>
+              <a:sym typeface="+mn-ea"/>
+            </a:endParaRPr>
+          </a:p>
+        </p:txBody>
+      </p:sp>
     </p:spTree>
   </p:cSld>
   <p:clrMapOvr>
@@ -3595,6 +5154,223 @@
         <p:nvPr/>
       </p:nvGrpSpPr>
       <p:grpSpPr/>
+      <p:sp>
+        <p:nvSpPr>
+          <p:cNvPr id="2" name="Text Box 1"/>
+          <p:cNvSpPr txBox="1"/>
+          <p:nvPr/>
+        </p:nvSpPr>
+        <p:spPr>
+          <a:xfrm>
+            <a:off x="706120" y="267970"/>
+            <a:ext cx="10768965" cy="3161030"/>
+          </a:xfrm>
+          <a:prstGeom prst="rect">
+            <a:avLst/>
+          </a:prstGeom>
+          <a:noFill/>
+        </p:spPr>
+        <p:txBody>
+          <a:bodyPr wrap="square" rtlCol="0" anchor="t">
+            <a:noAutofit/>
+          </a:bodyPr>
+          <a:p>
+            <a:pPr marL="0" indent="0">
+              <a:spcBef>
+                <a:spcPct val="0"/>
+              </a:spcBef>
+              <a:spcAft>
+                <a:spcPct val="6000"/>
+              </a:spcAft>
+            </a:pPr>
+            <a:r>
+              <a:rPr sz="2300" b="1">
+                <a:latin typeface="Arial" panose="020B0604020202020204" pitchFamily="34" charset="0"/>
+                <a:ea typeface="var(--framer-blockquote-font-family"/>
+                <a:cs typeface="Arial" panose="020B0604020202020204" pitchFamily="34" charset="0"/>
+                <a:sym typeface="+mn-ea"/>
+                <a:hlinkClick r:id="rId1"/>
+              </a:rPr>
+              <a:t>What is a Neural Network Activation Function?</a:t>
+            </a:r>
+            <a:endParaRPr sz="2300" b="1">
+              <a:latin typeface="Arial" panose="020B0604020202020204" pitchFamily="34" charset="0"/>
+              <a:ea typeface="var(--framer-blockquote-font-family"/>
+              <a:cs typeface="Arial" panose="020B0604020202020204" pitchFamily="34" charset="0"/>
+              <a:sym typeface="+mn-ea"/>
+              <a:hlinkClick r:id="rId1"/>
+            </a:endParaRPr>
+          </a:p>
+          <a:p>
+            <a:pPr marL="0" indent="0">
+              <a:spcBef>
+                <a:spcPct val="0"/>
+              </a:spcBef>
+              <a:spcAft>
+                <a:spcPct val="6000"/>
+              </a:spcAft>
+            </a:pPr>
+            <a:endParaRPr sz="2300" b="1" i="0">
+              <a:latin typeface="Arial" panose="020B0604020202020204" pitchFamily="34" charset="0"/>
+              <a:ea typeface="var(--framer-blockquote-font-family"/>
+              <a:cs typeface="Arial" panose="020B0604020202020204" pitchFamily="34" charset="0"/>
+              <a:hlinkClick r:id="rId1"/>
+            </a:endParaRPr>
+          </a:p>
+          <a:p>
+            <a:pPr marL="0" indent="0">
+              <a:spcAft>
+                <a:spcPct val="0"/>
+              </a:spcAft>
+            </a:pPr>
+            <a:r>
+              <a:rPr sz="1600">
+                <a:latin typeface="Arial" panose="020B0604020202020204" pitchFamily="34" charset="0"/>
+                <a:ea typeface="var(--framer-blockquote-font-family-bold"/>
+                <a:cs typeface="Arial" panose="020B0604020202020204" pitchFamily="34" charset="0"/>
+                <a:sym typeface="+mn-ea"/>
+              </a:rPr>
+              <a:t>An Activation Function</a:t>
+            </a:r>
+            <a:r>
+              <a:rPr sz="1600">
+                <a:latin typeface="Arial" panose="020B0604020202020204" pitchFamily="34" charset="0"/>
+                <a:ea typeface="var(--framer-blockquote-font-family"/>
+                <a:cs typeface="Arial" panose="020B0604020202020204" pitchFamily="34" charset="0"/>
+                <a:sym typeface="+mn-ea"/>
+              </a:rPr>
+              <a:t> decides whether a neuron should be activated or not. This means that it will decide whether the neuron’s input to the network is important or not in the process of prediction using simpler mathematical operations. </a:t>
+            </a:r>
+            <a:endParaRPr sz="1600">
+              <a:latin typeface="Arial" panose="020B0604020202020204" pitchFamily="34" charset="0"/>
+              <a:ea typeface="var(--framer-blockquote-font-family"/>
+              <a:cs typeface="Arial" panose="020B0604020202020204" pitchFamily="34" charset="0"/>
+              <a:sym typeface="+mn-ea"/>
+            </a:endParaRPr>
+          </a:p>
+          <a:p>
+            <a:pPr marL="0" indent="0">
+              <a:spcAft>
+                <a:spcPct val="0"/>
+              </a:spcAft>
+            </a:pPr>
+            <a:endParaRPr sz="1600" b="0" i="0">
+              <a:latin typeface="Arial" panose="020B0604020202020204" pitchFamily="34" charset="0"/>
+              <a:ea typeface="var(--framer-blockquote-font-family"/>
+              <a:cs typeface="Arial" panose="020B0604020202020204" pitchFamily="34" charset="0"/>
+            </a:endParaRPr>
+          </a:p>
+          <a:p>
+            <a:pPr marL="0" indent="0">
+              <a:spcAft>
+                <a:spcPct val="0"/>
+              </a:spcAft>
+            </a:pPr>
+            <a:r>
+              <a:rPr sz="1600">
+                <a:latin typeface="Arial" panose="020B0604020202020204" pitchFamily="34" charset="0"/>
+                <a:ea typeface="var(--framer-blockquote-font-family"/>
+                <a:cs typeface="Arial" panose="020B0604020202020204" pitchFamily="34" charset="0"/>
+                <a:sym typeface="+mn-ea"/>
+              </a:rPr>
+              <a:t>The role of the Activation Function is to derive output from a set of input values fed to a node (or a layer).</a:t>
+            </a:r>
+            <a:endParaRPr lang="en-US" sz="1600">
+              <a:latin typeface="Arial" panose="020B0604020202020204" pitchFamily="34" charset="0"/>
+              <a:ea typeface="var(--framer-blockquote-font-family"/>
+              <a:cs typeface="Arial" panose="020B0604020202020204" pitchFamily="34" charset="0"/>
+              <a:sym typeface="+mn-ea"/>
+            </a:endParaRPr>
+          </a:p>
+        </p:txBody>
+      </p:sp>
+      <p:sp>
+        <p:nvSpPr>
+          <p:cNvPr id="3" name="Text Box 2"/>
+          <p:cNvSpPr txBox="1"/>
+          <p:nvPr/>
+        </p:nvSpPr>
+        <p:spPr>
+          <a:xfrm>
+            <a:off x="706755" y="2767965"/>
+            <a:ext cx="10396220" cy="1014730"/>
+          </a:xfrm>
+          <a:prstGeom prst="rect">
+            <a:avLst/>
+          </a:prstGeom>
+        </p:spPr>
+        <p:txBody>
+          <a:bodyPr wrap="square">
+            <a:spAutoFit/>
+          </a:bodyPr>
+          <a:p>
+            <a:r>
+              <a:rPr sz="2000"/>
+              <a:t>Activation functions play a crucial role in neural networks by introducing non-linearity, enabling the model to learn and represent complex patterns. Without activation functions, a neural network behaves like a linear model, limiting its ability to capture intricate relationships in data.</a:t>
+            </a:r>
+            <a:endParaRPr sz="2000"/>
+          </a:p>
+        </p:txBody>
+      </p:sp>
+      <p:sp>
+        <p:nvSpPr>
+          <p:cNvPr id="4" name="Text Box 3"/>
+          <p:cNvSpPr txBox="1"/>
+          <p:nvPr/>
+        </p:nvSpPr>
+        <p:spPr>
+          <a:xfrm>
+            <a:off x="596900" y="4303395"/>
+            <a:ext cx="10706735" cy="337185"/>
+          </a:xfrm>
+          <a:prstGeom prst="rect">
+            <a:avLst/>
+          </a:prstGeom>
+        </p:spPr>
+        <p:txBody>
+          <a:bodyPr wrap="square">
+            <a:spAutoFit/>
+          </a:bodyPr>
+          <a:p>
+            <a:pPr marL="0" indent="0">
+              <a:spcAft>
+                <a:spcPct val="60000"/>
+              </a:spcAft>
+            </a:pPr>
+            <a:r>
+              <a:rPr sz="1600" b="1" i="0">
+                <a:solidFill>
+                  <a:srgbClr val="FF0000"/>
+                </a:solidFill>
+                <a:effectLst>
+                  <a:outerShdw blurRad="38100" dist="38100" dir="2700000" algn="tl">
+                    <a:srgbClr val="000000">
+                      <a:alpha val="43137"/>
+                    </a:srgbClr>
+                  </a:outerShdw>
+                </a:effectLst>
+                <a:latin typeface="Manrope"/>
+                <a:ea typeface="Manrope"/>
+              </a:rPr>
+              <a:t>Why Neural Networks Need Activation Functions?</a:t>
+            </a:r>
+            <a:endParaRPr sz="1600" b="1" i="0">
+              <a:solidFill>
+                <a:srgbClr val="FF0000"/>
+              </a:solidFill>
+              <a:effectLst>
+                <a:outerShdw blurRad="38100" dist="38100" dir="2700000" algn="tl">
+                  <a:srgbClr val="000000">
+                    <a:alpha val="43137"/>
+                  </a:srgbClr>
+                </a:outerShdw>
+              </a:effectLst>
+              <a:latin typeface="Manrope"/>
+              <a:ea typeface="Manrope"/>
+            </a:endParaRPr>
+          </a:p>
+        </p:txBody>
+      </p:sp>
     </p:spTree>
   </p:cSld>
   <p:clrMapOvr>
@@ -3613,6 +5389,427 @@
         <p:nvPr/>
       </p:nvGrpSpPr>
       <p:grpSpPr/>
+      <p:sp>
+        <p:nvSpPr>
+          <p:cNvPr id="2" name="Text Box 1"/>
+          <p:cNvSpPr txBox="1"/>
+          <p:nvPr/>
+        </p:nvSpPr>
+        <p:spPr>
+          <a:xfrm>
+            <a:off x="158750" y="367030"/>
+            <a:ext cx="5643880" cy="2317750"/>
+          </a:xfrm>
+          <a:prstGeom prst="rect">
+            <a:avLst/>
+          </a:prstGeom>
+        </p:spPr>
+        <p:txBody>
+          <a:bodyPr wrap="square">
+            <a:spAutoFit/>
+          </a:bodyPr>
+          <a:p>
+            <a:pPr marL="0" indent="0">
+              <a:spcBef>
+                <a:spcPct val="0"/>
+              </a:spcBef>
+              <a:spcAft>
+                <a:spcPts val="1000"/>
+              </a:spcAft>
+            </a:pPr>
+            <a:r>
+              <a:rPr sz="1600" b="0" i="0">
+                <a:solidFill>
+                  <a:srgbClr val="282829"/>
+                </a:solidFill>
+                <a:latin typeface="Arial" panose="020B0604020202020204" pitchFamily="34" charset="0"/>
+                <a:ea typeface="-apple-system"/>
+                <a:cs typeface="Arial" panose="020B0604020202020204" pitchFamily="34" charset="0"/>
+              </a:rPr>
+              <a:t>Imagine that a neural network is a hose:</a:t>
+            </a:r>
+            <a:endParaRPr sz="1600" b="0" i="0">
+              <a:solidFill>
+                <a:srgbClr val="282829"/>
+              </a:solidFill>
+              <a:latin typeface="Arial" panose="020B0604020202020204" pitchFamily="34" charset="0"/>
+              <a:ea typeface="-apple-system"/>
+              <a:cs typeface="Arial" panose="020B0604020202020204" pitchFamily="34" charset="0"/>
+            </a:endParaRPr>
+          </a:p>
+          <a:p>
+            <a:pPr marL="0" indent="0">
+              <a:spcBef>
+                <a:spcPct val="0"/>
+              </a:spcBef>
+              <a:spcAft>
+                <a:spcPts val="1000"/>
+              </a:spcAft>
+            </a:pPr>
+            <a:r>
+              <a:rPr sz="1600" b="0" i="0">
+                <a:solidFill>
+                  <a:srgbClr val="282829"/>
+                </a:solidFill>
+                <a:latin typeface="Arial" panose="020B0604020202020204" pitchFamily="34" charset="0"/>
+                <a:ea typeface="-apple-system"/>
+                <a:cs typeface="Arial" panose="020B0604020202020204" pitchFamily="34" charset="0"/>
+              </a:rPr>
+              <a:t>It takes water (takes some input), carries it somewhere (modifies your input), and pushes water out (produces some output).</a:t>
+            </a:r>
+            <a:endParaRPr sz="1600" b="0" i="0">
+              <a:solidFill>
+                <a:srgbClr val="282829"/>
+              </a:solidFill>
+              <a:latin typeface="Arial" panose="020B0604020202020204" pitchFamily="34" charset="0"/>
+              <a:ea typeface="-apple-system"/>
+              <a:cs typeface="Arial" panose="020B0604020202020204" pitchFamily="34" charset="0"/>
+            </a:endParaRPr>
+          </a:p>
+          <a:p>
+            <a:pPr marL="0" indent="0">
+              <a:spcBef>
+                <a:spcPct val="0"/>
+              </a:spcBef>
+              <a:spcAft>
+                <a:spcPts val="1000"/>
+              </a:spcAft>
+            </a:pPr>
+            <a:r>
+              <a:rPr sz="1600" b="0" i="0">
+                <a:solidFill>
+                  <a:srgbClr val="282829"/>
+                </a:solidFill>
+                <a:latin typeface="Arial" panose="020B0604020202020204" pitchFamily="34" charset="0"/>
+                <a:ea typeface="-apple-system"/>
+                <a:cs typeface="Arial" panose="020B0604020202020204" pitchFamily="34" charset="0"/>
+              </a:rPr>
+              <a:t>Without an activation function, your hose will act more like a steel pipe: fixed and inflexible. Sometimes that’s good enough. Nothing wrong with using a pipe to deliver your water:</a:t>
+            </a:r>
+            <a:endParaRPr sz="1600" b="0" i="0">
+              <a:solidFill>
+                <a:srgbClr val="282829"/>
+              </a:solidFill>
+              <a:latin typeface="Arial" panose="020B0604020202020204" pitchFamily="34" charset="0"/>
+              <a:ea typeface="-apple-system"/>
+              <a:cs typeface="Arial" panose="020B0604020202020204" pitchFamily="34" charset="0"/>
+            </a:endParaRPr>
+          </a:p>
+        </p:txBody>
+      </p:sp>
+      <p:pic>
+        <p:nvPicPr>
+          <p:cNvPr id="3" name="Picture 2"/>
+          <p:cNvPicPr/>
+          <p:nvPr/>
+        </p:nvPicPr>
+        <p:blipFill>
+          <a:blip r:embed="rId1"/>
+          <a:stretch>
+            <a:fillRect/>
+          </a:stretch>
+        </p:blipFill>
+        <p:spPr>
+          <a:xfrm>
+            <a:off x="158750" y="3065145"/>
+            <a:ext cx="4768850" cy="3427730"/>
+          </a:xfrm>
+          <a:prstGeom prst="rect">
+            <a:avLst/>
+          </a:prstGeom>
+        </p:spPr>
+      </p:pic>
+      <p:sp>
+        <p:nvSpPr>
+          <p:cNvPr id="4" name="Text Box 3"/>
+          <p:cNvSpPr txBox="1"/>
+          <p:nvPr/>
+        </p:nvSpPr>
+        <p:spPr>
+          <a:xfrm>
+            <a:off x="6189345" y="-226695"/>
+            <a:ext cx="5760720" cy="1356360"/>
+          </a:xfrm>
+          <a:prstGeom prst="rect">
+            <a:avLst/>
+          </a:prstGeom>
+        </p:spPr>
+        <p:txBody>
+          <a:bodyPr wrap="square">
+            <a:noAutofit/>
+          </a:bodyPr>
+          <a:p>
+            <a:endParaRPr sz="3600">
+              <a:latin typeface="Arial" panose="020B0604020202020204" pitchFamily="34" charset="0"/>
+              <a:cs typeface="Arial" panose="020B0604020202020204" pitchFamily="34" charset="0"/>
+            </a:endParaRPr>
+          </a:p>
+          <a:p>
+            <a:pPr marL="0" indent="0">
+              <a:spcBef>
+                <a:spcPct val="0"/>
+              </a:spcBef>
+              <a:spcAft>
+                <a:spcPts val="1000"/>
+              </a:spcAft>
+            </a:pPr>
+            <a:r>
+              <a:rPr sz="1600" b="0" i="0">
+                <a:solidFill>
+                  <a:srgbClr val="282829"/>
+                </a:solidFill>
+                <a:latin typeface="Arial" panose="020B0604020202020204" pitchFamily="34" charset="0"/>
+                <a:ea typeface="-apple-system"/>
+                <a:cs typeface="Arial" panose="020B0604020202020204" pitchFamily="34" charset="0"/>
+              </a:rPr>
+              <a:t>Sometimes it’ll be more difficult. You’ll have to go through very specific spots and avoid others:</a:t>
+            </a:r>
+            <a:endParaRPr sz="1600" b="0" i="0">
+              <a:solidFill>
+                <a:srgbClr val="282829"/>
+              </a:solidFill>
+              <a:latin typeface="Arial" panose="020B0604020202020204" pitchFamily="34" charset="0"/>
+              <a:ea typeface="-apple-system"/>
+              <a:cs typeface="Arial" panose="020B0604020202020204" pitchFamily="34" charset="0"/>
+            </a:endParaRPr>
+          </a:p>
+        </p:txBody>
+      </p:sp>
+      <p:pic>
+        <p:nvPicPr>
+          <p:cNvPr id="9" name="Picture 8"/>
+          <p:cNvPicPr/>
+          <p:nvPr/>
+        </p:nvPicPr>
+        <p:blipFill>
+          <a:blip r:embed="rId2"/>
+          <a:stretch>
+            <a:fillRect/>
+          </a:stretch>
+        </p:blipFill>
+        <p:spPr>
+          <a:xfrm>
+            <a:off x="5802630" y="956310"/>
+            <a:ext cx="4888865" cy="3219450"/>
+          </a:xfrm>
+          <a:prstGeom prst="rect">
+            <a:avLst/>
+          </a:prstGeom>
+        </p:spPr>
+      </p:pic>
+      <p:sp>
+        <p:nvSpPr>
+          <p:cNvPr id="10" name="Text Box 9"/>
+          <p:cNvSpPr txBox="1"/>
+          <p:nvPr/>
+        </p:nvSpPr>
+        <p:spPr>
+          <a:xfrm>
+            <a:off x="6189345" y="4175760"/>
+            <a:ext cx="5641340" cy="2496820"/>
+          </a:xfrm>
+          <a:prstGeom prst="rect">
+            <a:avLst/>
+          </a:prstGeom>
+        </p:spPr>
+        <p:txBody>
+          <a:bodyPr wrap="square">
+            <a:spAutoFit/>
+          </a:bodyPr>
+          <a:p>
+            <a:endParaRPr sz="3600">
+              <a:latin typeface="Arial" panose="020B0604020202020204" pitchFamily="34" charset="0"/>
+              <a:cs typeface="Arial" panose="020B0604020202020204" pitchFamily="34" charset="0"/>
+            </a:endParaRPr>
+          </a:p>
+          <a:p>
+            <a:pPr marL="0" indent="0">
+              <a:spcBef>
+                <a:spcPct val="0"/>
+              </a:spcBef>
+              <a:spcAft>
+                <a:spcPts val="1000"/>
+              </a:spcAft>
+            </a:pPr>
+            <a:r>
+              <a:rPr sz="1600" b="0" i="0">
+                <a:solidFill>
+                  <a:srgbClr val="282829"/>
+                </a:solidFill>
+                <a:latin typeface="Arial" panose="020B0604020202020204" pitchFamily="34" charset="0"/>
+                <a:ea typeface="-apple-system"/>
+                <a:cs typeface="Arial" panose="020B0604020202020204" pitchFamily="34" charset="0"/>
+              </a:rPr>
+              <a:t>An inflexible steel pipe just won’t fit no matter how you rotate it. An ctivation function comes in handy here, because it allows your function to be more flexible.</a:t>
+            </a:r>
+            <a:endParaRPr sz="1600" b="0" i="0">
+              <a:solidFill>
+                <a:srgbClr val="282829"/>
+              </a:solidFill>
+              <a:latin typeface="Arial" panose="020B0604020202020204" pitchFamily="34" charset="0"/>
+              <a:ea typeface="-apple-system"/>
+              <a:cs typeface="Arial" panose="020B0604020202020204" pitchFamily="34" charset="0"/>
+            </a:endParaRPr>
+          </a:p>
+          <a:p>
+            <a:pPr marL="0" indent="0">
+              <a:spcBef>
+                <a:spcPct val="0"/>
+              </a:spcBef>
+              <a:spcAft>
+                <a:spcPts val="1000"/>
+              </a:spcAft>
+            </a:pPr>
+            <a:r>
+              <a:rPr sz="1600" b="0" i="0">
+                <a:solidFill>
+                  <a:srgbClr val="282829"/>
+                </a:solidFill>
+                <a:latin typeface="Arial" panose="020B0604020202020204" pitchFamily="34" charset="0"/>
+                <a:ea typeface="-apple-system"/>
+                <a:cs typeface="Arial" panose="020B0604020202020204" pitchFamily="34" charset="0"/>
+              </a:rPr>
+              <a:t>In this case, a neural net with an activation function would act like a plastic garden hose. You can bend it to your specific needs and carry your water to a lot more places that are impossible to reach with a steel pipe:</a:t>
+            </a:r>
+            <a:endParaRPr sz="1600" b="0" i="0">
+              <a:solidFill>
+                <a:srgbClr val="282829"/>
+              </a:solidFill>
+              <a:latin typeface="Arial" panose="020B0604020202020204" pitchFamily="34" charset="0"/>
+              <a:ea typeface="-apple-system"/>
+              <a:cs typeface="Arial" panose="020B0604020202020204" pitchFamily="34" charset="0"/>
+            </a:endParaRPr>
+          </a:p>
+        </p:txBody>
+      </p:sp>
+      <mc:AlternateContent xmlns:mc="http://schemas.openxmlformats.org/markup-compatibility/2006" xmlns:p14="http://schemas.microsoft.com/office/powerpoint/2010/main">
+        <mc:Choice Requires="p14">
+          <p:contentPart r:id="rId3" p14:bwMode="auto">
+            <p14:nvContentPartPr>
+              <p14:cNvPr id="11" name="Ink 10"/>
+              <p14:cNvContentPartPr/>
+              <p14:nvPr/>
+            </p14:nvContentPartPr>
+            <p14:xfrm>
+              <a:off x="4965065" y="598170"/>
+              <a:ext cx="1205865" cy="3863975"/>
+            </p14:xfrm>
+          </p:contentPart>
+        </mc:Choice>
+        <mc:Fallback xmlns="">
+          <p:pic>
+            <p:nvPicPr>
+              <p:cNvPr id="11" name="Ink 10"/>
+            </p:nvPicPr>
+            <p:blipFill>
+              <a:blip r:embed="rId4"/>
+            </p:blipFill>
+            <p:spPr>
+              <a:xfrm>
+                <a:off x="4965065" y="598170"/>
+                <a:ext cx="1205865" cy="3863975"/>
+              </a:xfrm>
+              <a:prstGeom prst="rect"/>
+            </p:spPr>
+          </p:pic>
+        </mc:Fallback>
+      </mc:AlternateContent>
+      <mc:AlternateContent xmlns:mc="http://schemas.openxmlformats.org/markup-compatibility/2006" xmlns:p14="http://schemas.microsoft.com/office/powerpoint/2010/main">
+        <mc:Choice Requires="p14">
+          <p:contentPart r:id="rId5" p14:bwMode="auto">
+            <p14:nvContentPartPr>
+              <p14:cNvPr id="12" name="Ink 11"/>
+              <p14:cNvContentPartPr/>
+              <p14:nvPr/>
+            </p14:nvContentPartPr>
+            <p14:xfrm>
+              <a:off x="6122035" y="495935"/>
+              <a:ext cx="93980" cy="234950"/>
+            </p14:xfrm>
+          </p:contentPart>
+        </mc:Choice>
+        <mc:Fallback xmlns="">
+          <p:pic>
+            <p:nvPicPr>
+              <p:cNvPr id="12" name="Ink 11"/>
+            </p:nvPicPr>
+            <p:blipFill>
+              <a:blip r:embed="rId6"/>
+            </p:blipFill>
+            <p:spPr>
+              <a:xfrm>
+                <a:off x="6122035" y="495935"/>
+                <a:ext cx="93980" cy="234950"/>
+              </a:xfrm>
+              <a:prstGeom prst="rect"/>
+            </p:spPr>
+          </p:pic>
+        </mc:Fallback>
+      </mc:AlternateContent>
+      <mc:AlternateContent xmlns:mc="http://schemas.openxmlformats.org/markup-compatibility/2006" xmlns:p14="http://schemas.microsoft.com/office/powerpoint/2010/main">
+        <mc:Choice Requires="p14">
+          <p:contentPart r:id="rId7" p14:bwMode="auto">
+            <p14:nvContentPartPr>
+              <p14:cNvPr id="13" name="Ink 12"/>
+              <p14:cNvContentPartPr/>
+              <p14:nvPr/>
+            </p14:nvContentPartPr>
+            <p14:xfrm>
+              <a:off x="10841990" y="6671945"/>
+              <a:ext cx="228600" cy="257175"/>
+            </p14:xfrm>
+          </p:contentPart>
+        </mc:Choice>
+        <mc:Fallback xmlns="">
+          <p:pic>
+            <p:nvPicPr>
+              <p:cNvPr id="13" name="Ink 12"/>
+            </p:nvPicPr>
+            <p:blipFill>
+              <a:blip r:embed="rId8"/>
+            </p:blipFill>
+            <p:spPr>
+              <a:xfrm>
+                <a:off x="10841990" y="6671945"/>
+                <a:ext cx="228600" cy="257175"/>
+              </a:xfrm>
+              <a:prstGeom prst="rect"/>
+            </p:spPr>
+          </p:pic>
+        </mc:Fallback>
+      </mc:AlternateContent>
+      <mc:AlternateContent xmlns:mc="http://schemas.openxmlformats.org/markup-compatibility/2006" xmlns:p14="http://schemas.microsoft.com/office/powerpoint/2010/main">
+        <mc:Choice Requires="p14">
+          <p:contentPart r:id="rId9" p14:bwMode="auto">
+            <p14:nvContentPartPr>
+              <p14:cNvPr id="14" name="Ink 13"/>
+              <p14:cNvContentPartPr/>
+              <p14:nvPr/>
+            </p14:nvContentPartPr>
+            <p14:xfrm>
+              <a:off x="10996930" y="6741160"/>
+              <a:ext cx="195580" cy="221615"/>
+            </p14:xfrm>
+          </p:contentPart>
+        </mc:Choice>
+        <mc:Fallback xmlns="">
+          <p:pic>
+            <p:nvPicPr>
+              <p:cNvPr id="14" name="Ink 13"/>
+            </p:nvPicPr>
+            <p:blipFill>
+              <a:blip r:embed="rId10"/>
+            </p:blipFill>
+            <p:spPr>
+              <a:xfrm>
+                <a:off x="10996930" y="6741160"/>
+                <a:ext cx="195580" cy="221615"/>
+              </a:xfrm>
+              <a:prstGeom prst="rect"/>
+            </p:spPr>
+          </p:pic>
+        </mc:Fallback>
+      </mc:AlternateContent>
     </p:spTree>
   </p:cSld>
   <p:clrMapOvr>
@@ -3631,6 +5828,2411 @@
         <p:nvPr/>
       </p:nvGrpSpPr>
       <p:grpSpPr/>
+      <p:pic>
+        <p:nvPicPr>
+          <p:cNvPr id="2" name="Picture 1"/>
+          <p:cNvPicPr/>
+          <p:nvPr/>
+        </p:nvPicPr>
+        <p:blipFill>
+          <a:blip r:embed="rId1"/>
+          <a:stretch>
+            <a:fillRect/>
+          </a:stretch>
+        </p:blipFill>
+        <p:spPr>
+          <a:xfrm>
+            <a:off x="34290" y="124460"/>
+            <a:ext cx="5055870" cy="3794760"/>
+          </a:xfrm>
+          <a:prstGeom prst="rect">
+            <a:avLst/>
+          </a:prstGeom>
+        </p:spPr>
+      </p:pic>
+      <p:sp>
+        <p:nvSpPr>
+          <p:cNvPr id="3" name="Text Box 2"/>
+          <p:cNvSpPr txBox="1"/>
+          <p:nvPr/>
+        </p:nvSpPr>
+        <p:spPr>
+          <a:xfrm>
+            <a:off x="398145" y="3745102"/>
+            <a:ext cx="5080000" cy="583565"/>
+          </a:xfrm>
+          <a:prstGeom prst="rect">
+            <a:avLst/>
+          </a:prstGeom>
+        </p:spPr>
+        <p:txBody>
+          <a:bodyPr>
+            <a:spAutoFit/>
+          </a:bodyPr>
+          <a:p>
+            <a:r>
+              <a:rPr sz="1600" b="0" i="0">
+                <a:solidFill>
+                  <a:srgbClr val="282829"/>
+                </a:solidFill>
+                <a:latin typeface="Arial" panose="020B0604020202020204" pitchFamily="34" charset="0"/>
+                <a:ea typeface="-apple-system"/>
+                <a:cs typeface="Arial" panose="020B0604020202020204" pitchFamily="34" charset="0"/>
+              </a:rPr>
+              <a:t>So, the purpose of an activation function is to add flexibility to your hose (non-linearity to your neural net).</a:t>
+            </a:r>
+            <a:endParaRPr sz="1600" b="0" i="0">
+              <a:solidFill>
+                <a:srgbClr val="282829"/>
+              </a:solidFill>
+              <a:latin typeface="Arial" panose="020B0604020202020204" pitchFamily="34" charset="0"/>
+              <a:ea typeface="-apple-system"/>
+              <a:cs typeface="Arial" panose="020B0604020202020204" pitchFamily="34" charset="0"/>
+            </a:endParaRPr>
+          </a:p>
+        </p:txBody>
+      </p:sp>
+      <p:sp>
+        <p:nvSpPr>
+          <p:cNvPr id="4" name="Text Box 3"/>
+          <p:cNvSpPr txBox="1"/>
+          <p:nvPr/>
+        </p:nvSpPr>
+        <p:spPr>
+          <a:xfrm>
+            <a:off x="5090160" y="124460"/>
+            <a:ext cx="7102475" cy="6667500"/>
+          </a:xfrm>
+          <a:prstGeom prst="rect">
+            <a:avLst/>
+          </a:prstGeom>
+        </p:spPr>
+        <p:txBody>
+          <a:bodyPr wrap="square">
+            <a:noAutofit/>
+          </a:bodyPr>
+          <a:p>
+            <a:pPr marL="0" indent="0">
+              <a:spcBef>
+                <a:spcPct val="0"/>
+              </a:spcBef>
+              <a:spcAft>
+                <a:spcPts val="1000"/>
+              </a:spcAft>
+            </a:pPr>
+            <a:r>
+              <a:rPr sz="1600" b="1" i="0">
+                <a:solidFill>
+                  <a:srgbClr val="FF0000"/>
+                </a:solidFill>
+                <a:effectLst>
+                  <a:outerShdw blurRad="38100" dist="38100" dir="2700000" algn="tl">
+                    <a:srgbClr val="000000">
+                      <a:alpha val="43137"/>
+                    </a:srgbClr>
+                  </a:outerShdw>
+                </a:effectLst>
+                <a:latin typeface="Arial" panose="020B0604020202020204" pitchFamily="34" charset="0"/>
+                <a:ea typeface="-apple-system"/>
+                <a:cs typeface="Arial" panose="020B0604020202020204" pitchFamily="34" charset="0"/>
+              </a:rPr>
+              <a:t>Neural networks require activation functions for several key reasons:</a:t>
+            </a:r>
+            <a:endParaRPr sz="1600" b="1" i="0">
+              <a:solidFill>
+                <a:srgbClr val="FF0000"/>
+              </a:solidFill>
+              <a:effectLst>
+                <a:outerShdw blurRad="38100" dist="38100" dir="2700000" algn="tl">
+                  <a:srgbClr val="000000">
+                    <a:alpha val="43137"/>
+                  </a:srgbClr>
+                </a:outerShdw>
+              </a:effectLst>
+              <a:latin typeface="Arial" panose="020B0604020202020204" pitchFamily="34" charset="0"/>
+              <a:ea typeface="-apple-system"/>
+              <a:cs typeface="Arial" panose="020B0604020202020204" pitchFamily="34" charset="0"/>
+            </a:endParaRPr>
+          </a:p>
+          <a:p>
+            <a:pPr marL="266700" indent="0">
+              <a:spcBef>
+                <a:spcPct val="0"/>
+              </a:spcBef>
+              <a:spcAft>
+                <a:spcPct val="0"/>
+              </a:spcAft>
+              <a:buAutoNum type="arabicPeriod"/>
+            </a:pPr>
+            <a:r>
+              <a:rPr sz="1600" b="1" i="0">
+                <a:solidFill>
+                  <a:srgbClr val="282829"/>
+                </a:solidFill>
+                <a:latin typeface="Arial" panose="020B0604020202020204" pitchFamily="34" charset="0"/>
+                <a:ea typeface="-apple-system"/>
+                <a:cs typeface="Arial" panose="020B0604020202020204" pitchFamily="34" charset="0"/>
+              </a:rPr>
+              <a:t>Non-linearity</a:t>
+            </a:r>
+            <a:r>
+              <a:rPr sz="1600" b="0" i="0">
+                <a:solidFill>
+                  <a:srgbClr val="282829"/>
+                </a:solidFill>
+                <a:latin typeface="Arial" panose="020B0604020202020204" pitchFamily="34" charset="0"/>
+                <a:ea typeface="-apple-system"/>
+                <a:cs typeface="Arial" panose="020B0604020202020204" pitchFamily="34" charset="0"/>
+              </a:rPr>
+              <a:t>: Activation functions introduce non-linearities into the network. Without them, a neural network would essentially behave like a linear model, regardless of how many layers it has. This means it would be unable to learn complex patterns in the data.</a:t>
+            </a:r>
+            <a:endParaRPr sz="1600" b="0" i="0">
+              <a:solidFill>
+                <a:srgbClr val="282829"/>
+              </a:solidFill>
+              <a:latin typeface="Arial" panose="020B0604020202020204" pitchFamily="34" charset="0"/>
+              <a:ea typeface="-apple-system"/>
+              <a:cs typeface="Arial" panose="020B0604020202020204" pitchFamily="34" charset="0"/>
+            </a:endParaRPr>
+          </a:p>
+          <a:p>
+            <a:pPr marL="266700" indent="0">
+              <a:spcBef>
+                <a:spcPct val="0"/>
+              </a:spcBef>
+              <a:spcAft>
+                <a:spcPct val="0"/>
+              </a:spcAft>
+              <a:buAutoNum type="arabicPeriod"/>
+            </a:pPr>
+            <a:endParaRPr sz="1600" b="0" i="0">
+              <a:solidFill>
+                <a:srgbClr val="282829"/>
+              </a:solidFill>
+              <a:latin typeface="Arial" panose="020B0604020202020204" pitchFamily="34" charset="0"/>
+              <a:ea typeface="-apple-system"/>
+              <a:cs typeface="Arial" panose="020B0604020202020204" pitchFamily="34" charset="0"/>
+            </a:endParaRPr>
+          </a:p>
+          <a:p>
+            <a:pPr marL="266700" indent="0">
+              <a:spcBef>
+                <a:spcPct val="0"/>
+              </a:spcBef>
+              <a:spcAft>
+                <a:spcPct val="0"/>
+              </a:spcAft>
+              <a:buAutoNum type="arabicPeriod"/>
+            </a:pPr>
+            <a:r>
+              <a:rPr sz="1600" b="1" i="0">
+                <a:solidFill>
+                  <a:srgbClr val="282829"/>
+                </a:solidFill>
+                <a:latin typeface="Arial" panose="020B0604020202020204" pitchFamily="34" charset="0"/>
+                <a:ea typeface="-apple-system"/>
+                <a:cs typeface="Arial" panose="020B0604020202020204" pitchFamily="34" charset="0"/>
+              </a:rPr>
+              <a:t>Output Control</a:t>
+            </a:r>
+            <a:r>
+              <a:rPr sz="1600" b="0" i="0">
+                <a:solidFill>
+                  <a:srgbClr val="282829"/>
+                </a:solidFill>
+                <a:latin typeface="Arial" panose="020B0604020202020204" pitchFamily="34" charset="0"/>
+                <a:ea typeface="-apple-system"/>
+                <a:cs typeface="Arial" panose="020B0604020202020204" pitchFamily="34" charset="0"/>
+              </a:rPr>
+              <a:t>: Activation functions help control the output of a neuron. For example, in binary classification tasks, using a sigmoid or softmax activation function can produce outputs that can be interpreted as probabilities.</a:t>
+            </a:r>
+            <a:endParaRPr sz="1600" b="0" i="0">
+              <a:solidFill>
+                <a:srgbClr val="282829"/>
+              </a:solidFill>
+              <a:latin typeface="Arial" panose="020B0604020202020204" pitchFamily="34" charset="0"/>
+              <a:ea typeface="-apple-system"/>
+              <a:cs typeface="Arial" panose="020B0604020202020204" pitchFamily="34" charset="0"/>
+            </a:endParaRPr>
+          </a:p>
+          <a:p>
+            <a:pPr marL="266700" indent="0">
+              <a:spcBef>
+                <a:spcPct val="0"/>
+              </a:spcBef>
+              <a:spcAft>
+                <a:spcPct val="0"/>
+              </a:spcAft>
+              <a:buAutoNum type="arabicPeriod"/>
+            </a:pPr>
+            <a:endParaRPr sz="1600" b="0" i="0">
+              <a:solidFill>
+                <a:srgbClr val="282829"/>
+              </a:solidFill>
+              <a:latin typeface="Arial" panose="020B0604020202020204" pitchFamily="34" charset="0"/>
+              <a:ea typeface="-apple-system"/>
+              <a:cs typeface="Arial" panose="020B0604020202020204" pitchFamily="34" charset="0"/>
+            </a:endParaRPr>
+          </a:p>
+          <a:p>
+            <a:pPr marL="266700" indent="0">
+              <a:spcBef>
+                <a:spcPct val="0"/>
+              </a:spcBef>
+              <a:spcAft>
+                <a:spcPct val="0"/>
+              </a:spcAft>
+              <a:buAutoNum type="arabicPeriod"/>
+            </a:pPr>
+            <a:r>
+              <a:rPr sz="1600" b="1" i="0">
+                <a:solidFill>
+                  <a:srgbClr val="282829"/>
+                </a:solidFill>
+                <a:latin typeface="Arial" panose="020B0604020202020204" pitchFamily="34" charset="0"/>
+                <a:ea typeface="-apple-system"/>
+                <a:cs typeface="Arial" panose="020B0604020202020204" pitchFamily="34" charset="0"/>
+              </a:rPr>
+              <a:t>Gradient Propagation</a:t>
+            </a:r>
+            <a:r>
+              <a:rPr sz="1600" b="0" i="0">
+                <a:solidFill>
+                  <a:srgbClr val="282829"/>
+                </a:solidFill>
+                <a:latin typeface="Arial" panose="020B0604020202020204" pitchFamily="34" charset="0"/>
+                <a:ea typeface="-apple-system"/>
+                <a:cs typeface="Arial" panose="020B0604020202020204" pitchFamily="34" charset="0"/>
+              </a:rPr>
+              <a:t>: During training, neural networks rely on backpropagation to update weights. Activation functions help shape the loss surface and can influence the speed and stability of training. Some functions, like ReLU (Rectified Linear Unit), help mitigate issues like vanishing gradients, allowing models to learn faster and perform better.</a:t>
+            </a:r>
+            <a:endParaRPr sz="1600" b="0" i="0">
+              <a:solidFill>
+                <a:srgbClr val="282829"/>
+              </a:solidFill>
+              <a:latin typeface="Arial" panose="020B0604020202020204" pitchFamily="34" charset="0"/>
+              <a:ea typeface="-apple-system"/>
+              <a:cs typeface="Arial" panose="020B0604020202020204" pitchFamily="34" charset="0"/>
+            </a:endParaRPr>
+          </a:p>
+          <a:p>
+            <a:pPr marL="266700" indent="0">
+              <a:spcBef>
+                <a:spcPct val="0"/>
+              </a:spcBef>
+              <a:spcAft>
+                <a:spcPct val="0"/>
+              </a:spcAft>
+              <a:buAutoNum type="arabicPeriod"/>
+            </a:pPr>
+            <a:endParaRPr sz="1600" b="0" i="0">
+              <a:solidFill>
+                <a:srgbClr val="282829"/>
+              </a:solidFill>
+              <a:latin typeface="Arial" panose="020B0604020202020204" pitchFamily="34" charset="0"/>
+              <a:ea typeface="-apple-system"/>
+              <a:cs typeface="Arial" panose="020B0604020202020204" pitchFamily="34" charset="0"/>
+            </a:endParaRPr>
+          </a:p>
+          <a:p>
+            <a:pPr marL="266700" indent="0">
+              <a:spcBef>
+                <a:spcPct val="0"/>
+              </a:spcBef>
+              <a:spcAft>
+                <a:spcPct val="0"/>
+              </a:spcAft>
+              <a:buAutoNum type="arabicPeriod"/>
+            </a:pPr>
+            <a:r>
+              <a:rPr sz="1600" b="1" i="0">
+                <a:solidFill>
+                  <a:srgbClr val="282829"/>
+                </a:solidFill>
+                <a:latin typeface="Arial" panose="020B0604020202020204" pitchFamily="34" charset="0"/>
+                <a:ea typeface="-apple-system"/>
+                <a:cs typeface="Arial" panose="020B0604020202020204" pitchFamily="34" charset="0"/>
+              </a:rPr>
+              <a:t>Thresholding</a:t>
+            </a:r>
+            <a:r>
+              <a:rPr sz="1600" b="0" i="0">
+                <a:solidFill>
+                  <a:srgbClr val="282829"/>
+                </a:solidFill>
+                <a:latin typeface="Arial" panose="020B0604020202020204" pitchFamily="34" charset="0"/>
+                <a:ea typeface="-apple-system"/>
+                <a:cs typeface="Arial" panose="020B0604020202020204" pitchFamily="34" charset="0"/>
+              </a:rPr>
+              <a:t>: Certain activation functions (like step functions) can act as thresholds, allowing the model to decide whether to activate a neuron based on whether the input exceeds a certain value. This can help in decision-making processes.</a:t>
+            </a:r>
+            <a:endParaRPr sz="1600" b="0" i="0">
+              <a:solidFill>
+                <a:srgbClr val="282829"/>
+              </a:solidFill>
+              <a:latin typeface="Arial" panose="020B0604020202020204" pitchFamily="34" charset="0"/>
+              <a:ea typeface="-apple-system"/>
+              <a:cs typeface="Arial" panose="020B0604020202020204" pitchFamily="34" charset="0"/>
+            </a:endParaRPr>
+          </a:p>
+          <a:p>
+            <a:pPr marL="266700" indent="0">
+              <a:spcBef>
+                <a:spcPct val="0"/>
+              </a:spcBef>
+              <a:spcAft>
+                <a:spcPct val="0"/>
+              </a:spcAft>
+              <a:buAutoNum type="arabicPeriod"/>
+            </a:pPr>
+            <a:endParaRPr sz="1600" b="0" i="0">
+              <a:solidFill>
+                <a:srgbClr val="282829"/>
+              </a:solidFill>
+              <a:latin typeface="Arial" panose="020B0604020202020204" pitchFamily="34" charset="0"/>
+              <a:ea typeface="-apple-system"/>
+              <a:cs typeface="Arial" panose="020B0604020202020204" pitchFamily="34" charset="0"/>
+            </a:endParaRPr>
+          </a:p>
+          <a:p>
+            <a:pPr marL="266700" indent="0">
+              <a:spcBef>
+                <a:spcPct val="0"/>
+              </a:spcBef>
+              <a:spcAft>
+                <a:spcPct val="0"/>
+              </a:spcAft>
+              <a:buAutoNum type="arabicPeriod"/>
+            </a:pPr>
+            <a:r>
+              <a:rPr sz="1600" b="1" i="0">
+                <a:solidFill>
+                  <a:srgbClr val="282829"/>
+                </a:solidFill>
+                <a:latin typeface="Arial" panose="020B0604020202020204" pitchFamily="34" charset="0"/>
+                <a:ea typeface="-apple-system"/>
+                <a:cs typeface="Arial" panose="020B0604020202020204" pitchFamily="34" charset="0"/>
+              </a:rPr>
+              <a:t>Diversity of Outputs</a:t>
+            </a:r>
+            <a:r>
+              <a:rPr sz="1600" b="0" i="0">
+                <a:solidFill>
+                  <a:srgbClr val="282829"/>
+                </a:solidFill>
+                <a:latin typeface="Arial" panose="020B0604020202020204" pitchFamily="34" charset="0"/>
+                <a:ea typeface="-apple-system"/>
+                <a:cs typeface="Arial" panose="020B0604020202020204" pitchFamily="34" charset="0"/>
+              </a:rPr>
+              <a:t>: Different activation functions can create diverse output distributions, allowing the neural network to learn a variety of tasks effectively. For instance, ReLU is often used in hidden layers for its simplicity and efficiency, while softmax is commonly used in output layers for multi-class classification.</a:t>
+            </a:r>
+            <a:endParaRPr sz="1600" b="0" i="0">
+              <a:solidFill>
+                <a:srgbClr val="282829"/>
+              </a:solidFill>
+              <a:latin typeface="Arial" panose="020B0604020202020204" pitchFamily="34" charset="0"/>
+              <a:ea typeface="-apple-system"/>
+              <a:cs typeface="Arial" panose="020B0604020202020204" pitchFamily="34" charset="0"/>
+            </a:endParaRPr>
+          </a:p>
+          <a:p>
+            <a:pPr marL="0" indent="0">
+              <a:spcBef>
+                <a:spcPct val="0"/>
+              </a:spcBef>
+              <a:spcAft>
+                <a:spcPct val="0"/>
+              </a:spcAft>
+            </a:pPr>
+            <a:endParaRPr sz="1600" b="0" i="0">
+              <a:solidFill>
+                <a:srgbClr val="282829"/>
+              </a:solidFill>
+              <a:latin typeface="Arial" panose="020B0604020202020204" pitchFamily="34" charset="0"/>
+              <a:ea typeface="-apple-system"/>
+              <a:cs typeface="Arial" panose="020B0604020202020204" pitchFamily="34" charset="0"/>
+            </a:endParaRPr>
+          </a:p>
+        </p:txBody>
+      </p:sp>
+      <p:sp>
+        <p:nvSpPr>
+          <p:cNvPr id="5" name="Text Box 4"/>
+          <p:cNvSpPr txBox="1"/>
+          <p:nvPr/>
+        </p:nvSpPr>
+        <p:spPr>
+          <a:xfrm>
+            <a:off x="131445" y="5184140"/>
+            <a:ext cx="4606290" cy="829945"/>
+          </a:xfrm>
+          <a:prstGeom prst="rect">
+            <a:avLst/>
+          </a:prstGeom>
+          <a:noFill/>
+        </p:spPr>
+        <p:txBody>
+          <a:bodyPr wrap="square" rtlCol="0" anchor="t">
+            <a:spAutoFit/>
+          </a:bodyPr>
+          <a:p>
+            <a:pPr marL="0" indent="0">
+              <a:spcBef>
+                <a:spcPct val="0"/>
+              </a:spcBef>
+              <a:spcAft>
+                <a:spcPct val="0"/>
+              </a:spcAft>
+            </a:pPr>
+            <a:r>
+              <a:rPr sz="1600">
+                <a:solidFill>
+                  <a:srgbClr val="282829"/>
+                </a:solidFill>
+                <a:latin typeface="Arial" panose="020B0604020202020204" pitchFamily="34" charset="0"/>
+                <a:ea typeface="-apple-system"/>
+                <a:cs typeface="Arial" panose="020B0604020202020204" pitchFamily="34" charset="0"/>
+                <a:sym typeface="+mn-ea"/>
+              </a:rPr>
+              <a:t>Overall, activation functions are crucial for enabling neural networks to learn complex relationships and make accurate predictions.</a:t>
+            </a:r>
+            <a:endParaRPr lang="en-US" sz="1600">
+              <a:solidFill>
+                <a:srgbClr val="282829"/>
+              </a:solidFill>
+              <a:latin typeface="Arial" panose="020B0604020202020204" pitchFamily="34" charset="0"/>
+              <a:ea typeface="-apple-system"/>
+              <a:cs typeface="Arial" panose="020B0604020202020204" pitchFamily="34" charset="0"/>
+              <a:sym typeface="+mn-ea"/>
+            </a:endParaRPr>
+          </a:p>
+        </p:txBody>
+      </p:sp>
+      <p:sp>
+        <p:nvSpPr>
+          <p:cNvPr id="6" name="Text Box 5"/>
+          <p:cNvSpPr txBox="1"/>
+          <p:nvPr/>
+        </p:nvSpPr>
+        <p:spPr>
+          <a:xfrm>
+            <a:off x="34290" y="6276340"/>
+            <a:ext cx="4260850" cy="581660"/>
+          </a:xfrm>
+          <a:prstGeom prst="rect">
+            <a:avLst/>
+          </a:prstGeom>
+          <a:noFill/>
+        </p:spPr>
+        <p:txBody>
+          <a:bodyPr wrap="square" rtlCol="0" anchor="t">
+            <a:noAutofit/>
+          </a:bodyPr>
+          <a:p>
+            <a:endParaRPr lang="en-US" altLang="en-US">
+              <a:solidFill>
+                <a:schemeClr val="accent1"/>
+              </a:solidFill>
+            </a:endParaRPr>
+          </a:p>
+        </p:txBody>
+      </p:sp>
+    </p:spTree>
+  </p:cSld>
+  <p:clrMapOvr>
+    <a:masterClrMapping/>
+  </p:clrMapOvr>
+</p:sld>
+</file>
+
+<file path=ppt/slides/slide17.xml><?xml version="1.0" encoding="utf-8"?>
+<p:sld xmlns:a="http://schemas.openxmlformats.org/drawingml/2006/main" xmlns:r="http://schemas.openxmlformats.org/officeDocument/2006/relationships" xmlns:p="http://schemas.openxmlformats.org/presentationml/2006/main">
+  <p:cSld>
+    <p:spTree>
+      <p:nvGrpSpPr>
+        <p:cNvPr id="1" name=""/>
+        <p:cNvGrpSpPr/>
+        <p:nvPr/>
+      </p:nvGrpSpPr>
+      <p:grpSpPr/>
+      <p:sp>
+        <p:nvSpPr>
+          <p:cNvPr id="2" name="Text Box 1"/>
+          <p:cNvSpPr txBox="1"/>
+          <p:nvPr/>
+        </p:nvSpPr>
+        <p:spPr>
+          <a:xfrm>
+            <a:off x="109855" y="0"/>
+            <a:ext cx="11981815" cy="6834505"/>
+          </a:xfrm>
+          <a:prstGeom prst="rect">
+            <a:avLst/>
+          </a:prstGeom>
+          <a:noFill/>
+        </p:spPr>
+        <p:txBody>
+          <a:bodyPr wrap="square" rtlCol="0" anchor="t">
+            <a:spAutoFit/>
+          </a:bodyPr>
+          <a:p>
+            <a:pPr marL="0" indent="0">
+              <a:spcAft>
+                <a:spcPts val="200"/>
+              </a:spcAft>
+            </a:pPr>
+            <a:r>
+              <a:rPr sz="2800">
+                <a:solidFill>
+                  <a:srgbClr val="939598"/>
+                </a:solidFill>
+                <a:latin typeface="Calibri" panose="020F0502020204030204" charset="0"/>
+                <a:ea typeface="-apple-system"/>
+                <a:cs typeface="Calibri" panose="020F0502020204030204" charset="0"/>
+                <a:sym typeface="+mn-ea"/>
+                <a:hlinkClick r:id="rId1"/>
+              </a:rPr>
+              <a:t>Why do we need non-linear activation functions in a neural network?</a:t>
+            </a:r>
+            <a:endParaRPr sz="2800" b="0" i="0">
+              <a:solidFill>
+                <a:srgbClr val="939598"/>
+              </a:solidFill>
+              <a:latin typeface="Calibri" panose="020F0502020204030204" charset="0"/>
+              <a:ea typeface="-apple-system"/>
+              <a:cs typeface="Calibri" panose="020F0502020204030204" charset="0"/>
+              <a:hlinkClick r:id="rId1"/>
+            </a:endParaRPr>
+          </a:p>
+          <a:p>
+            <a:pPr marL="0" indent="0">
+              <a:spcBef>
+                <a:spcPct val="0"/>
+              </a:spcBef>
+              <a:spcAft>
+                <a:spcPts val="1000"/>
+              </a:spcAft>
+            </a:pPr>
+            <a:r>
+              <a:rPr sz="2000">
+                <a:solidFill>
+                  <a:srgbClr val="282829"/>
+                </a:solidFill>
+                <a:latin typeface="Calibri" panose="020F0502020204030204" charset="0"/>
+                <a:ea typeface="-apple-system"/>
+                <a:cs typeface="Calibri" panose="020F0502020204030204" charset="0"/>
+                <a:sym typeface="+mn-ea"/>
+              </a:rPr>
+              <a:t>To understand why non-linear activation functions are needed, think of neural nets in a mathematical sense. In its simple form, what we are doing is passing some input X and generating some output Y.</a:t>
+            </a:r>
+            <a:endParaRPr sz="2000" b="0" i="0">
+              <a:solidFill>
+                <a:srgbClr val="282829"/>
+              </a:solidFill>
+              <a:latin typeface="Calibri" panose="020F0502020204030204" charset="0"/>
+              <a:ea typeface="-apple-system"/>
+              <a:cs typeface="Calibri" panose="020F0502020204030204" charset="0"/>
+            </a:endParaRPr>
+          </a:p>
+          <a:p>
+            <a:pPr marL="0" indent="0">
+              <a:spcBef>
+                <a:spcPct val="0"/>
+              </a:spcBef>
+              <a:spcAft>
+                <a:spcPts val="1000"/>
+              </a:spcAft>
+            </a:pPr>
+            <a:r>
+              <a:rPr sz="2000" b="1">
+                <a:solidFill>
+                  <a:srgbClr val="282829"/>
+                </a:solidFill>
+                <a:latin typeface="Calibri" panose="020F0502020204030204" charset="0"/>
+                <a:ea typeface="-apple-system"/>
+                <a:cs typeface="Calibri" panose="020F0502020204030204" charset="0"/>
+                <a:sym typeface="+mn-ea"/>
+              </a:rPr>
+              <a:t>More mathematically,</a:t>
+            </a:r>
+            <a:endParaRPr sz="2000" b="1" i="0">
+              <a:solidFill>
+                <a:srgbClr val="282829"/>
+              </a:solidFill>
+              <a:latin typeface="Calibri" panose="020F0502020204030204" charset="0"/>
+              <a:ea typeface="-apple-system"/>
+              <a:cs typeface="Calibri" panose="020F0502020204030204" charset="0"/>
+            </a:endParaRPr>
+          </a:p>
+          <a:p>
+            <a:pPr marL="0" indent="0">
+              <a:spcBef>
+                <a:spcPct val="0"/>
+              </a:spcBef>
+              <a:spcAft>
+                <a:spcPts val="1000"/>
+              </a:spcAft>
+            </a:pPr>
+            <a:r>
+              <a:rPr sz="2000">
+                <a:solidFill>
+                  <a:srgbClr val="282829"/>
+                </a:solidFill>
+                <a:latin typeface="Calibri" panose="020F0502020204030204" charset="0"/>
+                <a:ea typeface="-apple-system"/>
+                <a:cs typeface="Calibri" panose="020F0502020204030204" charset="0"/>
+                <a:sym typeface="+mn-ea"/>
+              </a:rPr>
+              <a:t>The architecture of the neural network can be thought of as a function which takes an input X and generates some output Y.</a:t>
+            </a:r>
+            <a:endParaRPr sz="2000" b="0" i="0">
+              <a:solidFill>
+                <a:srgbClr val="282829"/>
+              </a:solidFill>
+              <a:latin typeface="Calibri" panose="020F0502020204030204" charset="0"/>
+              <a:ea typeface="-apple-system"/>
+              <a:cs typeface="Calibri" panose="020F0502020204030204" charset="0"/>
+            </a:endParaRPr>
+          </a:p>
+          <a:p>
+            <a:pPr marL="0" indent="0" algn="l" fontAlgn="b">
+              <a:spcBef>
+                <a:spcPct val="1000"/>
+              </a:spcBef>
+              <a:spcAft>
+                <a:spcPct val="1000"/>
+              </a:spcAft>
+            </a:pPr>
+            <a:r>
+              <a:rPr sz="2000">
+                <a:solidFill>
+                  <a:srgbClr val="282829"/>
+                </a:solidFill>
+                <a:latin typeface="Calibri" panose="020F0502020204030204" charset="0"/>
+                <a:ea typeface="MJXc-TeX-math-I"/>
+                <a:cs typeface="Calibri" panose="020F0502020204030204" charset="0"/>
+                <a:sym typeface="+mn-ea"/>
+              </a:rPr>
+              <a:t>f</a:t>
+            </a:r>
+            <a:r>
+              <a:rPr sz="2000">
+                <a:solidFill>
+                  <a:srgbClr val="282829"/>
+                </a:solidFill>
+                <a:latin typeface="Calibri" panose="020F0502020204030204" charset="0"/>
+                <a:ea typeface="MJXc-TeX-main-R"/>
+                <a:cs typeface="Calibri" panose="020F0502020204030204" charset="0"/>
+                <a:sym typeface="+mn-ea"/>
+              </a:rPr>
+              <a:t>(</a:t>
+            </a:r>
+            <a:r>
+              <a:rPr sz="2000">
+                <a:solidFill>
+                  <a:srgbClr val="282829"/>
+                </a:solidFill>
+                <a:latin typeface="Calibri" panose="020F0502020204030204" charset="0"/>
+                <a:ea typeface="MJXc-TeX-math-I"/>
+                <a:cs typeface="Calibri" panose="020F0502020204030204" charset="0"/>
+                <a:sym typeface="+mn-ea"/>
+              </a:rPr>
+              <a:t>X</a:t>
+            </a:r>
+            <a:r>
+              <a:rPr sz="2000">
+                <a:solidFill>
+                  <a:srgbClr val="282829"/>
+                </a:solidFill>
+                <a:latin typeface="Calibri" panose="020F0502020204030204" charset="0"/>
+                <a:ea typeface="MJXc-TeX-main-R"/>
+                <a:cs typeface="Calibri" panose="020F0502020204030204" charset="0"/>
+                <a:sym typeface="+mn-ea"/>
+              </a:rPr>
+              <a:t>)−&gt;</a:t>
+            </a:r>
+            <a:r>
+              <a:rPr sz="2000">
+                <a:solidFill>
+                  <a:srgbClr val="282829"/>
+                </a:solidFill>
+                <a:latin typeface="Calibri" panose="020F0502020204030204" charset="0"/>
+                <a:ea typeface="MJXc-TeX-math-I"/>
+                <a:cs typeface="Calibri" panose="020F0502020204030204" charset="0"/>
+                <a:sym typeface="+mn-ea"/>
+              </a:rPr>
+              <a:t>Y</a:t>
+            </a:r>
+            <a:r>
+              <a:rPr sz="2000">
+                <a:solidFill>
+                  <a:srgbClr val="282829"/>
+                </a:solidFill>
+                <a:latin typeface="Calibri" panose="020F0502020204030204" charset="0"/>
+                <a:ea typeface="-apple-system"/>
+                <a:cs typeface="Calibri" panose="020F0502020204030204" charset="0"/>
+                <a:sym typeface="+mn-ea"/>
+              </a:rPr>
+              <a:t>f(X)−&gt;Y</a:t>
+            </a:r>
+            <a:endParaRPr sz="2000" b="0" i="0">
+              <a:solidFill>
+                <a:srgbClr val="282829"/>
+              </a:solidFill>
+              <a:latin typeface="Calibri" panose="020F0502020204030204" charset="0"/>
+              <a:ea typeface="-apple-system"/>
+              <a:cs typeface="Calibri" panose="020F0502020204030204" charset="0"/>
+            </a:endParaRPr>
+          </a:p>
+          <a:p>
+            <a:pPr marL="0" indent="0">
+              <a:spcBef>
+                <a:spcPct val="0"/>
+              </a:spcBef>
+              <a:spcAft>
+                <a:spcPts val="1000"/>
+              </a:spcAft>
+            </a:pPr>
+            <a:r>
+              <a:rPr sz="2000">
+                <a:solidFill>
+                  <a:srgbClr val="282829"/>
+                </a:solidFill>
+                <a:latin typeface="Calibri" panose="020F0502020204030204" charset="0"/>
+                <a:ea typeface="-apple-system"/>
+                <a:cs typeface="Calibri" panose="020F0502020204030204" charset="0"/>
+                <a:sym typeface="+mn-ea"/>
+              </a:rPr>
+              <a:t>So, a problem is just a mathematical function which we are trying to approximate using a neural net. You can read more about universal approximation theorem over </a:t>
+            </a:r>
+            <a:r>
+              <a:rPr sz="2000">
+                <a:solidFill>
+                  <a:srgbClr val="195FAA"/>
+                </a:solidFill>
+                <a:latin typeface="Calibri" panose="020F0502020204030204" charset="0"/>
+                <a:ea typeface="-apple-system"/>
+                <a:cs typeface="Calibri" panose="020F0502020204030204" charset="0"/>
+                <a:sym typeface="+mn-ea"/>
+                <a:hlinkClick r:id="rId2" tooltip="neuralnetworksanddeeplearning.com"/>
+              </a:rPr>
+              <a:t>here.</a:t>
+            </a:r>
+            <a:endParaRPr sz="2000" b="0" i="0">
+              <a:solidFill>
+                <a:srgbClr val="195FAA"/>
+              </a:solidFill>
+              <a:latin typeface="Calibri" panose="020F0502020204030204" charset="0"/>
+              <a:ea typeface="-apple-system"/>
+              <a:cs typeface="Calibri" panose="020F0502020204030204" charset="0"/>
+              <a:hlinkClick r:id="rId2" tooltip="neuralnetworksanddeeplearning.com"/>
+            </a:endParaRPr>
+          </a:p>
+          <a:p>
+            <a:pPr marL="0" indent="0">
+              <a:lnSpc>
+                <a:spcPct val="60000"/>
+              </a:lnSpc>
+              <a:spcBef>
+                <a:spcPct val="0"/>
+              </a:spcBef>
+              <a:spcAft>
+                <a:spcPts val="1000"/>
+              </a:spcAft>
+            </a:pPr>
+            <a:r>
+              <a:rPr sz="2000">
+                <a:solidFill>
+                  <a:srgbClr val="282829"/>
+                </a:solidFill>
+                <a:latin typeface="Calibri" panose="020F0502020204030204" charset="0"/>
+                <a:ea typeface="-apple-system"/>
+                <a:cs typeface="Calibri" panose="020F0502020204030204" charset="0"/>
+                <a:sym typeface="+mn-ea"/>
+              </a:rPr>
+              <a:t>If only linear activation functions are used, then the combination of these functions is another linear activation function.</a:t>
+            </a:r>
+            <a:endParaRPr sz="2000" b="0" i="0">
+              <a:solidFill>
+                <a:srgbClr val="282829"/>
+              </a:solidFill>
+              <a:latin typeface="Calibri" panose="020F0502020204030204" charset="0"/>
+              <a:ea typeface="-apple-system"/>
+              <a:cs typeface="Calibri" panose="020F0502020204030204" charset="0"/>
+            </a:endParaRPr>
+          </a:p>
+          <a:p>
+            <a:pPr marL="0" indent="0">
+              <a:lnSpc>
+                <a:spcPct val="60000"/>
+              </a:lnSpc>
+              <a:spcBef>
+                <a:spcPct val="0"/>
+              </a:spcBef>
+              <a:spcAft>
+                <a:spcPts val="1000"/>
+              </a:spcAft>
+            </a:pPr>
+            <a:r>
+              <a:rPr sz="2000" b="1">
+                <a:solidFill>
+                  <a:srgbClr val="C00000"/>
+                </a:solidFill>
+                <a:effectLst>
+                  <a:outerShdw blurRad="38100" dist="38100" dir="2700000" algn="tl">
+                    <a:srgbClr val="000000">
+                      <a:alpha val="43137"/>
+                    </a:srgbClr>
+                  </a:outerShdw>
+                </a:effectLst>
+                <a:latin typeface="Calibri" panose="020F0502020204030204" charset="0"/>
+                <a:ea typeface="-apple-system"/>
+                <a:cs typeface="Calibri" panose="020F0502020204030204" charset="0"/>
+                <a:sym typeface="+mn-ea"/>
+              </a:rPr>
+              <a:t>For example:</a:t>
+            </a:r>
+            <a:endParaRPr sz="2000" b="1" i="0">
+              <a:solidFill>
+                <a:srgbClr val="C00000"/>
+              </a:solidFill>
+              <a:effectLst>
+                <a:outerShdw blurRad="38100" dist="38100" dir="2700000" algn="tl">
+                  <a:srgbClr val="000000">
+                    <a:alpha val="43137"/>
+                  </a:srgbClr>
+                </a:outerShdw>
+              </a:effectLst>
+              <a:latin typeface="Calibri" panose="020F0502020204030204" charset="0"/>
+              <a:ea typeface="-apple-system"/>
+              <a:cs typeface="Calibri" panose="020F0502020204030204" charset="0"/>
+            </a:endParaRPr>
+          </a:p>
+          <a:p>
+            <a:pPr marL="0" indent="0">
+              <a:lnSpc>
+                <a:spcPct val="60000"/>
+              </a:lnSpc>
+              <a:spcBef>
+                <a:spcPct val="0"/>
+              </a:spcBef>
+              <a:spcAft>
+                <a:spcPts val="1000"/>
+              </a:spcAft>
+            </a:pPr>
+            <a:r>
+              <a:rPr sz="2000">
+                <a:solidFill>
+                  <a:srgbClr val="282829"/>
+                </a:solidFill>
+                <a:latin typeface="Calibri" panose="020F0502020204030204" charset="0"/>
+                <a:ea typeface="-apple-system"/>
+                <a:cs typeface="Calibri" panose="020F0502020204030204" charset="0"/>
+                <a:sym typeface="+mn-ea"/>
+              </a:rPr>
+              <a:t>Let the net input at first layer be as follows:</a:t>
+            </a:r>
+            <a:endParaRPr sz="2000" b="0" i="0">
+              <a:solidFill>
+                <a:srgbClr val="282829"/>
+              </a:solidFill>
+              <a:latin typeface="Calibri" panose="020F0502020204030204" charset="0"/>
+              <a:ea typeface="-apple-system"/>
+              <a:cs typeface="Calibri" panose="020F0502020204030204" charset="0"/>
+            </a:endParaRPr>
+          </a:p>
+          <a:p>
+            <a:pPr marL="0" indent="0" algn="l" fontAlgn="b">
+              <a:lnSpc>
+                <a:spcPct val="110000"/>
+              </a:lnSpc>
+              <a:spcBef>
+                <a:spcPct val="1000"/>
+              </a:spcBef>
+              <a:spcAft>
+                <a:spcPct val="1000"/>
+              </a:spcAft>
+            </a:pPr>
+            <a:r>
+              <a:rPr sz="2000">
+                <a:solidFill>
+                  <a:srgbClr val="282829"/>
+                </a:solidFill>
+                <a:latin typeface="Calibri" panose="020F0502020204030204" charset="0"/>
+                <a:ea typeface="MJXc-TeX-math-I"/>
+                <a:cs typeface="Calibri" panose="020F0502020204030204" charset="0"/>
+                <a:sym typeface="+mn-ea"/>
+              </a:rPr>
+              <a:t>Z</a:t>
+            </a:r>
+            <a:r>
+              <a:rPr sz="1400">
+                <a:solidFill>
+                  <a:srgbClr val="282829"/>
+                </a:solidFill>
+                <a:latin typeface="Calibri" panose="020F0502020204030204" charset="0"/>
+                <a:ea typeface="MJXc-TeX-main-R"/>
+                <a:cs typeface="Calibri" panose="020F0502020204030204" charset="0"/>
+                <a:sym typeface="+mn-ea"/>
+              </a:rPr>
+              <a:t>[1]</a:t>
+            </a:r>
+            <a:r>
+              <a:rPr sz="2000">
+                <a:solidFill>
+                  <a:srgbClr val="282829"/>
+                </a:solidFill>
+                <a:latin typeface="Calibri" panose="020F0502020204030204" charset="0"/>
+                <a:ea typeface="MJXc-TeX-main-R"/>
+                <a:cs typeface="Calibri" panose="020F0502020204030204" charset="0"/>
+                <a:sym typeface="+mn-ea"/>
+              </a:rPr>
+              <a:t>=</a:t>
+            </a:r>
+            <a:r>
+              <a:rPr sz="2000">
+                <a:solidFill>
+                  <a:srgbClr val="282829"/>
+                </a:solidFill>
+                <a:latin typeface="Calibri" panose="020F0502020204030204" charset="0"/>
+                <a:ea typeface="MJXc-TeX-math-I"/>
+                <a:cs typeface="Calibri" panose="020F0502020204030204" charset="0"/>
+                <a:sym typeface="+mn-ea"/>
+              </a:rPr>
+              <a:t>W</a:t>
+            </a:r>
+            <a:r>
+              <a:rPr sz="1400">
+                <a:solidFill>
+                  <a:srgbClr val="282829"/>
+                </a:solidFill>
+                <a:latin typeface="Calibri" panose="020F0502020204030204" charset="0"/>
+                <a:ea typeface="MJXc-TeX-main-R"/>
+                <a:cs typeface="Calibri" panose="020F0502020204030204" charset="0"/>
+                <a:sym typeface="+mn-ea"/>
+              </a:rPr>
+              <a:t>[1]</a:t>
+            </a:r>
+            <a:r>
+              <a:rPr sz="2000">
+                <a:solidFill>
+                  <a:srgbClr val="282829"/>
+                </a:solidFill>
+                <a:latin typeface="Calibri" panose="020F0502020204030204" charset="0"/>
+                <a:ea typeface="MJXc-TeX-main-R"/>
+                <a:cs typeface="Calibri" panose="020F0502020204030204" charset="0"/>
+                <a:sym typeface="+mn-ea"/>
+              </a:rPr>
+              <a:t>∗</a:t>
+            </a:r>
+            <a:r>
+              <a:rPr sz="2000">
+                <a:solidFill>
+                  <a:srgbClr val="282829"/>
+                </a:solidFill>
+                <a:latin typeface="Calibri" panose="020F0502020204030204" charset="0"/>
+                <a:ea typeface="MJXc-TeX-math-I"/>
+                <a:cs typeface="Calibri" panose="020F0502020204030204" charset="0"/>
+                <a:sym typeface="+mn-ea"/>
+              </a:rPr>
+              <a:t>X</a:t>
+            </a:r>
+            <a:r>
+              <a:rPr sz="2000">
+                <a:solidFill>
+                  <a:srgbClr val="282829"/>
+                </a:solidFill>
+                <a:latin typeface="Calibri" panose="020F0502020204030204" charset="0"/>
+                <a:ea typeface="MJXc-TeX-main-R"/>
+                <a:cs typeface="Calibri" panose="020F0502020204030204" charset="0"/>
+                <a:sym typeface="+mn-ea"/>
+              </a:rPr>
+              <a:t>+</a:t>
+            </a:r>
+            <a:r>
+              <a:rPr sz="2000">
+                <a:solidFill>
+                  <a:srgbClr val="282829"/>
+                </a:solidFill>
+                <a:latin typeface="Calibri" panose="020F0502020204030204" charset="0"/>
+                <a:ea typeface="MJXc-TeX-math-I"/>
+                <a:cs typeface="Calibri" panose="020F0502020204030204" charset="0"/>
+                <a:sym typeface="+mn-ea"/>
+              </a:rPr>
+              <a:t>b</a:t>
+            </a:r>
+            <a:r>
+              <a:rPr sz="1400">
+                <a:solidFill>
+                  <a:srgbClr val="282829"/>
+                </a:solidFill>
+                <a:latin typeface="Calibri" panose="020F0502020204030204" charset="0"/>
+                <a:ea typeface="MJXc-TeX-main-R"/>
+                <a:cs typeface="Calibri" panose="020F0502020204030204" charset="0"/>
+                <a:sym typeface="+mn-ea"/>
+              </a:rPr>
+              <a:t>[1]</a:t>
+            </a:r>
+            <a:r>
+              <a:rPr sz="2000">
+                <a:solidFill>
+                  <a:srgbClr val="282829"/>
+                </a:solidFill>
+                <a:latin typeface="Calibri" panose="020F0502020204030204" charset="0"/>
+                <a:ea typeface="-apple-system"/>
+                <a:cs typeface="Calibri" panose="020F0502020204030204" charset="0"/>
+                <a:sym typeface="+mn-ea"/>
+              </a:rPr>
+              <a:t>Z[1]=W[1]∗X+b[1] Equation (1)</a:t>
+            </a:r>
+            <a:endParaRPr sz="2000" b="0" i="0">
+              <a:solidFill>
+                <a:srgbClr val="282829"/>
+              </a:solidFill>
+              <a:latin typeface="Calibri" panose="020F0502020204030204" charset="0"/>
+              <a:ea typeface="-apple-system"/>
+              <a:cs typeface="Calibri" panose="020F0502020204030204" charset="0"/>
+            </a:endParaRPr>
+          </a:p>
+          <a:p>
+            <a:pPr marL="0" indent="0">
+              <a:lnSpc>
+                <a:spcPct val="110000"/>
+              </a:lnSpc>
+              <a:spcBef>
+                <a:spcPct val="0"/>
+              </a:spcBef>
+              <a:spcAft>
+                <a:spcPts val="1000"/>
+              </a:spcAft>
+            </a:pPr>
+            <a:r>
+              <a:rPr sz="2000">
+                <a:solidFill>
+                  <a:srgbClr val="282829"/>
+                </a:solidFill>
+                <a:latin typeface="Calibri" panose="020F0502020204030204" charset="0"/>
+                <a:ea typeface="-apple-system"/>
+                <a:cs typeface="Calibri" panose="020F0502020204030204" charset="0"/>
+                <a:sym typeface="+mn-ea"/>
+              </a:rPr>
+              <a:t>After passing through an activation function:</a:t>
+            </a:r>
+            <a:endParaRPr sz="2000" b="0" i="0">
+              <a:solidFill>
+                <a:srgbClr val="282829"/>
+              </a:solidFill>
+              <a:latin typeface="Calibri" panose="020F0502020204030204" charset="0"/>
+              <a:ea typeface="-apple-system"/>
+              <a:cs typeface="Calibri" panose="020F0502020204030204" charset="0"/>
+            </a:endParaRPr>
+          </a:p>
+          <a:p>
+            <a:pPr marL="0" indent="0" algn="l" fontAlgn="b">
+              <a:spcBef>
+                <a:spcPct val="1000"/>
+              </a:spcBef>
+              <a:spcAft>
+                <a:spcPct val="1000"/>
+              </a:spcAft>
+            </a:pPr>
+            <a:r>
+              <a:rPr sz="2000">
+                <a:solidFill>
+                  <a:srgbClr val="282829"/>
+                </a:solidFill>
+                <a:latin typeface="Calibri" panose="020F0502020204030204" charset="0"/>
+                <a:ea typeface="MJXc-TeX-math-I"/>
+                <a:cs typeface="Calibri" panose="020F0502020204030204" charset="0"/>
+                <a:sym typeface="+mn-ea"/>
+              </a:rPr>
+              <a:t>a</a:t>
+            </a:r>
+            <a:r>
+              <a:rPr sz="1400">
+                <a:solidFill>
+                  <a:srgbClr val="282829"/>
+                </a:solidFill>
+                <a:latin typeface="Calibri" panose="020F0502020204030204" charset="0"/>
+                <a:ea typeface="MJXc-TeX-main-R"/>
+                <a:cs typeface="Calibri" panose="020F0502020204030204" charset="0"/>
+                <a:sym typeface="+mn-ea"/>
+              </a:rPr>
+              <a:t>[1]</a:t>
+            </a:r>
+            <a:r>
+              <a:rPr sz="2000">
+                <a:solidFill>
+                  <a:srgbClr val="282829"/>
+                </a:solidFill>
+                <a:latin typeface="Calibri" panose="020F0502020204030204" charset="0"/>
+                <a:ea typeface="MJXc-TeX-main-R"/>
+                <a:cs typeface="Calibri" panose="020F0502020204030204" charset="0"/>
+                <a:sym typeface="+mn-ea"/>
+              </a:rPr>
+              <a:t>=</a:t>
+            </a:r>
+            <a:r>
+              <a:rPr sz="2000">
+                <a:solidFill>
+                  <a:srgbClr val="282829"/>
+                </a:solidFill>
+                <a:latin typeface="Calibri" panose="020F0502020204030204" charset="0"/>
+                <a:ea typeface="MJXc-TeX-math-I"/>
+                <a:cs typeface="Calibri" panose="020F0502020204030204" charset="0"/>
+                <a:sym typeface="+mn-ea"/>
+              </a:rPr>
+              <a:t>g</a:t>
+            </a:r>
+            <a:r>
+              <a:rPr sz="2000">
+                <a:solidFill>
+                  <a:srgbClr val="282829"/>
+                </a:solidFill>
+                <a:latin typeface="Calibri" panose="020F0502020204030204" charset="0"/>
+                <a:ea typeface="MJXc-TeX-main-R"/>
+                <a:cs typeface="Calibri" panose="020F0502020204030204" charset="0"/>
+                <a:sym typeface="+mn-ea"/>
+              </a:rPr>
+              <a:t>(</a:t>
+            </a:r>
+            <a:r>
+              <a:rPr sz="2000">
+                <a:solidFill>
+                  <a:srgbClr val="282829"/>
+                </a:solidFill>
+                <a:latin typeface="Calibri" panose="020F0502020204030204" charset="0"/>
+                <a:ea typeface="MJXc-TeX-math-I"/>
+                <a:cs typeface="Calibri" panose="020F0502020204030204" charset="0"/>
+                <a:sym typeface="+mn-ea"/>
+              </a:rPr>
+              <a:t>Z</a:t>
+            </a:r>
+            <a:r>
+              <a:rPr sz="1400">
+                <a:solidFill>
+                  <a:srgbClr val="282829"/>
+                </a:solidFill>
+                <a:latin typeface="Calibri" panose="020F0502020204030204" charset="0"/>
+                <a:ea typeface="MJXc-TeX-main-R"/>
+                <a:cs typeface="Calibri" panose="020F0502020204030204" charset="0"/>
+                <a:sym typeface="+mn-ea"/>
+              </a:rPr>
+              <a:t>[1]</a:t>
+            </a:r>
+            <a:r>
+              <a:rPr sz="2000">
+                <a:solidFill>
+                  <a:srgbClr val="282829"/>
+                </a:solidFill>
+                <a:latin typeface="Calibri" panose="020F0502020204030204" charset="0"/>
+                <a:ea typeface="MJXc-TeX-main-R"/>
+                <a:cs typeface="Calibri" panose="020F0502020204030204" charset="0"/>
+                <a:sym typeface="+mn-ea"/>
+              </a:rPr>
+              <a:t>)</a:t>
+            </a:r>
+            <a:r>
+              <a:rPr sz="2000">
+                <a:solidFill>
+                  <a:srgbClr val="282829"/>
+                </a:solidFill>
+                <a:latin typeface="Calibri" panose="020F0502020204030204" charset="0"/>
+                <a:ea typeface="-apple-system"/>
+                <a:cs typeface="Calibri" panose="020F0502020204030204" charset="0"/>
+                <a:sym typeface="+mn-ea"/>
+              </a:rPr>
+              <a:t>a[1]=g(Z[1])Equation (2)</a:t>
+            </a:r>
+            <a:endParaRPr sz="2000" b="0" i="0">
+              <a:solidFill>
+                <a:srgbClr val="282829"/>
+              </a:solidFill>
+              <a:latin typeface="Calibri" panose="020F0502020204030204" charset="0"/>
+              <a:ea typeface="-apple-system"/>
+              <a:cs typeface="Calibri" panose="020F0502020204030204" charset="0"/>
+            </a:endParaRPr>
+          </a:p>
+          <a:p>
+            <a:pPr marL="0" indent="0">
+              <a:spcBef>
+                <a:spcPct val="0"/>
+              </a:spcBef>
+              <a:spcAft>
+                <a:spcPts val="1000"/>
+              </a:spcAft>
+            </a:pPr>
+            <a:r>
+              <a:rPr sz="2000">
+                <a:solidFill>
+                  <a:srgbClr val="282829"/>
+                </a:solidFill>
+                <a:latin typeface="Calibri" panose="020F0502020204030204" charset="0"/>
+                <a:ea typeface="-apple-system"/>
+                <a:cs typeface="Calibri" panose="020F0502020204030204" charset="0"/>
+                <a:sym typeface="+mn-ea"/>
+              </a:rPr>
+              <a:t>Now, net input at second layer is:</a:t>
+            </a:r>
+            <a:endParaRPr sz="2000" b="0" i="0">
+              <a:solidFill>
+                <a:srgbClr val="282829"/>
+              </a:solidFill>
+              <a:latin typeface="Calibri" panose="020F0502020204030204" charset="0"/>
+              <a:ea typeface="-apple-system"/>
+              <a:cs typeface="Calibri" panose="020F0502020204030204" charset="0"/>
+            </a:endParaRPr>
+          </a:p>
+          <a:p>
+            <a:pPr marL="0" indent="0" algn="l" fontAlgn="b">
+              <a:spcBef>
+                <a:spcPct val="1000"/>
+              </a:spcBef>
+              <a:spcAft>
+                <a:spcPct val="1000"/>
+              </a:spcAft>
+            </a:pPr>
+            <a:r>
+              <a:rPr sz="2000">
+                <a:solidFill>
+                  <a:srgbClr val="282829"/>
+                </a:solidFill>
+                <a:latin typeface="Calibri" panose="020F0502020204030204" charset="0"/>
+                <a:ea typeface="MJXc-TeX-math-I"/>
+                <a:cs typeface="Calibri" panose="020F0502020204030204" charset="0"/>
+                <a:sym typeface="+mn-ea"/>
+              </a:rPr>
+              <a:t>Z</a:t>
+            </a:r>
+            <a:r>
+              <a:rPr sz="1400">
+                <a:solidFill>
+                  <a:srgbClr val="282829"/>
+                </a:solidFill>
+                <a:latin typeface="Calibri" panose="020F0502020204030204" charset="0"/>
+                <a:ea typeface="MJXc-TeX-main-R"/>
+                <a:cs typeface="Calibri" panose="020F0502020204030204" charset="0"/>
+                <a:sym typeface="+mn-ea"/>
+              </a:rPr>
+              <a:t>[2]</a:t>
+            </a:r>
+            <a:r>
+              <a:rPr sz="2000">
+                <a:solidFill>
+                  <a:srgbClr val="282829"/>
+                </a:solidFill>
+                <a:latin typeface="Calibri" panose="020F0502020204030204" charset="0"/>
+                <a:ea typeface="MJXc-TeX-main-R"/>
+                <a:cs typeface="Calibri" panose="020F0502020204030204" charset="0"/>
+                <a:sym typeface="+mn-ea"/>
+              </a:rPr>
+              <a:t>=</a:t>
+            </a:r>
+            <a:r>
+              <a:rPr sz="2000">
+                <a:solidFill>
+                  <a:srgbClr val="282829"/>
+                </a:solidFill>
+                <a:latin typeface="Calibri" panose="020F0502020204030204" charset="0"/>
+                <a:ea typeface="MJXc-TeX-math-I"/>
+                <a:cs typeface="Calibri" panose="020F0502020204030204" charset="0"/>
+                <a:sym typeface="+mn-ea"/>
+              </a:rPr>
+              <a:t>W</a:t>
+            </a:r>
+            <a:r>
+              <a:rPr sz="1400">
+                <a:solidFill>
+                  <a:srgbClr val="282829"/>
+                </a:solidFill>
+                <a:latin typeface="Calibri" panose="020F0502020204030204" charset="0"/>
+                <a:ea typeface="MJXc-TeX-main-R"/>
+                <a:cs typeface="Calibri" panose="020F0502020204030204" charset="0"/>
+                <a:sym typeface="+mn-ea"/>
+              </a:rPr>
+              <a:t>[2]</a:t>
+            </a:r>
+            <a:r>
+              <a:rPr sz="2000">
+                <a:solidFill>
+                  <a:srgbClr val="282829"/>
+                </a:solidFill>
+                <a:latin typeface="Calibri" panose="020F0502020204030204" charset="0"/>
+                <a:ea typeface="MJXc-TeX-main-R"/>
+                <a:cs typeface="Calibri" panose="020F0502020204030204" charset="0"/>
+                <a:sym typeface="+mn-ea"/>
+              </a:rPr>
+              <a:t>∗</a:t>
+            </a:r>
+            <a:r>
+              <a:rPr sz="2000">
+                <a:solidFill>
+                  <a:srgbClr val="282829"/>
+                </a:solidFill>
+                <a:latin typeface="Calibri" panose="020F0502020204030204" charset="0"/>
+                <a:ea typeface="MJXc-TeX-math-I"/>
+                <a:cs typeface="Calibri" panose="020F0502020204030204" charset="0"/>
+                <a:sym typeface="+mn-ea"/>
+              </a:rPr>
+              <a:t>a</a:t>
+            </a:r>
+            <a:r>
+              <a:rPr sz="1400">
+                <a:solidFill>
+                  <a:srgbClr val="282829"/>
+                </a:solidFill>
+                <a:latin typeface="Calibri" panose="020F0502020204030204" charset="0"/>
+                <a:ea typeface="MJXc-TeX-main-R"/>
+                <a:cs typeface="Calibri" panose="020F0502020204030204" charset="0"/>
+                <a:sym typeface="+mn-ea"/>
+              </a:rPr>
+              <a:t>[1]</a:t>
+            </a:r>
+            <a:r>
+              <a:rPr sz="2000">
+                <a:solidFill>
+                  <a:srgbClr val="282829"/>
+                </a:solidFill>
+                <a:latin typeface="Calibri" panose="020F0502020204030204" charset="0"/>
+                <a:ea typeface="MJXc-TeX-main-R"/>
+                <a:cs typeface="Calibri" panose="020F0502020204030204" charset="0"/>
+                <a:sym typeface="+mn-ea"/>
+              </a:rPr>
+              <a:t>+</a:t>
+            </a:r>
+            <a:r>
+              <a:rPr sz="2000">
+                <a:solidFill>
+                  <a:srgbClr val="282829"/>
+                </a:solidFill>
+                <a:latin typeface="Calibri" panose="020F0502020204030204" charset="0"/>
+                <a:ea typeface="MJXc-TeX-math-I"/>
+                <a:cs typeface="Calibri" panose="020F0502020204030204" charset="0"/>
+                <a:sym typeface="+mn-ea"/>
+              </a:rPr>
+              <a:t>b</a:t>
+            </a:r>
+            <a:r>
+              <a:rPr sz="1400">
+                <a:solidFill>
+                  <a:srgbClr val="282829"/>
+                </a:solidFill>
+                <a:latin typeface="Calibri" panose="020F0502020204030204" charset="0"/>
+                <a:ea typeface="MJXc-TeX-main-R"/>
+                <a:cs typeface="Calibri" panose="020F0502020204030204" charset="0"/>
+                <a:sym typeface="+mn-ea"/>
+              </a:rPr>
+              <a:t>[2]</a:t>
+            </a:r>
+            <a:r>
+              <a:rPr sz="2000">
+                <a:solidFill>
+                  <a:srgbClr val="282829"/>
+                </a:solidFill>
+                <a:latin typeface="Calibri" panose="020F0502020204030204" charset="0"/>
+                <a:ea typeface="-apple-system"/>
+                <a:cs typeface="Calibri" panose="020F0502020204030204" charset="0"/>
+                <a:sym typeface="+mn-ea"/>
+              </a:rPr>
+              <a:t>Z[2]=W[2]∗a[1]+b[2]Equation(3)</a:t>
+            </a:r>
+            <a:endParaRPr sz="2000" b="0" i="0">
+              <a:solidFill>
+                <a:srgbClr val="282829"/>
+              </a:solidFill>
+              <a:latin typeface="Calibri" panose="020F0502020204030204" charset="0"/>
+              <a:ea typeface="-apple-system"/>
+              <a:cs typeface="Calibri" panose="020F0502020204030204" charset="0"/>
+            </a:endParaRPr>
+          </a:p>
+          <a:p>
+            <a:pPr marL="0" indent="0">
+              <a:spcBef>
+                <a:spcPct val="0"/>
+              </a:spcBef>
+              <a:spcAft>
+                <a:spcPts val="1000"/>
+              </a:spcAft>
+            </a:pPr>
+            <a:r>
+              <a:rPr sz="2000">
+                <a:solidFill>
+                  <a:srgbClr val="282829"/>
+                </a:solidFill>
+                <a:latin typeface="Calibri" panose="020F0502020204030204" charset="0"/>
+                <a:ea typeface="-apple-system"/>
+                <a:cs typeface="Calibri" panose="020F0502020204030204" charset="0"/>
+                <a:sym typeface="+mn-ea"/>
+              </a:rPr>
+              <a:t>If the activation function is linear then, </a:t>
+            </a:r>
+            <a:r>
+              <a:rPr sz="2000">
+                <a:solidFill>
+                  <a:srgbClr val="282829"/>
+                </a:solidFill>
+                <a:latin typeface="Calibri" panose="020F0502020204030204" charset="0"/>
+                <a:ea typeface="MJXc-TeX-math-I"/>
+                <a:cs typeface="Calibri" panose="020F0502020204030204" charset="0"/>
+                <a:sym typeface="+mn-ea"/>
+              </a:rPr>
+              <a:t>a</a:t>
+            </a:r>
+            <a:r>
+              <a:rPr sz="1400">
+                <a:solidFill>
+                  <a:srgbClr val="282829"/>
+                </a:solidFill>
+                <a:latin typeface="Calibri" panose="020F0502020204030204" charset="0"/>
+                <a:ea typeface="MJXc-TeX-main-R"/>
+                <a:cs typeface="Calibri" panose="020F0502020204030204" charset="0"/>
+                <a:sym typeface="+mn-ea"/>
+              </a:rPr>
+              <a:t>[1]</a:t>
+            </a:r>
+            <a:r>
+              <a:rPr sz="2000">
+                <a:solidFill>
+                  <a:srgbClr val="282829"/>
+                </a:solidFill>
+                <a:latin typeface="Calibri" panose="020F0502020204030204" charset="0"/>
+                <a:ea typeface="MJXc-TeX-main-R"/>
+                <a:cs typeface="Calibri" panose="020F0502020204030204" charset="0"/>
+                <a:sym typeface="+mn-ea"/>
+              </a:rPr>
+              <a:t>=</a:t>
+            </a:r>
+            <a:r>
+              <a:rPr sz="2000">
+                <a:solidFill>
+                  <a:srgbClr val="282829"/>
+                </a:solidFill>
+                <a:latin typeface="Calibri" panose="020F0502020204030204" charset="0"/>
+                <a:ea typeface="MJXc-TeX-math-I"/>
+                <a:cs typeface="Calibri" panose="020F0502020204030204" charset="0"/>
+                <a:sym typeface="+mn-ea"/>
+              </a:rPr>
+              <a:t>c</a:t>
+            </a:r>
+            <a:r>
+              <a:rPr sz="2000">
+                <a:solidFill>
+                  <a:srgbClr val="282829"/>
+                </a:solidFill>
+                <a:latin typeface="Calibri" panose="020F0502020204030204" charset="0"/>
+                <a:ea typeface="MJXc-TeX-main-R"/>
+                <a:cs typeface="Calibri" panose="020F0502020204030204" charset="0"/>
+                <a:sym typeface="+mn-ea"/>
+              </a:rPr>
+              <a:t>∗</a:t>
+            </a:r>
+            <a:r>
+              <a:rPr sz="2000">
+                <a:solidFill>
+                  <a:srgbClr val="282829"/>
+                </a:solidFill>
+                <a:latin typeface="Calibri" panose="020F0502020204030204" charset="0"/>
+                <a:ea typeface="MJXc-TeX-math-I"/>
+                <a:cs typeface="Calibri" panose="020F0502020204030204" charset="0"/>
+                <a:sym typeface="+mn-ea"/>
+              </a:rPr>
+              <a:t>Z</a:t>
+            </a:r>
+            <a:r>
+              <a:rPr sz="1400">
+                <a:solidFill>
+                  <a:srgbClr val="282829"/>
+                </a:solidFill>
+                <a:latin typeface="Calibri" panose="020F0502020204030204" charset="0"/>
+                <a:ea typeface="MJXc-TeX-main-R"/>
+                <a:cs typeface="Calibri" panose="020F0502020204030204" charset="0"/>
+                <a:sym typeface="+mn-ea"/>
+              </a:rPr>
+              <a:t>[1]</a:t>
+            </a:r>
+            <a:r>
+              <a:rPr sz="2000">
+                <a:solidFill>
+                  <a:srgbClr val="282829"/>
+                </a:solidFill>
+                <a:latin typeface="Calibri" panose="020F0502020204030204" charset="0"/>
+                <a:ea typeface="-apple-system"/>
+                <a:cs typeface="Calibri" panose="020F0502020204030204" charset="0"/>
+                <a:sym typeface="+mn-ea"/>
+              </a:rPr>
+              <a:t>a[1]=c∗Z[1]</a:t>
+            </a:r>
+            <a:endParaRPr lang="en-US" sz="2000">
+              <a:solidFill>
+                <a:srgbClr val="282829"/>
+              </a:solidFill>
+              <a:latin typeface="Calibri" panose="020F0502020204030204" charset="0"/>
+              <a:ea typeface="-apple-system"/>
+              <a:cs typeface="Calibri" panose="020F0502020204030204" charset="0"/>
+              <a:sym typeface="+mn-ea"/>
+            </a:endParaRPr>
+          </a:p>
+        </p:txBody>
+      </p:sp>
+    </p:spTree>
+  </p:cSld>
+  <p:clrMapOvr>
+    <a:masterClrMapping/>
+  </p:clrMapOvr>
+</p:sld>
+</file>
+
+<file path=ppt/slides/slide18.xml><?xml version="1.0" encoding="utf-8"?>
+<p:sld xmlns:a="http://schemas.openxmlformats.org/drawingml/2006/main" xmlns:r="http://schemas.openxmlformats.org/officeDocument/2006/relationships" xmlns:p="http://schemas.openxmlformats.org/presentationml/2006/main">
+  <p:cSld>
+    <p:spTree>
+      <p:nvGrpSpPr>
+        <p:cNvPr id="1" name=""/>
+        <p:cNvGrpSpPr/>
+        <p:nvPr/>
+      </p:nvGrpSpPr>
+      <p:grpSpPr/>
+      <p:sp>
+        <p:nvSpPr>
+          <p:cNvPr id="3" name="Text Box 2"/>
+          <p:cNvSpPr txBox="1"/>
+          <p:nvPr/>
+        </p:nvSpPr>
+        <p:spPr>
+          <a:xfrm>
+            <a:off x="291465" y="438150"/>
+            <a:ext cx="12192635" cy="4946650"/>
+          </a:xfrm>
+          <a:prstGeom prst="rect">
+            <a:avLst/>
+          </a:prstGeom>
+        </p:spPr>
+        <p:txBody>
+          <a:bodyPr wrap="square">
+            <a:spAutoFit/>
+          </a:bodyPr>
+          <a:p>
+            <a:pPr marL="0" indent="0">
+              <a:spcBef>
+                <a:spcPct val="0"/>
+              </a:spcBef>
+              <a:spcAft>
+                <a:spcPts val="1000"/>
+              </a:spcAft>
+            </a:pPr>
+            <a:r>
+              <a:rPr sz="2100" b="0" i="0">
+                <a:solidFill>
+                  <a:srgbClr val="282829"/>
+                </a:solidFill>
+                <a:latin typeface="Calibri" panose="020F0502020204030204" charset="0"/>
+                <a:ea typeface="-apple-system"/>
+                <a:cs typeface="Calibri" panose="020F0502020204030204" charset="0"/>
+              </a:rPr>
+              <a:t>That is, some multiple (c) of the net input would be the resultant output after passing through a linear activation function.</a:t>
+            </a:r>
+            <a:endParaRPr sz="2100" b="0" i="0">
+              <a:solidFill>
+                <a:srgbClr val="282829"/>
+              </a:solidFill>
+              <a:latin typeface="Calibri" panose="020F0502020204030204" charset="0"/>
+              <a:ea typeface="-apple-system"/>
+              <a:cs typeface="Calibri" panose="020F0502020204030204" charset="0"/>
+            </a:endParaRPr>
+          </a:p>
+          <a:p>
+            <a:pPr marL="0" indent="0">
+              <a:spcBef>
+                <a:spcPct val="0"/>
+              </a:spcBef>
+              <a:spcAft>
+                <a:spcPts val="1000"/>
+              </a:spcAft>
+            </a:pPr>
+            <a:r>
+              <a:rPr sz="2100" b="0" i="0">
+                <a:solidFill>
+                  <a:srgbClr val="282829"/>
+                </a:solidFill>
+                <a:latin typeface="Calibri" panose="020F0502020204030204" charset="0"/>
+                <a:ea typeface="-apple-system"/>
+                <a:cs typeface="Calibri" panose="020F0502020204030204" charset="0"/>
+              </a:rPr>
+              <a:t>For simplicity, let c = 1 and substitute the value of </a:t>
+            </a:r>
+            <a:r>
+              <a:rPr sz="2400" b="0" i="0">
+                <a:solidFill>
+                  <a:srgbClr val="282829"/>
+                </a:solidFill>
+                <a:latin typeface="Calibri" panose="020F0502020204030204" charset="0"/>
+                <a:ea typeface="MJXc-TeX-math-I"/>
+                <a:cs typeface="Calibri" panose="020F0502020204030204" charset="0"/>
+              </a:rPr>
+              <a:t>a</a:t>
+            </a:r>
+            <a:r>
+              <a:rPr sz="1600" b="0" i="0">
+                <a:solidFill>
+                  <a:srgbClr val="282829"/>
+                </a:solidFill>
+                <a:latin typeface="Calibri" panose="020F0502020204030204" charset="0"/>
+                <a:ea typeface="MJXc-TeX-main-R"/>
+                <a:cs typeface="Calibri" panose="020F0502020204030204" charset="0"/>
+              </a:rPr>
+              <a:t>[1]</a:t>
+            </a:r>
+            <a:r>
+              <a:rPr sz="2400" b="0" i="0">
+                <a:solidFill>
+                  <a:srgbClr val="282829"/>
+                </a:solidFill>
+                <a:latin typeface="Calibri" panose="020F0502020204030204" charset="0"/>
+                <a:ea typeface="-apple-system"/>
+                <a:cs typeface="Calibri" panose="020F0502020204030204" charset="0"/>
+              </a:rPr>
+              <a:t>a[1]</a:t>
+            </a:r>
+            <a:r>
+              <a:rPr sz="2100" b="0" i="0">
+                <a:solidFill>
+                  <a:srgbClr val="282829"/>
+                </a:solidFill>
+                <a:latin typeface="Calibri" panose="020F0502020204030204" charset="0"/>
+                <a:ea typeface="-apple-system"/>
+                <a:cs typeface="Calibri" panose="020F0502020204030204" charset="0"/>
+              </a:rPr>
+              <a:t>in equation 3.</a:t>
+            </a:r>
+            <a:endParaRPr sz="2100" b="0" i="0">
+              <a:solidFill>
+                <a:srgbClr val="282829"/>
+              </a:solidFill>
+              <a:latin typeface="Calibri" panose="020F0502020204030204" charset="0"/>
+              <a:ea typeface="-apple-system"/>
+              <a:cs typeface="Calibri" panose="020F0502020204030204" charset="0"/>
+            </a:endParaRPr>
+          </a:p>
+          <a:p>
+            <a:pPr marL="0" indent="0">
+              <a:spcBef>
+                <a:spcPct val="0"/>
+              </a:spcBef>
+              <a:spcAft>
+                <a:spcPts val="1000"/>
+              </a:spcAft>
+            </a:pPr>
+            <a:r>
+              <a:rPr sz="2100" b="0" i="0">
+                <a:solidFill>
+                  <a:srgbClr val="282829"/>
+                </a:solidFill>
+                <a:latin typeface="Calibri" panose="020F0502020204030204" charset="0"/>
+                <a:ea typeface="-apple-system"/>
+                <a:cs typeface="Calibri" panose="020F0502020204030204" charset="0"/>
+              </a:rPr>
+              <a:t>We get,</a:t>
+            </a:r>
+            <a:endParaRPr sz="2100" b="0" i="0">
+              <a:solidFill>
+                <a:srgbClr val="282829"/>
+              </a:solidFill>
+              <a:latin typeface="Calibri" panose="020F0502020204030204" charset="0"/>
+              <a:ea typeface="-apple-system"/>
+              <a:cs typeface="Calibri" panose="020F0502020204030204" charset="0"/>
+            </a:endParaRPr>
+          </a:p>
+          <a:p>
+            <a:pPr marL="0" indent="0" algn="l" fontAlgn="b">
+              <a:spcBef>
+                <a:spcPct val="1000"/>
+              </a:spcBef>
+              <a:spcAft>
+                <a:spcPct val="1000"/>
+              </a:spcAft>
+            </a:pPr>
+            <a:r>
+              <a:rPr sz="2400" b="0" i="0">
+                <a:solidFill>
+                  <a:srgbClr val="282829"/>
+                </a:solidFill>
+                <a:latin typeface="Calibri" panose="020F0502020204030204" charset="0"/>
+                <a:ea typeface="MJXc-TeX-math-I"/>
+                <a:cs typeface="Calibri" panose="020F0502020204030204" charset="0"/>
+              </a:rPr>
+              <a:t>Z</a:t>
+            </a:r>
+            <a:r>
+              <a:rPr sz="1600" b="0" i="0">
+                <a:solidFill>
+                  <a:srgbClr val="282829"/>
+                </a:solidFill>
+                <a:latin typeface="Calibri" panose="020F0502020204030204" charset="0"/>
+                <a:ea typeface="MJXc-TeX-main-R"/>
+                <a:cs typeface="Calibri" panose="020F0502020204030204" charset="0"/>
+              </a:rPr>
+              <a:t>[2]</a:t>
+            </a:r>
+            <a:r>
+              <a:rPr sz="2400" b="0" i="0">
+                <a:solidFill>
+                  <a:srgbClr val="282829"/>
+                </a:solidFill>
+                <a:latin typeface="Calibri" panose="020F0502020204030204" charset="0"/>
+                <a:ea typeface="MJXc-TeX-main-R"/>
+                <a:cs typeface="Calibri" panose="020F0502020204030204" charset="0"/>
+              </a:rPr>
+              <a:t>=</a:t>
+            </a:r>
+            <a:r>
+              <a:rPr sz="2400" b="0" i="0">
+                <a:solidFill>
+                  <a:srgbClr val="282829"/>
+                </a:solidFill>
+                <a:latin typeface="Calibri" panose="020F0502020204030204" charset="0"/>
+                <a:ea typeface="MJXc-TeX-math-I"/>
+                <a:cs typeface="Calibri" panose="020F0502020204030204" charset="0"/>
+              </a:rPr>
+              <a:t>W</a:t>
+            </a:r>
+            <a:r>
+              <a:rPr sz="1600" b="0" i="0">
+                <a:solidFill>
+                  <a:srgbClr val="282829"/>
+                </a:solidFill>
+                <a:latin typeface="Calibri" panose="020F0502020204030204" charset="0"/>
+                <a:ea typeface="MJXc-TeX-main-R"/>
+                <a:cs typeface="Calibri" panose="020F0502020204030204" charset="0"/>
+              </a:rPr>
+              <a:t>[2]</a:t>
+            </a:r>
+            <a:r>
+              <a:rPr sz="2400" b="0" i="0">
+                <a:solidFill>
+                  <a:srgbClr val="282829"/>
+                </a:solidFill>
+                <a:latin typeface="Calibri" panose="020F0502020204030204" charset="0"/>
+                <a:ea typeface="MJXc-TeX-main-R"/>
+                <a:cs typeface="Calibri" panose="020F0502020204030204" charset="0"/>
+              </a:rPr>
+              <a:t>∗</a:t>
+            </a:r>
+            <a:r>
+              <a:rPr sz="2400" b="0" i="0">
+                <a:solidFill>
+                  <a:srgbClr val="282829"/>
+                </a:solidFill>
+                <a:latin typeface="Calibri" panose="020F0502020204030204" charset="0"/>
+                <a:ea typeface="MJXc-TeX-math-I"/>
+                <a:cs typeface="Calibri" panose="020F0502020204030204" charset="0"/>
+              </a:rPr>
+              <a:t>Z</a:t>
+            </a:r>
+            <a:r>
+              <a:rPr sz="1600" b="0" i="0">
+                <a:solidFill>
+                  <a:srgbClr val="282829"/>
+                </a:solidFill>
+                <a:latin typeface="Calibri" panose="020F0502020204030204" charset="0"/>
+                <a:ea typeface="MJXc-TeX-main-R"/>
+                <a:cs typeface="Calibri" panose="020F0502020204030204" charset="0"/>
+              </a:rPr>
+              <a:t>[1]</a:t>
+            </a:r>
+            <a:r>
+              <a:rPr sz="2400" b="0" i="0">
+                <a:solidFill>
+                  <a:srgbClr val="282829"/>
+                </a:solidFill>
+                <a:latin typeface="Calibri" panose="020F0502020204030204" charset="0"/>
+                <a:ea typeface="MJXc-TeX-main-R"/>
+                <a:cs typeface="Calibri" panose="020F0502020204030204" charset="0"/>
+              </a:rPr>
+              <a:t>+</a:t>
+            </a:r>
+            <a:r>
+              <a:rPr sz="2400" b="0" i="0">
+                <a:solidFill>
+                  <a:srgbClr val="282829"/>
+                </a:solidFill>
+                <a:latin typeface="Calibri" panose="020F0502020204030204" charset="0"/>
+                <a:ea typeface="MJXc-TeX-math-I"/>
+                <a:cs typeface="Calibri" panose="020F0502020204030204" charset="0"/>
+              </a:rPr>
+              <a:t>b</a:t>
+            </a:r>
+            <a:r>
+              <a:rPr sz="1600" b="0" i="0">
+                <a:solidFill>
+                  <a:srgbClr val="282829"/>
+                </a:solidFill>
+                <a:latin typeface="Calibri" panose="020F0502020204030204" charset="0"/>
+                <a:ea typeface="MJXc-TeX-main-R"/>
+                <a:cs typeface="Calibri" panose="020F0502020204030204" charset="0"/>
+              </a:rPr>
+              <a:t>[2]</a:t>
+            </a:r>
+            <a:r>
+              <a:rPr sz="2400" b="0" i="0">
+                <a:solidFill>
+                  <a:srgbClr val="282829"/>
+                </a:solidFill>
+                <a:latin typeface="Calibri" panose="020F0502020204030204" charset="0"/>
+                <a:ea typeface="-apple-system"/>
+                <a:cs typeface="Calibri" panose="020F0502020204030204" charset="0"/>
+              </a:rPr>
+              <a:t>Z[2]=W[2]∗Z[1]+b[2]</a:t>
+            </a:r>
+            <a:endParaRPr sz="2400" b="0" i="0">
+              <a:solidFill>
+                <a:srgbClr val="282829"/>
+              </a:solidFill>
+              <a:latin typeface="Calibri" panose="020F0502020204030204" charset="0"/>
+              <a:ea typeface="-apple-system"/>
+              <a:cs typeface="Calibri" panose="020F0502020204030204" charset="0"/>
+            </a:endParaRPr>
+          </a:p>
+          <a:p>
+            <a:pPr marL="0" indent="0">
+              <a:spcBef>
+                <a:spcPct val="0"/>
+              </a:spcBef>
+              <a:spcAft>
+                <a:spcPts val="1000"/>
+              </a:spcAft>
+            </a:pPr>
+            <a:r>
+              <a:rPr sz="2100" b="0" i="0">
+                <a:solidFill>
+                  <a:srgbClr val="282829"/>
+                </a:solidFill>
+                <a:latin typeface="Calibri" panose="020F0502020204030204" charset="0"/>
+                <a:ea typeface="-apple-system"/>
+                <a:cs typeface="Calibri" panose="020F0502020204030204" charset="0"/>
+              </a:rPr>
+              <a:t>which is,</a:t>
+            </a:r>
+            <a:endParaRPr sz="2100" b="0" i="0">
+              <a:solidFill>
+                <a:srgbClr val="282829"/>
+              </a:solidFill>
+              <a:latin typeface="Calibri" panose="020F0502020204030204" charset="0"/>
+              <a:ea typeface="-apple-system"/>
+              <a:cs typeface="Calibri" panose="020F0502020204030204" charset="0"/>
+            </a:endParaRPr>
+          </a:p>
+          <a:p>
+            <a:pPr marL="0" indent="0" algn="l" fontAlgn="b">
+              <a:spcBef>
+                <a:spcPct val="1000"/>
+              </a:spcBef>
+              <a:spcAft>
+                <a:spcPct val="1000"/>
+              </a:spcAft>
+            </a:pPr>
+            <a:r>
+              <a:rPr sz="2400" b="0" i="0">
+                <a:solidFill>
+                  <a:srgbClr val="282829"/>
+                </a:solidFill>
+                <a:latin typeface="Calibri" panose="020F0502020204030204" charset="0"/>
+                <a:ea typeface="MJXc-TeX-math-I"/>
+                <a:cs typeface="Calibri" panose="020F0502020204030204" charset="0"/>
+              </a:rPr>
+              <a:t>Z</a:t>
+            </a:r>
+            <a:r>
+              <a:rPr sz="1600" b="0" i="0">
+                <a:solidFill>
+                  <a:srgbClr val="282829"/>
+                </a:solidFill>
+                <a:latin typeface="Calibri" panose="020F0502020204030204" charset="0"/>
+                <a:ea typeface="MJXc-TeX-main-R"/>
+                <a:cs typeface="Calibri" panose="020F0502020204030204" charset="0"/>
+              </a:rPr>
+              <a:t>[2]</a:t>
+            </a:r>
+            <a:r>
+              <a:rPr sz="2400" b="0" i="0">
+                <a:solidFill>
+                  <a:srgbClr val="282829"/>
+                </a:solidFill>
+                <a:latin typeface="Calibri" panose="020F0502020204030204" charset="0"/>
+                <a:ea typeface="MJXc-TeX-main-R"/>
+                <a:cs typeface="Calibri" panose="020F0502020204030204" charset="0"/>
+              </a:rPr>
+              <a:t>=</a:t>
+            </a:r>
+            <a:r>
+              <a:rPr sz="2400" b="0" i="0">
+                <a:solidFill>
+                  <a:srgbClr val="282829"/>
+                </a:solidFill>
+                <a:latin typeface="Calibri" panose="020F0502020204030204" charset="0"/>
+                <a:ea typeface="MJXc-TeX-math-I"/>
+                <a:cs typeface="Calibri" panose="020F0502020204030204" charset="0"/>
+              </a:rPr>
+              <a:t>W</a:t>
+            </a:r>
+            <a:r>
+              <a:rPr sz="1600" b="0" i="0">
+                <a:solidFill>
+                  <a:srgbClr val="282829"/>
+                </a:solidFill>
+                <a:latin typeface="Calibri" panose="020F0502020204030204" charset="0"/>
+                <a:ea typeface="MJXc-TeX-main-R"/>
+                <a:cs typeface="Calibri" panose="020F0502020204030204" charset="0"/>
+              </a:rPr>
+              <a:t>[2]</a:t>
+            </a:r>
+            <a:r>
+              <a:rPr sz="2400" b="0" i="0">
+                <a:solidFill>
+                  <a:srgbClr val="282829"/>
+                </a:solidFill>
+                <a:latin typeface="Calibri" panose="020F0502020204030204" charset="0"/>
+                <a:ea typeface="MJXc-TeX-main-R"/>
+                <a:cs typeface="Calibri" panose="020F0502020204030204" charset="0"/>
+              </a:rPr>
+              <a:t>∗</a:t>
+            </a:r>
+            <a:r>
+              <a:rPr sz="2400" b="0" i="0">
+                <a:solidFill>
+                  <a:srgbClr val="282829"/>
+                </a:solidFill>
+                <a:latin typeface="Calibri" panose="020F0502020204030204" charset="0"/>
+                <a:ea typeface="MJXc-TeX-math-I"/>
+                <a:cs typeface="Calibri" panose="020F0502020204030204" charset="0"/>
+              </a:rPr>
+              <a:t>W</a:t>
+            </a:r>
+            <a:r>
+              <a:rPr sz="1600" b="0" i="0">
+                <a:solidFill>
+                  <a:srgbClr val="282829"/>
+                </a:solidFill>
+                <a:latin typeface="Calibri" panose="020F0502020204030204" charset="0"/>
+                <a:ea typeface="MJXc-TeX-main-R"/>
+                <a:cs typeface="Calibri" panose="020F0502020204030204" charset="0"/>
+              </a:rPr>
+              <a:t>[1]</a:t>
+            </a:r>
+            <a:r>
+              <a:rPr sz="2400" b="0" i="0">
+                <a:solidFill>
+                  <a:srgbClr val="282829"/>
+                </a:solidFill>
+                <a:latin typeface="Calibri" panose="020F0502020204030204" charset="0"/>
+                <a:ea typeface="MJXc-TeX-main-R"/>
+                <a:cs typeface="Calibri" panose="020F0502020204030204" charset="0"/>
+              </a:rPr>
+              <a:t>∗</a:t>
+            </a:r>
+            <a:r>
+              <a:rPr sz="2400" b="0" i="0">
+                <a:solidFill>
+                  <a:srgbClr val="282829"/>
+                </a:solidFill>
+                <a:latin typeface="Calibri" panose="020F0502020204030204" charset="0"/>
+                <a:ea typeface="MJXc-TeX-math-I"/>
+                <a:cs typeface="Calibri" panose="020F0502020204030204" charset="0"/>
+              </a:rPr>
+              <a:t>X</a:t>
+            </a:r>
+            <a:r>
+              <a:rPr sz="2400" b="0" i="0">
+                <a:solidFill>
+                  <a:srgbClr val="282829"/>
+                </a:solidFill>
+                <a:latin typeface="Calibri" panose="020F0502020204030204" charset="0"/>
+                <a:ea typeface="MJXc-TeX-main-R"/>
+                <a:cs typeface="Calibri" panose="020F0502020204030204" charset="0"/>
+              </a:rPr>
+              <a:t>+</a:t>
+            </a:r>
+            <a:r>
+              <a:rPr sz="2400" b="0" i="0">
+                <a:solidFill>
+                  <a:srgbClr val="282829"/>
+                </a:solidFill>
+                <a:latin typeface="Calibri" panose="020F0502020204030204" charset="0"/>
+                <a:ea typeface="MJXc-TeX-math-I"/>
+                <a:cs typeface="Calibri" panose="020F0502020204030204" charset="0"/>
+              </a:rPr>
+              <a:t>b</a:t>
+            </a:r>
+            <a:r>
+              <a:rPr sz="1600" b="0" i="0">
+                <a:solidFill>
+                  <a:srgbClr val="282829"/>
+                </a:solidFill>
+                <a:latin typeface="Calibri" panose="020F0502020204030204" charset="0"/>
+                <a:ea typeface="MJXc-TeX-main-R"/>
+                <a:cs typeface="Calibri" panose="020F0502020204030204" charset="0"/>
+              </a:rPr>
+              <a:t>[1]</a:t>
+            </a:r>
+            <a:r>
+              <a:rPr sz="2400" b="0" i="0">
+                <a:solidFill>
+                  <a:srgbClr val="282829"/>
+                </a:solidFill>
+                <a:latin typeface="Calibri" panose="020F0502020204030204" charset="0"/>
+                <a:ea typeface="MJXc-TeX-main-R"/>
+                <a:cs typeface="Calibri" panose="020F0502020204030204" charset="0"/>
+              </a:rPr>
+              <a:t>+</a:t>
+            </a:r>
+            <a:r>
+              <a:rPr sz="2400" b="0" i="0">
+                <a:solidFill>
+                  <a:srgbClr val="282829"/>
+                </a:solidFill>
+                <a:latin typeface="Calibri" panose="020F0502020204030204" charset="0"/>
+                <a:ea typeface="MJXc-TeX-math-I"/>
+                <a:cs typeface="Calibri" panose="020F0502020204030204" charset="0"/>
+              </a:rPr>
+              <a:t>b</a:t>
+            </a:r>
+            <a:r>
+              <a:rPr sz="1600" b="0" i="0">
+                <a:solidFill>
+                  <a:srgbClr val="282829"/>
+                </a:solidFill>
+                <a:latin typeface="Calibri" panose="020F0502020204030204" charset="0"/>
+                <a:ea typeface="MJXc-TeX-main-R"/>
+                <a:cs typeface="Calibri" panose="020F0502020204030204" charset="0"/>
+              </a:rPr>
+              <a:t>[2]</a:t>
+            </a:r>
+            <a:r>
+              <a:rPr sz="2400" b="0" i="0">
+                <a:solidFill>
+                  <a:srgbClr val="282829"/>
+                </a:solidFill>
+                <a:latin typeface="Calibri" panose="020F0502020204030204" charset="0"/>
+                <a:ea typeface="-apple-system"/>
+                <a:cs typeface="Calibri" panose="020F0502020204030204" charset="0"/>
+              </a:rPr>
+              <a:t>Z[2]=W[2]∗W[1]∗X+b[1]+b[2]</a:t>
+            </a:r>
+            <a:r>
+              <a:rPr sz="2100" b="0" i="0">
+                <a:solidFill>
+                  <a:srgbClr val="282829"/>
+                </a:solidFill>
+                <a:latin typeface="Calibri" panose="020F0502020204030204" charset="0"/>
+                <a:ea typeface="-apple-system"/>
+                <a:cs typeface="Calibri" panose="020F0502020204030204" charset="0"/>
+              </a:rPr>
+              <a:t>From equation 1</a:t>
+            </a:r>
+            <a:endParaRPr sz="2100" b="0" i="0">
+              <a:solidFill>
+                <a:srgbClr val="282829"/>
+              </a:solidFill>
+              <a:latin typeface="Calibri" panose="020F0502020204030204" charset="0"/>
+              <a:ea typeface="-apple-system"/>
+              <a:cs typeface="Calibri" panose="020F0502020204030204" charset="0"/>
+            </a:endParaRPr>
+          </a:p>
+          <a:p>
+            <a:pPr marL="0" indent="0">
+              <a:spcBef>
+                <a:spcPct val="0"/>
+              </a:spcBef>
+              <a:spcAft>
+                <a:spcPts val="1000"/>
+              </a:spcAft>
+            </a:pPr>
+            <a:r>
+              <a:rPr sz="2100" b="0" i="0">
+                <a:solidFill>
+                  <a:srgbClr val="282829"/>
+                </a:solidFill>
+                <a:latin typeface="Calibri" panose="020F0502020204030204" charset="0"/>
+                <a:ea typeface="-apple-system"/>
+                <a:cs typeface="Calibri" panose="020F0502020204030204" charset="0"/>
+              </a:rPr>
+              <a:t>This result can be written as:</a:t>
+            </a:r>
+            <a:endParaRPr sz="2100" b="0" i="0">
+              <a:solidFill>
+                <a:srgbClr val="282829"/>
+              </a:solidFill>
+              <a:latin typeface="Calibri" panose="020F0502020204030204" charset="0"/>
+              <a:ea typeface="-apple-system"/>
+              <a:cs typeface="Calibri" panose="020F0502020204030204" charset="0"/>
+            </a:endParaRPr>
+          </a:p>
+          <a:p>
+            <a:pPr marL="0" indent="0" algn="l" fontAlgn="b">
+              <a:spcBef>
+                <a:spcPct val="1000"/>
+              </a:spcBef>
+              <a:spcAft>
+                <a:spcPct val="1000"/>
+              </a:spcAft>
+            </a:pPr>
+            <a:r>
+              <a:rPr sz="2400" b="0" i="0">
+                <a:solidFill>
+                  <a:srgbClr val="282829"/>
+                </a:solidFill>
+                <a:latin typeface="Calibri" panose="020F0502020204030204" charset="0"/>
+                <a:ea typeface="MJXc-TeX-math-I"/>
+                <a:cs typeface="Calibri" panose="020F0502020204030204" charset="0"/>
+              </a:rPr>
+              <a:t>Z</a:t>
+            </a:r>
+            <a:r>
+              <a:rPr sz="1600" b="0" i="0">
+                <a:solidFill>
+                  <a:srgbClr val="282829"/>
+                </a:solidFill>
+                <a:latin typeface="Calibri" panose="020F0502020204030204" charset="0"/>
+                <a:ea typeface="MJXc-TeX-main-R"/>
+                <a:cs typeface="Calibri" panose="020F0502020204030204" charset="0"/>
+              </a:rPr>
+              <a:t>[2]</a:t>
+            </a:r>
+            <a:r>
+              <a:rPr sz="2400" b="0" i="0">
+                <a:solidFill>
+                  <a:srgbClr val="282829"/>
+                </a:solidFill>
+                <a:latin typeface="Calibri" panose="020F0502020204030204" charset="0"/>
+                <a:ea typeface="MJXc-TeX-main-R"/>
+                <a:cs typeface="Calibri" panose="020F0502020204030204" charset="0"/>
+              </a:rPr>
+              <a:t>=</a:t>
+            </a:r>
+            <a:r>
+              <a:rPr sz="2400" b="0" i="0">
+                <a:solidFill>
+                  <a:srgbClr val="282829"/>
+                </a:solidFill>
+                <a:latin typeface="Calibri" panose="020F0502020204030204" charset="0"/>
+                <a:ea typeface="MJXc-TeX-math-I"/>
+                <a:cs typeface="Calibri" panose="020F0502020204030204" charset="0"/>
+              </a:rPr>
+              <a:t>W</a:t>
+            </a:r>
+            <a:r>
+              <a:rPr sz="1600" b="0" i="0">
+                <a:solidFill>
+                  <a:srgbClr val="282829"/>
+                </a:solidFill>
+                <a:latin typeface="Calibri" panose="020F0502020204030204" charset="0"/>
+                <a:ea typeface="MJXc-TeX-main-R"/>
+                <a:cs typeface="Calibri" panose="020F0502020204030204" charset="0"/>
+              </a:rPr>
+              <a:t>′</a:t>
+            </a:r>
+            <a:r>
+              <a:rPr sz="2400" b="0" i="0">
+                <a:solidFill>
+                  <a:srgbClr val="282829"/>
+                </a:solidFill>
+                <a:latin typeface="Calibri" panose="020F0502020204030204" charset="0"/>
+                <a:ea typeface="MJXc-TeX-math-I"/>
+                <a:cs typeface="Calibri" panose="020F0502020204030204" charset="0"/>
+              </a:rPr>
+              <a:t>X</a:t>
+            </a:r>
+            <a:r>
+              <a:rPr sz="2400" b="0" i="0">
+                <a:solidFill>
+                  <a:srgbClr val="282829"/>
+                </a:solidFill>
+                <a:latin typeface="Calibri" panose="020F0502020204030204" charset="0"/>
+                <a:ea typeface="MJXc-TeX-main-R"/>
+                <a:cs typeface="Calibri" panose="020F0502020204030204" charset="0"/>
+              </a:rPr>
+              <a:t>+</a:t>
+            </a:r>
+            <a:r>
+              <a:rPr sz="2400" b="0" i="0">
+                <a:solidFill>
+                  <a:srgbClr val="282829"/>
+                </a:solidFill>
+                <a:latin typeface="Calibri" panose="020F0502020204030204" charset="0"/>
+                <a:ea typeface="MJXc-TeX-math-I"/>
+                <a:cs typeface="Calibri" panose="020F0502020204030204" charset="0"/>
+              </a:rPr>
+              <a:t>B</a:t>
+            </a:r>
+            <a:r>
+              <a:rPr sz="1600" b="0" i="0">
+                <a:solidFill>
+                  <a:srgbClr val="282829"/>
+                </a:solidFill>
+                <a:latin typeface="Calibri" panose="020F0502020204030204" charset="0"/>
+                <a:ea typeface="MJXc-TeX-main-R"/>
+                <a:cs typeface="Calibri" panose="020F0502020204030204" charset="0"/>
+              </a:rPr>
+              <a:t>′</a:t>
+            </a:r>
+            <a:r>
+              <a:rPr sz="2400" b="0" i="0">
+                <a:solidFill>
+                  <a:srgbClr val="282829"/>
+                </a:solidFill>
+                <a:latin typeface="Calibri" panose="020F0502020204030204" charset="0"/>
+                <a:ea typeface="-apple-system"/>
+                <a:cs typeface="Calibri" panose="020F0502020204030204" charset="0"/>
+              </a:rPr>
+              <a:t>Z[2]=W′X+B′</a:t>
+            </a:r>
+            <a:endParaRPr sz="2400" b="0" i="0">
+              <a:solidFill>
+                <a:srgbClr val="282829"/>
+              </a:solidFill>
+              <a:latin typeface="Calibri" panose="020F0502020204030204" charset="0"/>
+              <a:ea typeface="-apple-system"/>
+              <a:cs typeface="Calibri" panose="020F0502020204030204" charset="0"/>
+            </a:endParaRPr>
+          </a:p>
+          <a:p>
+            <a:pPr marL="0" indent="0">
+              <a:spcBef>
+                <a:spcPct val="0"/>
+              </a:spcBef>
+              <a:spcAft>
+                <a:spcPts val="1000"/>
+              </a:spcAft>
+            </a:pPr>
+            <a:r>
+              <a:rPr sz="2100" b="0" i="0">
+                <a:solidFill>
+                  <a:srgbClr val="282829"/>
+                </a:solidFill>
+                <a:latin typeface="Calibri" panose="020F0502020204030204" charset="0"/>
+                <a:ea typeface="-apple-system"/>
+                <a:cs typeface="Calibri" panose="020F0502020204030204" charset="0"/>
+              </a:rPr>
+              <a:t>The result is just another linear function and this process will continue even in further layers.</a:t>
+            </a:r>
+            <a:endParaRPr sz="2100" b="0" i="0">
+              <a:solidFill>
+                <a:srgbClr val="282829"/>
+              </a:solidFill>
+              <a:latin typeface="Calibri" panose="020F0502020204030204" charset="0"/>
+              <a:ea typeface="-apple-system"/>
+              <a:cs typeface="Calibri" panose="020F0502020204030204" charset="0"/>
+            </a:endParaRPr>
+          </a:p>
+          <a:p>
+            <a:pPr marL="0" indent="0">
+              <a:spcBef>
+                <a:spcPct val="0"/>
+              </a:spcBef>
+              <a:spcAft>
+                <a:spcPct val="0"/>
+              </a:spcAft>
+            </a:pPr>
+            <a:r>
+              <a:rPr sz="2100" b="0" i="0">
+                <a:solidFill>
+                  <a:srgbClr val="282829"/>
+                </a:solidFill>
+                <a:latin typeface="Calibri" panose="020F0502020204030204" charset="0"/>
+                <a:ea typeface="-apple-system"/>
+                <a:cs typeface="Calibri" panose="020F0502020204030204" charset="0"/>
+              </a:rPr>
+              <a:t>Simple linear functions cannot approximate every function f(X). Hence, we require non-linear activation functions in neural nets.</a:t>
+            </a:r>
+            <a:endParaRPr sz="2100" b="0" i="0">
+              <a:solidFill>
+                <a:srgbClr val="282829"/>
+              </a:solidFill>
+              <a:latin typeface="Calibri" panose="020F0502020204030204" charset="0"/>
+              <a:ea typeface="-apple-system"/>
+              <a:cs typeface="Calibri" panose="020F0502020204030204" charset="0"/>
+            </a:endParaRPr>
+          </a:p>
+        </p:txBody>
+      </p:sp>
+      <p:sp>
+        <p:nvSpPr>
+          <p:cNvPr id="4" name="Text Box 3"/>
+          <p:cNvSpPr txBox="1"/>
+          <p:nvPr/>
+        </p:nvSpPr>
+        <p:spPr>
+          <a:xfrm>
+            <a:off x="423545" y="5860415"/>
+            <a:ext cx="10566400" cy="368300"/>
+          </a:xfrm>
+          <a:prstGeom prst="rect">
+            <a:avLst/>
+          </a:prstGeom>
+          <a:noFill/>
+        </p:spPr>
+        <p:txBody>
+          <a:bodyPr wrap="square" rtlCol="0" anchor="t">
+            <a:spAutoFit/>
+          </a:bodyPr>
+          <a:p>
+            <a:r>
+              <a:rPr lang="en-US" altLang="en-US">
+                <a:solidFill>
+                  <a:schemeClr val="accent1"/>
+                </a:solidFill>
+                <a:sym typeface="+mn-ea"/>
+              </a:rPr>
+              <a:t>https://www.quora.com/Why-do-neural-networks-need-an-activation-function</a:t>
+            </a:r>
+            <a:endParaRPr lang="en-US" altLang="en-US">
+              <a:solidFill>
+                <a:schemeClr val="accent1"/>
+              </a:solidFill>
+              <a:sym typeface="+mn-ea"/>
+            </a:endParaRPr>
+          </a:p>
+        </p:txBody>
+      </p:sp>
+    </p:spTree>
+  </p:cSld>
+  <p:clrMapOvr>
+    <a:masterClrMapping/>
+  </p:clrMapOvr>
+</p:sld>
+</file>
+
+<file path=ppt/slides/slide19.xml><?xml version="1.0" encoding="utf-8"?>
+<p:sld xmlns:a="http://schemas.openxmlformats.org/drawingml/2006/main" xmlns:r="http://schemas.openxmlformats.org/officeDocument/2006/relationships" xmlns:p="http://schemas.openxmlformats.org/presentationml/2006/main">
+  <p:cSld>
+    <p:spTree>
+      <p:nvGrpSpPr>
+        <p:cNvPr id="1" name=""/>
+        <p:cNvGrpSpPr/>
+        <p:nvPr/>
+      </p:nvGrpSpPr>
+      <p:grpSpPr/>
+      <p:pic>
+        <p:nvPicPr>
+          <p:cNvPr id="2" name="Picture 1"/>
+          <p:cNvPicPr/>
+          <p:nvPr/>
+        </p:nvPicPr>
+        <p:blipFill>
+          <a:blip r:embed="rId1"/>
+          <a:stretch>
+            <a:fillRect/>
+          </a:stretch>
+        </p:blipFill>
+        <p:spPr>
+          <a:xfrm>
+            <a:off x="719455" y="268605"/>
+            <a:ext cx="10622280" cy="5990590"/>
+          </a:xfrm>
+          <a:prstGeom prst="rect">
+            <a:avLst/>
+          </a:prstGeom>
+        </p:spPr>
+      </p:pic>
     </p:spTree>
   </p:cSld>
   <p:clrMapOvr>
@@ -3649,725 +8251,9 @@
         <p:nvPr/>
       </p:nvGrpSpPr>
       <p:grpSpPr/>
-      <p:sp>
-        <p:nvSpPr>
-          <p:cNvPr id="4" name="Text Box 3"/>
-          <p:cNvSpPr txBox="1"/>
-          <p:nvPr/>
-        </p:nvSpPr>
-        <p:spPr>
-          <a:xfrm>
-            <a:off x="404495" y="216535"/>
-            <a:ext cx="7792720" cy="3784600"/>
-          </a:xfrm>
-          <a:prstGeom prst="rect">
-            <a:avLst/>
-          </a:prstGeom>
-        </p:spPr>
-        <p:txBody>
-          <a:bodyPr wrap="square">
-            <a:spAutoFit/>
-          </a:bodyPr>
-          <a:p>
-            <a:r>
-              <a:rPr sz="1600" b="1"/>
-              <a:t>AI vs ML vs DL</a:t>
-            </a:r>
-            <a:endParaRPr sz="1600" b="1"/>
-          </a:p>
-          <a:p>
-            <a:pPr>
-              <a:buAutoNum type="arabicPeriod"/>
-            </a:pPr>
-            <a:r>
-              <a:rPr sz="1600"/>
-              <a:t>Artificial Intelligence (AI):</a:t>
-            </a:r>
-            <a:endParaRPr sz="1600"/>
-          </a:p>
-          <a:p>
-            <a:pPr lvl="1">
-              <a:buFont typeface="Arial" panose="020B0604020202020204"/>
-              <a:buChar char="◦"/>
-            </a:pPr>
-            <a:r>
-              <a:rPr sz="1600"/>
-              <a:t>The broadest concept, referring to machines that can perform cognitive functions similar to humans.</a:t>
-            </a:r>
-            <a:endParaRPr sz="1600"/>
-          </a:p>
-          <a:p>
-            <a:pPr lvl="1">
-              <a:buFont typeface="Arial" panose="020B0604020202020204"/>
-              <a:buChar char="◦"/>
-            </a:pPr>
-            <a:r>
-              <a:rPr sz="1600"/>
-              <a:t>Encompasses ML, DL, and rule-based systems.</a:t>
-            </a:r>
-            <a:endParaRPr sz="1600"/>
-          </a:p>
-          <a:p>
-            <a:pPr lvl="1">
-              <a:buFont typeface="Arial" panose="020B0604020202020204"/>
-              <a:buChar char="◦"/>
-            </a:pPr>
-            <a:r>
-              <a:rPr sz="1600"/>
-              <a:t>Examples: Virtual assistants, autonomous vehicles, and recommendation systems.</a:t>
-            </a:r>
-            <a:endParaRPr sz="1600"/>
-          </a:p>
-          <a:p>
-            <a:pPr>
-              <a:buAutoNum type="arabicPeriod"/>
-            </a:pPr>
-            <a:r>
-              <a:rPr sz="1600"/>
-              <a:t>Machine Learning (ML):</a:t>
-            </a:r>
-            <a:endParaRPr sz="1600"/>
-          </a:p>
-          <a:p>
-            <a:pPr lvl="1">
-              <a:buFont typeface="Arial" panose="020B0604020202020204"/>
-              <a:buChar char="◦"/>
-            </a:pPr>
-            <a:r>
-              <a:rPr sz="1600"/>
-              <a:t>A subset of AI that enables machines to learn patterns from data without explicit programming.</a:t>
-            </a:r>
-            <a:endParaRPr sz="1600"/>
-          </a:p>
-          <a:p>
-            <a:pPr lvl="1">
-              <a:buFont typeface="Arial" panose="020B0604020202020204"/>
-              <a:buChar char="◦"/>
-            </a:pPr>
-            <a:r>
-              <a:rPr sz="1600"/>
-              <a:t>Uses statistical models and algorithms like decision trees, regression, and clustering.</a:t>
-            </a:r>
-            <a:endParaRPr sz="1600"/>
-          </a:p>
-          <a:p>
-            <a:pPr lvl="1">
-              <a:buFont typeface="Arial" panose="020B0604020202020204"/>
-              <a:buChar char="◦"/>
-            </a:pPr>
-            <a:r>
-              <a:rPr sz="1600"/>
-              <a:t>Examples: Fraud detection, predictive analytics, and spam filters.</a:t>
-            </a:r>
-            <a:endParaRPr sz="1600"/>
-          </a:p>
-          <a:p>
-            <a:pPr>
-              <a:buAutoNum type="arabicPeriod"/>
-            </a:pPr>
-            <a:r>
-              <a:rPr sz="1600"/>
-              <a:t>Deep Learning (DL):</a:t>
-            </a:r>
-            <a:endParaRPr sz="1600"/>
-          </a:p>
-          <a:p>
-            <a:pPr lvl="1">
-              <a:buFont typeface="Arial" panose="020B0604020202020204"/>
-              <a:buChar char="◦"/>
-            </a:pPr>
-            <a:r>
-              <a:rPr sz="1600"/>
-              <a:t>A specialized subset of ML that relies on deep neural networks.</a:t>
-            </a:r>
-            <a:endParaRPr sz="1600"/>
-          </a:p>
-          <a:p>
-            <a:pPr lvl="1">
-              <a:buFont typeface="Arial" panose="020B0604020202020204"/>
-              <a:buChar char="◦"/>
-            </a:pPr>
-            <a:r>
-              <a:rPr sz="1600"/>
-              <a:t>Requires large datasets and computational power.</a:t>
-            </a:r>
-            <a:endParaRPr sz="1600"/>
-          </a:p>
-          <a:p>
-            <a:pPr lvl="1">
-              <a:buFont typeface="Arial" panose="020B0604020202020204"/>
-              <a:buChar char="◦"/>
-            </a:pPr>
-            <a:r>
-              <a:rPr sz="1600"/>
-              <a:t>Examples: Image recognition, natural language processing, and speech recognition.</a:t>
-            </a:r>
-            <a:endParaRPr sz="1600"/>
-          </a:p>
-        </p:txBody>
-      </p:sp>
-      <p:sp>
-        <p:nvSpPr>
-          <p:cNvPr id="5" name="Text Box 4"/>
-          <p:cNvSpPr txBox="1"/>
-          <p:nvPr/>
-        </p:nvSpPr>
-        <p:spPr>
-          <a:xfrm>
-            <a:off x="473710" y="4126865"/>
-            <a:ext cx="9212580" cy="2061210"/>
-          </a:xfrm>
-          <a:prstGeom prst="rect">
-            <a:avLst/>
-          </a:prstGeom>
-        </p:spPr>
-        <p:txBody>
-          <a:bodyPr wrap="square">
-            <a:spAutoFit/>
-          </a:bodyPr>
-          <a:p>
-            <a:r>
-              <a:rPr sz="1600" b="1"/>
-              <a:t>Applications of AI</a:t>
-            </a:r>
-            <a:endParaRPr sz="1600" b="1"/>
-          </a:p>
-          <a:p>
-            <a:r>
-              <a:rPr sz="1600"/>
-              <a:t>AI has transformed multiple industries by enabling automation and improving decision-making. Some major applications include:</a:t>
-            </a:r>
-            <a:endParaRPr sz="1600"/>
-          </a:p>
-          <a:p>
-            <a:pPr>
-              <a:buFont typeface="Arial" panose="020B0604020202020204"/>
-              <a:buChar char="•"/>
-            </a:pPr>
-            <a:r>
-              <a:rPr sz="1600"/>
-              <a:t>Healthcare: Disease diagnosis, personalized medicine, robotic surgeries.</a:t>
-            </a:r>
-            <a:endParaRPr sz="1600"/>
-          </a:p>
-          <a:p>
-            <a:pPr>
-              <a:buFont typeface="Arial" panose="020B0604020202020204"/>
-              <a:buChar char="•"/>
-            </a:pPr>
-            <a:r>
-              <a:rPr sz="1600"/>
-              <a:t>Finance: Fraud detection, algorithmic trading, risk assessment.</a:t>
-            </a:r>
-            <a:endParaRPr sz="1600"/>
-          </a:p>
-          <a:p>
-            <a:pPr>
-              <a:buFont typeface="Arial" panose="020B0604020202020204"/>
-              <a:buChar char="•"/>
-            </a:pPr>
-            <a:r>
-              <a:rPr sz="1600"/>
-              <a:t>Retail: Recommendation systems, demand forecasting, customer sentiment analysis.</a:t>
-            </a:r>
-            <a:endParaRPr sz="1600"/>
-          </a:p>
-          <a:p>
-            <a:pPr>
-              <a:buFont typeface="Arial" panose="020B0604020202020204"/>
-              <a:buChar char="•"/>
-            </a:pPr>
-            <a:r>
-              <a:rPr sz="1600"/>
-              <a:t>Autonomous Systems: Self-driving cars, drones, robotics.</a:t>
-            </a:r>
-            <a:endParaRPr sz="1600"/>
-          </a:p>
-          <a:p>
-            <a:pPr>
-              <a:buFont typeface="Arial" panose="020B0604020202020204"/>
-              <a:buChar char="•"/>
-            </a:pPr>
-            <a:r>
-              <a:rPr sz="1600"/>
-              <a:t>Natural Language Processing: Chatbots, virtual assistants, language translation.</a:t>
-            </a:r>
-            <a:endParaRPr sz="1600"/>
-          </a:p>
-        </p:txBody>
-      </p:sp>
-    </p:spTree>
-  </p:cSld>
-  <p:clrMapOvr>
-    <a:masterClrMapping/>
-  </p:clrMapOvr>
-</p:sld>
-</file>
-
-<file path=ppt/slides/slide3.xml><?xml version="1.0" encoding="utf-8"?>
-<p:sld xmlns:a="http://schemas.openxmlformats.org/drawingml/2006/main" xmlns:r="http://schemas.openxmlformats.org/officeDocument/2006/relationships" xmlns:p="http://schemas.openxmlformats.org/presentationml/2006/main">
-  <p:cSld>
-    <p:spTree>
-      <p:nvGrpSpPr>
-        <p:cNvPr id="1" name=""/>
-        <p:cNvGrpSpPr/>
-        <p:nvPr/>
-      </p:nvGrpSpPr>
-      <p:grpSpPr/>
-      <p:sp>
-        <p:nvSpPr>
-          <p:cNvPr id="2" name="Text Box 1"/>
-          <p:cNvSpPr txBox="1"/>
-          <p:nvPr/>
-        </p:nvSpPr>
-        <p:spPr>
-          <a:xfrm>
-            <a:off x="219075" y="170180"/>
-            <a:ext cx="10690860" cy="2306955"/>
-          </a:xfrm>
-          <a:prstGeom prst="rect">
-            <a:avLst/>
-          </a:prstGeom>
-        </p:spPr>
-        <p:txBody>
-          <a:bodyPr wrap="square">
-            <a:spAutoFit/>
-          </a:bodyPr>
-          <a:p>
-            <a:r>
-              <a:rPr sz="1600" b="1"/>
-              <a:t>Conventional AI vs Generative AI (GenAI)</a:t>
-            </a:r>
-            <a:endParaRPr sz="1600" b="1"/>
-          </a:p>
-          <a:p>
-            <a:pPr>
-              <a:buAutoNum type="arabicPeriod"/>
-            </a:pPr>
-            <a:r>
-              <a:rPr sz="1600"/>
-              <a:t>Conventional AI:</a:t>
-            </a:r>
-            <a:endParaRPr sz="1600"/>
-          </a:p>
-          <a:p>
-            <a:pPr lvl="1">
-              <a:buFont typeface="Arial" panose="020B0604020202020204"/>
-              <a:buChar char="◦"/>
-            </a:pPr>
-            <a:r>
-              <a:rPr sz="1600"/>
-              <a:t>Focuses on classification, prediction, and rule-based decision-making.</a:t>
-            </a:r>
-            <a:endParaRPr sz="1600"/>
-          </a:p>
-          <a:p>
-            <a:pPr lvl="1">
-              <a:buFont typeface="Arial" panose="020B0604020202020204"/>
-              <a:buChar char="◦"/>
-            </a:pPr>
-            <a:r>
-              <a:rPr sz="1600"/>
-              <a:t>Uses structured datasets for training.</a:t>
-            </a:r>
-            <a:endParaRPr sz="1600"/>
-          </a:p>
-          <a:p>
-            <a:pPr lvl="1">
-              <a:buFont typeface="Arial" panose="020B0604020202020204"/>
-              <a:buChar char="◦"/>
-            </a:pPr>
-            <a:r>
-              <a:rPr sz="1600"/>
-              <a:t>Examples: Spam filters, customer service chatbots, recommendation engines.</a:t>
-            </a:r>
-            <a:endParaRPr sz="1600"/>
-          </a:p>
-          <a:p>
-            <a:pPr>
-              <a:buAutoNum type="arabicPeriod"/>
-            </a:pPr>
-            <a:r>
-              <a:rPr sz="1600"/>
-              <a:t>Generative AI (GenAI):</a:t>
-            </a:r>
-            <a:endParaRPr sz="1600"/>
-          </a:p>
-          <a:p>
-            <a:pPr lvl="1">
-              <a:buFont typeface="Arial" panose="020B0604020202020204"/>
-              <a:buChar char="◦"/>
-            </a:pPr>
-            <a:r>
-              <a:rPr sz="1600"/>
-              <a:t>A type of AI that creates new content, such as text, images, and music.</a:t>
-            </a:r>
-            <a:endParaRPr sz="1600"/>
-          </a:p>
-          <a:p>
-            <a:pPr lvl="1">
-              <a:buFont typeface="Arial" panose="020B0604020202020204"/>
-              <a:buChar char="◦"/>
-            </a:pPr>
-            <a:r>
-              <a:rPr sz="1600"/>
-              <a:t>Uses models like GANs (Generative Adversarial Networks) and transformers (e.g., GPT, DALL-E).</a:t>
-            </a:r>
-            <a:endParaRPr sz="1600"/>
-          </a:p>
-          <a:p>
-            <a:pPr lvl="1">
-              <a:buFont typeface="Arial" panose="020B0604020202020204"/>
-              <a:buChar char="◦"/>
-            </a:pPr>
-            <a:r>
-              <a:rPr sz="1600"/>
-              <a:t>Examples: AI-generated art, chat-based content generation, and text-to-image synthesis.</a:t>
-            </a:r>
-            <a:endParaRPr sz="1600"/>
-          </a:p>
-        </p:txBody>
-      </p:sp>
-      <p:sp>
-        <p:nvSpPr>
-          <p:cNvPr id="3" name="Text Box 2"/>
-          <p:cNvSpPr txBox="1"/>
-          <p:nvPr/>
-        </p:nvSpPr>
-        <p:spPr>
-          <a:xfrm>
-            <a:off x="358140" y="2741295"/>
-            <a:ext cx="8935720" cy="2306955"/>
-          </a:xfrm>
-          <a:prstGeom prst="rect">
-            <a:avLst/>
-          </a:prstGeom>
-        </p:spPr>
-        <p:txBody>
-          <a:bodyPr wrap="square">
-            <a:spAutoFit/>
-          </a:bodyPr>
-          <a:p>
-            <a:r>
-              <a:rPr sz="1600" b="1"/>
-              <a:t>Future of AI</a:t>
-            </a:r>
-            <a:endParaRPr sz="1600" b="1"/>
-          </a:p>
-          <a:p>
-            <a:r>
-              <a:rPr sz="1600"/>
-              <a:t>The future of AI is expected to bring significant advancements and challenges:</a:t>
-            </a:r>
-            <a:endParaRPr sz="1600"/>
-          </a:p>
-          <a:p>
-            <a:pPr>
-              <a:buFont typeface="Arial" panose="020B0604020202020204"/>
-              <a:buChar char="•"/>
-            </a:pPr>
-            <a:r>
-              <a:rPr sz="1600"/>
-              <a:t>AI-Augmented Creativity: More sophisticated generative models for content creation.</a:t>
-            </a:r>
-            <a:endParaRPr sz="1600"/>
-          </a:p>
-          <a:p>
-            <a:pPr>
-              <a:buFont typeface="Arial" panose="020B0604020202020204"/>
-              <a:buChar char="•"/>
-            </a:pPr>
-            <a:r>
-              <a:rPr sz="1600"/>
-              <a:t>Explainable AI (XAI): Enhancing transparency and trust in AI decision-making.</a:t>
-            </a:r>
-            <a:endParaRPr sz="1600"/>
-          </a:p>
-          <a:p>
-            <a:pPr>
-              <a:buFont typeface="Arial" panose="020B0604020202020204"/>
-              <a:buChar char="•"/>
-            </a:pPr>
-            <a:r>
-              <a:rPr sz="1600"/>
-              <a:t>Ethical AI Development: Addressing biases, privacy concerns, and responsible AI use.</a:t>
-            </a:r>
-            <a:endParaRPr sz="1600"/>
-          </a:p>
-          <a:p>
-            <a:pPr>
-              <a:buFont typeface="Arial" panose="020B0604020202020204"/>
-              <a:buChar char="•"/>
-            </a:pPr>
-            <a:r>
-              <a:rPr sz="1600"/>
-              <a:t>AI in Edge Computing: Deployment of AI models on edge devices for real-time processing.</a:t>
-            </a:r>
-            <a:endParaRPr sz="1600"/>
-          </a:p>
-          <a:p>
-            <a:pPr>
-              <a:buFont typeface="Arial" panose="020B0604020202020204"/>
-              <a:buChar char="•"/>
-            </a:pPr>
-            <a:r>
-              <a:rPr sz="1600"/>
-              <a:t>Superintelligence and AGI: Theoretical advancements toward artificial general intelligence (AGI) with human-like reasoning capabilities.</a:t>
-            </a:r>
-            <a:endParaRPr sz="1600"/>
-          </a:p>
-          <a:p>
-            <a:r>
-              <a:rPr sz="1600"/>
-              <a:t>AI continues to evolve, driving innovation and transforming industries worldwide.</a:t>
-            </a:r>
-            <a:endParaRPr sz="1600"/>
-          </a:p>
-        </p:txBody>
-      </p:sp>
-    </p:spTree>
-  </p:cSld>
-  <p:clrMapOvr>
-    <a:masterClrMapping/>
-  </p:clrMapOvr>
-</p:sld>
-</file>
-
-<file path=ppt/slides/slide4.xml><?xml version="1.0" encoding="utf-8"?>
-<p:sld xmlns:a="http://schemas.openxmlformats.org/drawingml/2006/main" xmlns:r="http://schemas.openxmlformats.org/officeDocument/2006/relationships" xmlns:p="http://schemas.openxmlformats.org/presentationml/2006/main">
-  <p:cSld>
-    <p:spTree>
-      <p:nvGrpSpPr>
-        <p:cNvPr id="1" name=""/>
-        <p:cNvGrpSpPr/>
-        <p:nvPr/>
-      </p:nvGrpSpPr>
-      <p:grpSpPr/>
-      <p:sp>
-        <p:nvSpPr>
-          <p:cNvPr id="2" name="Text Box 1"/>
-          <p:cNvSpPr txBox="1"/>
-          <p:nvPr/>
-        </p:nvSpPr>
-        <p:spPr>
-          <a:xfrm>
-            <a:off x="207645" y="154940"/>
-            <a:ext cx="11256010" cy="2306955"/>
-          </a:xfrm>
-          <a:prstGeom prst="rect">
-            <a:avLst/>
-          </a:prstGeom>
-        </p:spPr>
-        <p:txBody>
-          <a:bodyPr wrap="square">
-            <a:spAutoFit/>
-          </a:bodyPr>
-          <a:p>
-            <a:r>
-              <a:rPr b="1"/>
-              <a:t>Introduction to Deep Learning</a:t>
-            </a:r>
-            <a:endParaRPr b="1"/>
-          </a:p>
-          <a:p>
-            <a:r>
-              <a:t>Deep Learning (DL) is a subset of Machine Learning that utilizes artificial neural networks with multiple layers to learn complex patterns in data. It enables high-level feature extraction from raw data and is the foundation for many modern AI applications.</a:t>
-            </a:r>
-          </a:p>
-          <a:p>
-            <a:r>
-              <a:t>Key Aspects of Deep Learning:</a:t>
-            </a:r>
-          </a:p>
-          <a:p>
-            <a:pPr>
-              <a:buFont typeface="Arial" panose="020B0604020202020204"/>
-              <a:buChar char="•"/>
-            </a:pPr>
-            <a:r>
-              <a:t>Multi-layered neural networks (deep networks) that extract hierarchical features.</a:t>
-            </a:r>
-          </a:p>
-          <a:p>
-            <a:pPr>
-              <a:buFont typeface="Arial" panose="020B0604020202020204"/>
-              <a:buChar char="•"/>
-            </a:pPr>
-            <a:r>
-              <a:t>Requires large datasets and significant computational power (e.g., GPUs, TPUs).</a:t>
-            </a:r>
-          </a:p>
-          <a:p>
-            <a:pPr>
-              <a:buFont typeface="Arial" panose="020B0604020202020204"/>
-              <a:buChar char="•"/>
-            </a:pPr>
-            <a:r>
-              <a:t>Performs exceptionally well in tasks like image recognition, natural language processing, and speech synthesis.</a:t>
-            </a:r>
-          </a:p>
-        </p:txBody>
-      </p:sp>
-    </p:spTree>
-  </p:cSld>
-  <p:clrMapOvr>
-    <a:masterClrMapping/>
-  </p:clrMapOvr>
-</p:sld>
-</file>
-
-<file path=ppt/slides/slide5.xml><?xml version="1.0" encoding="utf-8"?>
-<p:sld xmlns:a="http://schemas.openxmlformats.org/drawingml/2006/main" xmlns:r="http://schemas.openxmlformats.org/officeDocument/2006/relationships" xmlns:p="http://schemas.openxmlformats.org/presentationml/2006/main">
-  <p:cSld>
-    <p:spTree>
-      <p:nvGrpSpPr>
-        <p:cNvPr id="1" name=""/>
-        <p:cNvGrpSpPr/>
-        <p:nvPr/>
-      </p:nvGrpSpPr>
-      <p:grpSpPr/>
-      <p:sp>
-        <p:nvSpPr>
-          <p:cNvPr id="2" name="Text Box 1"/>
-          <p:cNvSpPr txBox="1"/>
-          <p:nvPr/>
-        </p:nvSpPr>
-        <p:spPr>
-          <a:xfrm>
-            <a:off x="346075" y="217170"/>
-            <a:ext cx="5568315" cy="4030980"/>
-          </a:xfrm>
-          <a:prstGeom prst="rect">
-            <a:avLst/>
-          </a:prstGeom>
-        </p:spPr>
-        <p:txBody>
-          <a:bodyPr wrap="square">
-            <a:spAutoFit/>
-          </a:bodyPr>
-          <a:p>
-            <a:r>
-              <a:rPr sz="1600" b="1"/>
-              <a:t>Perceptron Model</a:t>
-            </a:r>
-            <a:endParaRPr sz="1600" b="1"/>
-          </a:p>
-          <a:p>
-            <a:r>
-              <a:rPr sz="1600"/>
-              <a:t>The perceptron is the simplest form of an artificial neural network and serves as the building block of more advanced models.</a:t>
-            </a:r>
-            <a:endParaRPr sz="1600"/>
-          </a:p>
-          <a:p>
-            <a:pPr>
-              <a:buFont typeface="Arial" panose="020B0604020202020204"/>
-              <a:buChar char="•"/>
-            </a:pPr>
-            <a:r>
-              <a:rPr sz="1600" b="1"/>
-              <a:t>Components of a Perceptron:</a:t>
-            </a:r>
-            <a:endParaRPr sz="1600" b="1"/>
-          </a:p>
-          <a:p>
-            <a:pPr lvl="1">
-              <a:buFont typeface="Arial" panose="020B0604020202020204"/>
-              <a:buChar char="◦"/>
-            </a:pPr>
-            <a:r>
-              <a:rPr sz="1600" b="1"/>
-              <a:t>Inputs</a:t>
-            </a:r>
-            <a:r>
-              <a:rPr sz="1600"/>
-              <a:t>: Feature values from the dataset.</a:t>
-            </a:r>
-            <a:endParaRPr sz="1600"/>
-          </a:p>
-          <a:p>
-            <a:pPr lvl="1">
-              <a:buFont typeface="Arial" panose="020B0604020202020204"/>
-              <a:buChar char="◦"/>
-            </a:pPr>
-            <a:r>
-              <a:rPr sz="1600" b="1"/>
-              <a:t>Weights</a:t>
-            </a:r>
-            <a:r>
-              <a:rPr sz="1600"/>
-              <a:t>: Assigned to each input to signify importance.</a:t>
-            </a:r>
-            <a:endParaRPr sz="1600"/>
-          </a:p>
-          <a:p>
-            <a:pPr lvl="1">
-              <a:buFont typeface="Arial" panose="020B0604020202020204"/>
-              <a:buChar char="◦"/>
-            </a:pPr>
-            <a:r>
-              <a:rPr sz="1600" b="1"/>
-              <a:t>Summation </a:t>
-            </a:r>
-            <a:r>
-              <a:rPr sz="1600"/>
-              <a:t>Function: Computes the weighted sum of inputs.</a:t>
-            </a:r>
-            <a:endParaRPr sz="1600"/>
-          </a:p>
-          <a:p>
-            <a:pPr lvl="1">
-              <a:buFont typeface="Arial" panose="020B0604020202020204"/>
-              <a:buChar char="◦"/>
-            </a:pPr>
-            <a:r>
-              <a:rPr sz="1600" b="1"/>
-              <a:t>Activation Function</a:t>
-            </a:r>
-            <a:r>
-              <a:rPr sz="1600"/>
-              <a:t>: Applies a threshold to determine output.</a:t>
-            </a:r>
-            <a:endParaRPr sz="1600"/>
-          </a:p>
-          <a:p>
-            <a:pPr>
-              <a:buFont typeface="Arial" panose="020B0604020202020204"/>
-              <a:buChar char="•"/>
-            </a:pPr>
-            <a:r>
-              <a:rPr sz="1600" b="1"/>
-              <a:t>Types of Perceptron Models:</a:t>
-            </a:r>
-            <a:endParaRPr sz="1600" b="1"/>
-          </a:p>
-          <a:p>
-            <a:pPr lvl="1">
-              <a:buFont typeface="Arial" panose="020B0604020202020204"/>
-              <a:buChar char="◦"/>
-            </a:pPr>
-            <a:r>
-              <a:rPr sz="1600"/>
-              <a:t>Single-layer perceptron: Can only solve linearly separable problems.</a:t>
-            </a:r>
-            <a:endParaRPr sz="1600"/>
-          </a:p>
-          <a:p>
-            <a:pPr lvl="1">
-              <a:buFont typeface="Arial" panose="020B0604020202020204"/>
-              <a:buChar char="◦"/>
-            </a:pPr>
-            <a:r>
-              <a:rPr sz="1600"/>
-              <a:t>Multi-layer perceptron (MLP): Can solve non-linear problems using multiple layers.</a:t>
-            </a:r>
-            <a:endParaRPr sz="1600"/>
-          </a:p>
-        </p:txBody>
-      </p:sp>
       <p:pic>
         <p:nvPicPr>
-          <p:cNvPr id="3" name="Picture 2"/>
+          <p:cNvPr id="4" name="Picture 3"/>
           <p:cNvPicPr/>
           <p:nvPr/>
         </p:nvPicPr>
@@ -4379,8 +8265,8 @@
         </p:blipFill>
         <p:spPr>
           <a:xfrm>
-            <a:off x="5619750" y="100965"/>
-            <a:ext cx="6424930" cy="5667375"/>
+            <a:off x="238760" y="0"/>
+            <a:ext cx="5855970" cy="4417060"/>
           </a:xfrm>
           <a:prstGeom prst="rect">
             <a:avLst/>
@@ -4389,13 +8275,13 @@
       </p:pic>
       <p:sp>
         <p:nvSpPr>
-          <p:cNvPr id="4" name="Text Box 3"/>
+          <p:cNvPr id="5" name="Text Box 4"/>
           <p:cNvSpPr txBox="1"/>
           <p:nvPr/>
         </p:nvSpPr>
         <p:spPr>
           <a:xfrm>
-            <a:off x="5443855" y="6250305"/>
+            <a:off x="238760" y="6318250"/>
             <a:ext cx="6096000" cy="368300"/>
           </a:xfrm>
           <a:prstGeom prst="rect">
@@ -4410,12 +8296,34 @@
           <a:p>
             <a:r>
               <a:rPr lang="en-US" altLang="en-US"/>
-              <a:t>https://s.mriquestions.com/what-is-a-neural-network.html</a:t>
+              <a:t>https://ellow.io/components-of-ai/</a:t>
             </a:r>
             <a:endParaRPr lang="en-US"/>
           </a:p>
         </p:txBody>
       </p:sp>
+      <p:pic>
+        <p:nvPicPr>
+          <p:cNvPr id="6" name="Picture 5"/>
+          <p:cNvPicPr/>
+          <p:nvPr/>
+        </p:nvPicPr>
+        <p:blipFill>
+          <a:blip r:embed="rId2"/>
+          <a:stretch>
+            <a:fillRect/>
+          </a:stretch>
+        </p:blipFill>
+        <p:spPr>
+          <a:xfrm>
+            <a:off x="6477000" y="2571750"/>
+            <a:ext cx="5715000" cy="4286250"/>
+          </a:xfrm>
+          <a:prstGeom prst="rect">
+            <a:avLst/>
+          </a:prstGeom>
+        </p:spPr>
+      </p:pic>
     </p:spTree>
   </p:cSld>
   <p:clrMapOvr>
@@ -4424,7 +8332,1042 @@
 </p:sld>
 </file>
 
-<file path=ppt/slides/slide6.xml><?xml version="1.0" encoding="utf-8"?>
+<file path=ppt/slides/slide20.xml><?xml version="1.0" encoding="utf-8"?>
+<p:sld xmlns:a="http://schemas.openxmlformats.org/drawingml/2006/main" xmlns:r="http://schemas.openxmlformats.org/officeDocument/2006/relationships" xmlns:p="http://schemas.openxmlformats.org/presentationml/2006/main">
+  <p:cSld>
+    <p:spTree>
+      <p:nvGrpSpPr>
+        <p:cNvPr id="1" name=""/>
+        <p:cNvGrpSpPr/>
+        <p:nvPr/>
+      </p:nvGrpSpPr>
+      <p:grpSpPr/>
+      <p:pic>
+        <p:nvPicPr>
+          <p:cNvPr id="2" name="Picture 1"/>
+          <p:cNvPicPr/>
+          <p:nvPr/>
+        </p:nvPicPr>
+        <p:blipFill>
+          <a:blip r:embed="rId1"/>
+          <a:stretch>
+            <a:fillRect/>
+          </a:stretch>
+        </p:blipFill>
+        <p:spPr>
+          <a:xfrm>
+            <a:off x="416539" y="0"/>
+            <a:ext cx="8802413" cy="6858000"/>
+          </a:xfrm>
+          <a:prstGeom prst="rect">
+            <a:avLst/>
+          </a:prstGeom>
+        </p:spPr>
+      </p:pic>
+      <mc:AlternateContent xmlns:mc="http://schemas.openxmlformats.org/markup-compatibility/2006" xmlns:p14="http://schemas.microsoft.com/office/powerpoint/2010/main">
+        <mc:Choice Requires="p14">
+          <p:contentPart r:id="rId2" p14:bwMode="auto">
+            <p14:nvContentPartPr>
+              <p14:cNvPr id="10" name="Ink 9"/>
+              <p14:cNvContentPartPr/>
+              <p14:nvPr/>
+            </p14:nvContentPartPr>
+            <p14:xfrm>
+              <a:off x="1216025" y="1073785"/>
+              <a:ext cx="635" cy="635"/>
+            </p14:xfrm>
+          </p:contentPart>
+        </mc:Choice>
+        <mc:Fallback xmlns="">
+          <p:pic>
+            <p:nvPicPr>
+              <p:cNvPr id="10" name="Ink 9"/>
+            </p:nvPicPr>
+            <p:blipFill>
+              <a:blip r:embed="rId3"/>
+            </p:blipFill>
+            <p:spPr>
+              <a:xfrm>
+                <a:off x="1216025" y="1073785"/>
+                <a:ext cx="635" cy="635"/>
+              </a:xfrm>
+              <a:prstGeom prst="rect"/>
+            </p:spPr>
+          </p:pic>
+        </mc:Fallback>
+      </mc:AlternateContent>
+      <mc:AlternateContent xmlns:mc="http://schemas.openxmlformats.org/markup-compatibility/2006" xmlns:p14="http://schemas.microsoft.com/office/powerpoint/2010/main">
+        <mc:Choice Requires="p14">
+          <p:contentPart r:id="rId4" p14:bwMode="auto">
+            <p14:nvContentPartPr>
+              <p14:cNvPr id="11" name="Ink 10"/>
+              <p14:cNvContentPartPr/>
+              <p14:nvPr/>
+            </p14:nvContentPartPr>
+            <p14:xfrm>
+              <a:off x="1216025" y="1073785"/>
+              <a:ext cx="635" cy="635"/>
+            </p14:xfrm>
+          </p:contentPart>
+        </mc:Choice>
+        <mc:Fallback xmlns="">
+          <p:pic>
+            <p:nvPicPr>
+              <p:cNvPr id="11" name="Ink 10"/>
+            </p:nvPicPr>
+            <p:blipFill>
+              <a:blip r:embed="rId3"/>
+            </p:blipFill>
+            <p:spPr>
+              <a:xfrm>
+                <a:off x="1216025" y="1073785"/>
+                <a:ext cx="635" cy="635"/>
+              </a:xfrm>
+              <a:prstGeom prst="rect"/>
+            </p:spPr>
+          </p:pic>
+        </mc:Fallback>
+      </mc:AlternateContent>
+      <mc:AlternateContent xmlns:mc="http://schemas.openxmlformats.org/markup-compatibility/2006" xmlns:p14="http://schemas.microsoft.com/office/powerpoint/2010/main">
+        <mc:Choice Requires="p14">
+          <p:contentPart r:id="rId5" p14:bwMode="auto">
+            <p14:nvContentPartPr>
+              <p14:cNvPr id="12" name="Ink 11"/>
+              <p14:cNvContentPartPr/>
+              <p14:nvPr/>
+            </p14:nvContentPartPr>
+            <p14:xfrm>
+              <a:off x="1216025" y="1073785"/>
+              <a:ext cx="635" cy="635"/>
+            </p14:xfrm>
+          </p:contentPart>
+        </mc:Choice>
+        <mc:Fallback xmlns="">
+          <p:pic>
+            <p:nvPicPr>
+              <p:cNvPr id="12" name="Ink 11"/>
+            </p:nvPicPr>
+            <p:blipFill>
+              <a:blip r:embed="rId3"/>
+            </p:blipFill>
+            <p:spPr>
+              <a:xfrm>
+                <a:off x="1216025" y="1073785"/>
+                <a:ext cx="635" cy="635"/>
+              </a:xfrm>
+              <a:prstGeom prst="rect"/>
+            </p:spPr>
+          </p:pic>
+        </mc:Fallback>
+      </mc:AlternateContent>
+      <mc:AlternateContent xmlns:mc="http://schemas.openxmlformats.org/markup-compatibility/2006" xmlns:p14="http://schemas.microsoft.com/office/powerpoint/2010/main">
+        <mc:Choice Requires="p14">
+          <p:contentPart r:id="rId6" p14:bwMode="auto">
+            <p14:nvContentPartPr>
+              <p14:cNvPr id="13" name="Ink 12"/>
+              <p14:cNvContentPartPr/>
+              <p14:nvPr/>
+            </p14:nvContentPartPr>
+            <p14:xfrm>
+              <a:off x="1174750" y="1032510"/>
+              <a:ext cx="38735" cy="11430"/>
+            </p14:xfrm>
+          </p:contentPart>
+        </mc:Choice>
+        <mc:Fallback xmlns="">
+          <p:pic>
+            <p:nvPicPr>
+              <p:cNvPr id="13" name="Ink 12"/>
+            </p:nvPicPr>
+            <p:blipFill>
+              <a:blip r:embed="rId7"/>
+            </p:blipFill>
+            <p:spPr>
+              <a:xfrm>
+                <a:off x="1174750" y="1032510"/>
+                <a:ext cx="38735" cy="11430"/>
+              </a:xfrm>
+              <a:prstGeom prst="rect"/>
+            </p:spPr>
+          </p:pic>
+        </mc:Fallback>
+      </mc:AlternateContent>
+      <mc:AlternateContent xmlns:mc="http://schemas.openxmlformats.org/markup-compatibility/2006" xmlns:p14="http://schemas.microsoft.com/office/powerpoint/2010/main">
+        <mc:Choice Requires="p14">
+          <p:contentPart r:id="rId8" p14:bwMode="auto">
+            <p14:nvContentPartPr>
+              <p14:cNvPr id="14" name="Ink 13"/>
+              <p14:cNvContentPartPr/>
+              <p14:nvPr/>
+            </p14:nvContentPartPr>
+            <p14:xfrm>
+              <a:off x="1184275" y="981075"/>
+              <a:ext cx="22225" cy="121920"/>
+            </p14:xfrm>
+          </p:contentPart>
+        </mc:Choice>
+        <mc:Fallback xmlns="">
+          <p:pic>
+            <p:nvPicPr>
+              <p:cNvPr id="14" name="Ink 13"/>
+            </p:nvPicPr>
+            <p:blipFill>
+              <a:blip r:embed="rId9"/>
+            </p:blipFill>
+            <p:spPr>
+              <a:xfrm>
+                <a:off x="1184275" y="981075"/>
+                <a:ext cx="22225" cy="121920"/>
+              </a:xfrm>
+              <a:prstGeom prst="rect"/>
+            </p:spPr>
+          </p:pic>
+        </mc:Fallback>
+      </mc:AlternateContent>
+      <mc:AlternateContent xmlns:mc="http://schemas.openxmlformats.org/markup-compatibility/2006" xmlns:p14="http://schemas.microsoft.com/office/powerpoint/2010/main">
+        <mc:Choice Requires="p14">
+          <p:contentPart r:id="rId10" p14:bwMode="auto">
+            <p14:nvContentPartPr>
+              <p14:cNvPr id="15" name="Ink 14"/>
+              <p14:cNvContentPartPr/>
+              <p14:nvPr/>
+            </p14:nvContentPartPr>
+            <p14:xfrm>
+              <a:off x="1226185" y="1022350"/>
+              <a:ext cx="635" cy="9525"/>
+            </p14:xfrm>
+          </p:contentPart>
+        </mc:Choice>
+        <mc:Fallback xmlns="">
+          <p:pic>
+            <p:nvPicPr>
+              <p:cNvPr id="15" name="Ink 14"/>
+            </p:nvPicPr>
+            <p:blipFill>
+              <a:blip r:embed="rId11"/>
+            </p:blipFill>
+            <p:spPr>
+              <a:xfrm>
+                <a:off x="1226185" y="1022350"/>
+                <a:ext cx="635" cy="9525"/>
+              </a:xfrm>
+              <a:prstGeom prst="rect"/>
+            </p:spPr>
+          </p:pic>
+        </mc:Fallback>
+      </mc:AlternateContent>
+      <mc:AlternateContent xmlns:mc="http://schemas.openxmlformats.org/markup-compatibility/2006" xmlns:p14="http://schemas.microsoft.com/office/powerpoint/2010/main">
+        <mc:Choice Requires="p14">
+          <p:contentPart r:id="rId12" p14:bwMode="auto">
+            <p14:nvContentPartPr>
+              <p14:cNvPr id="16" name="Ink 15"/>
+              <p14:cNvContentPartPr/>
+              <p14:nvPr/>
+            </p14:nvContentPartPr>
+            <p14:xfrm>
+              <a:off x="1247140" y="1012190"/>
+              <a:ext cx="9525" cy="635"/>
+            </p14:xfrm>
+          </p:contentPart>
+        </mc:Choice>
+        <mc:Fallback xmlns="">
+          <p:pic>
+            <p:nvPicPr>
+              <p:cNvPr id="16" name="Ink 15"/>
+            </p:nvPicPr>
+            <p:blipFill>
+              <a:blip r:embed="rId13"/>
+            </p:blipFill>
+            <p:spPr>
+              <a:xfrm>
+                <a:off x="1247140" y="1012190"/>
+                <a:ext cx="9525" cy="635"/>
+              </a:xfrm>
+              <a:prstGeom prst="rect"/>
+            </p:spPr>
+          </p:pic>
+        </mc:Fallback>
+      </mc:AlternateContent>
+      <mc:AlternateContent xmlns:mc="http://schemas.openxmlformats.org/markup-compatibility/2006" xmlns:p14="http://schemas.microsoft.com/office/powerpoint/2010/main">
+        <mc:Choice Requires="p14">
+          <p:contentPart r:id="rId14" p14:bwMode="auto">
+            <p14:nvContentPartPr>
+              <p14:cNvPr id="17" name="Ink 16"/>
+              <p14:cNvContentPartPr/>
+              <p14:nvPr/>
+            </p14:nvContentPartPr>
+            <p14:xfrm>
+              <a:off x="1403350" y="1538605"/>
+              <a:ext cx="89535" cy="163830"/>
+            </p14:xfrm>
+          </p:contentPart>
+        </mc:Choice>
+        <mc:Fallback xmlns="">
+          <p:pic>
+            <p:nvPicPr>
+              <p:cNvPr id="17" name="Ink 16"/>
+            </p:nvPicPr>
+            <p:blipFill>
+              <a:blip r:embed="rId15"/>
+            </p:blipFill>
+            <p:spPr>
+              <a:xfrm>
+                <a:off x="1403350" y="1538605"/>
+                <a:ext cx="89535" cy="163830"/>
+              </a:xfrm>
+              <a:prstGeom prst="rect"/>
+            </p:spPr>
+          </p:pic>
+        </mc:Fallback>
+      </mc:AlternateContent>
+      <mc:AlternateContent xmlns:mc="http://schemas.openxmlformats.org/markup-compatibility/2006" xmlns:p14="http://schemas.microsoft.com/office/powerpoint/2010/main">
+        <mc:Choice Requires="p14">
+          <p:contentPart r:id="rId16" p14:bwMode="auto">
+            <p14:nvContentPartPr>
+              <p14:cNvPr id="18" name="Ink 17"/>
+              <p14:cNvContentPartPr/>
+              <p14:nvPr/>
+            </p14:nvContentPartPr>
+            <p14:xfrm>
+              <a:off x="1250950" y="2365375"/>
+              <a:ext cx="86360" cy="133985"/>
+            </p14:xfrm>
+          </p:contentPart>
+        </mc:Choice>
+        <mc:Fallback xmlns="">
+          <p:pic>
+            <p:nvPicPr>
+              <p:cNvPr id="18" name="Ink 17"/>
+            </p:nvPicPr>
+            <p:blipFill>
+              <a:blip r:embed="rId17"/>
+            </p:blipFill>
+            <p:spPr>
+              <a:xfrm>
+                <a:off x="1250950" y="2365375"/>
+                <a:ext cx="86360" cy="133985"/>
+              </a:xfrm>
+              <a:prstGeom prst="rect"/>
+            </p:spPr>
+          </p:pic>
+        </mc:Fallback>
+      </mc:AlternateContent>
+      <mc:AlternateContent xmlns:mc="http://schemas.openxmlformats.org/markup-compatibility/2006" xmlns:p14="http://schemas.microsoft.com/office/powerpoint/2010/main">
+        <mc:Choice Requires="p14">
+          <p:contentPart r:id="rId18" p14:bwMode="auto">
+            <p14:nvContentPartPr>
+              <p14:cNvPr id="19" name="Ink 18"/>
+              <p14:cNvContentPartPr/>
+              <p14:nvPr/>
+            </p14:nvContentPartPr>
+            <p14:xfrm>
+              <a:off x="988695" y="2840355"/>
+              <a:ext cx="125095" cy="207010"/>
+            </p14:xfrm>
+          </p:contentPart>
+        </mc:Choice>
+        <mc:Fallback xmlns="">
+          <p:pic>
+            <p:nvPicPr>
+              <p:cNvPr id="19" name="Ink 18"/>
+            </p:nvPicPr>
+            <p:blipFill>
+              <a:blip r:embed="rId19"/>
+            </p:blipFill>
+            <p:spPr>
+              <a:xfrm>
+                <a:off x="988695" y="2840355"/>
+                <a:ext cx="125095" cy="207010"/>
+              </a:xfrm>
+              <a:prstGeom prst="rect"/>
+            </p:spPr>
+          </p:pic>
+        </mc:Fallback>
+      </mc:AlternateContent>
+      <mc:AlternateContent xmlns:mc="http://schemas.openxmlformats.org/markup-compatibility/2006" xmlns:p14="http://schemas.microsoft.com/office/powerpoint/2010/main">
+        <mc:Choice Requires="p14">
+          <p:contentPart r:id="rId20" p14:bwMode="auto">
+            <p14:nvContentPartPr>
+              <p14:cNvPr id="20" name="Ink 19"/>
+              <p14:cNvContentPartPr/>
+              <p14:nvPr/>
+            </p14:nvContentPartPr>
+            <p14:xfrm>
+              <a:off x="1127760" y="4391660"/>
+              <a:ext cx="130175" cy="163830"/>
+            </p14:xfrm>
+          </p:contentPart>
+        </mc:Choice>
+        <mc:Fallback xmlns="">
+          <p:pic>
+            <p:nvPicPr>
+              <p:cNvPr id="20" name="Ink 19"/>
+            </p:nvPicPr>
+            <p:blipFill>
+              <a:blip r:embed="rId21"/>
+            </p:blipFill>
+            <p:spPr>
+              <a:xfrm>
+                <a:off x="1127760" y="4391660"/>
+                <a:ext cx="130175" cy="163830"/>
+              </a:xfrm>
+              <a:prstGeom prst="rect"/>
+            </p:spPr>
+          </p:pic>
+        </mc:Fallback>
+      </mc:AlternateContent>
+      <mc:AlternateContent xmlns:mc="http://schemas.openxmlformats.org/markup-compatibility/2006" xmlns:p14="http://schemas.microsoft.com/office/powerpoint/2010/main">
+        <mc:Choice Requires="p14">
+          <p:contentPart r:id="rId22" p14:bwMode="auto">
+            <p14:nvContentPartPr>
+              <p14:cNvPr id="21" name="Ink 20"/>
+              <p14:cNvContentPartPr/>
+              <p14:nvPr/>
+            </p14:nvContentPartPr>
+            <p14:xfrm>
+              <a:off x="1371600" y="5163185"/>
+              <a:ext cx="102235" cy="95250"/>
+            </p14:xfrm>
+          </p:contentPart>
+        </mc:Choice>
+        <mc:Fallback xmlns="">
+          <p:pic>
+            <p:nvPicPr>
+              <p:cNvPr id="21" name="Ink 20"/>
+            </p:nvPicPr>
+            <p:blipFill>
+              <a:blip r:embed="rId23"/>
+            </p:blipFill>
+            <p:spPr>
+              <a:xfrm>
+                <a:off x="1371600" y="5163185"/>
+                <a:ext cx="102235" cy="95250"/>
+              </a:xfrm>
+              <a:prstGeom prst="rect"/>
+            </p:spPr>
+          </p:pic>
+        </mc:Fallback>
+      </mc:AlternateContent>
+    </p:spTree>
+  </p:cSld>
+  <p:clrMapOvr>
+    <a:masterClrMapping/>
+  </p:clrMapOvr>
+</p:sld>
+</file>
+
+<file path=ppt/slides/slide21.xml><?xml version="1.0" encoding="utf-8"?>
+<p:sld xmlns:a="http://schemas.openxmlformats.org/drawingml/2006/main" xmlns:r="http://schemas.openxmlformats.org/officeDocument/2006/relationships" xmlns:p="http://schemas.openxmlformats.org/presentationml/2006/main">
+  <p:cSld>
+    <p:spTree>
+      <p:nvGrpSpPr>
+        <p:cNvPr id="1" name=""/>
+        <p:cNvGrpSpPr/>
+        <p:nvPr/>
+      </p:nvGrpSpPr>
+      <p:grpSpPr/>
+      <p:pic>
+        <p:nvPicPr>
+          <p:cNvPr id="7" name="Picture 6"/>
+          <p:cNvPicPr/>
+          <p:nvPr/>
+        </p:nvPicPr>
+        <p:blipFill>
+          <a:blip r:embed="rId1"/>
+          <a:srcRect b="56070"/>
+          <a:stretch>
+            <a:fillRect/>
+          </a:stretch>
+        </p:blipFill>
+        <p:spPr>
+          <a:xfrm>
+            <a:off x="0" y="0"/>
+            <a:ext cx="11989435" cy="6858635"/>
+          </a:xfrm>
+          <a:prstGeom prst="rect">
+            <a:avLst/>
+          </a:prstGeom>
+        </p:spPr>
+      </p:pic>
+    </p:spTree>
+  </p:cSld>
+  <p:clrMapOvr>
+    <a:masterClrMapping/>
+  </p:clrMapOvr>
+</p:sld>
+</file>
+
+<file path=ppt/slides/slide22.xml><?xml version="1.0" encoding="utf-8"?>
+<p:sld xmlns:a="http://schemas.openxmlformats.org/drawingml/2006/main" xmlns:r="http://schemas.openxmlformats.org/officeDocument/2006/relationships" xmlns:p="http://schemas.openxmlformats.org/presentationml/2006/main">
+  <p:cSld>
+    <p:spTree>
+      <p:nvGrpSpPr>
+        <p:cNvPr id="1" name=""/>
+        <p:cNvGrpSpPr/>
+        <p:nvPr/>
+      </p:nvGrpSpPr>
+      <p:grpSpPr/>
+      <p:pic>
+        <p:nvPicPr>
+          <p:cNvPr id="3" name="Picture 2"/>
+          <p:cNvPicPr/>
+          <p:nvPr/>
+        </p:nvPicPr>
+        <p:blipFill>
+          <a:blip r:embed="rId1"/>
+          <a:srcRect t="40592"/>
+          <a:stretch>
+            <a:fillRect/>
+          </a:stretch>
+        </p:blipFill>
+        <p:spPr>
+          <a:xfrm>
+            <a:off x="0" y="75565"/>
+            <a:ext cx="12114530" cy="6782435"/>
+          </a:xfrm>
+          <a:prstGeom prst="rect">
+            <a:avLst/>
+          </a:prstGeom>
+        </p:spPr>
+      </p:pic>
+    </p:spTree>
+  </p:cSld>
+  <p:clrMapOvr>
+    <a:masterClrMapping/>
+  </p:clrMapOvr>
+</p:sld>
+</file>
+
+<file path=ppt/slides/slide23.xml><?xml version="1.0" encoding="utf-8"?>
+<p:sld xmlns:a="http://schemas.openxmlformats.org/drawingml/2006/main" xmlns:r="http://schemas.openxmlformats.org/officeDocument/2006/relationships" xmlns:p="http://schemas.openxmlformats.org/presentationml/2006/main">
+  <p:cSld>
+    <p:spTree>
+      <p:nvGrpSpPr>
+        <p:cNvPr id="1" name=""/>
+        <p:cNvGrpSpPr/>
+        <p:nvPr/>
+      </p:nvGrpSpPr>
+      <p:grpSpPr/>
+      <p:sp>
+        <p:nvSpPr>
+          <p:cNvPr id="2" name="Text Box 1"/>
+          <p:cNvSpPr txBox="1"/>
+          <p:nvPr/>
+        </p:nvSpPr>
+        <p:spPr>
+          <a:xfrm>
+            <a:off x="632460" y="386080"/>
+            <a:ext cx="6096000" cy="829945"/>
+          </a:xfrm>
+          <a:prstGeom prst="rect">
+            <a:avLst/>
+          </a:prstGeom>
+          <a:noFill/>
+        </p:spPr>
+        <p:txBody>
+          <a:bodyPr wrap="square" rtlCol="0" anchor="t">
+            <a:spAutoFit/>
+          </a:bodyPr>
+          <a:p>
+            <a:pPr lvl="1" indent="0">
+              <a:buFont typeface="Arial" panose="020B0604020202020204" pitchFamily="34" charset="0"/>
+              <a:buNone/>
+            </a:pPr>
+            <a:endParaRPr lang="en-US" sz="2400">
+              <a:sym typeface="+mn-ea"/>
+            </a:endParaRPr>
+          </a:p>
+          <a:p>
+            <a:pPr lvl="1" indent="0">
+              <a:buFont typeface="Arial" panose="020B0604020202020204" pitchFamily="34" charset="0"/>
+              <a:buNone/>
+            </a:pPr>
+            <a:endParaRPr lang="en-US" sz="2400">
+              <a:sym typeface="+mn-ea"/>
+            </a:endParaRPr>
+          </a:p>
+        </p:txBody>
+      </p:sp>
+      <p:sp>
+        <p:nvSpPr>
+          <p:cNvPr id="4" name="Text Box 3"/>
+          <p:cNvSpPr txBox="1"/>
+          <p:nvPr/>
+        </p:nvSpPr>
+        <p:spPr>
+          <a:xfrm>
+            <a:off x="294640" y="214948"/>
+            <a:ext cx="5080000" cy="398780"/>
+          </a:xfrm>
+          <a:prstGeom prst="rect">
+            <a:avLst/>
+          </a:prstGeom>
+        </p:spPr>
+        <p:txBody>
+          <a:bodyPr>
+            <a:spAutoFit/>
+          </a:bodyPr>
+          <a:p>
+            <a:pPr marL="0" indent="0">
+              <a:spcAft>
+                <a:spcPct val="60000"/>
+              </a:spcAft>
+            </a:pPr>
+            <a:r>
+              <a:rPr sz="2000" b="1" i="0">
+                <a:solidFill>
+                  <a:srgbClr val="C00000"/>
+                </a:solidFill>
+                <a:effectLst>
+                  <a:outerShdw blurRad="38100" dist="38100" dir="2700000" algn="tl">
+                    <a:srgbClr val="000000">
+                      <a:alpha val="43137"/>
+                    </a:srgbClr>
+                  </a:outerShdw>
+                </a:effectLst>
+                <a:latin typeface="Arial" panose="020B0604020202020204" pitchFamily="34" charset="0"/>
+                <a:ea typeface="Manrope"/>
+                <a:cs typeface="Arial" panose="020B0604020202020204" pitchFamily="34" charset="0"/>
+              </a:rPr>
+              <a:t>Linear Activation Functions</a:t>
+            </a:r>
+            <a:endParaRPr sz="2000" b="1" i="0">
+              <a:solidFill>
+                <a:srgbClr val="C00000"/>
+              </a:solidFill>
+              <a:effectLst>
+                <a:outerShdw blurRad="38100" dist="38100" dir="2700000" algn="tl">
+                  <a:srgbClr val="000000">
+                    <a:alpha val="43137"/>
+                  </a:srgbClr>
+                </a:outerShdw>
+              </a:effectLst>
+              <a:latin typeface="Arial" panose="020B0604020202020204" pitchFamily="34" charset="0"/>
+              <a:ea typeface="Manrope"/>
+              <a:cs typeface="Arial" panose="020B0604020202020204" pitchFamily="34" charset="0"/>
+            </a:endParaRPr>
+          </a:p>
+        </p:txBody>
+      </p:sp>
+    </p:spTree>
+  </p:cSld>
+  <p:clrMapOvr>
+    <a:masterClrMapping/>
+  </p:clrMapOvr>
+</p:sld>
+</file>
+
+<file path=ppt/slides/slide24.xml><?xml version="1.0" encoding="utf-8"?>
+<p:sld xmlns:a="http://schemas.openxmlformats.org/drawingml/2006/main" xmlns:r="http://schemas.openxmlformats.org/officeDocument/2006/relationships" xmlns:p="http://schemas.openxmlformats.org/presentationml/2006/main">
+  <p:cSld>
+    <p:spTree>
+      <p:nvGrpSpPr>
+        <p:cNvPr id="1" name=""/>
+        <p:cNvGrpSpPr/>
+        <p:nvPr/>
+      </p:nvGrpSpPr>
+      <p:grpSpPr/>
+      <p:sp>
+        <p:nvSpPr>
+          <p:cNvPr id="2" name="Text Box 1"/>
+          <p:cNvSpPr txBox="1"/>
+          <p:nvPr/>
+        </p:nvSpPr>
+        <p:spPr>
+          <a:xfrm>
+            <a:off x="681990" y="305435"/>
+            <a:ext cx="7954010" cy="4399915"/>
+          </a:xfrm>
+          <a:prstGeom prst="rect">
+            <a:avLst/>
+          </a:prstGeom>
+        </p:spPr>
+        <p:txBody>
+          <a:bodyPr wrap="square">
+            <a:spAutoFit/>
+          </a:bodyPr>
+          <a:p>
+            <a:r>
+              <a:rPr sz="2400" b="1">
+                <a:solidFill>
+                  <a:srgbClr val="FF0000"/>
+                </a:solidFill>
+                <a:effectLst>
+                  <a:outerShdw blurRad="38100" dist="38100" dir="2700000" algn="tl">
+                    <a:srgbClr val="000000">
+                      <a:alpha val="43137"/>
+                    </a:srgbClr>
+                  </a:outerShdw>
+                </a:effectLst>
+              </a:rPr>
+              <a:t>Introduction to Types of Neural Networks</a:t>
+            </a:r>
+            <a:endParaRPr sz="2400" b="1">
+              <a:solidFill>
+                <a:srgbClr val="FF0000"/>
+              </a:solidFill>
+              <a:effectLst>
+                <a:outerShdw blurRad="38100" dist="38100" dir="2700000" algn="tl">
+                  <a:srgbClr val="000000">
+                    <a:alpha val="43137"/>
+                  </a:srgbClr>
+                </a:outerShdw>
+              </a:effectLst>
+            </a:endParaRPr>
+          </a:p>
+          <a:p>
+            <a:r>
+              <a:rPr sz="1600"/>
+              <a:t>Deep learning includes various types of neural networks optimized for specific tasks:</a:t>
+            </a:r>
+            <a:endParaRPr sz="1600"/>
+          </a:p>
+          <a:p>
+            <a:pPr>
+              <a:buAutoNum type="arabicPeriod"/>
+            </a:pPr>
+            <a:r>
+              <a:rPr sz="1600" b="1"/>
+              <a:t>Feedforward Neural Networks (FNN):</a:t>
+            </a:r>
+            <a:endParaRPr sz="1600" b="1"/>
+          </a:p>
+          <a:p>
+            <a:pPr lvl="1">
+              <a:buFont typeface="Arial" panose="020B0604020202020204"/>
+              <a:buChar char="◦"/>
+            </a:pPr>
+            <a:r>
+              <a:rPr sz="1600"/>
+              <a:t>Basic architecture where information moves in one direction.</a:t>
+            </a:r>
+            <a:endParaRPr sz="1600"/>
+          </a:p>
+          <a:p>
+            <a:pPr lvl="1">
+              <a:buFont typeface="Arial" panose="020B0604020202020204"/>
+              <a:buChar char="◦"/>
+            </a:pPr>
+            <a:r>
+              <a:rPr sz="1600"/>
+              <a:t>Used in classification and regression tasks.</a:t>
+            </a:r>
+            <a:endParaRPr sz="1600"/>
+          </a:p>
+          <a:p>
+            <a:pPr>
+              <a:buAutoNum type="arabicPeriod"/>
+            </a:pPr>
+            <a:r>
+              <a:rPr sz="1600" b="1"/>
+              <a:t>Convolutional Neural Networks (CNN):</a:t>
+            </a:r>
+            <a:endParaRPr sz="1600" b="1"/>
+          </a:p>
+          <a:p>
+            <a:pPr lvl="1">
+              <a:buFont typeface="Arial" panose="020B0604020202020204"/>
+              <a:buChar char="◦"/>
+            </a:pPr>
+            <a:r>
+              <a:rPr sz="1600"/>
+              <a:t>Specialized for image processing tasks.</a:t>
+            </a:r>
+            <a:endParaRPr sz="1600"/>
+          </a:p>
+          <a:p>
+            <a:pPr lvl="1">
+              <a:buFont typeface="Arial" panose="020B0604020202020204"/>
+              <a:buChar char="◦"/>
+            </a:pPr>
+            <a:r>
+              <a:rPr sz="1600"/>
+              <a:t>Uses convolutional layers to detect spatial features.</a:t>
+            </a:r>
+            <a:endParaRPr sz="1600"/>
+          </a:p>
+          <a:p>
+            <a:pPr>
+              <a:buAutoNum type="arabicPeriod"/>
+            </a:pPr>
+            <a:r>
+              <a:rPr sz="1600" b="1"/>
+              <a:t>Recurrent Neural Networks (RNN):</a:t>
+            </a:r>
+            <a:endParaRPr sz="1600" b="1"/>
+          </a:p>
+          <a:p>
+            <a:pPr lvl="1">
+              <a:buFont typeface="Arial" panose="020B0604020202020204"/>
+              <a:buChar char="◦"/>
+            </a:pPr>
+            <a:r>
+              <a:rPr sz="1600"/>
+              <a:t>Designed for sequential data like time series and speech.</a:t>
+            </a:r>
+            <a:endParaRPr sz="1600"/>
+          </a:p>
+          <a:p>
+            <a:pPr lvl="1">
+              <a:buFont typeface="Arial" panose="020B0604020202020204"/>
+              <a:buChar char="◦"/>
+            </a:pPr>
+            <a:r>
+              <a:rPr sz="1600"/>
+              <a:t>Uses loops and memory to retain information from previous inputs.</a:t>
+            </a:r>
+            <a:endParaRPr sz="1600"/>
+          </a:p>
+          <a:p>
+            <a:pPr>
+              <a:buAutoNum type="arabicPeriod"/>
+            </a:pPr>
+            <a:r>
+              <a:rPr sz="1600" b="1"/>
+              <a:t>Long Short-Term Memory (LSTM):</a:t>
+            </a:r>
+            <a:endParaRPr sz="1600" b="1"/>
+          </a:p>
+          <a:p>
+            <a:pPr lvl="1">
+              <a:buFont typeface="Arial" panose="020B0604020202020204"/>
+              <a:buChar char="◦"/>
+            </a:pPr>
+            <a:r>
+              <a:rPr sz="1600"/>
+              <a:t>A type of RNN that solves the vanishing gradient problem.</a:t>
+            </a:r>
+            <a:endParaRPr sz="1600"/>
+          </a:p>
+          <a:p>
+            <a:pPr lvl="1">
+              <a:buFont typeface="Arial" panose="020B0604020202020204"/>
+              <a:buChar char="◦"/>
+            </a:pPr>
+            <a:r>
+              <a:rPr sz="1600"/>
+              <a:t>Used in text generation, language modeling, and speech recognition.</a:t>
+            </a:r>
+            <a:endParaRPr sz="1600"/>
+          </a:p>
+          <a:p>
+            <a:pPr>
+              <a:buAutoNum type="arabicPeriod"/>
+            </a:pPr>
+            <a:r>
+              <a:rPr sz="1600" b="1"/>
+              <a:t>Generative Adversarial Networks (GANs):</a:t>
+            </a:r>
+            <a:endParaRPr sz="1600" b="1"/>
+          </a:p>
+          <a:p>
+            <a:pPr lvl="1">
+              <a:buFont typeface="Arial" panose="020B0604020202020204"/>
+              <a:buChar char="◦"/>
+            </a:pPr>
+            <a:r>
+              <a:rPr sz="1600"/>
+              <a:t>Consist of a generator and a discriminator that compete to generate realistic data.</a:t>
+            </a:r>
+            <a:endParaRPr sz="1600"/>
+          </a:p>
+          <a:p>
+            <a:pPr lvl="1">
+              <a:buFont typeface="Arial" panose="020B0604020202020204"/>
+              <a:buChar char="◦"/>
+            </a:pPr>
+            <a:r>
+              <a:rPr sz="1600"/>
+              <a:t>Used in AI-generated art, deepfake videos, and data augmentation.</a:t>
+            </a:r>
+            <a:endParaRPr sz="1600"/>
+          </a:p>
+        </p:txBody>
+      </p:sp>
+      <p:sp>
+        <p:nvSpPr>
+          <p:cNvPr id="3" name="Text Box 2"/>
+          <p:cNvSpPr txBox="1"/>
+          <p:nvPr/>
+        </p:nvSpPr>
+        <p:spPr>
+          <a:xfrm>
+            <a:off x="327025" y="5403215"/>
+            <a:ext cx="11655425" cy="368300"/>
+          </a:xfrm>
+          <a:prstGeom prst="rect">
+            <a:avLst/>
+          </a:prstGeom>
+          <a:noFill/>
+        </p:spPr>
+        <p:txBody>
+          <a:bodyPr wrap="square" rtlCol="0" anchor="t">
+            <a:spAutoFit/>
+          </a:bodyPr>
+          <a:p>
+            <a:pPr lvl="1"/>
+            <a:endParaRPr lang="en-IN" altLang="en-US" b="1"/>
+          </a:p>
+        </p:txBody>
+      </p:sp>
+      <p:sp>
+        <p:nvSpPr>
+          <p:cNvPr id="4" name="Text Box 3"/>
+          <p:cNvSpPr txBox="1"/>
+          <p:nvPr/>
+        </p:nvSpPr>
+        <p:spPr>
+          <a:xfrm>
+            <a:off x="327025" y="6212840"/>
+            <a:ext cx="8308975" cy="368300"/>
+          </a:xfrm>
+          <a:prstGeom prst="rect">
+            <a:avLst/>
+          </a:prstGeom>
+          <a:noFill/>
+        </p:spPr>
+        <p:txBody>
+          <a:bodyPr wrap="square" rtlCol="0" anchor="t">
+            <a:spAutoFit/>
+          </a:bodyPr>
+          <a:p>
+            <a:r>
+              <a:rPr lang="en-US" altLang="en-US"/>
+              <a:t>https://www.geeksforgeeks.org/neural-networks-a-beginners-guide/</a:t>
+            </a:r>
+            <a:endParaRPr lang="en-US"/>
+          </a:p>
+        </p:txBody>
+      </p:sp>
+    </p:spTree>
+  </p:cSld>
+  <p:clrMapOvr>
+    <a:masterClrMapping/>
+  </p:clrMapOvr>
+</p:sld>
+</file>
+
+<file path=ppt/slides/slide25.xml><?xml version="1.0" encoding="utf-8"?>
+<p:sld xmlns:a="http://schemas.openxmlformats.org/drawingml/2006/main" xmlns:r="http://schemas.openxmlformats.org/officeDocument/2006/relationships" xmlns:p="http://schemas.openxmlformats.org/presentationml/2006/main">
+  <p:cSld>
+    <p:spTree>
+      <p:nvGrpSpPr>
+        <p:cNvPr id="1" name=""/>
+        <p:cNvGrpSpPr/>
+        <p:nvPr/>
+      </p:nvGrpSpPr>
+      <p:grpSpPr/>
+      <p:sp>
+        <p:nvSpPr>
+          <p:cNvPr id="4" name="Text Box 3"/>
+          <p:cNvSpPr txBox="1"/>
+          <p:nvPr/>
+        </p:nvSpPr>
+        <p:spPr>
+          <a:xfrm>
+            <a:off x="380365" y="290195"/>
+            <a:ext cx="6096000" cy="460375"/>
+          </a:xfrm>
+          <a:prstGeom prst="rect">
+            <a:avLst/>
+          </a:prstGeom>
+          <a:noFill/>
+        </p:spPr>
+        <p:txBody>
+          <a:bodyPr wrap="square" rtlCol="0" anchor="t">
+            <a:spAutoFit/>
+          </a:bodyPr>
+          <a:p>
+            <a:pPr>
+              <a:buAutoNum type="arabicPeriod"/>
+            </a:pPr>
+            <a:r>
+              <a:rPr sz="2400" b="1">
+                <a:solidFill>
+                  <a:srgbClr val="FF0000"/>
+                </a:solidFill>
+                <a:effectLst>
+                  <a:outerShdw blurRad="38100" dist="38100" dir="2700000" algn="tl">
+                    <a:srgbClr val="000000">
+                      <a:alpha val="43137"/>
+                    </a:srgbClr>
+                  </a:outerShdw>
+                </a:effectLst>
+                <a:sym typeface="+mn-ea"/>
+              </a:rPr>
+              <a:t>Feedforward Neural Networks (FNN):</a:t>
+            </a:r>
+            <a:endParaRPr lang="en-US" sz="2400" b="1">
+              <a:solidFill>
+                <a:srgbClr val="FF0000"/>
+              </a:solidFill>
+              <a:effectLst>
+                <a:outerShdw blurRad="38100" dist="38100" dir="2700000" algn="tl">
+                  <a:srgbClr val="000000">
+                    <a:alpha val="43137"/>
+                  </a:srgbClr>
+                </a:outerShdw>
+              </a:effectLst>
+              <a:sym typeface="+mn-ea"/>
+            </a:endParaRPr>
+          </a:p>
+        </p:txBody>
+      </p:sp>
+      <p:sp>
+        <p:nvSpPr>
+          <p:cNvPr id="5" name="Text Box 4"/>
+          <p:cNvSpPr txBox="1"/>
+          <p:nvPr/>
+        </p:nvSpPr>
+        <p:spPr>
+          <a:xfrm>
+            <a:off x="693420" y="2829560"/>
+            <a:ext cx="6096000" cy="1198880"/>
+          </a:xfrm>
+          <a:prstGeom prst="rect">
+            <a:avLst/>
+          </a:prstGeom>
+          <a:noFill/>
+        </p:spPr>
+        <p:txBody>
+          <a:bodyPr wrap="square" rtlCol="0" anchor="t">
+            <a:spAutoFit/>
+          </a:bodyPr>
+          <a:p>
+            <a:pPr lvl="1"/>
+            <a:r>
+              <a:rPr lang="en-US" altLang="en-US">
+                <a:sym typeface="+mn-ea"/>
+              </a:rPr>
+              <a:t>https://colab.research.google.com/drive/1z_nL3RcvR1x4uIR88VWEj8Zdr7mYEcQK#scrollTo=keCSdzvOrRmx</a:t>
+            </a:r>
+            <a:endParaRPr lang="en-US" altLang="en-US"/>
+          </a:p>
+          <a:p>
+            <a:endParaRPr lang="en-US"/>
+          </a:p>
+          <a:p>
+            <a:r>
+              <a:rPr lang="en-IN" altLang="en-US" b="1">
+                <a:sym typeface="+mn-ea"/>
+              </a:rPr>
+              <a:t>Implement the FNN</a:t>
+            </a:r>
+            <a:endParaRPr lang="en-IN" altLang="en-US" b="1">
+              <a:sym typeface="+mn-ea"/>
+            </a:endParaRPr>
+          </a:p>
+        </p:txBody>
+      </p:sp>
+    </p:spTree>
+  </p:cSld>
+  <p:clrMapOvr>
+    <a:masterClrMapping/>
+  </p:clrMapOvr>
+</p:sld>
+</file>
+
+<file path=ppt/slides/slide26.xml><?xml version="1.0" encoding="utf-8"?>
 <p:sld xmlns:a="http://schemas.openxmlformats.org/drawingml/2006/main" xmlns:r="http://schemas.openxmlformats.org/officeDocument/2006/relationships" xmlns:p="http://schemas.openxmlformats.org/presentationml/2006/main">
   <p:cSld>
     <p:spTree>
@@ -4565,7 +9508,7 @@
 </p:sld>
 </file>
 
-<file path=ppt/slides/slide7.xml><?xml version="1.0" encoding="utf-8"?>
+<file path=ppt/slides/slide27.xml><?xml version="1.0" encoding="utf-8"?>
 <p:sld xmlns:a="http://schemas.openxmlformats.org/drawingml/2006/main" xmlns:r="http://schemas.openxmlformats.org/officeDocument/2006/relationships" xmlns:p="http://schemas.openxmlformats.org/presentationml/2006/main">
   <p:cSld>
     <p:spTree>
@@ -4874,7 +9817,7 @@
 </p:sld>
 </file>
 
-<file path=ppt/slides/slide8.xml><?xml version="1.0" encoding="utf-8"?>
+<file path=ppt/slides/slide28.xml><?xml version="1.0" encoding="utf-8"?>
 <p:sld xmlns:a="http://schemas.openxmlformats.org/drawingml/2006/main" xmlns:r="http://schemas.openxmlformats.org/officeDocument/2006/relationships" xmlns:p="http://schemas.openxmlformats.org/presentationml/2006/main">
   <p:cSld>
     <p:spTree>
@@ -5278,7 +10221,7 @@
 </p:sld>
 </file>
 
-<file path=ppt/slides/slide9.xml><?xml version="1.0" encoding="utf-8"?>
+<file path=ppt/slides/slide29.xml><?xml version="1.0" encoding="utf-8"?>
 <p:sld xmlns:a="http://schemas.openxmlformats.org/drawingml/2006/main" xmlns:r="http://schemas.openxmlformats.org/officeDocument/2006/relationships" xmlns:p="http://schemas.openxmlformats.org/presentationml/2006/main">
   <p:cSld>
     <p:spTree>
@@ -5504,6 +10447,1982 @@
             <a:endParaRPr sz="1600">
               <a:latin typeface="var(--devsite-code-font-family)"/>
               <a:ea typeface="var(--devsite-code-font-family)"/>
+            </a:endParaRPr>
+          </a:p>
+        </p:txBody>
+      </p:sp>
+    </p:spTree>
+  </p:cSld>
+  <p:clrMapOvr>
+    <a:masterClrMapping/>
+  </p:clrMapOvr>
+</p:sld>
+</file>
+
+<file path=ppt/slides/slide3.xml><?xml version="1.0" encoding="utf-8"?>
+<p:sld xmlns:a="http://schemas.openxmlformats.org/drawingml/2006/main" xmlns:r="http://schemas.openxmlformats.org/officeDocument/2006/relationships" xmlns:p="http://schemas.openxmlformats.org/presentationml/2006/main">
+  <p:cSld>
+    <p:spTree>
+      <p:nvGrpSpPr>
+        <p:cNvPr id="1" name=""/>
+        <p:cNvGrpSpPr/>
+        <p:nvPr/>
+      </p:nvGrpSpPr>
+      <p:grpSpPr/>
+      <p:sp>
+        <p:nvSpPr>
+          <p:cNvPr id="3" name="Text Box 2"/>
+          <p:cNvSpPr txBox="1"/>
+          <p:nvPr/>
+        </p:nvSpPr>
+        <p:spPr>
+          <a:xfrm>
+            <a:off x="0" y="0"/>
+            <a:ext cx="2840990" cy="2122805"/>
+          </a:xfrm>
+          <a:prstGeom prst="rect">
+            <a:avLst/>
+          </a:prstGeom>
+          <a:noFill/>
+        </p:spPr>
+        <p:txBody>
+          <a:bodyPr wrap="square" rtlCol="0">
+            <a:spAutoFit/>
+          </a:bodyPr>
+          <a:p>
+            <a:r>
+              <a:rPr lang="en-US" sz="4400" b="1">
+                <a:solidFill>
+                  <a:srgbClr val="FF0000"/>
+                </a:solidFill>
+                <a:effectLst>
+                  <a:outerShdw blurRad="38100" dist="38100" dir="2700000" algn="tl">
+                    <a:srgbClr val="000000">
+                      <a:alpha val="43137"/>
+                    </a:srgbClr>
+                  </a:outerShdw>
+                </a:effectLst>
+              </a:rPr>
+              <a:t>Algorithms and models </a:t>
+            </a:r>
+            <a:endParaRPr lang="en-US" sz="4400" b="1">
+              <a:solidFill>
+                <a:srgbClr val="FF0000"/>
+              </a:solidFill>
+              <a:effectLst>
+                <a:outerShdw blurRad="38100" dist="38100" dir="2700000" algn="tl">
+                  <a:srgbClr val="000000">
+                    <a:alpha val="43137"/>
+                  </a:srgbClr>
+                </a:outerShdw>
+              </a:effectLst>
+            </a:endParaRPr>
+          </a:p>
+        </p:txBody>
+      </p:sp>
+      <p:pic>
+        <p:nvPicPr>
+          <p:cNvPr id="4" name="Picture 3"/>
+          <p:cNvPicPr/>
+          <p:nvPr/>
+        </p:nvPicPr>
+        <p:blipFill>
+          <a:blip r:embed="rId1"/>
+          <a:srcRect t="7325"/>
+          <a:stretch>
+            <a:fillRect/>
+          </a:stretch>
+        </p:blipFill>
+        <p:spPr>
+          <a:xfrm>
+            <a:off x="3449955" y="635"/>
+            <a:ext cx="8507095" cy="6858000"/>
+          </a:xfrm>
+          <a:prstGeom prst="rect">
+            <a:avLst/>
+          </a:prstGeom>
+        </p:spPr>
+      </p:pic>
+    </p:spTree>
+  </p:cSld>
+  <p:clrMapOvr>
+    <a:masterClrMapping/>
+  </p:clrMapOvr>
+</p:sld>
+</file>
+
+<file path=ppt/slides/slide30.xml><?xml version="1.0" encoding="utf-8"?>
+<p:sld xmlns:a="http://schemas.openxmlformats.org/drawingml/2006/main" xmlns:r="http://schemas.openxmlformats.org/officeDocument/2006/relationships" xmlns:p="http://schemas.openxmlformats.org/presentationml/2006/main">
+  <p:cSld>
+    <p:spTree>
+      <p:nvGrpSpPr>
+        <p:cNvPr id="1" name=""/>
+        <p:cNvGrpSpPr/>
+        <p:nvPr/>
+      </p:nvGrpSpPr>
+      <p:grpSpPr/>
+      <p:sp>
+        <p:nvSpPr>
+          <p:cNvPr id="2" name="Text Box 1"/>
+          <p:cNvSpPr txBox="1"/>
+          <p:nvPr/>
+        </p:nvSpPr>
+        <p:spPr>
+          <a:xfrm>
+            <a:off x="1164590" y="747395"/>
+            <a:ext cx="9331960" cy="1599565"/>
+          </a:xfrm>
+          <a:prstGeom prst="rect">
+            <a:avLst/>
+          </a:prstGeom>
+        </p:spPr>
+        <p:txBody>
+          <a:bodyPr wrap="square">
+            <a:spAutoFit/>
+          </a:bodyPr>
+          <a:p>
+            <a:pPr marL="0" indent="0"/>
+            <a:r>
+              <a:rPr lang="en-US" altLang="en-US" b="1" i="0">
+                <a:solidFill>
+                  <a:srgbClr val="383838"/>
+                </a:solidFill>
+                <a:latin typeface="Inter"/>
+                <a:ea typeface="Inter"/>
+              </a:rPr>
+              <a:t>Shape</a:t>
+            </a:r>
+            <a:endParaRPr lang="en-US" altLang="en-US" sz="1600" b="0" i="0">
+              <a:solidFill>
+                <a:srgbClr val="383838"/>
+              </a:solidFill>
+              <a:latin typeface="Inter"/>
+              <a:ea typeface="Inter"/>
+            </a:endParaRPr>
+          </a:p>
+          <a:p>
+            <a:pPr marL="0" indent="0"/>
+            <a:r>
+              <a:rPr sz="1600" b="0" i="0">
+                <a:solidFill>
+                  <a:srgbClr val="383838"/>
+                </a:solidFill>
+                <a:latin typeface="Inter"/>
+                <a:ea typeface="Inter"/>
+              </a:rPr>
+              <a:t>In the TensorFlow Python library, the shape corresponds to the dimensionality of the tensor. In simple terms, the number of elements in each dimension defines a tensor’s shape. </a:t>
+            </a:r>
+            <a:endParaRPr sz="1600" b="0" i="0">
+              <a:solidFill>
+                <a:srgbClr val="383838"/>
+              </a:solidFill>
+              <a:latin typeface="Inter"/>
+              <a:ea typeface="Inter"/>
+            </a:endParaRPr>
+          </a:p>
+          <a:p>
+            <a:pPr marL="0" indent="0"/>
+            <a:endParaRPr sz="1600" b="0" i="0">
+              <a:solidFill>
+                <a:srgbClr val="383838"/>
+              </a:solidFill>
+              <a:latin typeface="Inter"/>
+              <a:ea typeface="Inter"/>
+            </a:endParaRPr>
+          </a:p>
+          <a:p>
+            <a:pPr marL="0" indent="0"/>
+            <a:endParaRPr sz="1600" b="0" i="0">
+              <a:solidFill>
+                <a:srgbClr val="383838"/>
+              </a:solidFill>
+              <a:latin typeface="Inter"/>
+              <a:ea typeface="Inter"/>
+            </a:endParaRPr>
+          </a:p>
+        </p:txBody>
+      </p:sp>
+      <p:pic>
+        <p:nvPicPr>
+          <p:cNvPr id="3" name="Picture 2"/>
+          <p:cNvPicPr/>
+          <p:nvPr/>
+        </p:nvPicPr>
+        <p:blipFill>
+          <a:blip r:embed="rId1"/>
+          <a:stretch>
+            <a:fillRect/>
+          </a:stretch>
+        </p:blipFill>
+        <p:spPr>
+          <a:xfrm>
+            <a:off x="1012190" y="2479358"/>
+            <a:ext cx="7620000" cy="2695575"/>
+          </a:xfrm>
+          <a:prstGeom prst="rect">
+            <a:avLst/>
+          </a:prstGeom>
+        </p:spPr>
+      </p:pic>
+    </p:spTree>
+  </p:cSld>
+  <p:clrMapOvr>
+    <a:masterClrMapping/>
+  </p:clrMapOvr>
+</p:sld>
+</file>
+
+<file path=ppt/slides/slide31.xml><?xml version="1.0" encoding="utf-8"?>
+<p:sld xmlns:a="http://schemas.openxmlformats.org/drawingml/2006/main" xmlns:r="http://schemas.openxmlformats.org/officeDocument/2006/relationships" xmlns:p="http://schemas.openxmlformats.org/presentationml/2006/main">
+  <p:cSld>
+    <p:spTree>
+      <p:nvGrpSpPr>
+        <p:cNvPr id="1" name=""/>
+        <p:cNvGrpSpPr/>
+        <p:nvPr/>
+      </p:nvGrpSpPr>
+      <p:grpSpPr/>
+    </p:spTree>
+  </p:cSld>
+  <p:clrMapOvr>
+    <a:masterClrMapping/>
+  </p:clrMapOvr>
+</p:sld>
+</file>
+
+<file path=ppt/slides/slide32.xml><?xml version="1.0" encoding="utf-8"?>
+<p:sld xmlns:a="http://schemas.openxmlformats.org/drawingml/2006/main" xmlns:r="http://schemas.openxmlformats.org/officeDocument/2006/relationships" xmlns:p="http://schemas.openxmlformats.org/presentationml/2006/main">
+  <p:cSld>
+    <p:spTree>
+      <p:nvGrpSpPr>
+        <p:cNvPr id="1" name=""/>
+        <p:cNvGrpSpPr/>
+        <p:nvPr/>
+      </p:nvGrpSpPr>
+      <p:grpSpPr/>
+    </p:spTree>
+  </p:cSld>
+  <p:clrMapOvr>
+    <a:masterClrMapping/>
+  </p:clrMapOvr>
+</p:sld>
+</file>
+
+<file path=ppt/slides/slide33.xml><?xml version="1.0" encoding="utf-8"?>
+<p:sld xmlns:a="http://schemas.openxmlformats.org/drawingml/2006/main" xmlns:r="http://schemas.openxmlformats.org/officeDocument/2006/relationships" xmlns:p="http://schemas.openxmlformats.org/presentationml/2006/main">
+  <p:cSld>
+    <p:spTree>
+      <p:nvGrpSpPr>
+        <p:cNvPr id="1" name=""/>
+        <p:cNvGrpSpPr/>
+        <p:nvPr/>
+      </p:nvGrpSpPr>
+      <p:grpSpPr/>
+    </p:spTree>
+  </p:cSld>
+  <p:clrMapOvr>
+    <a:masterClrMapping/>
+  </p:clrMapOvr>
+</p:sld>
+</file>
+
+<file path=ppt/slides/slide34.xml><?xml version="1.0" encoding="utf-8"?>
+<p:sld xmlns:a="http://schemas.openxmlformats.org/drawingml/2006/main" xmlns:r="http://schemas.openxmlformats.org/officeDocument/2006/relationships" xmlns:p="http://schemas.openxmlformats.org/presentationml/2006/main">
+  <p:cSld>
+    <p:spTree>
+      <p:nvGrpSpPr>
+        <p:cNvPr id="1" name=""/>
+        <p:cNvGrpSpPr/>
+        <p:nvPr/>
+      </p:nvGrpSpPr>
+      <p:grpSpPr/>
+    </p:spTree>
+  </p:cSld>
+  <p:clrMapOvr>
+    <a:masterClrMapping/>
+  </p:clrMapOvr>
+</p:sld>
+</file>
+
+<file path=ppt/slides/slide35.xml><?xml version="1.0" encoding="utf-8"?>
+<p:sld xmlns:a="http://schemas.openxmlformats.org/drawingml/2006/main" xmlns:r="http://schemas.openxmlformats.org/officeDocument/2006/relationships" xmlns:p="http://schemas.openxmlformats.org/presentationml/2006/main">
+  <p:cSld>
+    <p:spTree>
+      <p:nvGrpSpPr>
+        <p:cNvPr id="1" name=""/>
+        <p:cNvGrpSpPr/>
+        <p:nvPr/>
+      </p:nvGrpSpPr>
+      <p:grpSpPr/>
+    </p:spTree>
+  </p:cSld>
+  <p:clrMapOvr>
+    <a:masterClrMapping/>
+  </p:clrMapOvr>
+</p:sld>
+</file>
+
+<file path=ppt/slides/slide4.xml><?xml version="1.0" encoding="utf-8"?>
+<p:sld xmlns:a="http://schemas.openxmlformats.org/drawingml/2006/main" xmlns:r="http://schemas.openxmlformats.org/officeDocument/2006/relationships" xmlns:p="http://schemas.openxmlformats.org/presentationml/2006/main">
+  <p:cSld>
+    <p:spTree>
+      <p:nvGrpSpPr>
+        <p:cNvPr id="1" name=""/>
+        <p:cNvGrpSpPr/>
+        <p:nvPr/>
+      </p:nvGrpSpPr>
+      <p:grpSpPr/>
+      <p:sp>
+        <p:nvSpPr>
+          <p:cNvPr id="4" name="Text Box 3"/>
+          <p:cNvSpPr txBox="1"/>
+          <p:nvPr/>
+        </p:nvSpPr>
+        <p:spPr>
+          <a:xfrm>
+            <a:off x="1049655" y="492760"/>
+            <a:ext cx="8319770" cy="4608195"/>
+          </a:xfrm>
+          <a:prstGeom prst="rect">
+            <a:avLst/>
+          </a:prstGeom>
+        </p:spPr>
+        <p:txBody>
+          <a:bodyPr>
+            <a:noAutofit/>
+          </a:bodyPr>
+          <a:p>
+            <a:r>
+              <a:rPr sz="2400">
+                <a:solidFill>
+                  <a:srgbClr val="FF0000"/>
+                </a:solidFill>
+                <a:effectLst>
+                  <a:outerShdw blurRad="38100" dist="38100" dir="2700000" algn="tl">
+                    <a:srgbClr val="000000">
+                      <a:alpha val="43137"/>
+                    </a:srgbClr>
+                  </a:outerShdw>
+                </a:effectLst>
+              </a:rPr>
+              <a:t>Artificial Intelligence (AI)</a:t>
+            </a:r>
+            <a:r>
+              <a:rPr sz="2400"/>
+              <a:t> refers to the simulation of human intelligence in machines that are designed to think, learn, and make decisions. AI encompasses a wide range of technologies, including rule-based systems, expert systems, and machine learning algorithms.</a:t>
+            </a:r>
+            <a:endParaRPr sz="2400"/>
+          </a:p>
+          <a:p>
+            <a:endParaRPr sz="2400"/>
+          </a:p>
+          <a:p>
+            <a:r>
+              <a:rPr sz="2400" b="1">
+                <a:solidFill>
+                  <a:srgbClr val="FF0000"/>
+                </a:solidFill>
+                <a:effectLst>
+                  <a:outerShdw blurRad="38100" dist="38100" dir="2700000" algn="tl">
+                    <a:srgbClr val="000000">
+                      <a:alpha val="43137"/>
+                    </a:srgbClr>
+                  </a:outerShdw>
+                </a:effectLst>
+              </a:rPr>
+              <a:t>Key Features of AI:</a:t>
+            </a:r>
+            <a:endParaRPr sz="2400" b="1">
+              <a:solidFill>
+                <a:srgbClr val="FF0000"/>
+              </a:solidFill>
+              <a:effectLst>
+                <a:outerShdw blurRad="38100" dist="38100" dir="2700000" algn="tl">
+                  <a:srgbClr val="000000">
+                    <a:alpha val="43137"/>
+                  </a:srgbClr>
+                </a:outerShdw>
+              </a:effectLst>
+            </a:endParaRPr>
+          </a:p>
+          <a:p>
+            <a:pPr>
+              <a:buFont typeface="Arial" panose="020B0604020202020204"/>
+              <a:buChar char="•"/>
+            </a:pPr>
+            <a:r>
+              <a:rPr sz="2400"/>
+              <a:t>Automation of tasks that require human intelligence.</a:t>
+            </a:r>
+            <a:endParaRPr sz="2400"/>
+          </a:p>
+          <a:p>
+            <a:pPr>
+              <a:buFont typeface="Arial" panose="020B0604020202020204"/>
+              <a:buChar char="•"/>
+            </a:pPr>
+            <a:r>
+              <a:rPr sz="2400"/>
+              <a:t>Ability to learn from data and improve over time.</a:t>
+            </a:r>
+            <a:endParaRPr sz="2400"/>
+          </a:p>
+          <a:p>
+            <a:pPr>
+              <a:buFont typeface="Arial" panose="020B0604020202020204"/>
+              <a:buChar char="•"/>
+            </a:pPr>
+            <a:r>
+              <a:rPr sz="2400"/>
+              <a:t>Applications across various domains, including healthcare, finance, and robotics.</a:t>
+            </a:r>
+            <a:endParaRPr sz="2400"/>
+          </a:p>
+        </p:txBody>
+      </p:sp>
+    </p:spTree>
+  </p:cSld>
+  <p:clrMapOvr>
+    <a:masterClrMapping/>
+  </p:clrMapOvr>
+</p:sld>
+</file>
+
+<file path=ppt/slides/slide5.xml><?xml version="1.0" encoding="utf-8"?>
+<p:sld xmlns:a="http://schemas.openxmlformats.org/drawingml/2006/main" xmlns:r="http://schemas.openxmlformats.org/officeDocument/2006/relationships" xmlns:p="http://schemas.openxmlformats.org/presentationml/2006/main">
+  <p:cSld>
+    <p:spTree>
+      <p:nvGrpSpPr>
+        <p:cNvPr id="1" name=""/>
+        <p:cNvGrpSpPr/>
+        <p:nvPr/>
+      </p:nvGrpSpPr>
+      <p:grpSpPr/>
+      <p:sp>
+        <p:nvSpPr>
+          <p:cNvPr id="4" name="Text Box 3"/>
+          <p:cNvSpPr txBox="1"/>
+          <p:nvPr/>
+        </p:nvSpPr>
+        <p:spPr>
+          <a:xfrm>
+            <a:off x="404495" y="216535"/>
+            <a:ext cx="7792720" cy="3969385"/>
+          </a:xfrm>
+          <a:prstGeom prst="rect">
+            <a:avLst/>
+          </a:prstGeom>
+        </p:spPr>
+        <p:txBody>
+          <a:bodyPr wrap="square">
+            <a:spAutoFit/>
+          </a:bodyPr>
+          <a:p>
+            <a:r>
+              <a:rPr sz="2800" b="1">
+                <a:solidFill>
+                  <a:srgbClr val="FF0000"/>
+                </a:solidFill>
+                <a:effectLst>
+                  <a:outerShdw blurRad="38100" dist="38100" dir="2700000" algn="tl">
+                    <a:srgbClr val="000000">
+                      <a:alpha val="43137"/>
+                    </a:srgbClr>
+                  </a:outerShdw>
+                </a:effectLst>
+              </a:rPr>
+              <a:t>AI vs ML vs DL</a:t>
+            </a:r>
+            <a:endParaRPr sz="2800" b="1">
+              <a:solidFill>
+                <a:srgbClr val="FF0000"/>
+              </a:solidFill>
+              <a:effectLst>
+                <a:outerShdw blurRad="38100" dist="38100" dir="2700000" algn="tl">
+                  <a:srgbClr val="000000">
+                    <a:alpha val="43137"/>
+                  </a:srgbClr>
+                </a:outerShdw>
+              </a:effectLst>
+            </a:endParaRPr>
+          </a:p>
+          <a:p>
+            <a:pPr>
+              <a:buAutoNum type="arabicPeriod"/>
+            </a:pPr>
+            <a:r>
+              <a:rPr sz="1600"/>
+              <a:t>Artificial Intelligence (AI):</a:t>
+            </a:r>
+            <a:endParaRPr sz="1600"/>
+          </a:p>
+          <a:p>
+            <a:pPr lvl="1">
+              <a:buFont typeface="Arial" panose="020B0604020202020204"/>
+              <a:buChar char="◦"/>
+            </a:pPr>
+            <a:r>
+              <a:rPr sz="1600"/>
+              <a:t>The broadest concept, referring to machines that can perform cognitive functions similar to humans.</a:t>
+            </a:r>
+            <a:endParaRPr sz="1600"/>
+          </a:p>
+          <a:p>
+            <a:pPr lvl="1">
+              <a:buFont typeface="Arial" panose="020B0604020202020204"/>
+              <a:buChar char="◦"/>
+            </a:pPr>
+            <a:r>
+              <a:rPr sz="1600"/>
+              <a:t>Encompasses ML, DL, and rule-based systems.</a:t>
+            </a:r>
+            <a:endParaRPr sz="1600"/>
+          </a:p>
+          <a:p>
+            <a:pPr lvl="1">
+              <a:buFont typeface="Arial" panose="020B0604020202020204"/>
+              <a:buChar char="◦"/>
+            </a:pPr>
+            <a:r>
+              <a:rPr sz="1600"/>
+              <a:t>Examples: Virtual assistants, autonomous vehicles, and recommendation systems.</a:t>
+            </a:r>
+            <a:endParaRPr sz="1600"/>
+          </a:p>
+          <a:p>
+            <a:pPr>
+              <a:buAutoNum type="arabicPeriod"/>
+            </a:pPr>
+            <a:r>
+              <a:rPr sz="1600"/>
+              <a:t>Machine Learning (ML):</a:t>
+            </a:r>
+            <a:endParaRPr sz="1600"/>
+          </a:p>
+          <a:p>
+            <a:pPr lvl="1">
+              <a:buFont typeface="Arial" panose="020B0604020202020204"/>
+              <a:buChar char="◦"/>
+            </a:pPr>
+            <a:r>
+              <a:rPr sz="1600"/>
+              <a:t>A subset of AI that enables machines to learn patterns from data without explicit programming.</a:t>
+            </a:r>
+            <a:endParaRPr sz="1600"/>
+          </a:p>
+          <a:p>
+            <a:pPr lvl="1">
+              <a:buFont typeface="Arial" panose="020B0604020202020204"/>
+              <a:buChar char="◦"/>
+            </a:pPr>
+            <a:r>
+              <a:rPr sz="1600"/>
+              <a:t>Uses statistical models and algorithms like decision trees, regression, and clustering.</a:t>
+            </a:r>
+            <a:endParaRPr sz="1600"/>
+          </a:p>
+          <a:p>
+            <a:pPr lvl="1">
+              <a:buFont typeface="Arial" panose="020B0604020202020204"/>
+              <a:buChar char="◦"/>
+            </a:pPr>
+            <a:r>
+              <a:rPr sz="1600"/>
+              <a:t>Examples: Fraud detection, predictive analytics, and spam filters.</a:t>
+            </a:r>
+            <a:endParaRPr sz="1600"/>
+          </a:p>
+          <a:p>
+            <a:pPr>
+              <a:buAutoNum type="arabicPeriod"/>
+            </a:pPr>
+            <a:r>
+              <a:rPr sz="1600"/>
+              <a:t>Deep Learning (DL):</a:t>
+            </a:r>
+            <a:endParaRPr sz="1600"/>
+          </a:p>
+          <a:p>
+            <a:pPr lvl="1">
+              <a:buFont typeface="Arial" panose="020B0604020202020204"/>
+              <a:buChar char="◦"/>
+            </a:pPr>
+            <a:r>
+              <a:rPr sz="1600"/>
+              <a:t>A specialized subset of ML that relies on deep neural networks.</a:t>
+            </a:r>
+            <a:endParaRPr sz="1600"/>
+          </a:p>
+          <a:p>
+            <a:pPr lvl="1">
+              <a:buFont typeface="Arial" panose="020B0604020202020204"/>
+              <a:buChar char="◦"/>
+            </a:pPr>
+            <a:r>
+              <a:rPr sz="1600"/>
+              <a:t>Requires large datasets and computational power.</a:t>
+            </a:r>
+            <a:endParaRPr sz="1600"/>
+          </a:p>
+          <a:p>
+            <a:pPr lvl="1">
+              <a:buFont typeface="Arial" panose="020B0604020202020204"/>
+              <a:buChar char="◦"/>
+            </a:pPr>
+            <a:r>
+              <a:rPr sz="1600"/>
+              <a:t>Examples: Image recognition, natural language processing, and speech recognition.</a:t>
+            </a:r>
+            <a:endParaRPr sz="1600"/>
+          </a:p>
+        </p:txBody>
+      </p:sp>
+      <p:sp>
+        <p:nvSpPr>
+          <p:cNvPr id="5" name="Text Box 4"/>
+          <p:cNvSpPr txBox="1"/>
+          <p:nvPr/>
+        </p:nvSpPr>
+        <p:spPr>
+          <a:xfrm>
+            <a:off x="473710" y="4126865"/>
+            <a:ext cx="9212580" cy="2245360"/>
+          </a:xfrm>
+          <a:prstGeom prst="rect">
+            <a:avLst/>
+          </a:prstGeom>
+        </p:spPr>
+        <p:txBody>
+          <a:bodyPr wrap="square">
+            <a:spAutoFit/>
+          </a:bodyPr>
+          <a:p>
+            <a:r>
+              <a:rPr sz="2800" b="1">
+                <a:solidFill>
+                  <a:srgbClr val="FF0000"/>
+                </a:solidFill>
+                <a:effectLst>
+                  <a:outerShdw blurRad="38100" dist="38100" dir="2700000" algn="tl">
+                    <a:srgbClr val="000000">
+                      <a:alpha val="43137"/>
+                    </a:srgbClr>
+                  </a:outerShdw>
+                </a:effectLst>
+              </a:rPr>
+              <a:t>Applications of AI</a:t>
+            </a:r>
+            <a:endParaRPr sz="2800" b="1">
+              <a:solidFill>
+                <a:srgbClr val="FF0000"/>
+              </a:solidFill>
+              <a:effectLst>
+                <a:outerShdw blurRad="38100" dist="38100" dir="2700000" algn="tl">
+                  <a:srgbClr val="000000">
+                    <a:alpha val="43137"/>
+                  </a:srgbClr>
+                </a:outerShdw>
+              </a:effectLst>
+            </a:endParaRPr>
+          </a:p>
+          <a:p>
+            <a:r>
+              <a:rPr sz="1600"/>
+              <a:t>AI has transformed multiple industries by enabling automation and improving decision-making. Some major applications include:</a:t>
+            </a:r>
+            <a:endParaRPr sz="1600"/>
+          </a:p>
+          <a:p>
+            <a:pPr>
+              <a:buFont typeface="Arial" panose="020B0604020202020204"/>
+              <a:buChar char="•"/>
+            </a:pPr>
+            <a:r>
+              <a:rPr sz="1600"/>
+              <a:t>Healthcare: Disease diagnosis, personalized medicine, robotic surgeries.</a:t>
+            </a:r>
+            <a:endParaRPr sz="1600"/>
+          </a:p>
+          <a:p>
+            <a:pPr>
+              <a:buFont typeface="Arial" panose="020B0604020202020204"/>
+              <a:buChar char="•"/>
+            </a:pPr>
+            <a:r>
+              <a:rPr sz="1600"/>
+              <a:t>Finance: Fraud detection, algorithmic trading, risk assessment.</a:t>
+            </a:r>
+            <a:endParaRPr sz="1600"/>
+          </a:p>
+          <a:p>
+            <a:pPr>
+              <a:buFont typeface="Arial" panose="020B0604020202020204"/>
+              <a:buChar char="•"/>
+            </a:pPr>
+            <a:r>
+              <a:rPr sz="1600"/>
+              <a:t>Retail: Recommendation systems, demand forecasting, customer sentiment analysis.</a:t>
+            </a:r>
+            <a:endParaRPr sz="1600"/>
+          </a:p>
+          <a:p>
+            <a:pPr>
+              <a:buFont typeface="Arial" panose="020B0604020202020204"/>
+              <a:buChar char="•"/>
+            </a:pPr>
+            <a:r>
+              <a:rPr sz="1600"/>
+              <a:t>Autonomous Systems: Self-driving cars, drones, robotics.</a:t>
+            </a:r>
+            <a:endParaRPr sz="1600"/>
+          </a:p>
+          <a:p>
+            <a:pPr>
+              <a:buFont typeface="Arial" panose="020B0604020202020204"/>
+              <a:buChar char="•"/>
+            </a:pPr>
+            <a:r>
+              <a:rPr sz="1600"/>
+              <a:t>Natural Language Processing: Chatbots, virtual assistants, language translation.</a:t>
+            </a:r>
+            <a:endParaRPr sz="1600"/>
+          </a:p>
+        </p:txBody>
+      </p:sp>
+    </p:spTree>
+  </p:cSld>
+  <p:clrMapOvr>
+    <a:masterClrMapping/>
+  </p:clrMapOvr>
+</p:sld>
+</file>
+
+<file path=ppt/slides/slide6.xml><?xml version="1.0" encoding="utf-8"?>
+<p:sld xmlns:a="http://schemas.openxmlformats.org/drawingml/2006/main" xmlns:r="http://schemas.openxmlformats.org/officeDocument/2006/relationships" xmlns:p="http://schemas.openxmlformats.org/presentationml/2006/main">
+  <p:cSld>
+    <p:spTree>
+      <p:nvGrpSpPr>
+        <p:cNvPr id="1" name=""/>
+        <p:cNvGrpSpPr/>
+        <p:nvPr/>
+      </p:nvGrpSpPr>
+      <p:grpSpPr/>
+      <p:sp>
+        <p:nvSpPr>
+          <p:cNvPr id="2" name="Text Box 1"/>
+          <p:cNvSpPr txBox="1"/>
+          <p:nvPr/>
+        </p:nvSpPr>
+        <p:spPr>
+          <a:xfrm>
+            <a:off x="219075" y="170180"/>
+            <a:ext cx="10690860" cy="2430145"/>
+          </a:xfrm>
+          <a:prstGeom prst="rect">
+            <a:avLst/>
+          </a:prstGeom>
+        </p:spPr>
+        <p:txBody>
+          <a:bodyPr wrap="square">
+            <a:spAutoFit/>
+          </a:bodyPr>
+          <a:p>
+            <a:r>
+              <a:rPr sz="2400" b="1">
+                <a:solidFill>
+                  <a:srgbClr val="FF0000"/>
+                </a:solidFill>
+              </a:rPr>
+              <a:t>Conventional AI vs Generative AI (GenAI)</a:t>
+            </a:r>
+            <a:endParaRPr sz="2400" b="1">
+              <a:solidFill>
+                <a:srgbClr val="FF0000"/>
+              </a:solidFill>
+            </a:endParaRPr>
+          </a:p>
+          <a:p>
+            <a:pPr>
+              <a:buAutoNum type="arabicPeriod"/>
+            </a:pPr>
+            <a:r>
+              <a:rPr sz="1600" b="1">
+                <a:solidFill>
+                  <a:srgbClr val="FF0000"/>
+                </a:solidFill>
+              </a:rPr>
+              <a:t>Conventional AI:</a:t>
+            </a:r>
+            <a:endParaRPr sz="1600" b="1">
+              <a:solidFill>
+                <a:srgbClr val="FF0000"/>
+              </a:solidFill>
+            </a:endParaRPr>
+          </a:p>
+          <a:p>
+            <a:pPr lvl="1">
+              <a:buFont typeface="Arial" panose="020B0604020202020204"/>
+              <a:buChar char="◦"/>
+            </a:pPr>
+            <a:r>
+              <a:rPr sz="1600"/>
+              <a:t>Focuses on classification, prediction, and rule-based decision-making.</a:t>
+            </a:r>
+            <a:endParaRPr sz="1600"/>
+          </a:p>
+          <a:p>
+            <a:pPr lvl="1">
+              <a:buFont typeface="Arial" panose="020B0604020202020204"/>
+              <a:buChar char="◦"/>
+            </a:pPr>
+            <a:r>
+              <a:rPr sz="1600"/>
+              <a:t>Uses structured datasets for training.</a:t>
+            </a:r>
+            <a:endParaRPr sz="1600"/>
+          </a:p>
+          <a:p>
+            <a:pPr lvl="1">
+              <a:buFont typeface="Arial" panose="020B0604020202020204"/>
+              <a:buChar char="◦"/>
+            </a:pPr>
+            <a:r>
+              <a:rPr sz="1600"/>
+              <a:t>Examples: Spam filters, customer service chatbots, recommendation engines.</a:t>
+            </a:r>
+            <a:endParaRPr sz="1600"/>
+          </a:p>
+          <a:p>
+            <a:pPr>
+              <a:buAutoNum type="arabicPeriod"/>
+            </a:pPr>
+            <a:r>
+              <a:rPr sz="1600" b="1">
+                <a:solidFill>
+                  <a:srgbClr val="FF0000"/>
+                </a:solidFill>
+              </a:rPr>
+              <a:t>Generative AI (GenAI):</a:t>
+            </a:r>
+            <a:endParaRPr sz="1600" b="1">
+              <a:solidFill>
+                <a:srgbClr val="FF0000"/>
+              </a:solidFill>
+            </a:endParaRPr>
+          </a:p>
+          <a:p>
+            <a:pPr lvl="1">
+              <a:buFont typeface="Arial" panose="020B0604020202020204"/>
+              <a:buChar char="◦"/>
+            </a:pPr>
+            <a:r>
+              <a:rPr sz="1600"/>
+              <a:t>A type of AI that creates new content, such as text, images, and music.</a:t>
+            </a:r>
+            <a:endParaRPr sz="1600"/>
+          </a:p>
+          <a:p>
+            <a:pPr lvl="1">
+              <a:buFont typeface="Arial" panose="020B0604020202020204"/>
+              <a:buChar char="◦"/>
+            </a:pPr>
+            <a:r>
+              <a:rPr sz="1600"/>
+              <a:t>Uses models like GANs (Generative Adversarial Networks) and transformers (e.g., GPT, DALL-E).</a:t>
+            </a:r>
+            <a:endParaRPr sz="1600"/>
+          </a:p>
+          <a:p>
+            <a:pPr lvl="1">
+              <a:buFont typeface="Arial" panose="020B0604020202020204"/>
+              <a:buChar char="◦"/>
+            </a:pPr>
+            <a:r>
+              <a:rPr sz="1600"/>
+              <a:t>Examples: AI-generated art, chat-based content generation, and text-to-image synthesis.</a:t>
+            </a:r>
+            <a:endParaRPr sz="1600"/>
+          </a:p>
+        </p:txBody>
+      </p:sp>
+      <p:sp>
+        <p:nvSpPr>
+          <p:cNvPr id="3" name="Text Box 2"/>
+          <p:cNvSpPr txBox="1"/>
+          <p:nvPr/>
+        </p:nvSpPr>
+        <p:spPr>
+          <a:xfrm>
+            <a:off x="358140" y="2741295"/>
+            <a:ext cx="8935720" cy="2491740"/>
+          </a:xfrm>
+          <a:prstGeom prst="rect">
+            <a:avLst/>
+          </a:prstGeom>
+        </p:spPr>
+        <p:txBody>
+          <a:bodyPr wrap="square">
+            <a:spAutoFit/>
+          </a:bodyPr>
+          <a:p>
+            <a:r>
+              <a:rPr sz="2800" b="1">
+                <a:solidFill>
+                  <a:srgbClr val="FF0000"/>
+                </a:solidFill>
+                <a:effectLst>
+                  <a:outerShdw blurRad="38100" dist="38100" dir="2700000" algn="tl">
+                    <a:srgbClr val="000000">
+                      <a:alpha val="43137"/>
+                    </a:srgbClr>
+                  </a:outerShdw>
+                </a:effectLst>
+              </a:rPr>
+              <a:t>Future of AI</a:t>
+            </a:r>
+            <a:endParaRPr sz="2800" b="1">
+              <a:solidFill>
+                <a:srgbClr val="FF0000"/>
+              </a:solidFill>
+              <a:effectLst>
+                <a:outerShdw blurRad="38100" dist="38100" dir="2700000" algn="tl">
+                  <a:srgbClr val="000000">
+                    <a:alpha val="43137"/>
+                  </a:srgbClr>
+                </a:outerShdw>
+              </a:effectLst>
+            </a:endParaRPr>
+          </a:p>
+          <a:p>
+            <a:r>
+              <a:rPr sz="1600"/>
+              <a:t>The future of AI is expected to bring significant advancements and challenges:</a:t>
+            </a:r>
+            <a:endParaRPr sz="1600"/>
+          </a:p>
+          <a:p>
+            <a:pPr>
+              <a:buFont typeface="Arial" panose="020B0604020202020204"/>
+              <a:buChar char="•"/>
+            </a:pPr>
+            <a:r>
+              <a:rPr sz="1600"/>
+              <a:t>AI-Augmented Creativity: More sophisticated generative models for content creation.</a:t>
+            </a:r>
+            <a:endParaRPr sz="1600"/>
+          </a:p>
+          <a:p>
+            <a:pPr>
+              <a:buFont typeface="Arial" panose="020B0604020202020204"/>
+              <a:buChar char="•"/>
+            </a:pPr>
+            <a:r>
+              <a:rPr sz="1600"/>
+              <a:t>Explainable AI (XAI): Enhancing transparency and trust in AI decision-making.</a:t>
+            </a:r>
+            <a:endParaRPr sz="1600"/>
+          </a:p>
+          <a:p>
+            <a:pPr>
+              <a:buFont typeface="Arial" panose="020B0604020202020204"/>
+              <a:buChar char="•"/>
+            </a:pPr>
+            <a:r>
+              <a:rPr sz="1600"/>
+              <a:t>Ethical AI Development: Addressing biases, privacy concerns, and responsible AI use.</a:t>
+            </a:r>
+            <a:endParaRPr sz="1600"/>
+          </a:p>
+          <a:p>
+            <a:pPr>
+              <a:buFont typeface="Arial" panose="020B0604020202020204"/>
+              <a:buChar char="•"/>
+            </a:pPr>
+            <a:r>
+              <a:rPr sz="1600"/>
+              <a:t>AI in Edge Computing: Deployment of AI models on edge devices for real-time processing.</a:t>
+            </a:r>
+            <a:endParaRPr sz="1600"/>
+          </a:p>
+          <a:p>
+            <a:pPr>
+              <a:buFont typeface="Arial" panose="020B0604020202020204"/>
+              <a:buChar char="•"/>
+            </a:pPr>
+            <a:r>
+              <a:rPr sz="1600"/>
+              <a:t>Superintelligence and AGI: Theoretical advancements toward artificial general intelligence (AGI) with human-like reasoning capabilities.</a:t>
+            </a:r>
+            <a:endParaRPr sz="1600"/>
+          </a:p>
+          <a:p>
+            <a:r>
+              <a:rPr sz="1600"/>
+              <a:t>AI continues to evolve, driving innovation and transforming industries worldwide.</a:t>
+            </a:r>
+            <a:endParaRPr sz="1600"/>
+          </a:p>
+        </p:txBody>
+      </p:sp>
+    </p:spTree>
+  </p:cSld>
+  <p:clrMapOvr>
+    <a:masterClrMapping/>
+  </p:clrMapOvr>
+</p:sld>
+</file>
+
+<file path=ppt/slides/slide7.xml><?xml version="1.0" encoding="utf-8"?>
+<p:sld xmlns:a="http://schemas.openxmlformats.org/drawingml/2006/main" xmlns:r="http://schemas.openxmlformats.org/officeDocument/2006/relationships" xmlns:p="http://schemas.openxmlformats.org/presentationml/2006/main">
+  <p:cSld>
+    <p:spTree>
+      <p:nvGrpSpPr>
+        <p:cNvPr id="1" name=""/>
+        <p:cNvGrpSpPr/>
+        <p:nvPr/>
+      </p:nvGrpSpPr>
+      <p:grpSpPr/>
+      <p:sp>
+        <p:nvSpPr>
+          <p:cNvPr id="2" name="Text Box 1"/>
+          <p:cNvSpPr txBox="1"/>
+          <p:nvPr/>
+        </p:nvSpPr>
+        <p:spPr>
+          <a:xfrm>
+            <a:off x="314960" y="345758"/>
+            <a:ext cx="5080000" cy="2312035"/>
+          </a:xfrm>
+          <a:prstGeom prst="rect">
+            <a:avLst/>
+          </a:prstGeom>
+        </p:spPr>
+        <p:txBody>
+          <a:bodyPr>
+            <a:spAutoFit/>
+          </a:bodyPr>
+          <a:p>
+            <a:pPr marL="0" indent="0">
+              <a:spcBef>
+                <a:spcPts val="1000"/>
+              </a:spcBef>
+              <a:spcAft>
+                <a:spcPts val="500"/>
+              </a:spcAft>
+            </a:pPr>
+            <a:r>
+              <a:rPr sz="2500" b="0" i="0">
+                <a:solidFill>
+                  <a:srgbClr val="333333"/>
+                </a:solidFill>
+                <a:latin typeface="Tomorrow"/>
+                <a:ea typeface="Tomorrow"/>
+              </a:rPr>
+              <a:t>Introduction to DL  </a:t>
+            </a:r>
+            <a:endParaRPr sz="2500" b="0" i="0">
+              <a:solidFill>
+                <a:srgbClr val="333333"/>
+              </a:solidFill>
+              <a:latin typeface="Tomorrow"/>
+              <a:ea typeface="Tomorrow"/>
+            </a:endParaRPr>
+          </a:p>
+          <a:p>
+            <a:pPr marL="285750" indent="-285750">
+              <a:lnSpc>
+                <a:spcPct val="180000"/>
+              </a:lnSpc>
+              <a:spcBef>
+                <a:spcPct val="0"/>
+              </a:spcBef>
+              <a:spcAft>
+                <a:spcPct val="0"/>
+              </a:spcAft>
+              <a:buFont typeface="Arial" panose="020B0604020202020204" pitchFamily="34" charset="0"/>
+              <a:buChar char="•"/>
+            </a:pPr>
+            <a:r>
+              <a:rPr sz="1600" b="0" i="0">
+                <a:solidFill>
+                  <a:srgbClr val="333333"/>
+                </a:solidFill>
+                <a:latin typeface="Tomorrow"/>
+                <a:ea typeface="Tomorrow"/>
+              </a:rPr>
+              <a:t>Introduction to Deep Learning</a:t>
+            </a:r>
+            <a:endParaRPr sz="1600" b="0" i="0">
+              <a:solidFill>
+                <a:srgbClr val="333333"/>
+              </a:solidFill>
+              <a:latin typeface="Tomorrow"/>
+              <a:ea typeface="Tomorrow"/>
+            </a:endParaRPr>
+          </a:p>
+          <a:p>
+            <a:pPr marL="285750" indent="-285750">
+              <a:lnSpc>
+                <a:spcPct val="180000"/>
+              </a:lnSpc>
+              <a:spcBef>
+                <a:spcPct val="0"/>
+              </a:spcBef>
+              <a:spcAft>
+                <a:spcPct val="0"/>
+              </a:spcAft>
+              <a:buFont typeface="Arial" panose="020B0604020202020204" pitchFamily="34" charset="0"/>
+              <a:buChar char="•"/>
+            </a:pPr>
+            <a:r>
+              <a:rPr sz="1600" b="0" i="0">
+                <a:solidFill>
+                  <a:srgbClr val="333333"/>
+                </a:solidFill>
+                <a:latin typeface="Tomorrow"/>
+                <a:ea typeface="Tomorrow"/>
+              </a:rPr>
+              <a:t>Perceptron Model</a:t>
+            </a:r>
+            <a:endParaRPr sz="1600" b="0" i="0">
+              <a:solidFill>
+                <a:srgbClr val="333333"/>
+              </a:solidFill>
+              <a:latin typeface="Tomorrow"/>
+              <a:ea typeface="Tomorrow"/>
+            </a:endParaRPr>
+          </a:p>
+          <a:p>
+            <a:pPr marL="285750" indent="-285750">
+              <a:lnSpc>
+                <a:spcPct val="180000"/>
+              </a:lnSpc>
+              <a:spcBef>
+                <a:spcPct val="0"/>
+              </a:spcBef>
+              <a:spcAft>
+                <a:spcPct val="0"/>
+              </a:spcAft>
+              <a:buFont typeface="Arial" panose="020B0604020202020204" pitchFamily="34" charset="0"/>
+              <a:buChar char="•"/>
+            </a:pPr>
+            <a:r>
+              <a:rPr sz="1600" b="0" i="0">
+                <a:solidFill>
+                  <a:srgbClr val="333333"/>
+                </a:solidFill>
+                <a:latin typeface="Tomorrow"/>
+                <a:ea typeface="Tomorrow"/>
+              </a:rPr>
+              <a:t>Introduction to Tensorflow and Keras</a:t>
+            </a:r>
+            <a:endParaRPr sz="1600" b="0" i="0">
+              <a:solidFill>
+                <a:srgbClr val="333333"/>
+              </a:solidFill>
+              <a:latin typeface="Tomorrow"/>
+              <a:ea typeface="Tomorrow"/>
+            </a:endParaRPr>
+          </a:p>
+          <a:p>
+            <a:pPr marL="285750" indent="-285750">
+              <a:lnSpc>
+                <a:spcPct val="180000"/>
+              </a:lnSpc>
+              <a:spcBef>
+                <a:spcPct val="0"/>
+              </a:spcBef>
+              <a:spcAft>
+                <a:spcPct val="0"/>
+              </a:spcAft>
+              <a:buFont typeface="Arial" panose="020B0604020202020204" pitchFamily="34" charset="0"/>
+              <a:buChar char="•"/>
+            </a:pPr>
+            <a:r>
+              <a:rPr sz="1600" b="0" i="0">
+                <a:solidFill>
+                  <a:srgbClr val="333333"/>
+                </a:solidFill>
+                <a:latin typeface="Tomorrow"/>
+                <a:ea typeface="Tomorrow"/>
+              </a:rPr>
+              <a:t>Introduction to Types of Neural Networks</a:t>
+            </a:r>
+            <a:endParaRPr sz="1600" b="0" i="0">
+              <a:solidFill>
+                <a:srgbClr val="333333"/>
+              </a:solidFill>
+              <a:latin typeface="Tomorrow"/>
+              <a:ea typeface="Tomorrow"/>
+            </a:endParaRPr>
+          </a:p>
+        </p:txBody>
+      </p:sp>
+      <p:sp>
+        <p:nvSpPr>
+          <p:cNvPr id="3" name="Text Box 2"/>
+          <p:cNvSpPr txBox="1"/>
+          <p:nvPr/>
+        </p:nvSpPr>
+        <p:spPr>
+          <a:xfrm>
+            <a:off x="398780" y="3429000"/>
+            <a:ext cx="6448425" cy="2780030"/>
+          </a:xfrm>
+          <a:prstGeom prst="rect">
+            <a:avLst/>
+          </a:prstGeom>
+        </p:spPr>
+        <p:txBody>
+          <a:bodyPr wrap="square">
+            <a:spAutoFit/>
+          </a:bodyPr>
+          <a:p>
+            <a:pPr marL="0" indent="0">
+              <a:spcBef>
+                <a:spcPts val="1000"/>
+              </a:spcBef>
+              <a:spcAft>
+                <a:spcPts val="500"/>
+              </a:spcAft>
+            </a:pPr>
+            <a:r>
+              <a:rPr sz="2500" b="0" i="0">
+                <a:solidFill>
+                  <a:srgbClr val="333333"/>
+                </a:solidFill>
+                <a:latin typeface="Tomorrow"/>
+                <a:ea typeface="Tomorrow"/>
+              </a:rPr>
+              <a:t>Artificial Neural Network Deep Dive  </a:t>
+            </a:r>
+            <a:endParaRPr sz="2500" b="0" i="0">
+              <a:solidFill>
+                <a:srgbClr val="333333"/>
+              </a:solidFill>
+              <a:latin typeface="Tomorrow"/>
+              <a:ea typeface="Tomorrow"/>
+            </a:endParaRPr>
+          </a:p>
+          <a:p>
+            <a:pPr marL="285750" indent="-285750">
+              <a:lnSpc>
+                <a:spcPct val="130000"/>
+              </a:lnSpc>
+              <a:spcBef>
+                <a:spcPct val="0"/>
+              </a:spcBef>
+              <a:spcAft>
+                <a:spcPct val="0"/>
+              </a:spcAft>
+              <a:buFont typeface="Arial" panose="020B0604020202020204" pitchFamily="34" charset="0"/>
+              <a:buChar char="•"/>
+            </a:pPr>
+            <a:r>
+              <a:rPr sz="1600" b="0" i="0">
+                <a:solidFill>
+                  <a:srgbClr val="333333"/>
+                </a:solidFill>
+                <a:latin typeface="Tomorrow"/>
+                <a:ea typeface="Tomorrow"/>
+              </a:rPr>
+              <a:t>Activation Functions in NN</a:t>
+            </a:r>
+            <a:endParaRPr sz="1600" b="0" i="0">
+              <a:solidFill>
+                <a:srgbClr val="333333"/>
+              </a:solidFill>
+              <a:latin typeface="Tomorrow"/>
+              <a:ea typeface="Tomorrow"/>
+            </a:endParaRPr>
+          </a:p>
+          <a:p>
+            <a:pPr marL="742950" lvl="1" indent="-285750">
+              <a:lnSpc>
+                <a:spcPct val="130000"/>
+              </a:lnSpc>
+              <a:spcBef>
+                <a:spcPct val="0"/>
+              </a:spcBef>
+              <a:spcAft>
+                <a:spcPct val="0"/>
+              </a:spcAft>
+              <a:buFont typeface="Arial" panose="020B0604020202020204" pitchFamily="34" charset="0"/>
+              <a:buChar char="•"/>
+            </a:pPr>
+            <a:r>
+              <a:rPr lang="en-US" altLang="en-US" sz="1600" b="0" i="0">
+                <a:solidFill>
+                  <a:srgbClr val="333333"/>
+                </a:solidFill>
+                <a:latin typeface="Tomorrow"/>
+                <a:ea typeface="Tomorrow"/>
+              </a:rPr>
+              <a:t>Single Layered ANN</a:t>
+            </a:r>
+            <a:endParaRPr lang="en-US" altLang="en-US" sz="1600" b="0" i="0">
+              <a:solidFill>
+                <a:srgbClr val="333333"/>
+              </a:solidFill>
+              <a:latin typeface="Tomorrow"/>
+              <a:ea typeface="Tomorrow"/>
+            </a:endParaRPr>
+          </a:p>
+          <a:p>
+            <a:pPr marL="742950" lvl="1" indent="-285750">
+              <a:lnSpc>
+                <a:spcPct val="130000"/>
+              </a:lnSpc>
+              <a:spcBef>
+                <a:spcPct val="0"/>
+              </a:spcBef>
+              <a:spcAft>
+                <a:spcPct val="0"/>
+              </a:spcAft>
+              <a:buFont typeface="Arial" panose="020B0604020202020204" pitchFamily="34" charset="0"/>
+              <a:buChar char="•"/>
+            </a:pPr>
+            <a:r>
+              <a:rPr lang="en-US" altLang="en-US" sz="1600" b="0" i="0">
+                <a:solidFill>
+                  <a:srgbClr val="333333"/>
+                </a:solidFill>
+                <a:latin typeface="Tomorrow"/>
+                <a:ea typeface="Tomorrow"/>
+              </a:rPr>
+              <a:t>Multiple Layered ANN</a:t>
+            </a:r>
+            <a:endParaRPr lang="en-US" altLang="en-US" sz="1600" b="0" i="0">
+              <a:solidFill>
+                <a:srgbClr val="333333"/>
+              </a:solidFill>
+              <a:latin typeface="Tomorrow"/>
+              <a:ea typeface="Tomorrow"/>
+            </a:endParaRPr>
+          </a:p>
+          <a:p>
+            <a:pPr marL="285750" indent="-285750">
+              <a:lnSpc>
+                <a:spcPct val="130000"/>
+              </a:lnSpc>
+              <a:spcBef>
+                <a:spcPct val="0"/>
+              </a:spcBef>
+              <a:spcAft>
+                <a:spcPct val="0"/>
+              </a:spcAft>
+              <a:buFont typeface="Arial" panose="020B0604020202020204" pitchFamily="34" charset="0"/>
+              <a:buChar char="•"/>
+            </a:pPr>
+            <a:r>
+              <a:rPr sz="1600" b="0" i="0">
+                <a:solidFill>
+                  <a:srgbClr val="333333"/>
+                </a:solidFill>
+                <a:latin typeface="Tomorrow"/>
+                <a:ea typeface="Tomorrow"/>
+              </a:rPr>
+              <a:t>Loss Functions</a:t>
+            </a:r>
+            <a:endParaRPr sz="1600" b="0" i="0">
+              <a:solidFill>
+                <a:srgbClr val="333333"/>
+              </a:solidFill>
+              <a:latin typeface="Tomorrow"/>
+              <a:ea typeface="Tomorrow"/>
+            </a:endParaRPr>
+          </a:p>
+          <a:p>
+            <a:pPr marL="285750" indent="-285750">
+              <a:lnSpc>
+                <a:spcPct val="130000"/>
+              </a:lnSpc>
+              <a:spcBef>
+                <a:spcPct val="0"/>
+              </a:spcBef>
+              <a:spcAft>
+                <a:spcPct val="0"/>
+              </a:spcAft>
+              <a:buFont typeface="Arial" panose="020B0604020202020204" pitchFamily="34" charset="0"/>
+              <a:buChar char="•"/>
+            </a:pPr>
+            <a:r>
+              <a:rPr sz="1600" b="0" i="0">
+                <a:solidFill>
+                  <a:srgbClr val="333333"/>
+                </a:solidFill>
+                <a:latin typeface="Tomorrow"/>
+                <a:ea typeface="Tomorrow"/>
+              </a:rPr>
+              <a:t>Optimization Technique</a:t>
+            </a:r>
+            <a:endParaRPr sz="1600" b="0" i="0">
+              <a:solidFill>
+                <a:srgbClr val="333333"/>
+              </a:solidFill>
+              <a:latin typeface="Tomorrow"/>
+              <a:ea typeface="Tomorrow"/>
+            </a:endParaRPr>
+          </a:p>
+          <a:p>
+            <a:pPr marL="285750" indent="-285750">
+              <a:lnSpc>
+                <a:spcPct val="130000"/>
+              </a:lnSpc>
+              <a:spcBef>
+                <a:spcPct val="0"/>
+              </a:spcBef>
+              <a:spcAft>
+                <a:spcPct val="0"/>
+              </a:spcAft>
+              <a:buFont typeface="Arial" panose="020B0604020202020204" pitchFamily="34" charset="0"/>
+              <a:buChar char="•"/>
+            </a:pPr>
+            <a:r>
+              <a:rPr sz="1600" b="0" i="0">
+                <a:solidFill>
+                  <a:srgbClr val="333333"/>
+                </a:solidFill>
+                <a:latin typeface="Tomorrow"/>
+                <a:ea typeface="Tomorrow"/>
+              </a:rPr>
+              <a:t>Regularization Techniques</a:t>
+            </a:r>
+            <a:endParaRPr sz="1600" b="0" i="0">
+              <a:solidFill>
+                <a:srgbClr val="333333"/>
+              </a:solidFill>
+              <a:latin typeface="Tomorrow"/>
+              <a:ea typeface="Tomorrow"/>
+            </a:endParaRPr>
+          </a:p>
+          <a:p>
+            <a:pPr marL="285750" indent="-285750">
+              <a:lnSpc>
+                <a:spcPct val="130000"/>
+              </a:lnSpc>
+              <a:spcBef>
+                <a:spcPct val="0"/>
+              </a:spcBef>
+              <a:spcAft>
+                <a:spcPct val="0"/>
+              </a:spcAft>
+              <a:buFont typeface="Arial" panose="020B0604020202020204" pitchFamily="34" charset="0"/>
+              <a:buChar char="•"/>
+            </a:pPr>
+            <a:r>
+              <a:rPr sz="1600" b="0" i="0">
+                <a:solidFill>
+                  <a:srgbClr val="333333"/>
+                </a:solidFill>
+                <a:latin typeface="Tomorrow"/>
+                <a:ea typeface="Tomorrow"/>
+              </a:rPr>
+              <a:t>CallBacks</a:t>
+            </a:r>
+            <a:endParaRPr sz="1600" b="0" i="0">
+              <a:solidFill>
+                <a:srgbClr val="333333"/>
+              </a:solidFill>
+              <a:latin typeface="Tomorrow"/>
+              <a:ea typeface="Tomorrow"/>
+            </a:endParaRPr>
+          </a:p>
+        </p:txBody>
+      </p:sp>
+    </p:spTree>
+  </p:cSld>
+  <p:clrMapOvr>
+    <a:masterClrMapping/>
+  </p:clrMapOvr>
+</p:sld>
+</file>
+
+<file path=ppt/slides/slide8.xml><?xml version="1.0" encoding="utf-8"?>
+<p:sld xmlns:a="http://schemas.openxmlformats.org/drawingml/2006/main" xmlns:r="http://schemas.openxmlformats.org/officeDocument/2006/relationships" xmlns:p="http://schemas.openxmlformats.org/presentationml/2006/main">
+  <p:cSld>
+    <p:spTree>
+      <p:nvGrpSpPr>
+        <p:cNvPr id="1" name=""/>
+        <p:cNvGrpSpPr/>
+        <p:nvPr/>
+      </p:nvGrpSpPr>
+      <p:grpSpPr/>
+      <p:sp>
+        <p:nvSpPr>
+          <p:cNvPr id="2" name="Text Box 1"/>
+          <p:cNvSpPr txBox="1"/>
+          <p:nvPr/>
+        </p:nvSpPr>
+        <p:spPr>
+          <a:xfrm>
+            <a:off x="207645" y="154940"/>
+            <a:ext cx="11256010" cy="3969385"/>
+          </a:xfrm>
+          <a:prstGeom prst="rect">
+            <a:avLst/>
+          </a:prstGeom>
+        </p:spPr>
+        <p:txBody>
+          <a:bodyPr wrap="square">
+            <a:spAutoFit/>
+          </a:bodyPr>
+          <a:p>
+            <a:r>
+              <a:rPr sz="2400" b="1">
+                <a:solidFill>
+                  <a:srgbClr val="FF0000"/>
+                </a:solidFill>
+                <a:effectLst>
+                  <a:outerShdw blurRad="38100" dist="38100" dir="2700000" algn="tl">
+                    <a:srgbClr val="000000">
+                      <a:alpha val="43137"/>
+                    </a:srgbClr>
+                  </a:outerShdw>
+                </a:effectLst>
+              </a:rPr>
+              <a:t>Introduction to Deep Learning</a:t>
+            </a:r>
+            <a:endParaRPr sz="2400" b="1">
+              <a:solidFill>
+                <a:srgbClr val="FF0000"/>
+              </a:solidFill>
+              <a:effectLst>
+                <a:outerShdw blurRad="38100" dist="38100" dir="2700000" algn="tl">
+                  <a:srgbClr val="000000">
+                    <a:alpha val="43137"/>
+                  </a:srgbClr>
+                </a:outerShdw>
+              </a:effectLst>
+            </a:endParaRPr>
+          </a:p>
+          <a:p>
+            <a:r>
+              <a:t>Deep Learning (DL) is a subset of Machine Learning that utilizes artificial neural networks with multiple layers to learn complex patterns in data. It enables high-level feature extraction from raw data and is the foundation for many modern </a:t>
+            </a:r>
+          </a:p>
+          <a:p>
+            <a:endParaRPr sz="2800" b="1">
+              <a:solidFill>
+                <a:srgbClr val="FF0000"/>
+              </a:solidFill>
+              <a:effectLst>
+                <a:outerShdw blurRad="38100" dist="38100" dir="2700000" algn="tl">
+                  <a:srgbClr val="000000">
+                    <a:alpha val="43137"/>
+                  </a:srgbClr>
+                </a:outerShdw>
+              </a:effectLst>
+            </a:endParaRPr>
+          </a:p>
+          <a:p>
+            <a:r>
+              <a:rPr sz="2800" b="1">
+                <a:solidFill>
+                  <a:srgbClr val="FF0000"/>
+                </a:solidFill>
+                <a:effectLst>
+                  <a:outerShdw blurRad="38100" dist="38100" dir="2700000" algn="tl">
+                    <a:srgbClr val="000000">
+                      <a:alpha val="43137"/>
+                    </a:srgbClr>
+                  </a:outerShdw>
+                </a:effectLst>
+              </a:rPr>
+              <a:t>AI applications.</a:t>
+            </a:r>
+            <a:endParaRPr sz="2800" b="1">
+              <a:solidFill>
+                <a:srgbClr val="FF0000"/>
+              </a:solidFill>
+              <a:effectLst>
+                <a:outerShdw blurRad="38100" dist="38100" dir="2700000" algn="tl">
+                  <a:srgbClr val="000000">
+                    <a:alpha val="43137"/>
+                  </a:srgbClr>
+                </a:outerShdw>
+              </a:effectLst>
+            </a:endParaRPr>
+          </a:p>
+          <a:p>
+            <a:endParaRPr sz="2800" b="1">
+              <a:solidFill>
+                <a:srgbClr val="FF0000"/>
+              </a:solidFill>
+              <a:effectLst>
+                <a:outerShdw blurRad="38100" dist="38100" dir="2700000" algn="tl">
+                  <a:srgbClr val="000000">
+                    <a:alpha val="43137"/>
+                  </a:srgbClr>
+                </a:outerShdw>
+              </a:effectLst>
+            </a:endParaRPr>
+          </a:p>
+          <a:p>
+            <a:r>
+              <a:t>Key Aspects of Deep Learning:</a:t>
+            </a:r>
+          </a:p>
+          <a:p>
+            <a:pPr>
+              <a:buFont typeface="Arial" panose="020B0604020202020204"/>
+              <a:buChar char="•"/>
+            </a:pPr>
+            <a:r>
+              <a:t>Multi-layered neural networks (deep networks) that extract hierarchical features.</a:t>
+            </a:r>
+          </a:p>
+          <a:p>
+            <a:pPr>
+              <a:buFont typeface="Arial" panose="020B0604020202020204"/>
+              <a:buChar char="•"/>
+            </a:pPr>
+          </a:p>
+          <a:p>
+            <a:pPr>
+              <a:buFont typeface="Arial" panose="020B0604020202020204"/>
+              <a:buChar char="•"/>
+            </a:pPr>
+            <a:r>
+              <a:t>Requires large datasets and significant computational power (e.g., GPUs, TPUs).</a:t>
+            </a:r>
+          </a:p>
+          <a:p>
+            <a:pPr>
+              <a:buFont typeface="Arial" panose="020B0604020202020204"/>
+              <a:buChar char="•"/>
+            </a:pPr>
+          </a:p>
+          <a:p>
+            <a:pPr>
+              <a:buFont typeface="Arial" panose="020B0604020202020204"/>
+              <a:buChar char="•"/>
+            </a:pPr>
+            <a:r>
+              <a:t>Performs exceptionally well in tasks like image recognition, natural language processing, and speech synthesis.</a:t>
+            </a:r>
+          </a:p>
+        </p:txBody>
+      </p:sp>
+    </p:spTree>
+  </p:cSld>
+  <p:clrMapOvr>
+    <a:masterClrMapping/>
+  </p:clrMapOvr>
+</p:sld>
+</file>
+
+<file path=ppt/slides/slide9.xml><?xml version="1.0" encoding="utf-8"?>
+<p:sld xmlns:a="http://schemas.openxmlformats.org/drawingml/2006/main" xmlns:r="http://schemas.openxmlformats.org/officeDocument/2006/relationships" xmlns:p="http://schemas.openxmlformats.org/presentationml/2006/main">
+  <p:cSld>
+    <p:spTree>
+      <p:nvGrpSpPr>
+        <p:cNvPr id="1" name=""/>
+        <p:cNvGrpSpPr/>
+        <p:nvPr/>
+      </p:nvGrpSpPr>
+      <p:grpSpPr/>
+      <p:sp>
+        <p:nvSpPr>
+          <p:cNvPr id="2" name="Text Box 1"/>
+          <p:cNvSpPr txBox="1"/>
+          <p:nvPr/>
+        </p:nvSpPr>
+        <p:spPr>
+          <a:xfrm>
+            <a:off x="151765" y="3507740"/>
+            <a:ext cx="5568315" cy="3692525"/>
+          </a:xfrm>
+          <a:prstGeom prst="rect">
+            <a:avLst/>
+          </a:prstGeom>
+        </p:spPr>
+        <p:txBody>
+          <a:bodyPr wrap="square">
+            <a:spAutoFit/>
+          </a:bodyPr>
+          <a:p>
+            <a:r>
+              <a:rPr b="1">
+                <a:solidFill>
+                  <a:srgbClr val="FF0000"/>
+                </a:solidFill>
+                <a:effectLst>
+                  <a:outerShdw blurRad="38100" dist="38100" dir="2700000" algn="tl">
+                    <a:srgbClr val="000000">
+                      <a:alpha val="43137"/>
+                    </a:srgbClr>
+                  </a:outerShdw>
+                </a:effectLst>
+              </a:rPr>
+              <a:t>Perceptron Model</a:t>
+            </a:r>
+            <a:endParaRPr b="1">
+              <a:solidFill>
+                <a:srgbClr val="FF0000"/>
+              </a:solidFill>
+              <a:effectLst>
+                <a:outerShdw blurRad="38100" dist="38100" dir="2700000" algn="tl">
+                  <a:srgbClr val="000000">
+                    <a:alpha val="43137"/>
+                  </a:srgbClr>
+                </a:outerShdw>
+              </a:effectLst>
+            </a:endParaRPr>
+          </a:p>
+          <a:p>
+            <a:r>
+              <a:t>The perceptron is the simplest form of an artificial neural network and serves as the building block of more advanced models.</a:t>
+            </a:r>
+          </a:p>
+          <a:p>
+            <a:pPr>
+              <a:buFont typeface="Arial" panose="020B0604020202020204"/>
+              <a:buChar char="•"/>
+            </a:pPr>
+            <a:r>
+              <a:rPr b="1"/>
+              <a:t>Components of a Perceptron:</a:t>
+            </a:r>
+            <a:endParaRPr b="1"/>
+          </a:p>
+          <a:p>
+            <a:pPr lvl="1">
+              <a:buFont typeface="Arial" panose="020B0604020202020204"/>
+              <a:buChar char="◦"/>
+            </a:pPr>
+            <a:r>
+              <a:rPr b="1"/>
+              <a:t>Inputs</a:t>
+            </a:r>
+            <a:r>
+              <a:t>: Feature values from the dataset.</a:t>
+            </a:r>
+          </a:p>
+          <a:p>
+            <a:pPr lvl="1">
+              <a:buFont typeface="Arial" panose="020B0604020202020204"/>
+              <a:buChar char="◦"/>
+            </a:pPr>
+            <a:r>
+              <a:rPr b="1"/>
+              <a:t>Weights</a:t>
+            </a:r>
+            <a:r>
+              <a:t>: Assigned to each input to signify importance.</a:t>
+            </a:r>
+          </a:p>
+          <a:p>
+            <a:pPr lvl="1">
+              <a:buFont typeface="Arial" panose="020B0604020202020204"/>
+              <a:buChar char="◦"/>
+            </a:pPr>
+            <a:r>
+              <a:rPr b="1"/>
+              <a:t>Summation </a:t>
+            </a:r>
+            <a:r>
+              <a:t>Function: Computes the weighted sum of inputs.</a:t>
+            </a:r>
+          </a:p>
+          <a:p>
+            <a:pPr lvl="1">
+              <a:buFont typeface="Arial" panose="020B0604020202020204"/>
+              <a:buChar char="◦"/>
+            </a:pPr>
+            <a:r>
+              <a:rPr b="1"/>
+              <a:t>Activation Function</a:t>
+            </a:r>
+            <a:r>
+              <a:t>: Applies a threshold to determine output.</a:t>
+            </a:r>
+          </a:p>
+          <a:p>
+            <a:pPr indent="0">
+              <a:buFont typeface="Arial" panose="020B0604020202020204"/>
+              <a:buNone/>
+            </a:pPr>
+          </a:p>
+        </p:txBody>
+      </p:sp>
+      <p:pic>
+        <p:nvPicPr>
+          <p:cNvPr id="3" name="Picture 2"/>
+          <p:cNvPicPr/>
+          <p:nvPr/>
+        </p:nvPicPr>
+        <p:blipFill>
+          <a:blip r:embed="rId1"/>
+          <a:stretch>
+            <a:fillRect/>
+          </a:stretch>
+        </p:blipFill>
+        <p:spPr>
+          <a:xfrm>
+            <a:off x="5619750" y="100965"/>
+            <a:ext cx="6424930" cy="5667375"/>
+          </a:xfrm>
+          <a:prstGeom prst="rect">
+            <a:avLst/>
+          </a:prstGeom>
+        </p:spPr>
+      </p:pic>
+      <p:sp>
+        <p:nvSpPr>
+          <p:cNvPr id="4" name="Text Box 3"/>
+          <p:cNvSpPr txBox="1"/>
+          <p:nvPr/>
+        </p:nvSpPr>
+        <p:spPr>
+          <a:xfrm>
+            <a:off x="5443855" y="6250305"/>
+            <a:ext cx="6096000" cy="368300"/>
+          </a:xfrm>
+          <a:prstGeom prst="rect">
+            <a:avLst/>
+          </a:prstGeom>
+          <a:noFill/>
+        </p:spPr>
+        <p:txBody>
+          <a:bodyPr wrap="square" rtlCol="0" anchor="t">
+            <a:spAutoFit/>
+          </a:bodyPr>
+          <a:p>
+            <a:r>
+              <a:rPr lang="en-US" altLang="en-US"/>
+              <a:t>https://s.mriquestions.com/what-is-a-neural-network.html</a:t>
+            </a:r>
+            <a:endParaRPr lang="en-US"/>
+          </a:p>
+        </p:txBody>
+      </p:sp>
+      <p:sp>
+        <p:nvSpPr>
+          <p:cNvPr id="6" name="Text Box 5"/>
+          <p:cNvSpPr txBox="1"/>
+          <p:nvPr/>
+        </p:nvSpPr>
+        <p:spPr>
+          <a:xfrm>
+            <a:off x="151765" y="100965"/>
+            <a:ext cx="5772785" cy="3307715"/>
+          </a:xfrm>
+          <a:prstGeom prst="rect">
+            <a:avLst/>
+          </a:prstGeom>
+        </p:spPr>
+        <p:txBody>
+          <a:bodyPr wrap="square">
+            <a:spAutoFit/>
+          </a:bodyPr>
+          <a:p>
+            <a:r>
+              <a:rPr sz="2900" b="1">
+                <a:solidFill>
+                  <a:srgbClr val="231F20"/>
+                </a:solidFill>
+                <a:latin typeface="RctvjbXddlcgHrcvdjHelveticaNeueLTStd-BdCn"/>
+                <a:ea typeface="RctvjbXddlcgHrcvdjHelveticaNeueLTStd-BdCn"/>
+              </a:rPr>
+              <a:t>Artificial Neural Network </a:t>
+            </a:r>
+            <a:endParaRPr sz="2900" b="1">
+              <a:solidFill>
+                <a:srgbClr val="231F20"/>
+              </a:solidFill>
+              <a:latin typeface="RctvjbXddlcgHrcvdjHelveticaNeueLTStd-BdCn"/>
+              <a:ea typeface="RctvjbXddlcgHrcvdjHelveticaNeueLTStd-BdCn"/>
+            </a:endParaRPr>
+          </a:p>
+          <a:p>
+            <a:pPr algn="just"/>
+            <a:r>
+              <a:rPr sz="2000">
+                <a:solidFill>
+                  <a:srgbClr val="231F20"/>
+                </a:solidFill>
+                <a:ea typeface="QkdyncPgkddySjtfmrUtopiaStd"/>
+                <a:cs typeface="+mn-lt"/>
+              </a:rPr>
+              <a:t>An </a:t>
+            </a:r>
+            <a:r>
+              <a:rPr sz="2000" i="1">
+                <a:solidFill>
+                  <a:srgbClr val="231F20"/>
+                </a:solidFill>
+                <a:ea typeface="CtdhkhGrqdxpFqrrvlUtopiaStd-Italic"/>
+                <a:cs typeface="+mn-lt"/>
+              </a:rPr>
+              <a:t>artificial neural network</a:t>
+            </a:r>
+            <a:r>
+              <a:rPr sz="2000">
+                <a:solidFill>
+                  <a:srgbClr val="231F20"/>
+                </a:solidFill>
+                <a:ea typeface="QkdyncPgkddySjtfmrUtopiaStd"/>
+                <a:cs typeface="+mn-lt"/>
+              </a:rPr>
+              <a:t> (ANN) is a</a:t>
+            </a:r>
+            <a:r>
+              <a:rPr lang="en-US" sz="2000">
+                <a:solidFill>
+                  <a:srgbClr val="231F20"/>
+                </a:solidFill>
+                <a:ea typeface="QkdyncPgkddySjtfmrUtopiaStd"/>
+                <a:cs typeface="+mn-lt"/>
+              </a:rPr>
+              <a:t> </a:t>
+            </a:r>
+            <a:r>
+              <a:rPr sz="2000">
+                <a:solidFill>
+                  <a:srgbClr val="231F20"/>
+                </a:solidFill>
+                <a:ea typeface="QkdyncPgkddySjtfmrUtopiaStd"/>
+                <a:cs typeface="+mn-lt"/>
+              </a:rPr>
+              <a:t>computational network (a system of nodes and the interconnection between nodes) inspired by biological neural networks, which are the complex networks of neurons in human brains (see Figure). </a:t>
+            </a:r>
+            <a:endParaRPr sz="2000">
+              <a:solidFill>
+                <a:srgbClr val="231F20"/>
+              </a:solidFill>
+              <a:ea typeface="QkdyncPgkddySjtfmrUtopiaStd"/>
+              <a:cs typeface="+mn-lt"/>
+            </a:endParaRPr>
+          </a:p>
+          <a:p>
+            <a:pPr algn="just"/>
+            <a:endParaRPr sz="2000">
+              <a:solidFill>
+                <a:srgbClr val="231F20"/>
+              </a:solidFill>
+              <a:ea typeface="QkdyncPgkddySjtfmrUtopiaStd"/>
+              <a:cs typeface="+mn-lt"/>
+            </a:endParaRPr>
+          </a:p>
+          <a:p>
+            <a:pPr algn="just"/>
+            <a:r>
+              <a:rPr sz="2000">
+                <a:solidFill>
+                  <a:srgbClr val="231F20"/>
+                </a:solidFill>
+                <a:ea typeface="QkdyncPgkddySjtfmrUtopiaStd"/>
+                <a:cs typeface="+mn-lt"/>
+              </a:rPr>
+              <a:t>The nodes created in the ANN are supposedly programmed to behave like actual neurons, and hence they are artificial neurons.</a:t>
+            </a:r>
+            <a:endParaRPr sz="2000">
+              <a:solidFill>
+                <a:srgbClr val="231F20"/>
+              </a:solidFill>
+              <a:ea typeface="QkdyncPgkddySjtfmrUtopiaStd"/>
+              <a:cs typeface="+mn-lt"/>
             </a:endParaRPr>
           </a:p>
         </p:txBody>
@@ -5773,4 +12692,263 @@
     </a:ext>
   </a:extLst>
 </a:theme>
+</file>
+
+<file path=ppt/theme/theme2.xml><?xml version="1.0" encoding="utf-8"?>
+<a:theme xmlns:a="http://schemas.openxmlformats.org/drawingml/2006/main" name="Office Theme">
+  <a:themeElements>
+    <a:clrScheme name="Office">
+      <a:dk1>
+        <a:sysClr val="windowText" lastClr="000000"/>
+      </a:dk1>
+      <a:lt1>
+        <a:sysClr val="window" lastClr="FFFFFF"/>
+      </a:lt1>
+      <a:dk2>
+        <a:srgbClr val="44546A"/>
+      </a:dk2>
+      <a:lt2>
+        <a:srgbClr val="E7E6E6"/>
+      </a:lt2>
+      <a:accent1>
+        <a:srgbClr val="5B9BD5"/>
+      </a:accent1>
+      <a:accent2>
+        <a:srgbClr val="ED7D31"/>
+      </a:accent2>
+      <a:accent3>
+        <a:srgbClr val="A5A5A5"/>
+      </a:accent3>
+      <a:accent4>
+        <a:srgbClr val="FFC000"/>
+      </a:accent4>
+      <a:accent5>
+        <a:srgbClr val="4472C4"/>
+      </a:accent5>
+      <a:accent6>
+        <a:srgbClr val="70AD47"/>
+      </a:accent6>
+      <a:hlink>
+        <a:srgbClr val="0563C1"/>
+      </a:hlink>
+      <a:folHlink>
+        <a:srgbClr val="954F72"/>
+      </a:folHlink>
+    </a:clrScheme>
+    <a:fontScheme name="Office">
+      <a:majorFont>
+        <a:latin typeface="Calibri Light"/>
+        <a:ea typeface=""/>
+        <a:cs typeface=""/>
+        <a:font script="Jpan" typeface="ＭＳ Ｐゴシック"/>
+        <a:font script="Hang" typeface="맑은 고딕"/>
+        <a:font script="Hans" typeface="宋体"/>
+        <a:font script="Hant" typeface="新細明體"/>
+        <a:font script="Arab" typeface="Times New Roman"/>
+        <a:font script="Hebr" typeface="Times New Roman"/>
+        <a:font script="Thai" typeface="Angsana New"/>
+        <a:font script="Ethi" typeface="Nyala"/>
+        <a:font script="Beng" typeface="Vrinda"/>
+        <a:font script="Gujr" typeface="Shruti"/>
+        <a:font script="Khmr" typeface="MoolBoran"/>
+        <a:font script="Knda" typeface="Tunga"/>
+        <a:font script="Guru" typeface="Raavi"/>
+        <a:font script="Cans" typeface="Euphemia"/>
+        <a:font script="Cher" typeface="Plantagenet Cherokee"/>
+        <a:font script="Yiii" typeface="Microsoft Yi Baiti"/>
+        <a:font script="Tibt" typeface="Microsoft Himalaya"/>
+        <a:font script="Thaa" typeface="MV Boli"/>
+        <a:font script="Deva" typeface="Mangal"/>
+        <a:font script="Telu" typeface="Gautami"/>
+        <a:font script="Taml" typeface="Latha"/>
+        <a:font script="Syrc" typeface="Estrangelo Edessa"/>
+        <a:font script="Orya" typeface="Kalinga"/>
+        <a:font script="Mlym" typeface="Kartika"/>
+        <a:font script="Laoo" typeface="DokChampa"/>
+        <a:font script="Sinh" typeface="Iskoola Pota"/>
+        <a:font script="Mong" typeface="Mongolian Baiti"/>
+        <a:font script="Viet" typeface="Times New Roman"/>
+        <a:font script="Uigh" typeface="Microsoft Uighur"/>
+        <a:font script="Geor" typeface="Sylfaen"/>
+      </a:majorFont>
+      <a:minorFont>
+        <a:latin typeface="Calibri"/>
+        <a:ea typeface=""/>
+        <a:cs typeface=""/>
+        <a:font script="Jpan" typeface="ＭＳ Ｐゴシック"/>
+        <a:font script="Hang" typeface="맑은 고딕"/>
+        <a:font script="Hans" typeface="宋体"/>
+        <a:font script="Hant" typeface="新細明體"/>
+        <a:font script="Arab" typeface="Arial"/>
+        <a:font script="Hebr" typeface="Arial"/>
+        <a:font script="Thai" typeface="Cordia New"/>
+        <a:font script="Ethi" typeface="Nyala"/>
+        <a:font script="Beng" typeface="Vrinda"/>
+        <a:font script="Gujr" typeface="Shruti"/>
+        <a:font script="Khmr" typeface="DaunPenh"/>
+        <a:font script="Knda" typeface="Tunga"/>
+        <a:font script="Guru" typeface="Raavi"/>
+        <a:font script="Cans" typeface="Euphemia"/>
+        <a:font script="Cher" typeface="Plantagenet Cherokee"/>
+        <a:font script="Yiii" typeface="Microsoft Yi Baiti"/>
+        <a:font script="Tibt" typeface="Microsoft Himalaya"/>
+        <a:font script="Thaa" typeface="MV Boli"/>
+        <a:font script="Deva" typeface="Mangal"/>
+        <a:font script="Telu" typeface="Gautami"/>
+        <a:font script="Taml" typeface="Latha"/>
+        <a:font script="Syrc" typeface="Estrangelo Edessa"/>
+        <a:font script="Orya" typeface="Kalinga"/>
+        <a:font script="Mlym" typeface="Kartika"/>
+        <a:font script="Laoo" typeface="DokChampa"/>
+        <a:font script="Sinh" typeface="Iskoola Pota"/>
+        <a:font script="Mong" typeface="Mongolian Baiti"/>
+        <a:font script="Viet" typeface="Arial"/>
+        <a:font script="Uigh" typeface="Microsoft Uighur"/>
+        <a:font script="Geor" typeface="Sylfaen"/>
+      </a:minorFont>
+    </a:fontScheme>
+    <a:fmtScheme name="Office">
+      <a:fillStyleLst>
+        <a:solidFill>
+          <a:schemeClr val="phClr"/>
+        </a:solidFill>
+        <a:gradFill rotWithShape="1">
+          <a:gsLst>
+            <a:gs pos="0">
+              <a:schemeClr val="phClr">
+                <a:lumMod val="110000"/>
+                <a:satMod val="105000"/>
+                <a:tint val="67000"/>
+              </a:schemeClr>
+            </a:gs>
+            <a:gs pos="50000">
+              <a:schemeClr val="phClr">
+                <a:lumMod val="105000"/>
+                <a:satMod val="103000"/>
+                <a:tint val="73000"/>
+              </a:schemeClr>
+            </a:gs>
+            <a:gs pos="100000">
+              <a:schemeClr val="phClr">
+                <a:lumMod val="105000"/>
+                <a:satMod val="109000"/>
+                <a:tint val="81000"/>
+              </a:schemeClr>
+            </a:gs>
+          </a:gsLst>
+          <a:lin ang="5400000" scaled="0"/>
+        </a:gradFill>
+        <a:gradFill rotWithShape="1">
+          <a:gsLst>
+            <a:gs pos="0">
+              <a:schemeClr val="phClr">
+                <a:satMod val="103000"/>
+                <a:lumMod val="102000"/>
+                <a:tint val="94000"/>
+              </a:schemeClr>
+            </a:gs>
+            <a:gs pos="50000">
+              <a:schemeClr val="phClr">
+                <a:satMod val="110000"/>
+                <a:lumMod val="100000"/>
+                <a:shade val="100000"/>
+              </a:schemeClr>
+            </a:gs>
+            <a:gs pos="100000">
+              <a:schemeClr val="phClr">
+                <a:lumMod val="99000"/>
+                <a:satMod val="120000"/>
+                <a:shade val="78000"/>
+              </a:schemeClr>
+            </a:gs>
+          </a:gsLst>
+          <a:lin ang="5400000" scaled="0"/>
+        </a:gradFill>
+      </a:fillStyleLst>
+      <a:lnStyleLst>
+        <a:ln w="6350" cap="flat" cmpd="sng" algn="ctr">
+          <a:solidFill>
+            <a:schemeClr val="phClr"/>
+          </a:solidFill>
+          <a:prstDash val="solid"/>
+          <a:miter lim="800000"/>
+        </a:ln>
+        <a:ln w="12700" cap="flat" cmpd="sng" algn="ctr">
+          <a:solidFill>
+            <a:schemeClr val="phClr"/>
+          </a:solidFill>
+          <a:prstDash val="solid"/>
+          <a:miter lim="800000"/>
+        </a:ln>
+        <a:ln w="19050" cap="flat" cmpd="sng" algn="ctr">
+          <a:solidFill>
+            <a:schemeClr val="phClr"/>
+          </a:solidFill>
+          <a:prstDash val="solid"/>
+          <a:miter lim="800000"/>
+        </a:ln>
+      </a:lnStyleLst>
+      <a:effectStyleLst>
+        <a:effectStyle>
+          <a:effectLst/>
+        </a:effectStyle>
+        <a:effectStyle>
+          <a:effectLst/>
+        </a:effectStyle>
+        <a:effectStyle>
+          <a:effectLst>
+            <a:outerShdw blurRad="57150" dist="19050" dir="5400000" algn="ctr" rotWithShape="0">
+              <a:srgbClr val="000000">
+                <a:alpha val="63000"/>
+              </a:srgbClr>
+            </a:outerShdw>
+          </a:effectLst>
+        </a:effectStyle>
+      </a:effectStyleLst>
+      <a:bgFillStyleLst>
+        <a:solidFill>
+          <a:schemeClr val="phClr"/>
+        </a:solidFill>
+        <a:solidFill>
+          <a:schemeClr val="phClr">
+            <a:tint val="95000"/>
+            <a:satMod val="170000"/>
+          </a:schemeClr>
+        </a:solidFill>
+        <a:gradFill rotWithShape="1">
+          <a:gsLst>
+            <a:gs pos="0">
+              <a:schemeClr val="phClr">
+                <a:tint val="93000"/>
+                <a:satMod val="150000"/>
+                <a:shade val="98000"/>
+                <a:lumMod val="102000"/>
+              </a:schemeClr>
+            </a:gs>
+            <a:gs pos="50000">
+              <a:schemeClr val="phClr">
+                <a:tint val="98000"/>
+                <a:satMod val="130000"/>
+                <a:shade val="90000"/>
+                <a:lumMod val="103000"/>
+              </a:schemeClr>
+            </a:gs>
+            <a:gs pos="100000">
+              <a:schemeClr val="phClr">
+                <a:shade val="63000"/>
+                <a:satMod val="120000"/>
+              </a:schemeClr>
+            </a:gs>
+          </a:gsLst>
+          <a:lin ang="5400000" scaled="0"/>
+        </a:gradFill>
+      </a:bgFillStyleLst>
+    </a:fmtScheme>
+  </a:themeElements>
+  <a:extLst>
+    <a:ext uri="{05A4C25C-085E-4340-85A3-A5531E510DB2}">
+      <thm15:themeFamily xmlns:thm15="http://schemas.microsoft.com/office/thememl/2012/main" name="Office Theme" id="{62F939B6-93AF-4DB8-9C6B-D6C7DFDC589F}" vid="{4A3C46E8-61CC-4603-A589-7422A47A8E4A}"/>
+    </a:ext>
+  </a:extLst>
+</a:theme>
 </file>